--- a/Presentation/Case Study - Presentation.pptx
+++ b/Presentation/Case Study - Presentation.pptx
@@ -128,6 +128,9 @@
   <p:extLst>
     <p:ext uri="{EFAFB233-063F-42B5-8137-9DF3F51BA10A}">
       <p15:sldGuideLst xmlns:p15="http://schemas.microsoft.com/office/powerpoint/2012/main"/>
+    </p:ext>
+    <p:ext uri="{2D200454-40CA-4A62-9FC3-DE9A4176ACB9}">
+      <p15:notesGuideLst xmlns:p15="http://schemas.microsoft.com/office/powerpoint/2012/main"/>
     </p:ext>
   </p:extLst>
 </p:presentation>
@@ -8380,6 +8383,36 @@
           </a:extLst>
         </p:spPr>
       </p:pic>
+      <p:pic>
+        <p:nvPicPr>
+          <p:cNvPr id="4" name="Picture 3">
+            <a:extLst>
+              <a:ext uri="{FF2B5EF4-FFF2-40B4-BE49-F238E27FC236}">
+                <a16:creationId xmlns:a16="http://schemas.microsoft.com/office/drawing/2014/main" id="{B5AC537C-FFFD-46B0-75DC-B3ADC8251072}"/>
+              </a:ext>
+            </a:extLst>
+          </p:cNvPr>
+          <p:cNvPicPr>
+            <a:picLocks noChangeAspect="1"/>
+          </p:cNvPicPr>
+          <p:nvPr/>
+        </p:nvPicPr>
+        <p:blipFill>
+          <a:blip r:embed="rId4"/>
+          <a:stretch>
+            <a:fillRect/>
+          </a:stretch>
+        </p:blipFill>
+        <p:spPr>
+          <a:xfrm>
+            <a:off x="1847482" y="1582642"/>
+            <a:ext cx="8497036" cy="4770533"/>
+          </a:xfrm>
+          <a:prstGeom prst="rect">
+            <a:avLst/>
+          </a:prstGeom>
+        </p:spPr>
+      </p:pic>
     </p:spTree>
     <p:extLst>
       <p:ext uri="{BB962C8B-B14F-4D97-AF65-F5344CB8AC3E}">

--- a/Presentation/Case Study - Presentation.pptx
+++ b/Presentation/Case Study - Presentation.pptx
@@ -5,28 +5,35 @@
     <p:sldMasterId id="2147483648" r:id="rId1"/>
   </p:sldMasterIdLst>
   <p:notesMasterIdLst>
-    <p:notesMasterId r:id="rId18"/>
+    <p:notesMasterId r:id="rId25"/>
   </p:notesMasterIdLst>
   <p:handoutMasterIdLst>
-    <p:handoutMasterId r:id="rId19"/>
+    <p:handoutMasterId r:id="rId26"/>
   </p:handoutMasterIdLst>
   <p:sldIdLst>
     <p:sldId id="256" r:id="rId2"/>
-    <p:sldId id="258" r:id="rId3"/>
-    <p:sldId id="259" r:id="rId4"/>
-    <p:sldId id="264" r:id="rId5"/>
-    <p:sldId id="263" r:id="rId6"/>
-    <p:sldId id="260" r:id="rId7"/>
-    <p:sldId id="261" r:id="rId8"/>
-    <p:sldId id="262" r:id="rId9"/>
-    <p:sldId id="265" r:id="rId10"/>
-    <p:sldId id="266" r:id="rId11"/>
-    <p:sldId id="267" r:id="rId12"/>
-    <p:sldId id="268" r:id="rId13"/>
-    <p:sldId id="270" r:id="rId14"/>
-    <p:sldId id="271" r:id="rId15"/>
-    <p:sldId id="272" r:id="rId16"/>
-    <p:sldId id="273" r:id="rId17"/>
+    <p:sldId id="275" r:id="rId3"/>
+    <p:sldId id="267" r:id="rId4"/>
+    <p:sldId id="258" r:id="rId5"/>
+    <p:sldId id="276" r:id="rId6"/>
+    <p:sldId id="263" r:id="rId7"/>
+    <p:sldId id="277" r:id="rId8"/>
+    <p:sldId id="260" r:id="rId9"/>
+    <p:sldId id="266" r:id="rId10"/>
+    <p:sldId id="278" r:id="rId11"/>
+    <p:sldId id="279" r:id="rId12"/>
+    <p:sldId id="280" r:id="rId13"/>
+    <p:sldId id="261" r:id="rId14"/>
+    <p:sldId id="281" r:id="rId15"/>
+    <p:sldId id="262" r:id="rId16"/>
+    <p:sldId id="268" r:id="rId17"/>
+    <p:sldId id="270" r:id="rId18"/>
+    <p:sldId id="271" r:id="rId19"/>
+    <p:sldId id="282" r:id="rId20"/>
+    <p:sldId id="283" r:id="rId21"/>
+    <p:sldId id="286" r:id="rId22"/>
+    <p:sldId id="272" r:id="rId23"/>
+    <p:sldId id="273" r:id="rId24"/>
   </p:sldIdLst>
   <p:sldSz cx="12192000" cy="6858000"/>
   <p:notesSz cx="6858000" cy="9144000"/>
@@ -3886,240 +3893,11 @@
                 </a:solidFill>
                 <a:latin typeface="Calisto MT" panose="02040603050505030304" pitchFamily="18" charset="0"/>
               </a:rPr>
-              <a:t>Business Requirements</a:t>
+              <a:t>DW/BI Lifecycle</a:t>
             </a:r>
           </a:p>
         </p:txBody>
       </p:sp>
-      <p:sp>
-        <p:nvSpPr>
-          <p:cNvPr id="3" name="TextBox 2">
-            <a:extLst>
-              <a:ext uri="{FF2B5EF4-FFF2-40B4-BE49-F238E27FC236}">
-                <a16:creationId xmlns:a16="http://schemas.microsoft.com/office/drawing/2014/main" id="{9D188AD1-93A6-EFFE-3ACA-0B480B5135A9}"/>
-              </a:ext>
-            </a:extLst>
-          </p:cNvPr>
-          <p:cNvSpPr txBox="1"/>
-          <p:nvPr/>
-        </p:nvSpPr>
-        <p:spPr>
-          <a:xfrm>
-            <a:off x="0" y="1476462"/>
-            <a:ext cx="12192000" cy="923330"/>
-          </a:xfrm>
-          <a:prstGeom prst="rect">
-            <a:avLst/>
-          </a:prstGeom>
-          <a:noFill/>
-        </p:spPr>
-        <p:txBody>
-          <a:bodyPr wrap="square" rtlCol="0">
-            <a:spAutoFit/>
-          </a:bodyPr>
-          <a:lstStyle/>
-          <a:p>
-            <a:pPr marL="285750" indent="-285750">
-              <a:buFont typeface="Arial" panose="020B0604020202020204" pitchFamily="34" charset="0"/>
-              <a:buChar char="•"/>
-            </a:pPr>
-            <a:r>
-              <a:rPr lang="en-US" dirty="0"/>
-              <a:t>Help the business find out if there is a </a:t>
-            </a:r>
-            <a:r>
-              <a:rPr lang="en-US" b="1" i="1" u="sng" dirty="0"/>
-              <a:t>Correlation</a:t>
-            </a:r>
-            <a:r>
-              <a:rPr lang="en-US" dirty="0"/>
-              <a:t> between</a:t>
-            </a:r>
-          </a:p>
-          <a:p>
-            <a:pPr marL="742950" lvl="1" indent="-285750">
-              <a:buFont typeface="Wingdings" panose="05000000000000000000" pitchFamily="2" charset="2"/>
-              <a:buChar char="Ø"/>
-            </a:pPr>
-            <a:r>
-              <a:rPr lang="en-US" b="1" dirty="0">
-                <a:solidFill>
-                  <a:srgbClr val="0000FF"/>
-                </a:solidFill>
-              </a:rPr>
-              <a:t>Weather conditions</a:t>
-            </a:r>
-            <a:r>
-              <a:rPr lang="en-US" dirty="0"/>
-              <a:t>, and </a:t>
-            </a:r>
-            <a:r>
-              <a:rPr lang="en-US" b="1" dirty="0">
-                <a:solidFill>
-                  <a:schemeClr val="accent6"/>
-                </a:solidFill>
-              </a:rPr>
-              <a:t>Bikes usage</a:t>
-            </a:r>
-          </a:p>
-          <a:p>
-            <a:pPr marL="1200150" lvl="2" indent="-285750">
-              <a:buFont typeface="Courier New" panose="02070309020205020404" pitchFamily="49" charset="0"/>
-              <a:buChar char="o"/>
-            </a:pPr>
-            <a:r>
-              <a:rPr lang="en-US" dirty="0"/>
-              <a:t>e.g., Do rainy days result in less bikes hiring compared to sunny days?</a:t>
-            </a:r>
-          </a:p>
-        </p:txBody>
-      </p:sp>
-      <p:grpSp>
-        <p:nvGrpSpPr>
-          <p:cNvPr id="11" name="Group 10">
-            <a:extLst>
-              <a:ext uri="{FF2B5EF4-FFF2-40B4-BE49-F238E27FC236}">
-                <a16:creationId xmlns:a16="http://schemas.microsoft.com/office/drawing/2014/main" id="{B59EC7E4-9234-C851-AD43-E64F838A99F8}"/>
-              </a:ext>
-            </a:extLst>
-          </p:cNvPr>
-          <p:cNvGrpSpPr/>
-          <p:nvPr/>
-        </p:nvGrpSpPr>
-        <p:grpSpPr>
-          <a:xfrm>
-            <a:off x="4333418" y="3154191"/>
-            <a:ext cx="2608035" cy="2608036"/>
-            <a:chOff x="4405161" y="2958168"/>
-            <a:chExt cx="2608035" cy="2608036"/>
-          </a:xfrm>
-        </p:grpSpPr>
-        <p:pic>
-          <p:nvPicPr>
-            <p:cNvPr id="1028" name="Picture 4" descr="positive correlation Icon - Free PNG &amp; SVG 1569699 - Noun Project">
-              <a:extLst>
-                <a:ext uri="{FF2B5EF4-FFF2-40B4-BE49-F238E27FC236}">
-                  <a16:creationId xmlns:a16="http://schemas.microsoft.com/office/drawing/2014/main" id="{46A96DDF-0E7F-D7FC-D7B3-20076F3280D3}"/>
-                </a:ext>
-              </a:extLst>
-            </p:cNvPr>
-            <p:cNvPicPr>
-              <a:picLocks noChangeAspect="1" noChangeArrowheads="1"/>
-            </p:cNvPicPr>
-            <p:nvPr/>
-          </p:nvPicPr>
-          <p:blipFill>
-            <a:blip r:embed="rId2">
-              <a:extLst>
-                <a:ext uri="{28A0092B-C50C-407E-A947-70E740481C1C}">
-                  <a14:useLocalDpi xmlns:a14="http://schemas.microsoft.com/office/drawing/2010/main" val="0"/>
-                </a:ext>
-              </a:extLst>
-            </a:blip>
-            <a:srcRect/>
-            <a:stretch>
-              <a:fillRect/>
-            </a:stretch>
-          </p:blipFill>
-          <p:spPr bwMode="auto">
-            <a:xfrm>
-              <a:off x="4589826" y="2958168"/>
-              <a:ext cx="2423370" cy="2423370"/>
-            </a:xfrm>
-            <a:prstGeom prst="rect">
-              <a:avLst/>
-            </a:prstGeom>
-            <a:noFill/>
-            <a:extLst>
-              <a:ext uri="{909E8E84-426E-40DD-AFC4-6F175D3DCCD1}">
-                <a14:hiddenFill xmlns:a14="http://schemas.microsoft.com/office/drawing/2010/main">
-                  <a:solidFill>
-                    <a:srgbClr val="FFFFFF"/>
-                  </a:solidFill>
-                </a14:hiddenFill>
-              </a:ext>
-            </a:extLst>
-          </p:spPr>
-        </p:pic>
-        <p:sp>
-          <p:nvSpPr>
-            <p:cNvPr id="9" name="TextBox 8">
-              <a:extLst>
-                <a:ext uri="{FF2B5EF4-FFF2-40B4-BE49-F238E27FC236}">
-                  <a16:creationId xmlns:a16="http://schemas.microsoft.com/office/drawing/2014/main" id="{1A1FFC19-30B4-86A0-C104-EDF3BC55E95C}"/>
-                </a:ext>
-              </a:extLst>
-            </p:cNvPr>
-            <p:cNvSpPr txBox="1"/>
-            <p:nvPr/>
-          </p:nvSpPr>
-          <p:spPr>
-            <a:xfrm>
-              <a:off x="4808202" y="5196872"/>
-              <a:ext cx="1986618" cy="369332"/>
-            </a:xfrm>
-            <a:prstGeom prst="rect">
-              <a:avLst/>
-            </a:prstGeom>
-            <a:noFill/>
-          </p:spPr>
-          <p:txBody>
-            <a:bodyPr wrap="square" rtlCol="0">
-              <a:spAutoFit/>
-            </a:bodyPr>
-            <a:lstStyle/>
-            <a:p>
-              <a:r>
-                <a:rPr lang="en-US" b="1" dirty="0">
-                  <a:solidFill>
-                    <a:srgbClr val="0000FF"/>
-                  </a:solidFill>
-                </a:rPr>
-                <a:t>Weather condition</a:t>
-              </a:r>
-            </a:p>
-          </p:txBody>
-        </p:sp>
-        <p:sp>
-          <p:nvSpPr>
-            <p:cNvPr id="10" name="TextBox 9">
-              <a:extLst>
-                <a:ext uri="{FF2B5EF4-FFF2-40B4-BE49-F238E27FC236}">
-                  <a16:creationId xmlns:a16="http://schemas.microsoft.com/office/drawing/2014/main" id="{309DAC78-0625-7165-24FA-C28AB8760ACB}"/>
-                </a:ext>
-              </a:extLst>
-            </p:cNvPr>
-            <p:cNvSpPr txBox="1"/>
-            <p:nvPr/>
-          </p:nvSpPr>
-          <p:spPr>
-            <a:xfrm rot="16200000">
-              <a:off x="3892461" y="3936175"/>
-              <a:ext cx="1394731" cy="369332"/>
-            </a:xfrm>
-            <a:prstGeom prst="rect">
-              <a:avLst/>
-            </a:prstGeom>
-            <a:noFill/>
-          </p:spPr>
-          <p:txBody>
-            <a:bodyPr wrap="square" rtlCol="0">
-              <a:spAutoFit/>
-            </a:bodyPr>
-            <a:lstStyle/>
-            <a:p>
-              <a:r>
-                <a:rPr lang="en-US" b="1" dirty="0">
-                  <a:solidFill>
-                    <a:schemeClr val="accent6"/>
-                  </a:solidFill>
-                </a:rPr>
-                <a:t>Bikes Usage</a:t>
-              </a:r>
-            </a:p>
-          </p:txBody>
-        </p:sp>
-      </p:grpSp>
       <p:pic>
         <p:nvPicPr>
           <p:cNvPr id="2050" name="Picture 2" descr="FIRN Analytics: Timely Data Solutions &amp; Expert Consultancy">
@@ -4135,7 +3913,7 @@
           <p:nvPr/>
         </p:nvPicPr>
         <p:blipFill>
-          <a:blip r:embed="rId3">
+          <a:blip r:embed="rId2">
             <a:extLst>
               <a:ext uri="{28A0092B-C50C-407E-A947-70E740481C1C}">
                 <a14:useLocalDpi xmlns:a14="http://schemas.microsoft.com/office/drawing/2010/main" val="0"/>
@@ -4165,6 +3943,36 @@
               </a14:hiddenFill>
             </a:ext>
           </a:extLst>
+        </p:spPr>
+      </p:pic>
+      <p:pic>
+        <p:nvPicPr>
+          <p:cNvPr id="8" name="Picture 7">
+            <a:extLst>
+              <a:ext uri="{FF2B5EF4-FFF2-40B4-BE49-F238E27FC236}">
+                <a16:creationId xmlns:a16="http://schemas.microsoft.com/office/drawing/2014/main" id="{5A94F403-93A2-5405-E673-A3B5A186DAC9}"/>
+              </a:ext>
+            </a:extLst>
+          </p:cNvPr>
+          <p:cNvPicPr>
+            <a:picLocks noChangeAspect="1"/>
+          </p:cNvPicPr>
+          <p:nvPr/>
+        </p:nvPicPr>
+        <p:blipFill>
+          <a:blip r:embed="rId3"/>
+          <a:stretch>
+            <a:fillRect/>
+          </a:stretch>
+        </p:blipFill>
+        <p:spPr>
+          <a:xfrm>
+            <a:off x="2832167" y="1790217"/>
+            <a:ext cx="6527666" cy="3277565"/>
+          </a:xfrm>
+          <a:prstGeom prst="rect">
+            <a:avLst/>
+          </a:prstGeom>
         </p:spPr>
       </p:pic>
     </p:spTree>
@@ -4233,17 +4041,720 @@
                 </a:solidFill>
                 <a:latin typeface="Calisto MT" panose="02040603050505030304" pitchFamily="18" charset="0"/>
               </a:rPr>
-              <a:t>Dbt Cloud – Connect to Snowflake via Partner Connect</a:t>
+              <a:t>Dimensional Modeling</a:t>
+            </a:r>
+          </a:p>
+        </p:txBody>
+      </p:sp>
+      <p:pic>
+        <p:nvPicPr>
+          <p:cNvPr id="2050" name="Picture 2" descr="FIRN Analytics: Timely Data Solutions &amp; Expert Consultancy">
+            <a:extLst>
+              <a:ext uri="{FF2B5EF4-FFF2-40B4-BE49-F238E27FC236}">
+                <a16:creationId xmlns:a16="http://schemas.microsoft.com/office/drawing/2014/main" id="{14A52F25-2DAE-5DA7-4039-D4DC6699D305}"/>
+              </a:ext>
+            </a:extLst>
+          </p:cNvPr>
+          <p:cNvPicPr>
+            <a:picLocks noChangeAspect="1" noChangeArrowheads="1"/>
+          </p:cNvPicPr>
+          <p:nvPr/>
+        </p:nvPicPr>
+        <p:blipFill>
+          <a:blip r:embed="rId2">
+            <a:extLst>
+              <a:ext uri="{28A0092B-C50C-407E-A947-70E740481C1C}">
+                <a14:useLocalDpi xmlns:a14="http://schemas.microsoft.com/office/drawing/2010/main" val="0"/>
+              </a:ext>
+            </a:extLst>
+          </a:blip>
+          <a:srcRect/>
+          <a:stretch>
+            <a:fillRect/>
+          </a:stretch>
+        </p:blipFill>
+        <p:spPr bwMode="auto">
+          <a:xfrm>
+            <a:off x="11182350" y="5848350"/>
+            <a:ext cx="1009650" cy="1009650"/>
+          </a:xfrm>
+          <a:prstGeom prst="rect">
+            <a:avLst/>
+          </a:prstGeom>
+          <a:noFill/>
+          <a:extLst>
+            <a:ext uri="{909E8E84-426E-40DD-AFC4-6F175D3DCCD1}">
+              <a14:hiddenFill xmlns:a14="http://schemas.microsoft.com/office/drawing/2010/main">
+                <a:solidFill>
+                  <a:srgbClr val="FFFFFF"/>
+                </a:solidFill>
+              </a14:hiddenFill>
+            </a:ext>
+          </a:extLst>
+        </p:spPr>
+      </p:pic>
+      <p:grpSp>
+        <p:nvGrpSpPr>
+          <p:cNvPr id="5" name="Group 4">
+            <a:extLst>
+              <a:ext uri="{FF2B5EF4-FFF2-40B4-BE49-F238E27FC236}">
+                <a16:creationId xmlns:a16="http://schemas.microsoft.com/office/drawing/2014/main" id="{BF5A048F-1387-2BAA-E9AE-D2065B9A5F76}"/>
+              </a:ext>
+            </a:extLst>
+          </p:cNvPr>
+          <p:cNvGrpSpPr/>
+          <p:nvPr/>
+        </p:nvGrpSpPr>
+        <p:grpSpPr>
+          <a:xfrm>
+            <a:off x="2832167" y="1790217"/>
+            <a:ext cx="6527666" cy="3277565"/>
+            <a:chOff x="2832167" y="1790217"/>
+            <a:chExt cx="6527666" cy="3277565"/>
+          </a:xfrm>
+        </p:grpSpPr>
+        <p:pic>
+          <p:nvPicPr>
+            <p:cNvPr id="7" name="Picture 6">
+              <a:extLst>
+                <a:ext uri="{FF2B5EF4-FFF2-40B4-BE49-F238E27FC236}">
+                  <a16:creationId xmlns:a16="http://schemas.microsoft.com/office/drawing/2014/main" id="{43180DA8-4FC1-AAE5-2746-A3E064B5E878}"/>
+                </a:ext>
+              </a:extLst>
+            </p:cNvPr>
+            <p:cNvPicPr>
+              <a:picLocks noChangeAspect="1"/>
+            </p:cNvPicPr>
+            <p:nvPr/>
+          </p:nvPicPr>
+          <p:blipFill>
+            <a:blip r:embed="rId3"/>
+            <a:stretch>
+              <a:fillRect/>
+            </a:stretch>
+          </p:blipFill>
+          <p:spPr>
+            <a:xfrm>
+              <a:off x="2832167" y="1790217"/>
+              <a:ext cx="6527666" cy="3277565"/>
+            </a:xfrm>
+            <a:prstGeom prst="rect">
+              <a:avLst/>
+            </a:prstGeom>
+          </p:spPr>
+        </p:pic>
+        <p:sp>
+          <p:nvSpPr>
+            <p:cNvPr id="8" name="TextBox 7">
+              <a:extLst>
+                <a:ext uri="{FF2B5EF4-FFF2-40B4-BE49-F238E27FC236}">
+                  <a16:creationId xmlns:a16="http://schemas.microsoft.com/office/drawing/2014/main" id="{DE453079-341B-9072-E04B-D8FAC6602CF8}"/>
+                </a:ext>
+              </a:extLst>
+            </p:cNvPr>
+            <p:cNvSpPr txBox="1"/>
+            <p:nvPr/>
+          </p:nvSpPr>
+          <p:spPr>
+            <a:xfrm>
+              <a:off x="4064002" y="2779325"/>
+              <a:ext cx="1303869" cy="1005840"/>
+            </a:xfrm>
+            <a:prstGeom prst="rect">
+              <a:avLst/>
+            </a:prstGeom>
+            <a:noFill/>
+            <a:ln w="38100">
+              <a:solidFill>
+                <a:srgbClr val="7030A0"/>
+              </a:solidFill>
+            </a:ln>
+          </p:spPr>
+          <p:txBody>
+            <a:bodyPr wrap="square" rtlCol="0">
+              <a:spAutoFit/>
+            </a:bodyPr>
+            <a:lstStyle/>
+            <a:p>
+              <a:endParaRPr lang="en-US" dirty="0"/>
+            </a:p>
+          </p:txBody>
+        </p:sp>
+      </p:grpSp>
+    </p:spTree>
+    <p:extLst>
+      <p:ext uri="{BB962C8B-B14F-4D97-AF65-F5344CB8AC3E}">
+        <p14:creationId xmlns:p14="http://schemas.microsoft.com/office/powerpoint/2010/main" val="3287792572"/>
+      </p:ext>
+    </p:extLst>
+  </p:cSld>
+  <p:clrMapOvr>
+    <a:masterClrMapping/>
+  </p:clrMapOvr>
+</p:sld>
+</file>
+
+<file path=ppt/slides/slide11.xml><?xml version="1.0" encoding="utf-8"?>
+<p:sld xmlns:a="http://schemas.openxmlformats.org/drawingml/2006/main" xmlns:r="http://schemas.openxmlformats.org/officeDocument/2006/relationships" xmlns:p="http://schemas.openxmlformats.org/presentationml/2006/main">
+  <p:cSld>
+    <p:spTree>
+      <p:nvGrpSpPr>
+        <p:cNvPr id="1" name=""/>
+        <p:cNvGrpSpPr/>
+        <p:nvPr/>
+      </p:nvGrpSpPr>
+      <p:grpSpPr>
+        <a:xfrm>
+          <a:off x="0" y="0"/>
+          <a:ext cx="0" cy="0"/>
+          <a:chOff x="0" y="0"/>
+          <a:chExt cx="0" cy="0"/>
+        </a:xfrm>
+      </p:grpSpPr>
+      <p:sp>
+        <p:nvSpPr>
+          <p:cNvPr id="2" name="TextBox 1">
+            <a:extLst>
+              <a:ext uri="{FF2B5EF4-FFF2-40B4-BE49-F238E27FC236}">
+                <a16:creationId xmlns:a16="http://schemas.microsoft.com/office/drawing/2014/main" id="{15726383-B407-319E-030C-10F657ACC3A3}"/>
+              </a:ext>
+            </a:extLst>
+          </p:cNvPr>
+          <p:cNvSpPr txBox="1"/>
+          <p:nvPr/>
+        </p:nvSpPr>
+        <p:spPr>
+          <a:xfrm>
+            <a:off x="0" y="323165"/>
+            <a:ext cx="12192000" cy="646331"/>
+          </a:xfrm>
+          <a:prstGeom prst="rect">
+            <a:avLst/>
+          </a:prstGeom>
+          <a:noFill/>
+        </p:spPr>
+        <p:txBody>
+          <a:bodyPr wrap="square" rtlCol="0">
+            <a:spAutoFit/>
+          </a:bodyPr>
+          <a:lstStyle/>
+          <a:p>
+            <a:pPr algn="ctr"/>
+            <a:r>
+              <a:rPr lang="en-US" sz="3600" i="1" dirty="0">
+                <a:solidFill>
+                  <a:srgbClr val="7030A0"/>
+                </a:solidFill>
+                <a:latin typeface="Calisto MT" panose="02040603050505030304" pitchFamily="18" charset="0"/>
+              </a:rPr>
+              <a:t>Dimensional Modeling</a:t>
+            </a:r>
+          </a:p>
+        </p:txBody>
+      </p:sp>
+      <p:pic>
+        <p:nvPicPr>
+          <p:cNvPr id="2050" name="Picture 2" descr="FIRN Analytics: Timely Data Solutions &amp; Expert Consultancy">
+            <a:extLst>
+              <a:ext uri="{FF2B5EF4-FFF2-40B4-BE49-F238E27FC236}">
+                <a16:creationId xmlns:a16="http://schemas.microsoft.com/office/drawing/2014/main" id="{14A52F25-2DAE-5DA7-4039-D4DC6699D305}"/>
+              </a:ext>
+            </a:extLst>
+          </p:cNvPr>
+          <p:cNvPicPr>
+            <a:picLocks noChangeAspect="1" noChangeArrowheads="1"/>
+          </p:cNvPicPr>
+          <p:nvPr/>
+        </p:nvPicPr>
+        <p:blipFill>
+          <a:blip r:embed="rId2">
+            <a:extLst>
+              <a:ext uri="{28A0092B-C50C-407E-A947-70E740481C1C}">
+                <a14:useLocalDpi xmlns:a14="http://schemas.microsoft.com/office/drawing/2010/main" val="0"/>
+              </a:ext>
+            </a:extLst>
+          </a:blip>
+          <a:srcRect/>
+          <a:stretch>
+            <a:fillRect/>
+          </a:stretch>
+        </p:blipFill>
+        <p:spPr bwMode="auto">
+          <a:xfrm>
+            <a:off x="11182350" y="5848350"/>
+            <a:ext cx="1009650" cy="1009650"/>
+          </a:xfrm>
+          <a:prstGeom prst="rect">
+            <a:avLst/>
+          </a:prstGeom>
+          <a:noFill/>
+          <a:extLst>
+            <a:ext uri="{909E8E84-426E-40DD-AFC4-6F175D3DCCD1}">
+              <a14:hiddenFill xmlns:a14="http://schemas.microsoft.com/office/drawing/2010/main">
+                <a:solidFill>
+                  <a:srgbClr val="FFFFFF"/>
+                </a:solidFill>
+              </a14:hiddenFill>
+            </a:ext>
+          </a:extLst>
+        </p:spPr>
+      </p:pic>
+      <p:grpSp>
+        <p:nvGrpSpPr>
+          <p:cNvPr id="10" name="Group 9">
+            <a:extLst>
+              <a:ext uri="{FF2B5EF4-FFF2-40B4-BE49-F238E27FC236}">
+                <a16:creationId xmlns:a16="http://schemas.microsoft.com/office/drawing/2014/main" id="{D7A8C770-7D2C-36D5-9A52-3452C7D9C852}"/>
+              </a:ext>
+            </a:extLst>
+          </p:cNvPr>
+          <p:cNvGrpSpPr/>
+          <p:nvPr/>
+        </p:nvGrpSpPr>
+        <p:grpSpPr>
+          <a:xfrm>
+            <a:off x="2413000" y="2794000"/>
+            <a:ext cx="4936067" cy="990600"/>
+            <a:chOff x="2413000" y="2794000"/>
+            <a:chExt cx="4936067" cy="990600"/>
+          </a:xfrm>
+        </p:grpSpPr>
+        <p:sp>
+          <p:nvSpPr>
+            <p:cNvPr id="5" name="Rectangle 4">
+              <a:extLst>
+                <a:ext uri="{FF2B5EF4-FFF2-40B4-BE49-F238E27FC236}">
+                  <a16:creationId xmlns:a16="http://schemas.microsoft.com/office/drawing/2014/main" id="{35664653-C676-EE50-807F-34A2C15526C9}"/>
+                </a:ext>
+              </a:extLst>
+            </p:cNvPr>
+            <p:cNvSpPr/>
+            <p:nvPr/>
+          </p:nvSpPr>
+          <p:spPr>
+            <a:xfrm>
+              <a:off x="5240867" y="2794000"/>
+              <a:ext cx="2108200" cy="990600"/>
+            </a:xfrm>
+            <a:prstGeom prst="rect">
+              <a:avLst/>
+            </a:prstGeom>
+          </p:spPr>
+          <p:style>
+            <a:lnRef idx="2">
+              <a:schemeClr val="accent6">
+                <a:shade val="15000"/>
+              </a:schemeClr>
+            </a:lnRef>
+            <a:fillRef idx="1">
+              <a:schemeClr val="accent6"/>
+            </a:fillRef>
+            <a:effectRef idx="0">
+              <a:schemeClr val="accent6"/>
+            </a:effectRef>
+            <a:fontRef idx="minor">
+              <a:schemeClr val="lt1"/>
+            </a:fontRef>
+          </p:style>
+          <p:txBody>
+            <a:bodyPr rtlCol="0" anchor="ctr"/>
+            <a:lstStyle/>
+            <a:p>
+              <a:pPr algn="ctr"/>
+              <a:r>
+                <a:rPr lang="en-US" b="1" dirty="0"/>
+                <a:t>Fact</a:t>
+              </a:r>
+            </a:p>
+            <a:p>
+              <a:pPr algn="ctr"/>
+              <a:r>
+                <a:rPr lang="en-US" i="1" dirty="0"/>
+                <a:t>Trips</a:t>
+              </a:r>
+            </a:p>
+          </p:txBody>
+        </p:sp>
+        <p:sp>
+          <p:nvSpPr>
+            <p:cNvPr id="7" name="Rectangle 6">
+              <a:extLst>
+                <a:ext uri="{FF2B5EF4-FFF2-40B4-BE49-F238E27FC236}">
+                  <a16:creationId xmlns:a16="http://schemas.microsoft.com/office/drawing/2014/main" id="{C6AA597F-A6F2-F002-BBD3-00B1D5EE4393}"/>
+                </a:ext>
+              </a:extLst>
+            </p:cNvPr>
+            <p:cNvSpPr/>
+            <p:nvPr/>
+          </p:nvSpPr>
+          <p:spPr>
+            <a:xfrm>
+              <a:off x="2413000" y="2794000"/>
+              <a:ext cx="2108200" cy="990600"/>
+            </a:xfrm>
+            <a:prstGeom prst="rect">
+              <a:avLst/>
+            </a:prstGeom>
+          </p:spPr>
+          <p:style>
+            <a:lnRef idx="2">
+              <a:schemeClr val="accent1">
+                <a:shade val="15000"/>
+              </a:schemeClr>
+            </a:lnRef>
+            <a:fillRef idx="1">
+              <a:schemeClr val="accent1"/>
+            </a:fillRef>
+            <a:effectRef idx="0">
+              <a:schemeClr val="accent1"/>
+            </a:effectRef>
+            <a:fontRef idx="minor">
+              <a:schemeClr val="lt1"/>
+            </a:fontRef>
+          </p:style>
+          <p:txBody>
+            <a:bodyPr rtlCol="0" anchor="ctr"/>
+            <a:lstStyle/>
+            <a:p>
+              <a:pPr algn="ctr"/>
+              <a:r>
+                <a:rPr lang="en-US" b="1" dirty="0"/>
+                <a:t>Dimension</a:t>
+              </a:r>
+            </a:p>
+            <a:p>
+              <a:pPr algn="ctr"/>
+              <a:r>
+                <a:rPr lang="en-US" i="1" dirty="0"/>
+                <a:t>Weather</a:t>
+              </a:r>
+            </a:p>
+          </p:txBody>
+        </p:sp>
+        <p:cxnSp>
+          <p:nvCxnSpPr>
+            <p:cNvPr id="9" name="Straight Connector 8">
+              <a:extLst>
+                <a:ext uri="{FF2B5EF4-FFF2-40B4-BE49-F238E27FC236}">
+                  <a16:creationId xmlns:a16="http://schemas.microsoft.com/office/drawing/2014/main" id="{C5AEC542-D5DF-35B4-19AB-26EF6F0C68F4}"/>
+                </a:ext>
+              </a:extLst>
+            </p:cNvPr>
+            <p:cNvCxnSpPr>
+              <a:cxnSpLocks/>
+              <a:stCxn id="7" idx="3"/>
+              <a:endCxn id="5" idx="1"/>
+            </p:cNvCxnSpPr>
+            <p:nvPr/>
+          </p:nvCxnSpPr>
+          <p:spPr>
+            <a:xfrm>
+              <a:off x="4521200" y="3289300"/>
+              <a:ext cx="719667" cy="0"/>
+            </a:xfrm>
+            <a:prstGeom prst="line">
+              <a:avLst/>
+            </a:prstGeom>
+          </p:spPr>
+          <p:style>
+            <a:lnRef idx="3">
+              <a:schemeClr val="dk1"/>
+            </a:lnRef>
+            <a:fillRef idx="0">
+              <a:schemeClr val="dk1"/>
+            </a:fillRef>
+            <a:effectRef idx="2">
+              <a:schemeClr val="dk1"/>
+            </a:effectRef>
+            <a:fontRef idx="minor">
+              <a:schemeClr val="tx1"/>
+            </a:fontRef>
+          </p:style>
+        </p:cxnSp>
+      </p:grpSp>
+    </p:spTree>
+    <p:extLst>
+      <p:ext uri="{BB962C8B-B14F-4D97-AF65-F5344CB8AC3E}">
+        <p14:creationId xmlns:p14="http://schemas.microsoft.com/office/powerpoint/2010/main" val="1822258142"/>
+      </p:ext>
+    </p:extLst>
+  </p:cSld>
+  <p:clrMapOvr>
+    <a:masterClrMapping/>
+  </p:clrMapOvr>
+</p:sld>
+</file>
+
+<file path=ppt/slides/slide12.xml><?xml version="1.0" encoding="utf-8"?>
+<p:sld xmlns:a="http://schemas.openxmlformats.org/drawingml/2006/main" xmlns:r="http://schemas.openxmlformats.org/officeDocument/2006/relationships" xmlns:p="http://schemas.openxmlformats.org/presentationml/2006/main">
+  <p:cSld>
+    <p:spTree>
+      <p:nvGrpSpPr>
+        <p:cNvPr id="1" name=""/>
+        <p:cNvGrpSpPr/>
+        <p:nvPr/>
+      </p:nvGrpSpPr>
+      <p:grpSpPr>
+        <a:xfrm>
+          <a:off x="0" y="0"/>
+          <a:ext cx="0" cy="0"/>
+          <a:chOff x="0" y="0"/>
+          <a:chExt cx="0" cy="0"/>
+        </a:xfrm>
+      </p:grpSpPr>
+      <p:sp>
+        <p:nvSpPr>
+          <p:cNvPr id="2" name="TextBox 1">
+            <a:extLst>
+              <a:ext uri="{FF2B5EF4-FFF2-40B4-BE49-F238E27FC236}">
+                <a16:creationId xmlns:a16="http://schemas.microsoft.com/office/drawing/2014/main" id="{15726383-B407-319E-030C-10F657ACC3A3}"/>
+              </a:ext>
+            </a:extLst>
+          </p:cNvPr>
+          <p:cNvSpPr txBox="1"/>
+          <p:nvPr/>
+        </p:nvSpPr>
+        <p:spPr>
+          <a:xfrm>
+            <a:off x="0" y="323165"/>
+            <a:ext cx="12192000" cy="646331"/>
+          </a:xfrm>
+          <a:prstGeom prst="rect">
+            <a:avLst/>
+          </a:prstGeom>
+          <a:noFill/>
+        </p:spPr>
+        <p:txBody>
+          <a:bodyPr wrap="square" rtlCol="0">
+            <a:spAutoFit/>
+          </a:bodyPr>
+          <a:lstStyle/>
+          <a:p>
+            <a:pPr algn="ctr"/>
+            <a:r>
+              <a:rPr lang="en-US" sz="3600" i="1" dirty="0">
+                <a:solidFill>
+                  <a:srgbClr val="7030A0"/>
+                </a:solidFill>
+                <a:latin typeface="Calisto MT" panose="02040603050505030304" pitchFamily="18" charset="0"/>
+              </a:rPr>
+              <a:t>Physical Design</a:t>
+            </a:r>
+          </a:p>
+        </p:txBody>
+      </p:sp>
+      <p:pic>
+        <p:nvPicPr>
+          <p:cNvPr id="2050" name="Picture 2" descr="FIRN Analytics: Timely Data Solutions &amp; Expert Consultancy">
+            <a:extLst>
+              <a:ext uri="{FF2B5EF4-FFF2-40B4-BE49-F238E27FC236}">
+                <a16:creationId xmlns:a16="http://schemas.microsoft.com/office/drawing/2014/main" id="{14A52F25-2DAE-5DA7-4039-D4DC6699D305}"/>
+              </a:ext>
+            </a:extLst>
+          </p:cNvPr>
+          <p:cNvPicPr>
+            <a:picLocks noChangeAspect="1" noChangeArrowheads="1"/>
+          </p:cNvPicPr>
+          <p:nvPr/>
+        </p:nvPicPr>
+        <p:blipFill>
+          <a:blip r:embed="rId2">
+            <a:extLst>
+              <a:ext uri="{28A0092B-C50C-407E-A947-70E740481C1C}">
+                <a14:useLocalDpi xmlns:a14="http://schemas.microsoft.com/office/drawing/2010/main" val="0"/>
+              </a:ext>
+            </a:extLst>
+          </a:blip>
+          <a:srcRect/>
+          <a:stretch>
+            <a:fillRect/>
+          </a:stretch>
+        </p:blipFill>
+        <p:spPr bwMode="auto">
+          <a:xfrm>
+            <a:off x="11182350" y="5848350"/>
+            <a:ext cx="1009650" cy="1009650"/>
+          </a:xfrm>
+          <a:prstGeom prst="rect">
+            <a:avLst/>
+          </a:prstGeom>
+          <a:noFill/>
+          <a:extLst>
+            <a:ext uri="{909E8E84-426E-40DD-AFC4-6F175D3DCCD1}">
+              <a14:hiddenFill xmlns:a14="http://schemas.microsoft.com/office/drawing/2010/main">
+                <a:solidFill>
+                  <a:srgbClr val="FFFFFF"/>
+                </a:solidFill>
+              </a14:hiddenFill>
+            </a:ext>
+          </a:extLst>
+        </p:spPr>
+      </p:pic>
+      <p:grpSp>
+        <p:nvGrpSpPr>
+          <p:cNvPr id="5" name="Group 4">
+            <a:extLst>
+              <a:ext uri="{FF2B5EF4-FFF2-40B4-BE49-F238E27FC236}">
+                <a16:creationId xmlns:a16="http://schemas.microsoft.com/office/drawing/2014/main" id="{656B0B05-46EB-DA9A-CA6A-C39C2D6B297D}"/>
+              </a:ext>
+            </a:extLst>
+          </p:cNvPr>
+          <p:cNvGrpSpPr/>
+          <p:nvPr/>
+        </p:nvGrpSpPr>
+        <p:grpSpPr>
+          <a:xfrm>
+            <a:off x="2832167" y="1790217"/>
+            <a:ext cx="6527666" cy="3277565"/>
+            <a:chOff x="2832167" y="1790217"/>
+            <a:chExt cx="6527666" cy="3277565"/>
+          </a:xfrm>
+        </p:grpSpPr>
+        <p:pic>
+          <p:nvPicPr>
+            <p:cNvPr id="7" name="Picture 6">
+              <a:extLst>
+                <a:ext uri="{FF2B5EF4-FFF2-40B4-BE49-F238E27FC236}">
+                  <a16:creationId xmlns:a16="http://schemas.microsoft.com/office/drawing/2014/main" id="{EF1CFFA0-DA91-FF15-2C64-6EB1A9D6B9BC}"/>
+                </a:ext>
+              </a:extLst>
+            </p:cNvPr>
+            <p:cNvPicPr>
+              <a:picLocks noChangeAspect="1"/>
+            </p:cNvPicPr>
+            <p:nvPr/>
+          </p:nvPicPr>
+          <p:blipFill>
+            <a:blip r:embed="rId3"/>
+            <a:stretch>
+              <a:fillRect/>
+            </a:stretch>
+          </p:blipFill>
+          <p:spPr>
+            <a:xfrm>
+              <a:off x="2832167" y="1790217"/>
+              <a:ext cx="6527666" cy="3277565"/>
+            </a:xfrm>
+            <a:prstGeom prst="rect">
+              <a:avLst/>
+            </a:prstGeom>
+          </p:spPr>
+        </p:pic>
+        <p:sp>
+          <p:nvSpPr>
+            <p:cNvPr id="8" name="TextBox 7">
+              <a:extLst>
+                <a:ext uri="{FF2B5EF4-FFF2-40B4-BE49-F238E27FC236}">
+                  <a16:creationId xmlns:a16="http://schemas.microsoft.com/office/drawing/2014/main" id="{4BBC93F0-BD6F-3787-3768-344F17AB85B2}"/>
+                </a:ext>
+              </a:extLst>
+            </p:cNvPr>
+            <p:cNvSpPr txBox="1"/>
+            <p:nvPr/>
+          </p:nvSpPr>
+          <p:spPr>
+            <a:xfrm>
+              <a:off x="5376336" y="2779325"/>
+              <a:ext cx="1303869" cy="1005840"/>
+            </a:xfrm>
+            <a:prstGeom prst="rect">
+              <a:avLst/>
+            </a:prstGeom>
+            <a:noFill/>
+            <a:ln w="38100">
+              <a:solidFill>
+                <a:srgbClr val="7030A0"/>
+              </a:solidFill>
+            </a:ln>
+          </p:spPr>
+          <p:txBody>
+            <a:bodyPr wrap="square" rtlCol="0">
+              <a:spAutoFit/>
+            </a:bodyPr>
+            <a:lstStyle/>
+            <a:p>
+              <a:endParaRPr lang="en-US" dirty="0"/>
+            </a:p>
+          </p:txBody>
+        </p:sp>
+      </p:grpSp>
+    </p:spTree>
+    <p:extLst>
+      <p:ext uri="{BB962C8B-B14F-4D97-AF65-F5344CB8AC3E}">
+        <p14:creationId xmlns:p14="http://schemas.microsoft.com/office/powerpoint/2010/main" val="1385827886"/>
+      </p:ext>
+    </p:extLst>
+  </p:cSld>
+  <p:clrMapOvr>
+    <a:masterClrMapping/>
+  </p:clrMapOvr>
+</p:sld>
+</file>
+
+<file path=ppt/slides/slide13.xml><?xml version="1.0" encoding="utf-8"?>
+<p:sld xmlns:a="http://schemas.openxmlformats.org/drawingml/2006/main" xmlns:r="http://schemas.openxmlformats.org/officeDocument/2006/relationships" xmlns:p="http://schemas.openxmlformats.org/presentationml/2006/main">
+  <p:cSld>
+    <p:spTree>
+      <p:nvGrpSpPr>
+        <p:cNvPr id="1" name=""/>
+        <p:cNvGrpSpPr/>
+        <p:nvPr/>
+      </p:nvGrpSpPr>
+      <p:grpSpPr>
+        <a:xfrm>
+          <a:off x="0" y="0"/>
+          <a:ext cx="0" cy="0"/>
+          <a:chOff x="0" y="0"/>
+          <a:chExt cx="0" cy="0"/>
+        </a:xfrm>
+      </p:grpSpPr>
+      <p:sp>
+        <p:nvSpPr>
+          <p:cNvPr id="2" name="TextBox 1">
+            <a:extLst>
+              <a:ext uri="{FF2B5EF4-FFF2-40B4-BE49-F238E27FC236}">
+                <a16:creationId xmlns:a16="http://schemas.microsoft.com/office/drawing/2014/main" id="{15726383-B407-319E-030C-10F657ACC3A3}"/>
+              </a:ext>
+            </a:extLst>
+          </p:cNvPr>
+          <p:cNvSpPr txBox="1"/>
+          <p:nvPr/>
+        </p:nvSpPr>
+        <p:spPr>
+          <a:xfrm>
+            <a:off x="0" y="323165"/>
+            <a:ext cx="12192000" cy="646331"/>
+          </a:xfrm>
+          <a:prstGeom prst="rect">
+            <a:avLst/>
+          </a:prstGeom>
+          <a:noFill/>
+        </p:spPr>
+        <p:txBody>
+          <a:bodyPr wrap="square" rtlCol="0">
+            <a:spAutoFit/>
+          </a:bodyPr>
+          <a:lstStyle/>
+          <a:p>
+            <a:pPr algn="ctr"/>
+            <a:r>
+              <a:rPr lang="en-US" sz="3600" i="1" dirty="0">
+                <a:solidFill>
+                  <a:srgbClr val="7030A0"/>
+                </a:solidFill>
+                <a:latin typeface="Calisto MT" panose="02040603050505030304" pitchFamily="18" charset="0"/>
+              </a:rPr>
+              <a:t>Physical Design – Creating the Databases, Schemas, Tables</a:t>
             </a:r>
           </a:p>
         </p:txBody>
       </p:sp>
       <p:grpSp>
         <p:nvGrpSpPr>
-          <p:cNvPr id="28" name="Group 27">
+          <p:cNvPr id="40" name="Group 39">
             <a:extLst>
               <a:ext uri="{FF2B5EF4-FFF2-40B4-BE49-F238E27FC236}">
-                <a16:creationId xmlns:a16="http://schemas.microsoft.com/office/drawing/2014/main" id="{A804D14B-5C44-4BD6-B1F0-9292D7F7B520}"/>
+                <a16:creationId xmlns:a16="http://schemas.microsoft.com/office/drawing/2014/main" id="{4871CBCB-0998-602C-B993-E696CCB64E5D}"/>
               </a:ext>
             </a:extLst>
           </p:cNvPr>
@@ -4252,371 +4763,147 @@
         </p:nvGrpSpPr>
         <p:grpSpPr>
           <a:xfrm>
-            <a:off x="404812" y="1431037"/>
-            <a:ext cx="11382375" cy="4327255"/>
-            <a:chOff x="0" y="1659637"/>
-            <a:chExt cx="11382375" cy="4327255"/>
+            <a:off x="4975026" y="1803633"/>
+            <a:ext cx="6277130" cy="3910325"/>
+            <a:chOff x="3003611" y="1803633"/>
+            <a:chExt cx="6277130" cy="3910325"/>
           </a:xfrm>
         </p:grpSpPr>
-        <p:grpSp>
-          <p:nvGrpSpPr>
-            <p:cNvPr id="21" name="Group 20">
+        <p:sp>
+          <p:nvSpPr>
+            <p:cNvPr id="7" name="Rectangle 6">
               <a:extLst>
                 <a:ext uri="{FF2B5EF4-FFF2-40B4-BE49-F238E27FC236}">
-                  <a16:creationId xmlns:a16="http://schemas.microsoft.com/office/drawing/2014/main" id="{4B45B0D1-99CF-86C4-71B8-FDF85EFDD0BF}"/>
+                  <a16:creationId xmlns:a16="http://schemas.microsoft.com/office/drawing/2014/main" id="{B22C376B-75CF-DB22-E00C-E0496B49CB11}"/>
                 </a:ext>
               </a:extLst>
             </p:cNvPr>
-            <p:cNvGrpSpPr/>
+            <p:cNvSpPr/>
             <p:nvPr/>
-          </p:nvGrpSpPr>
-          <p:grpSpPr>
+          </p:nvSpPr>
+          <p:spPr>
             <a:xfrm>
-              <a:off x="0" y="1659637"/>
-              <a:ext cx="11382375" cy="4327255"/>
-              <a:chOff x="0" y="1659637"/>
-              <a:chExt cx="11382375" cy="4327255"/>
+              <a:off x="6811861" y="1803633"/>
+              <a:ext cx="2468880" cy="646331"/>
             </a:xfrm>
-          </p:grpSpPr>
-          <p:pic>
-            <p:nvPicPr>
-              <p:cNvPr id="1026" name="Picture 2" descr="Snowflake Partner Connect Box">
-                <a:extLst>
-                  <a:ext uri="{FF2B5EF4-FFF2-40B4-BE49-F238E27FC236}">
-                    <a16:creationId xmlns:a16="http://schemas.microsoft.com/office/drawing/2014/main" id="{15FFF6E1-5538-115A-23B0-F6D96A68F38D}"/>
-                  </a:ext>
-                </a:extLst>
-              </p:cNvPr>
-              <p:cNvPicPr>
-                <a:picLocks noChangeAspect="1" noChangeArrowheads="1"/>
-              </p:cNvPicPr>
-              <p:nvPr/>
-            </p:nvPicPr>
-            <p:blipFill>
-              <a:blip r:embed="rId2">
-                <a:extLst>
-                  <a:ext uri="{28A0092B-C50C-407E-A947-70E740481C1C}">
-                    <a14:useLocalDpi xmlns:a14="http://schemas.microsoft.com/office/drawing/2010/main" val="0"/>
-                  </a:ext>
-                </a:extLst>
-              </a:blip>
-              <a:srcRect/>
-              <a:stretch>
-                <a:fillRect/>
-              </a:stretch>
-            </p:blipFill>
-            <p:spPr bwMode="auto">
-              <a:xfrm>
-                <a:off x="0" y="2419349"/>
-                <a:ext cx="3446941" cy="3038475"/>
-              </a:xfrm>
-              <a:prstGeom prst="rect">
-                <a:avLst/>
-              </a:prstGeom>
-              <a:noFill/>
+            <a:prstGeom prst="rect">
+              <a:avLst/>
+            </a:prstGeom>
+            <a:solidFill>
+              <a:srgbClr val="00B0F0">
+                <a:alpha val="50000"/>
+              </a:srgbClr>
+            </a:solidFill>
+          </p:spPr>
+          <p:style>
+            <a:lnRef idx="2">
+              <a:schemeClr val="accent1">
+                <a:shade val="15000"/>
+              </a:schemeClr>
+            </a:lnRef>
+            <a:fillRef idx="1">
+              <a:schemeClr val="accent1"/>
+            </a:fillRef>
+            <a:effectRef idx="0">
+              <a:schemeClr val="accent1"/>
+            </a:effectRef>
+            <a:fontRef idx="minor">
+              <a:schemeClr val="lt1"/>
+            </a:fontRef>
+          </p:style>
+          <p:txBody>
+            <a:bodyPr rtlCol="0" anchor="ctr"/>
+            <a:lstStyle/>
+            <a:p>
+              <a:pPr algn="ctr"/>
+              <a:r>
+                <a:rPr lang="en-US" dirty="0">
+                  <a:solidFill>
+                    <a:schemeClr val="tx1"/>
+                  </a:solidFill>
+                </a:rPr>
+                <a:t>Creating the Warehouse</a:t>
+              </a:r>
+            </a:p>
+          </p:txBody>
+        </p:sp>
+        <p:sp>
+          <p:nvSpPr>
+            <p:cNvPr id="10" name="Rectangle 9">
               <a:extLst>
-                <a:ext uri="{909E8E84-426E-40DD-AFC4-6F175D3DCCD1}">
-                  <a14:hiddenFill xmlns:a14="http://schemas.microsoft.com/office/drawing/2010/main">
-                    <a:solidFill>
-                      <a:srgbClr val="FFFFFF"/>
-                    </a:solidFill>
-                  </a14:hiddenFill>
+                <a:ext uri="{FF2B5EF4-FFF2-40B4-BE49-F238E27FC236}">
+                  <a16:creationId xmlns:a16="http://schemas.microsoft.com/office/drawing/2014/main" id="{EAAF4EF3-C384-FD8D-DD0A-F0D93F68BF4C}"/>
                 </a:ext>
               </a:extLst>
-            </p:spPr>
-          </p:pic>
-          <p:pic>
-            <p:nvPicPr>
-              <p:cNvPr id="1030" name="Picture 6" descr="Snowflake New UI - Connection Box">
-                <a:extLst>
-                  <a:ext uri="{FF2B5EF4-FFF2-40B4-BE49-F238E27FC236}">
-                    <a16:creationId xmlns:a16="http://schemas.microsoft.com/office/drawing/2014/main" id="{66723F01-75B2-E582-6649-ABB958F404C6}"/>
-                  </a:ext>
-                </a:extLst>
-              </p:cNvPr>
-              <p:cNvPicPr>
-                <a:picLocks noChangeAspect="1" noChangeArrowheads="1"/>
-              </p:cNvPicPr>
-              <p:nvPr/>
-            </p:nvPicPr>
-            <p:blipFill>
-              <a:blip r:embed="rId3">
-                <a:extLst>
-                  <a:ext uri="{28A0092B-C50C-407E-A947-70E740481C1C}">
-                    <a14:useLocalDpi xmlns:a14="http://schemas.microsoft.com/office/drawing/2010/main" val="0"/>
-                  </a:ext>
-                </a:extLst>
-              </a:blip>
-              <a:srcRect/>
-              <a:stretch>
-                <a:fillRect/>
-              </a:stretch>
-            </p:blipFill>
-            <p:spPr bwMode="auto">
-              <a:xfrm>
-                <a:off x="4278462" y="2105026"/>
-                <a:ext cx="3113660" cy="3667124"/>
-              </a:xfrm>
-              <a:prstGeom prst="rect">
-                <a:avLst/>
-              </a:prstGeom>
-              <a:noFill/>
-              <a:extLst>
-                <a:ext uri="{909E8E84-426E-40DD-AFC4-6F175D3DCCD1}">
-                  <a14:hiddenFill xmlns:a14="http://schemas.microsoft.com/office/drawing/2010/main">
-                    <a:solidFill>
-                      <a:srgbClr val="FFFFFF"/>
-                    </a:solidFill>
-                  </a14:hiddenFill>
-                </a:ext>
-              </a:extLst>
-            </p:spPr>
-          </p:pic>
-          <p:grpSp>
-            <p:nvGrpSpPr>
-              <p:cNvPr id="17" name="Group 16">
-                <a:extLst>
-                  <a:ext uri="{FF2B5EF4-FFF2-40B4-BE49-F238E27FC236}">
-                    <a16:creationId xmlns:a16="http://schemas.microsoft.com/office/drawing/2014/main" id="{B1A400E6-3BE8-AD15-A44F-FBC400C79111}"/>
-                  </a:ext>
-                </a:extLst>
-              </p:cNvPr>
-              <p:cNvGrpSpPr/>
-              <p:nvPr/>
-            </p:nvGrpSpPr>
-            <p:grpSpPr>
-              <a:xfrm>
-                <a:off x="8425013" y="2205037"/>
-                <a:ext cx="2957362" cy="3781855"/>
-                <a:chOff x="8425013" y="1557337"/>
-                <a:chExt cx="2957362" cy="3781855"/>
-              </a:xfrm>
-            </p:grpSpPr>
-            <p:pic>
-              <p:nvPicPr>
-                <p:cNvPr id="4" name="Picture 3">
-                  <a:extLst>
-                    <a:ext uri="{FF2B5EF4-FFF2-40B4-BE49-F238E27FC236}">
-                      <a16:creationId xmlns:a16="http://schemas.microsoft.com/office/drawing/2014/main" id="{7372E2F3-A85C-CAEE-F762-194295DCD4D5}"/>
-                    </a:ext>
-                  </a:extLst>
-                </p:cNvPr>
-                <p:cNvPicPr>
-                  <a:picLocks noChangeAspect="1"/>
-                </p:cNvPicPr>
-                <p:nvPr/>
-              </p:nvPicPr>
-              <p:blipFill>
-                <a:blip r:embed="rId4"/>
-                <a:srcRect r="66002"/>
-                <a:stretch/>
-              </p:blipFill>
-              <p:spPr>
-                <a:xfrm>
-                  <a:off x="8425014" y="3852863"/>
-                  <a:ext cx="2407218" cy="1486329"/>
-                </a:xfrm>
-                <a:prstGeom prst="rect">
-                  <a:avLst/>
-                </a:prstGeom>
-              </p:spPr>
-            </p:pic>
-            <p:pic>
-              <p:nvPicPr>
-                <p:cNvPr id="9" name="Picture 8">
-                  <a:extLst>
-                    <a:ext uri="{FF2B5EF4-FFF2-40B4-BE49-F238E27FC236}">
-                      <a16:creationId xmlns:a16="http://schemas.microsoft.com/office/drawing/2014/main" id="{F08D0736-E2E2-28B6-C09D-DC3003FC5B82}"/>
-                    </a:ext>
-                  </a:extLst>
-                </p:cNvPr>
-                <p:cNvPicPr>
-                  <a:picLocks noChangeAspect="1"/>
-                </p:cNvPicPr>
-                <p:nvPr/>
-              </p:nvPicPr>
-              <p:blipFill>
-                <a:blip r:embed="rId5"/>
-                <a:srcRect l="-1" t="69885" r="54876"/>
-                <a:stretch/>
-              </p:blipFill>
-              <p:spPr>
-                <a:xfrm>
-                  <a:off x="8425013" y="2705100"/>
-                  <a:ext cx="2957362" cy="1009795"/>
-                </a:xfrm>
-                <a:prstGeom prst="rect">
-                  <a:avLst/>
-                </a:prstGeom>
-              </p:spPr>
-            </p:pic>
-            <p:pic>
-              <p:nvPicPr>
-                <p:cNvPr id="14" name="Picture 13">
-                  <a:extLst>
-                    <a:ext uri="{FF2B5EF4-FFF2-40B4-BE49-F238E27FC236}">
-                      <a16:creationId xmlns:a16="http://schemas.microsoft.com/office/drawing/2014/main" id="{4C0CA0B4-E251-3639-3306-9DB0199F1E2C}"/>
-                    </a:ext>
-                  </a:extLst>
-                </p:cNvPr>
-                <p:cNvPicPr>
-                  <a:picLocks noChangeAspect="1"/>
-                </p:cNvPicPr>
-                <p:nvPr/>
-              </p:nvPicPr>
-              <p:blipFill>
-                <a:blip r:embed="rId5"/>
-                <a:srcRect r="60286" b="65770"/>
-                <a:stretch/>
-              </p:blipFill>
-              <p:spPr>
-                <a:xfrm>
-                  <a:off x="8425014" y="1557337"/>
-                  <a:ext cx="2407218" cy="1147763"/>
-                </a:xfrm>
-                <a:prstGeom prst="rect">
-                  <a:avLst/>
-                </a:prstGeom>
-              </p:spPr>
-            </p:pic>
-          </p:grpSp>
-          <p:sp>
-            <p:nvSpPr>
-              <p:cNvPr id="18" name="TextBox 17">
-                <a:extLst>
-                  <a:ext uri="{FF2B5EF4-FFF2-40B4-BE49-F238E27FC236}">
-                    <a16:creationId xmlns:a16="http://schemas.microsoft.com/office/drawing/2014/main" id="{F7A1BBAA-12B2-57C9-EA76-77C5962B09E0}"/>
-                  </a:ext>
-                </a:extLst>
-              </p:cNvPr>
-              <p:cNvSpPr txBox="1"/>
-              <p:nvPr/>
-            </p:nvSpPr>
-            <p:spPr>
-              <a:xfrm>
-                <a:off x="1318658" y="1659637"/>
-                <a:ext cx="809624" cy="369332"/>
-              </a:xfrm>
-              <a:prstGeom prst="rect">
-                <a:avLst/>
-              </a:prstGeom>
-              <a:noFill/>
-            </p:spPr>
-            <p:txBody>
-              <a:bodyPr wrap="square" rtlCol="0">
-                <a:spAutoFit/>
-              </a:bodyPr>
-              <a:lstStyle/>
-              <a:p>
-                <a:r>
-                  <a:rPr lang="en-US" dirty="0">
-                    <a:solidFill>
-                      <a:srgbClr val="00B0F0"/>
-                    </a:solidFill>
-                  </a:rPr>
-                  <a:t>Step 1</a:t>
-                </a:r>
-              </a:p>
-            </p:txBody>
-          </p:sp>
-          <p:sp>
-            <p:nvSpPr>
-              <p:cNvPr id="19" name="TextBox 18">
-                <a:extLst>
-                  <a:ext uri="{FF2B5EF4-FFF2-40B4-BE49-F238E27FC236}">
-                    <a16:creationId xmlns:a16="http://schemas.microsoft.com/office/drawing/2014/main" id="{F7DFB7E8-CEE0-0CFE-A298-2F02B083BDA8}"/>
-                  </a:ext>
-                </a:extLst>
-              </p:cNvPr>
-              <p:cNvSpPr txBox="1"/>
-              <p:nvPr/>
-            </p:nvSpPr>
-            <p:spPr>
-              <a:xfrm>
-                <a:off x="5430480" y="1659637"/>
-                <a:ext cx="809624" cy="369332"/>
-              </a:xfrm>
-              <a:prstGeom prst="rect">
-                <a:avLst/>
-              </a:prstGeom>
-              <a:noFill/>
-            </p:spPr>
-            <p:txBody>
-              <a:bodyPr wrap="square" rtlCol="0">
-                <a:spAutoFit/>
-              </a:bodyPr>
-              <a:lstStyle/>
-              <a:p>
-                <a:r>
-                  <a:rPr lang="en-US" dirty="0">
-                    <a:solidFill>
-                      <a:srgbClr val="00B0F0"/>
-                    </a:solidFill>
-                  </a:rPr>
-                  <a:t>Step 2</a:t>
-                </a:r>
-              </a:p>
-            </p:txBody>
-          </p:sp>
-          <p:sp>
-            <p:nvSpPr>
-              <p:cNvPr id="20" name="TextBox 19">
-                <a:extLst>
-                  <a:ext uri="{FF2B5EF4-FFF2-40B4-BE49-F238E27FC236}">
-                    <a16:creationId xmlns:a16="http://schemas.microsoft.com/office/drawing/2014/main" id="{7AC52878-3692-FB2A-1322-BEE5B3070048}"/>
-                  </a:ext>
-                </a:extLst>
-              </p:cNvPr>
-              <p:cNvSpPr txBox="1"/>
-              <p:nvPr/>
-            </p:nvSpPr>
-            <p:spPr>
-              <a:xfrm>
-                <a:off x="9326205" y="1659637"/>
-                <a:ext cx="809624" cy="369332"/>
-              </a:xfrm>
-              <a:prstGeom prst="rect">
-                <a:avLst/>
-              </a:prstGeom>
-              <a:noFill/>
-            </p:spPr>
-            <p:txBody>
-              <a:bodyPr wrap="square" rtlCol="0">
-                <a:spAutoFit/>
-              </a:bodyPr>
-              <a:lstStyle/>
-              <a:p>
-                <a:r>
-                  <a:rPr lang="en-US" dirty="0">
-                    <a:solidFill>
-                      <a:schemeClr val="accent2"/>
-                    </a:solidFill>
-                  </a:rPr>
-                  <a:t>Step 3</a:t>
-                </a:r>
-              </a:p>
-            </p:txBody>
-          </p:sp>
-        </p:grpSp>
+            </p:cNvPr>
+            <p:cNvSpPr/>
+            <p:nvPr/>
+          </p:nvSpPr>
+          <p:spPr>
+            <a:xfrm>
+              <a:off x="6811861" y="2891631"/>
+              <a:ext cx="2468880" cy="646331"/>
+            </a:xfrm>
+            <a:prstGeom prst="rect">
+              <a:avLst/>
+            </a:prstGeom>
+            <a:solidFill>
+              <a:srgbClr val="00B0F0">
+                <a:alpha val="50000"/>
+              </a:srgbClr>
+            </a:solidFill>
+          </p:spPr>
+          <p:style>
+            <a:lnRef idx="2">
+              <a:schemeClr val="accent1">
+                <a:shade val="15000"/>
+              </a:schemeClr>
+            </a:lnRef>
+            <a:fillRef idx="1">
+              <a:schemeClr val="accent1"/>
+            </a:fillRef>
+            <a:effectRef idx="0">
+              <a:schemeClr val="accent1"/>
+            </a:effectRef>
+            <a:fontRef idx="minor">
+              <a:schemeClr val="lt1"/>
+            </a:fontRef>
+          </p:style>
+          <p:txBody>
+            <a:bodyPr rtlCol="0" anchor="ctr"/>
+            <a:lstStyle/>
+            <a:p>
+              <a:pPr algn="ctr"/>
+              <a:r>
+                <a:rPr lang="en-US" dirty="0">
+                  <a:solidFill>
+                    <a:schemeClr val="tx1"/>
+                  </a:solidFill>
+                </a:rPr>
+                <a:t>Create the Databases</a:t>
+              </a:r>
+            </a:p>
+          </p:txBody>
+        </p:sp>
         <p:cxnSp>
           <p:nvCxnSpPr>
-            <p:cNvPr id="23" name="Straight Arrow Connector 22">
+            <p:cNvPr id="21" name="Straight Arrow Connector 20">
               <a:extLst>
                 <a:ext uri="{FF2B5EF4-FFF2-40B4-BE49-F238E27FC236}">
-                  <a16:creationId xmlns:a16="http://schemas.microsoft.com/office/drawing/2014/main" id="{3A61F3D3-DD3F-9229-6E88-2475FFA937B2}"/>
+                  <a16:creationId xmlns:a16="http://schemas.microsoft.com/office/drawing/2014/main" id="{45EE511A-1215-0211-66F6-437B6348A0AD}"/>
                 </a:ext>
               </a:extLst>
             </p:cNvPr>
             <p:cNvCxnSpPr>
-              <a:stCxn id="1026" idx="3"/>
-              <a:endCxn id="1030" idx="1"/>
+              <a:stCxn id="7" idx="2"/>
+              <a:endCxn id="10" idx="0"/>
             </p:cNvCxnSpPr>
             <p:nvPr/>
           </p:nvCxnSpPr>
           <p:spPr>
             <a:xfrm>
-              <a:off x="3446941" y="3938587"/>
-              <a:ext cx="831521" cy="1"/>
+              <a:off x="8046301" y="2449964"/>
+              <a:ext cx="0" cy="441667"/>
             </a:xfrm>
             <a:prstGeom prst="straightConnector1">
               <a:avLst/>
@@ -4640,24 +4927,143 @@
             </a:fontRef>
           </p:style>
         </p:cxnSp>
+        <p:pic>
+          <p:nvPicPr>
+            <p:cNvPr id="23" name="Picture 22">
+              <a:extLst>
+                <a:ext uri="{FF2B5EF4-FFF2-40B4-BE49-F238E27FC236}">
+                  <a16:creationId xmlns:a16="http://schemas.microsoft.com/office/drawing/2014/main" id="{4E082FC4-35AC-41DE-E20C-7594FE5BAFD2}"/>
+                </a:ext>
+              </a:extLst>
+            </p:cNvPr>
+            <p:cNvPicPr>
+              <a:picLocks noChangeAspect="1"/>
+            </p:cNvPicPr>
+            <p:nvPr/>
+          </p:nvPicPr>
+          <p:blipFill>
+            <a:blip r:embed="rId2"/>
+            <a:srcRect t="21653" b="-1"/>
+            <a:stretch/>
+          </p:blipFill>
+          <p:spPr>
+            <a:xfrm>
+              <a:off x="3323679" y="2013357"/>
+              <a:ext cx="3360711" cy="226881"/>
+            </a:xfrm>
+            <a:prstGeom prst="rect">
+              <a:avLst/>
+            </a:prstGeom>
+          </p:spPr>
+        </p:pic>
+        <p:pic>
+          <p:nvPicPr>
+            <p:cNvPr id="25" name="Picture 24">
+              <a:extLst>
+                <a:ext uri="{FF2B5EF4-FFF2-40B4-BE49-F238E27FC236}">
+                  <a16:creationId xmlns:a16="http://schemas.microsoft.com/office/drawing/2014/main" id="{900A1073-22E7-2AEE-284F-7D69E0F406E5}"/>
+                </a:ext>
+              </a:extLst>
+            </p:cNvPr>
+            <p:cNvPicPr>
+              <a:picLocks noChangeAspect="1"/>
+            </p:cNvPicPr>
+            <p:nvPr/>
+          </p:nvPicPr>
+          <p:blipFill>
+            <a:blip r:embed="rId3"/>
+            <a:stretch>
+              <a:fillRect/>
+            </a:stretch>
+          </p:blipFill>
+          <p:spPr>
+            <a:xfrm>
+              <a:off x="4040021" y="2959643"/>
+              <a:ext cx="2644369" cy="441998"/>
+            </a:xfrm>
+            <a:prstGeom prst="rect">
+              <a:avLst/>
+            </a:prstGeom>
+          </p:spPr>
+        </p:pic>
+        <p:sp>
+          <p:nvSpPr>
+            <p:cNvPr id="26" name="Rectangle 25">
+              <a:extLst>
+                <a:ext uri="{FF2B5EF4-FFF2-40B4-BE49-F238E27FC236}">
+                  <a16:creationId xmlns:a16="http://schemas.microsoft.com/office/drawing/2014/main" id="{A2F5374A-BABD-DCF2-68E8-4D2BBC135A06}"/>
+                </a:ext>
+              </a:extLst>
+            </p:cNvPr>
+            <p:cNvSpPr/>
+            <p:nvPr/>
+          </p:nvSpPr>
+          <p:spPr>
+            <a:xfrm>
+              <a:off x="6811861" y="3979629"/>
+              <a:ext cx="2468880" cy="646331"/>
+            </a:xfrm>
+            <a:prstGeom prst="rect">
+              <a:avLst/>
+            </a:prstGeom>
+            <a:solidFill>
+              <a:srgbClr val="00B0F0">
+                <a:alpha val="50000"/>
+              </a:srgbClr>
+            </a:solidFill>
+          </p:spPr>
+          <p:style>
+            <a:lnRef idx="2">
+              <a:schemeClr val="accent1">
+                <a:shade val="15000"/>
+              </a:schemeClr>
+            </a:lnRef>
+            <a:fillRef idx="1">
+              <a:schemeClr val="accent1"/>
+            </a:fillRef>
+            <a:effectRef idx="0">
+              <a:schemeClr val="accent1"/>
+            </a:effectRef>
+            <a:fontRef idx="minor">
+              <a:schemeClr val="lt1"/>
+            </a:fontRef>
+          </p:style>
+          <p:txBody>
+            <a:bodyPr rtlCol="0" anchor="ctr"/>
+            <a:lstStyle/>
+            <a:p>
+              <a:pPr algn="ctr"/>
+              <a:r>
+                <a:rPr lang="en-US" dirty="0">
+                  <a:solidFill>
+                    <a:schemeClr val="tx1"/>
+                  </a:solidFill>
+                </a:rPr>
+                <a:t>Create the Schemas</a:t>
+              </a:r>
+            </a:p>
+          </p:txBody>
+        </p:sp>
         <p:cxnSp>
           <p:nvCxnSpPr>
-            <p:cNvPr id="25" name="Straight Arrow Connector 24">
+            <p:cNvPr id="27" name="Straight Arrow Connector 26">
               <a:extLst>
                 <a:ext uri="{FF2B5EF4-FFF2-40B4-BE49-F238E27FC236}">
-                  <a16:creationId xmlns:a16="http://schemas.microsoft.com/office/drawing/2014/main" id="{CF0D9792-C16B-5821-6F1B-B480FB1B977C}"/>
+                  <a16:creationId xmlns:a16="http://schemas.microsoft.com/office/drawing/2014/main" id="{F7EB4ABD-079E-E946-D563-A69BB04F6237}"/>
                 </a:ext>
               </a:extLst>
             </p:cNvPr>
             <p:cNvCxnSpPr>
               <a:cxnSpLocks/>
+              <a:stCxn id="10" idx="2"/>
+              <a:endCxn id="26" idx="0"/>
             </p:cNvCxnSpPr>
             <p:nvPr/>
           </p:nvCxnSpPr>
           <p:spPr>
             <a:xfrm>
-              <a:off x="7593491" y="3938586"/>
-              <a:ext cx="831521" cy="1"/>
+              <a:off x="8046301" y="3537962"/>
+              <a:ext cx="0" cy="441667"/>
             </a:xfrm>
             <a:prstGeom prst="straightConnector1">
               <a:avLst/>
@@ -4681,13 +5087,204 @@
             </a:fontRef>
           </p:style>
         </p:cxnSp>
+        <p:pic>
+          <p:nvPicPr>
+            <p:cNvPr id="30" name="Picture 29">
+              <a:extLst>
+                <a:ext uri="{FF2B5EF4-FFF2-40B4-BE49-F238E27FC236}">
+                  <a16:creationId xmlns:a16="http://schemas.microsoft.com/office/drawing/2014/main" id="{9288E634-C43F-819D-749F-72DF3BE37A64}"/>
+                </a:ext>
+              </a:extLst>
+            </p:cNvPr>
+            <p:cNvPicPr>
+              <a:picLocks noChangeAspect="1"/>
+            </p:cNvPicPr>
+            <p:nvPr/>
+          </p:nvPicPr>
+          <p:blipFill>
+            <a:blip r:embed="rId4"/>
+            <a:stretch>
+              <a:fillRect/>
+            </a:stretch>
+          </p:blipFill>
+          <p:spPr>
+            <a:xfrm>
+              <a:off x="3960029" y="4104657"/>
+              <a:ext cx="2705334" cy="396274"/>
+            </a:xfrm>
+            <a:prstGeom prst="rect">
+              <a:avLst/>
+            </a:prstGeom>
+          </p:spPr>
+        </p:pic>
+        <p:sp>
+          <p:nvSpPr>
+            <p:cNvPr id="32" name="Rectangle 31">
+              <a:extLst>
+                <a:ext uri="{FF2B5EF4-FFF2-40B4-BE49-F238E27FC236}">
+                  <a16:creationId xmlns:a16="http://schemas.microsoft.com/office/drawing/2014/main" id="{269B0ABF-2680-7EFC-B2A0-6F37785E77F6}"/>
+                </a:ext>
+              </a:extLst>
+            </p:cNvPr>
+            <p:cNvSpPr/>
+            <p:nvPr/>
+          </p:nvSpPr>
+          <p:spPr>
+            <a:xfrm>
+              <a:off x="6811861" y="5067627"/>
+              <a:ext cx="2468880" cy="646331"/>
+            </a:xfrm>
+            <a:prstGeom prst="rect">
+              <a:avLst/>
+            </a:prstGeom>
+            <a:solidFill>
+              <a:srgbClr val="00B0F0">
+                <a:alpha val="50000"/>
+              </a:srgbClr>
+            </a:solidFill>
+          </p:spPr>
+          <p:style>
+            <a:lnRef idx="2">
+              <a:schemeClr val="accent1">
+                <a:shade val="15000"/>
+              </a:schemeClr>
+            </a:lnRef>
+            <a:fillRef idx="1">
+              <a:schemeClr val="accent1"/>
+            </a:fillRef>
+            <a:effectRef idx="0">
+              <a:schemeClr val="accent1"/>
+            </a:effectRef>
+            <a:fontRef idx="minor">
+              <a:schemeClr val="lt1"/>
+            </a:fontRef>
+          </p:style>
+          <p:txBody>
+            <a:bodyPr rtlCol="0" anchor="ctr"/>
+            <a:lstStyle/>
+            <a:p>
+              <a:pPr algn="ctr"/>
+              <a:r>
+                <a:rPr lang="en-US" dirty="0">
+                  <a:solidFill>
+                    <a:schemeClr val="tx1"/>
+                  </a:solidFill>
+                </a:rPr>
+                <a:t>Create the Tables</a:t>
+              </a:r>
+            </a:p>
+          </p:txBody>
+        </p:sp>
+        <p:cxnSp>
+          <p:nvCxnSpPr>
+            <p:cNvPr id="33" name="Straight Arrow Connector 32">
+              <a:extLst>
+                <a:ext uri="{FF2B5EF4-FFF2-40B4-BE49-F238E27FC236}">
+                  <a16:creationId xmlns:a16="http://schemas.microsoft.com/office/drawing/2014/main" id="{B281CAAA-5029-156B-8160-6B3EF4FF41B2}"/>
+                </a:ext>
+              </a:extLst>
+            </p:cNvPr>
+            <p:cNvCxnSpPr>
+              <a:cxnSpLocks/>
+              <a:stCxn id="26" idx="2"/>
+              <a:endCxn id="32" idx="0"/>
+            </p:cNvCxnSpPr>
+            <p:nvPr/>
+          </p:nvCxnSpPr>
+          <p:spPr>
+            <a:xfrm>
+              <a:off x="8046301" y="4625960"/>
+              <a:ext cx="0" cy="441667"/>
+            </a:xfrm>
+            <a:prstGeom prst="straightConnector1">
+              <a:avLst/>
+            </a:prstGeom>
+            <a:ln w="38100">
+              <a:tailEnd type="triangle"/>
+            </a:ln>
+          </p:spPr>
+          <p:style>
+            <a:lnRef idx="3">
+              <a:schemeClr val="dk1"/>
+            </a:lnRef>
+            <a:fillRef idx="0">
+              <a:schemeClr val="dk1"/>
+            </a:fillRef>
+            <a:effectRef idx="2">
+              <a:schemeClr val="dk1"/>
+            </a:effectRef>
+            <a:fontRef idx="minor">
+              <a:schemeClr val="tx1"/>
+            </a:fontRef>
+          </p:style>
+        </p:cxnSp>
+        <p:pic>
+          <p:nvPicPr>
+            <p:cNvPr id="37" name="Picture 36">
+              <a:extLst>
+                <a:ext uri="{FF2B5EF4-FFF2-40B4-BE49-F238E27FC236}">
+                  <a16:creationId xmlns:a16="http://schemas.microsoft.com/office/drawing/2014/main" id="{DD089568-CD82-B07D-898B-EE0FAECB8054}"/>
+                </a:ext>
+              </a:extLst>
+            </p:cNvPr>
+            <p:cNvPicPr>
+              <a:picLocks noChangeAspect="1"/>
+            </p:cNvPicPr>
+            <p:nvPr/>
+          </p:nvPicPr>
+          <p:blipFill>
+            <a:blip r:embed="rId5"/>
+            <a:stretch>
+              <a:fillRect/>
+            </a:stretch>
+          </p:blipFill>
+          <p:spPr>
+            <a:xfrm>
+              <a:off x="3563754" y="5146930"/>
+              <a:ext cx="3101609" cy="243861"/>
+            </a:xfrm>
+            <a:prstGeom prst="rect">
+              <a:avLst/>
+            </a:prstGeom>
+          </p:spPr>
+        </p:pic>
+        <p:pic>
+          <p:nvPicPr>
+            <p:cNvPr id="39" name="Picture 38">
+              <a:extLst>
+                <a:ext uri="{FF2B5EF4-FFF2-40B4-BE49-F238E27FC236}">
+                  <a16:creationId xmlns:a16="http://schemas.microsoft.com/office/drawing/2014/main" id="{AC18CDF2-126D-CDE5-D935-2970D8000859}"/>
+                </a:ext>
+              </a:extLst>
+            </p:cNvPr>
+            <p:cNvPicPr>
+              <a:picLocks noChangeAspect="1"/>
+            </p:cNvPicPr>
+            <p:nvPr/>
+          </p:nvPicPr>
+          <p:blipFill>
+            <a:blip r:embed="rId6"/>
+            <a:stretch>
+              <a:fillRect/>
+            </a:stretch>
+          </p:blipFill>
+          <p:spPr>
+            <a:xfrm>
+              <a:off x="3003611" y="5360690"/>
+              <a:ext cx="3680779" cy="205758"/>
+            </a:xfrm>
+            <a:prstGeom prst="rect">
+              <a:avLst/>
+            </a:prstGeom>
+          </p:spPr>
+        </p:pic>
       </p:grpSp>
       <p:pic>
         <p:nvPicPr>
-          <p:cNvPr id="30" name="Picture 2" descr="FIRN Analytics: Timely Data Solutions &amp; Expert Consultancy">
+          <p:cNvPr id="4" name="Picture 2" descr="FIRN Analytics: Timely Data Solutions &amp; Expert Consultancy">
             <a:extLst>
               <a:ext uri="{FF2B5EF4-FFF2-40B4-BE49-F238E27FC236}">
-                <a16:creationId xmlns:a16="http://schemas.microsoft.com/office/drawing/2014/main" id="{EC4E0CB6-A9A1-AA93-273B-B557BE6509DC}"/>
+                <a16:creationId xmlns:a16="http://schemas.microsoft.com/office/drawing/2014/main" id="{E5ADB2F6-137E-3BFD-9148-17CDE7BC3747}"/>
               </a:ext>
             </a:extLst>
           </p:cNvPr>
@@ -4697,7 +5294,1214 @@
           <p:nvPr/>
         </p:nvPicPr>
         <p:blipFill>
-          <a:blip r:embed="rId6">
+          <a:blip r:embed="rId7">
+            <a:extLst>
+              <a:ext uri="{28A0092B-C50C-407E-A947-70E740481C1C}">
+                <a14:useLocalDpi xmlns:a14="http://schemas.microsoft.com/office/drawing/2010/main" val="0"/>
+              </a:ext>
+            </a:extLst>
+          </a:blip>
+          <a:srcRect/>
+          <a:stretch>
+            <a:fillRect/>
+          </a:stretch>
+        </p:blipFill>
+        <p:spPr bwMode="auto">
+          <a:xfrm>
+            <a:off x="11182350" y="5848350"/>
+            <a:ext cx="1009650" cy="1009650"/>
+          </a:xfrm>
+          <a:prstGeom prst="rect">
+            <a:avLst/>
+          </a:prstGeom>
+          <a:noFill/>
+          <a:extLst>
+            <a:ext uri="{909E8E84-426E-40DD-AFC4-6F175D3DCCD1}">
+              <a14:hiddenFill xmlns:a14="http://schemas.microsoft.com/office/drawing/2010/main">
+                <a:solidFill>
+                  <a:srgbClr val="FFFFFF"/>
+                </a:solidFill>
+              </a14:hiddenFill>
+            </a:ext>
+          </a:extLst>
+        </p:spPr>
+      </p:pic>
+      <p:pic>
+        <p:nvPicPr>
+          <p:cNvPr id="5" name="Picture 6" descr="Snowflake logo in transparent PNG and vectorized SVG formats">
+            <a:extLst>
+              <a:ext uri="{FF2B5EF4-FFF2-40B4-BE49-F238E27FC236}">
+                <a16:creationId xmlns:a16="http://schemas.microsoft.com/office/drawing/2014/main" id="{F532595B-E240-7C98-4400-B0FED201BBF8}"/>
+              </a:ext>
+            </a:extLst>
+          </p:cNvPr>
+          <p:cNvPicPr>
+            <a:picLocks noChangeAspect="1" noChangeArrowheads="1"/>
+          </p:cNvPicPr>
+          <p:nvPr/>
+        </p:nvPicPr>
+        <p:blipFill>
+          <a:blip r:embed="rId8">
+            <a:extLst>
+              <a:ext uri="{28A0092B-C50C-407E-A947-70E740481C1C}">
+                <a14:useLocalDpi xmlns:a14="http://schemas.microsoft.com/office/drawing/2010/main" val="0"/>
+              </a:ext>
+            </a:extLst>
+          </a:blip>
+          <a:srcRect/>
+          <a:stretch>
+            <a:fillRect/>
+          </a:stretch>
+        </p:blipFill>
+        <p:spPr bwMode="auto">
+          <a:xfrm>
+            <a:off x="3642080" y="3214796"/>
+            <a:ext cx="640080" cy="637571"/>
+          </a:xfrm>
+          <a:prstGeom prst="rect">
+            <a:avLst/>
+          </a:prstGeom>
+          <a:noFill/>
+          <a:extLst>
+            <a:ext uri="{909E8E84-426E-40DD-AFC4-6F175D3DCCD1}">
+              <a14:hiddenFill xmlns:a14="http://schemas.microsoft.com/office/drawing/2010/main">
+                <a:solidFill>
+                  <a:srgbClr val="FFFFFF"/>
+                </a:solidFill>
+              </a14:hiddenFill>
+            </a:ext>
+          </a:extLst>
+        </p:spPr>
+      </p:pic>
+    </p:spTree>
+    <p:extLst>
+      <p:ext uri="{BB962C8B-B14F-4D97-AF65-F5344CB8AC3E}">
+        <p14:creationId xmlns:p14="http://schemas.microsoft.com/office/powerpoint/2010/main" val="2894499529"/>
+      </p:ext>
+    </p:extLst>
+  </p:cSld>
+  <p:clrMapOvr>
+    <a:masterClrMapping/>
+  </p:clrMapOvr>
+</p:sld>
+</file>
+
+<file path=ppt/slides/slide14.xml><?xml version="1.0" encoding="utf-8"?>
+<p:sld xmlns:a="http://schemas.openxmlformats.org/drawingml/2006/main" xmlns:r="http://schemas.openxmlformats.org/officeDocument/2006/relationships" xmlns:p="http://schemas.openxmlformats.org/presentationml/2006/main">
+  <p:cSld>
+    <p:spTree>
+      <p:nvGrpSpPr>
+        <p:cNvPr id="1" name=""/>
+        <p:cNvGrpSpPr/>
+        <p:nvPr/>
+      </p:nvGrpSpPr>
+      <p:grpSpPr>
+        <a:xfrm>
+          <a:off x="0" y="0"/>
+          <a:ext cx="0" cy="0"/>
+          <a:chOff x="0" y="0"/>
+          <a:chExt cx="0" cy="0"/>
+        </a:xfrm>
+      </p:grpSpPr>
+      <p:sp>
+        <p:nvSpPr>
+          <p:cNvPr id="2" name="TextBox 1">
+            <a:extLst>
+              <a:ext uri="{FF2B5EF4-FFF2-40B4-BE49-F238E27FC236}">
+                <a16:creationId xmlns:a16="http://schemas.microsoft.com/office/drawing/2014/main" id="{15726383-B407-319E-030C-10F657ACC3A3}"/>
+              </a:ext>
+            </a:extLst>
+          </p:cNvPr>
+          <p:cNvSpPr txBox="1"/>
+          <p:nvPr/>
+        </p:nvSpPr>
+        <p:spPr>
+          <a:xfrm>
+            <a:off x="0" y="323165"/>
+            <a:ext cx="12192000" cy="646331"/>
+          </a:xfrm>
+          <a:prstGeom prst="rect">
+            <a:avLst/>
+          </a:prstGeom>
+          <a:noFill/>
+        </p:spPr>
+        <p:txBody>
+          <a:bodyPr wrap="square" rtlCol="0">
+            <a:spAutoFit/>
+          </a:bodyPr>
+          <a:lstStyle/>
+          <a:p>
+            <a:pPr algn="ctr"/>
+            <a:r>
+              <a:rPr lang="en-US" sz="3600" i="1" dirty="0">
+                <a:solidFill>
+                  <a:srgbClr val="7030A0"/>
+                </a:solidFill>
+                <a:latin typeface="Calisto MT" panose="02040603050505030304" pitchFamily="18" charset="0"/>
+              </a:rPr>
+              <a:t>ELT Design &amp; Development</a:t>
+            </a:r>
+          </a:p>
+        </p:txBody>
+      </p:sp>
+      <p:pic>
+        <p:nvPicPr>
+          <p:cNvPr id="2050" name="Picture 2" descr="FIRN Analytics: Timely Data Solutions &amp; Expert Consultancy">
+            <a:extLst>
+              <a:ext uri="{FF2B5EF4-FFF2-40B4-BE49-F238E27FC236}">
+                <a16:creationId xmlns:a16="http://schemas.microsoft.com/office/drawing/2014/main" id="{14A52F25-2DAE-5DA7-4039-D4DC6699D305}"/>
+              </a:ext>
+            </a:extLst>
+          </p:cNvPr>
+          <p:cNvPicPr>
+            <a:picLocks noChangeAspect="1" noChangeArrowheads="1"/>
+          </p:cNvPicPr>
+          <p:nvPr/>
+        </p:nvPicPr>
+        <p:blipFill>
+          <a:blip r:embed="rId2">
+            <a:extLst>
+              <a:ext uri="{28A0092B-C50C-407E-A947-70E740481C1C}">
+                <a14:useLocalDpi xmlns:a14="http://schemas.microsoft.com/office/drawing/2010/main" val="0"/>
+              </a:ext>
+            </a:extLst>
+          </a:blip>
+          <a:srcRect/>
+          <a:stretch>
+            <a:fillRect/>
+          </a:stretch>
+        </p:blipFill>
+        <p:spPr bwMode="auto">
+          <a:xfrm>
+            <a:off x="11182350" y="5848350"/>
+            <a:ext cx="1009650" cy="1009650"/>
+          </a:xfrm>
+          <a:prstGeom prst="rect">
+            <a:avLst/>
+          </a:prstGeom>
+          <a:noFill/>
+          <a:extLst>
+            <a:ext uri="{909E8E84-426E-40DD-AFC4-6F175D3DCCD1}">
+              <a14:hiddenFill xmlns:a14="http://schemas.microsoft.com/office/drawing/2010/main">
+                <a:solidFill>
+                  <a:srgbClr val="FFFFFF"/>
+                </a:solidFill>
+              </a14:hiddenFill>
+            </a:ext>
+          </a:extLst>
+        </p:spPr>
+      </p:pic>
+      <p:grpSp>
+        <p:nvGrpSpPr>
+          <p:cNvPr id="5" name="Group 4">
+            <a:extLst>
+              <a:ext uri="{FF2B5EF4-FFF2-40B4-BE49-F238E27FC236}">
+                <a16:creationId xmlns:a16="http://schemas.microsoft.com/office/drawing/2014/main" id="{656B0B05-46EB-DA9A-CA6A-C39C2D6B297D}"/>
+              </a:ext>
+            </a:extLst>
+          </p:cNvPr>
+          <p:cNvGrpSpPr/>
+          <p:nvPr/>
+        </p:nvGrpSpPr>
+        <p:grpSpPr>
+          <a:xfrm>
+            <a:off x="2832167" y="1790217"/>
+            <a:ext cx="6527666" cy="3277565"/>
+            <a:chOff x="2832167" y="1790217"/>
+            <a:chExt cx="6527666" cy="3277565"/>
+          </a:xfrm>
+        </p:grpSpPr>
+        <p:pic>
+          <p:nvPicPr>
+            <p:cNvPr id="7" name="Picture 6">
+              <a:extLst>
+                <a:ext uri="{FF2B5EF4-FFF2-40B4-BE49-F238E27FC236}">
+                  <a16:creationId xmlns:a16="http://schemas.microsoft.com/office/drawing/2014/main" id="{EF1CFFA0-DA91-FF15-2C64-6EB1A9D6B9BC}"/>
+                </a:ext>
+              </a:extLst>
+            </p:cNvPr>
+            <p:cNvPicPr>
+              <a:picLocks noChangeAspect="1"/>
+            </p:cNvPicPr>
+            <p:nvPr/>
+          </p:nvPicPr>
+          <p:blipFill>
+            <a:blip r:embed="rId3"/>
+            <a:stretch>
+              <a:fillRect/>
+            </a:stretch>
+          </p:blipFill>
+          <p:spPr>
+            <a:xfrm>
+              <a:off x="2832167" y="1790217"/>
+              <a:ext cx="6527666" cy="3277565"/>
+            </a:xfrm>
+            <a:prstGeom prst="rect">
+              <a:avLst/>
+            </a:prstGeom>
+          </p:spPr>
+        </p:pic>
+        <p:sp>
+          <p:nvSpPr>
+            <p:cNvPr id="8" name="TextBox 7">
+              <a:extLst>
+                <a:ext uri="{FF2B5EF4-FFF2-40B4-BE49-F238E27FC236}">
+                  <a16:creationId xmlns:a16="http://schemas.microsoft.com/office/drawing/2014/main" id="{4BBC93F0-BD6F-3787-3768-344F17AB85B2}"/>
+                </a:ext>
+              </a:extLst>
+            </p:cNvPr>
+            <p:cNvSpPr txBox="1"/>
+            <p:nvPr/>
+          </p:nvSpPr>
+          <p:spPr>
+            <a:xfrm>
+              <a:off x="6654802" y="2779325"/>
+              <a:ext cx="1303869" cy="1005840"/>
+            </a:xfrm>
+            <a:prstGeom prst="rect">
+              <a:avLst/>
+            </a:prstGeom>
+            <a:noFill/>
+            <a:ln w="38100">
+              <a:solidFill>
+                <a:srgbClr val="7030A0"/>
+              </a:solidFill>
+            </a:ln>
+          </p:spPr>
+          <p:txBody>
+            <a:bodyPr wrap="square" rtlCol="0">
+              <a:spAutoFit/>
+            </a:bodyPr>
+            <a:lstStyle/>
+            <a:p>
+              <a:endParaRPr lang="en-US" dirty="0"/>
+            </a:p>
+          </p:txBody>
+        </p:sp>
+      </p:grpSp>
+    </p:spTree>
+    <p:extLst>
+      <p:ext uri="{BB962C8B-B14F-4D97-AF65-F5344CB8AC3E}">
+        <p14:creationId xmlns:p14="http://schemas.microsoft.com/office/powerpoint/2010/main" val="1099917753"/>
+      </p:ext>
+    </p:extLst>
+  </p:cSld>
+  <p:clrMapOvr>
+    <a:masterClrMapping/>
+  </p:clrMapOvr>
+</p:sld>
+</file>
+
+<file path=ppt/slides/slide15.xml><?xml version="1.0" encoding="utf-8"?>
+<p:sld xmlns:a="http://schemas.openxmlformats.org/drawingml/2006/main" xmlns:r="http://schemas.openxmlformats.org/officeDocument/2006/relationships" xmlns:p="http://schemas.openxmlformats.org/presentationml/2006/main">
+  <p:cSld>
+    <p:spTree>
+      <p:nvGrpSpPr>
+        <p:cNvPr id="1" name=""/>
+        <p:cNvGrpSpPr/>
+        <p:nvPr/>
+      </p:nvGrpSpPr>
+      <p:grpSpPr>
+        <a:xfrm>
+          <a:off x="0" y="0"/>
+          <a:ext cx="0" cy="0"/>
+          <a:chOff x="0" y="0"/>
+          <a:chExt cx="0" cy="0"/>
+        </a:xfrm>
+      </p:grpSpPr>
+      <p:sp>
+        <p:nvSpPr>
+          <p:cNvPr id="2" name="TextBox 1">
+            <a:extLst>
+              <a:ext uri="{FF2B5EF4-FFF2-40B4-BE49-F238E27FC236}">
+                <a16:creationId xmlns:a16="http://schemas.microsoft.com/office/drawing/2014/main" id="{15726383-B407-319E-030C-10F657ACC3A3}"/>
+              </a:ext>
+            </a:extLst>
+          </p:cNvPr>
+          <p:cNvSpPr txBox="1"/>
+          <p:nvPr/>
+        </p:nvSpPr>
+        <p:spPr>
+          <a:xfrm>
+            <a:off x="0" y="323165"/>
+            <a:ext cx="12192000" cy="646331"/>
+          </a:xfrm>
+          <a:prstGeom prst="rect">
+            <a:avLst/>
+          </a:prstGeom>
+          <a:noFill/>
+        </p:spPr>
+        <p:txBody>
+          <a:bodyPr wrap="square" rtlCol="0">
+            <a:spAutoFit/>
+          </a:bodyPr>
+          <a:lstStyle/>
+          <a:p>
+            <a:pPr algn="ctr"/>
+            <a:r>
+              <a:rPr lang="en-US" sz="3600" i="1" dirty="0">
+                <a:solidFill>
+                  <a:srgbClr val="7030A0"/>
+                </a:solidFill>
+                <a:latin typeface="Calisto MT" panose="02040603050505030304" pitchFamily="18" charset="0"/>
+              </a:rPr>
+              <a:t>ELT Design &amp; Development – Ingesting the Data</a:t>
+            </a:r>
+          </a:p>
+        </p:txBody>
+      </p:sp>
+      <p:grpSp>
+        <p:nvGrpSpPr>
+          <p:cNvPr id="27" name="Group 26">
+            <a:extLst>
+              <a:ext uri="{FF2B5EF4-FFF2-40B4-BE49-F238E27FC236}">
+                <a16:creationId xmlns:a16="http://schemas.microsoft.com/office/drawing/2014/main" id="{2A4BCE5A-6C51-3655-36D9-106041C098EB}"/>
+              </a:ext>
+            </a:extLst>
+          </p:cNvPr>
+          <p:cNvGrpSpPr/>
+          <p:nvPr/>
+        </p:nvGrpSpPr>
+        <p:grpSpPr>
+          <a:xfrm>
+            <a:off x="3713831" y="1794940"/>
+            <a:ext cx="7538325" cy="2831020"/>
+            <a:chOff x="3713831" y="1794940"/>
+            <a:chExt cx="7538325" cy="2831020"/>
+          </a:xfrm>
+        </p:grpSpPr>
+        <p:grpSp>
+          <p:nvGrpSpPr>
+            <p:cNvPr id="5" name="Group 4">
+              <a:extLst>
+                <a:ext uri="{FF2B5EF4-FFF2-40B4-BE49-F238E27FC236}">
+                  <a16:creationId xmlns:a16="http://schemas.microsoft.com/office/drawing/2014/main" id="{B54B0FC7-B589-C119-FE42-9EB12F7A8089}"/>
+                </a:ext>
+              </a:extLst>
+            </p:cNvPr>
+            <p:cNvGrpSpPr/>
+            <p:nvPr/>
+          </p:nvGrpSpPr>
+          <p:grpSpPr>
+            <a:xfrm>
+              <a:off x="8783276" y="1803633"/>
+              <a:ext cx="2468880" cy="2822327"/>
+              <a:chOff x="6811861" y="1803633"/>
+              <a:chExt cx="2468880" cy="2822327"/>
+            </a:xfrm>
+          </p:grpSpPr>
+          <p:sp>
+            <p:nvSpPr>
+              <p:cNvPr id="7" name="Rectangle 6">
+                <a:extLst>
+                  <a:ext uri="{FF2B5EF4-FFF2-40B4-BE49-F238E27FC236}">
+                    <a16:creationId xmlns:a16="http://schemas.microsoft.com/office/drawing/2014/main" id="{602C2FF7-46CF-D76C-0AA0-E6FF484420D5}"/>
+                  </a:ext>
+                </a:extLst>
+              </p:cNvPr>
+              <p:cNvSpPr/>
+              <p:nvPr/>
+            </p:nvSpPr>
+            <p:spPr>
+              <a:xfrm>
+                <a:off x="6811861" y="1803633"/>
+                <a:ext cx="2468880" cy="646331"/>
+              </a:xfrm>
+              <a:prstGeom prst="rect">
+                <a:avLst/>
+              </a:prstGeom>
+              <a:solidFill>
+                <a:srgbClr val="00B0F0">
+                  <a:alpha val="50000"/>
+                </a:srgbClr>
+              </a:solidFill>
+            </p:spPr>
+            <p:style>
+              <a:lnRef idx="2">
+                <a:schemeClr val="accent1">
+                  <a:shade val="15000"/>
+                </a:schemeClr>
+              </a:lnRef>
+              <a:fillRef idx="1">
+                <a:schemeClr val="accent1"/>
+              </a:fillRef>
+              <a:effectRef idx="0">
+                <a:schemeClr val="accent1"/>
+              </a:effectRef>
+              <a:fontRef idx="minor">
+                <a:schemeClr val="lt1"/>
+              </a:fontRef>
+            </p:style>
+            <p:txBody>
+              <a:bodyPr rtlCol="0" anchor="ctr"/>
+              <a:lstStyle/>
+              <a:p>
+                <a:pPr algn="ctr"/>
+                <a:r>
+                  <a:rPr lang="en-US" dirty="0">
+                    <a:solidFill>
+                      <a:schemeClr val="tx1"/>
+                    </a:solidFill>
+                  </a:rPr>
+                  <a:t>Create Stages</a:t>
+                </a:r>
+              </a:p>
+            </p:txBody>
+          </p:sp>
+          <p:sp>
+            <p:nvSpPr>
+              <p:cNvPr id="10" name="Rectangle 9">
+                <a:extLst>
+                  <a:ext uri="{FF2B5EF4-FFF2-40B4-BE49-F238E27FC236}">
+                    <a16:creationId xmlns:a16="http://schemas.microsoft.com/office/drawing/2014/main" id="{8DE34962-4346-969D-1C5B-8EF8F0120DAB}"/>
+                  </a:ext>
+                </a:extLst>
+              </p:cNvPr>
+              <p:cNvSpPr/>
+              <p:nvPr/>
+            </p:nvSpPr>
+            <p:spPr>
+              <a:xfrm>
+                <a:off x="6811861" y="2891631"/>
+                <a:ext cx="2468880" cy="646331"/>
+              </a:xfrm>
+              <a:prstGeom prst="rect">
+                <a:avLst/>
+              </a:prstGeom>
+              <a:solidFill>
+                <a:srgbClr val="00B0F0">
+                  <a:alpha val="50000"/>
+                </a:srgbClr>
+              </a:solidFill>
+            </p:spPr>
+            <p:style>
+              <a:lnRef idx="2">
+                <a:schemeClr val="accent1">
+                  <a:shade val="15000"/>
+                </a:schemeClr>
+              </a:lnRef>
+              <a:fillRef idx="1">
+                <a:schemeClr val="accent1"/>
+              </a:fillRef>
+              <a:effectRef idx="0">
+                <a:schemeClr val="accent1"/>
+              </a:effectRef>
+              <a:fontRef idx="minor">
+                <a:schemeClr val="lt1"/>
+              </a:fontRef>
+            </p:style>
+            <p:txBody>
+              <a:bodyPr rtlCol="0" anchor="ctr"/>
+              <a:lstStyle/>
+              <a:p>
+                <a:pPr algn="ctr"/>
+                <a:r>
+                  <a:rPr lang="en-US" dirty="0">
+                    <a:solidFill>
+                      <a:schemeClr val="tx1"/>
+                    </a:solidFill>
+                  </a:rPr>
+                  <a:t>Create External </a:t>
+                </a:r>
+              </a:p>
+            </p:txBody>
+          </p:sp>
+          <p:cxnSp>
+            <p:nvCxnSpPr>
+              <p:cNvPr id="12" name="Straight Arrow Connector 11">
+                <a:extLst>
+                  <a:ext uri="{FF2B5EF4-FFF2-40B4-BE49-F238E27FC236}">
+                    <a16:creationId xmlns:a16="http://schemas.microsoft.com/office/drawing/2014/main" id="{F23EE859-46B1-8D81-0206-97CDF803B0FE}"/>
+                  </a:ext>
+                </a:extLst>
+              </p:cNvPr>
+              <p:cNvCxnSpPr>
+                <a:stCxn id="7" idx="2"/>
+                <a:endCxn id="10" idx="0"/>
+              </p:cNvCxnSpPr>
+              <p:nvPr/>
+            </p:nvCxnSpPr>
+            <p:spPr>
+              <a:xfrm>
+                <a:off x="8046301" y="2449964"/>
+                <a:ext cx="0" cy="441667"/>
+              </a:xfrm>
+              <a:prstGeom prst="straightConnector1">
+                <a:avLst/>
+              </a:prstGeom>
+              <a:ln w="38100">
+                <a:tailEnd type="triangle"/>
+              </a:ln>
+            </p:spPr>
+            <p:style>
+              <a:lnRef idx="3">
+                <a:schemeClr val="dk1"/>
+              </a:lnRef>
+              <a:fillRef idx="0">
+                <a:schemeClr val="dk1"/>
+              </a:fillRef>
+              <a:effectRef idx="2">
+                <a:schemeClr val="dk1"/>
+              </a:effectRef>
+              <a:fontRef idx="minor">
+                <a:schemeClr val="tx1"/>
+              </a:fontRef>
+            </p:style>
+          </p:cxnSp>
+          <p:sp>
+            <p:nvSpPr>
+              <p:cNvPr id="15" name="Rectangle 14">
+                <a:extLst>
+                  <a:ext uri="{FF2B5EF4-FFF2-40B4-BE49-F238E27FC236}">
+                    <a16:creationId xmlns:a16="http://schemas.microsoft.com/office/drawing/2014/main" id="{8CAA12B0-D428-9FDA-A450-5DD73EE68748}"/>
+                  </a:ext>
+                </a:extLst>
+              </p:cNvPr>
+              <p:cNvSpPr/>
+              <p:nvPr/>
+            </p:nvSpPr>
+            <p:spPr>
+              <a:xfrm>
+                <a:off x="6811861" y="3979629"/>
+                <a:ext cx="2468880" cy="646331"/>
+              </a:xfrm>
+              <a:prstGeom prst="rect">
+                <a:avLst/>
+              </a:prstGeom>
+              <a:solidFill>
+                <a:srgbClr val="00B0F0">
+                  <a:alpha val="50000"/>
+                </a:srgbClr>
+              </a:solidFill>
+            </p:spPr>
+            <p:style>
+              <a:lnRef idx="2">
+                <a:schemeClr val="accent1">
+                  <a:shade val="15000"/>
+                </a:schemeClr>
+              </a:lnRef>
+              <a:fillRef idx="1">
+                <a:schemeClr val="accent1"/>
+              </a:fillRef>
+              <a:effectRef idx="0">
+                <a:schemeClr val="accent1"/>
+              </a:effectRef>
+              <a:fontRef idx="minor">
+                <a:schemeClr val="lt1"/>
+              </a:fontRef>
+            </p:style>
+            <p:txBody>
+              <a:bodyPr rtlCol="0" anchor="ctr"/>
+              <a:lstStyle/>
+              <a:p>
+                <a:pPr algn="ctr"/>
+                <a:r>
+                  <a:rPr lang="en-US" dirty="0">
+                    <a:solidFill>
+                      <a:schemeClr val="tx1"/>
+                    </a:solidFill>
+                  </a:rPr>
+                  <a:t>Ingest Data into Corresponding Tables </a:t>
+                </a:r>
+              </a:p>
+            </p:txBody>
+          </p:sp>
+          <p:cxnSp>
+            <p:nvCxnSpPr>
+              <p:cNvPr id="16" name="Straight Arrow Connector 15">
+                <a:extLst>
+                  <a:ext uri="{FF2B5EF4-FFF2-40B4-BE49-F238E27FC236}">
+                    <a16:creationId xmlns:a16="http://schemas.microsoft.com/office/drawing/2014/main" id="{67A3D253-CC26-B4DC-9F71-3A891DA9D9FF}"/>
+                  </a:ext>
+                </a:extLst>
+              </p:cNvPr>
+              <p:cNvCxnSpPr>
+                <a:cxnSpLocks/>
+                <a:stCxn id="10" idx="2"/>
+                <a:endCxn id="15" idx="0"/>
+              </p:cNvCxnSpPr>
+              <p:nvPr/>
+            </p:nvCxnSpPr>
+            <p:spPr>
+              <a:xfrm>
+                <a:off x="8046301" y="3537962"/>
+                <a:ext cx="0" cy="441667"/>
+              </a:xfrm>
+              <a:prstGeom prst="straightConnector1">
+                <a:avLst/>
+              </a:prstGeom>
+              <a:ln w="38100">
+                <a:tailEnd type="triangle"/>
+              </a:ln>
+            </p:spPr>
+            <p:style>
+              <a:lnRef idx="3">
+                <a:schemeClr val="dk1"/>
+              </a:lnRef>
+              <a:fillRef idx="0">
+                <a:schemeClr val="dk1"/>
+              </a:fillRef>
+              <a:effectRef idx="2">
+                <a:schemeClr val="dk1"/>
+              </a:effectRef>
+              <a:fontRef idx="minor">
+                <a:schemeClr val="tx1"/>
+              </a:fontRef>
+            </p:style>
+          </p:cxnSp>
+        </p:grpSp>
+        <p:pic>
+          <p:nvPicPr>
+            <p:cNvPr id="24" name="Picture 23">
+              <a:extLst>
+                <a:ext uri="{FF2B5EF4-FFF2-40B4-BE49-F238E27FC236}">
+                  <a16:creationId xmlns:a16="http://schemas.microsoft.com/office/drawing/2014/main" id="{B9D80671-299A-9879-DC23-BDD94BBC9084}"/>
+                </a:ext>
+              </a:extLst>
+            </p:cNvPr>
+            <p:cNvPicPr>
+              <a:picLocks noChangeAspect="1"/>
+            </p:cNvPicPr>
+            <p:nvPr/>
+          </p:nvPicPr>
+          <p:blipFill>
+            <a:blip r:embed="rId2"/>
+            <a:stretch>
+              <a:fillRect/>
+            </a:stretch>
+          </p:blipFill>
+          <p:spPr>
+            <a:xfrm>
+              <a:off x="3713831" y="1794940"/>
+              <a:ext cx="4922947" cy="594412"/>
+            </a:xfrm>
+            <a:prstGeom prst="rect">
+              <a:avLst/>
+            </a:prstGeom>
+          </p:spPr>
+        </p:pic>
+        <p:pic>
+          <p:nvPicPr>
+            <p:cNvPr id="26" name="Picture 25">
+              <a:extLst>
+                <a:ext uri="{FF2B5EF4-FFF2-40B4-BE49-F238E27FC236}">
+                  <a16:creationId xmlns:a16="http://schemas.microsoft.com/office/drawing/2014/main" id="{A35792F3-1E61-ACD8-B330-753D5C2F2CA0}"/>
+                </a:ext>
+              </a:extLst>
+            </p:cNvPr>
+            <p:cNvPicPr>
+              <a:picLocks noChangeAspect="1"/>
+            </p:cNvPicPr>
+            <p:nvPr/>
+          </p:nvPicPr>
+          <p:blipFill>
+            <a:blip r:embed="rId3"/>
+            <a:stretch>
+              <a:fillRect/>
+            </a:stretch>
+          </p:blipFill>
+          <p:spPr>
+            <a:xfrm>
+              <a:off x="5540518" y="3153852"/>
+              <a:ext cx="2880610" cy="190517"/>
+            </a:xfrm>
+            <a:prstGeom prst="rect">
+              <a:avLst/>
+            </a:prstGeom>
+          </p:spPr>
+        </p:pic>
+      </p:grpSp>
+      <p:pic>
+        <p:nvPicPr>
+          <p:cNvPr id="29" name="Picture 28">
+            <a:extLst>
+              <a:ext uri="{FF2B5EF4-FFF2-40B4-BE49-F238E27FC236}">
+                <a16:creationId xmlns:a16="http://schemas.microsoft.com/office/drawing/2014/main" id="{1B256647-13F3-1A6E-A499-9F6CF9BA1ABF}"/>
+              </a:ext>
+            </a:extLst>
+          </p:cNvPr>
+          <p:cNvPicPr>
+            <a:picLocks noChangeAspect="1"/>
+          </p:cNvPicPr>
+          <p:nvPr/>
+        </p:nvPicPr>
+        <p:blipFill>
+          <a:blip r:embed="rId4"/>
+          <a:stretch>
+            <a:fillRect/>
+          </a:stretch>
+        </p:blipFill>
+        <p:spPr>
+          <a:xfrm>
+            <a:off x="5093146" y="4028652"/>
+            <a:ext cx="3444538" cy="647756"/>
+          </a:xfrm>
+          <a:prstGeom prst="rect">
+            <a:avLst/>
+          </a:prstGeom>
+        </p:spPr>
+      </p:pic>
+      <p:grpSp>
+        <p:nvGrpSpPr>
+          <p:cNvPr id="23" name="Group 22">
+            <a:extLst>
+              <a:ext uri="{FF2B5EF4-FFF2-40B4-BE49-F238E27FC236}">
+                <a16:creationId xmlns:a16="http://schemas.microsoft.com/office/drawing/2014/main" id="{92B5EE7B-CCDF-8981-5C56-0E1967295BDE}"/>
+              </a:ext>
+            </a:extLst>
+          </p:cNvPr>
+          <p:cNvGrpSpPr/>
+          <p:nvPr/>
+        </p:nvGrpSpPr>
+        <p:grpSpPr>
+          <a:xfrm>
+            <a:off x="130045" y="2492579"/>
+            <a:ext cx="5726068" cy="4247043"/>
+            <a:chOff x="130045" y="2492579"/>
+            <a:chExt cx="5726068" cy="4247043"/>
+          </a:xfrm>
+        </p:grpSpPr>
+        <p:grpSp>
+          <p:nvGrpSpPr>
+            <p:cNvPr id="11" name="Group 10">
+              <a:extLst>
+                <a:ext uri="{FF2B5EF4-FFF2-40B4-BE49-F238E27FC236}">
+                  <a16:creationId xmlns:a16="http://schemas.microsoft.com/office/drawing/2014/main" id="{F1744702-ED5C-FA73-7B8D-254DF5C9D3A2}"/>
+                </a:ext>
+              </a:extLst>
+            </p:cNvPr>
+            <p:cNvGrpSpPr/>
+            <p:nvPr/>
+          </p:nvGrpSpPr>
+          <p:grpSpPr>
+            <a:xfrm>
+              <a:off x="130045" y="2492579"/>
+              <a:ext cx="4152115" cy="2381426"/>
+              <a:chOff x="1027667" y="2450634"/>
+              <a:chExt cx="4152115" cy="2381426"/>
+            </a:xfrm>
+          </p:grpSpPr>
+          <p:sp>
+            <p:nvSpPr>
+              <p:cNvPr id="3" name="Cylinder 2">
+                <a:extLst>
+                  <a:ext uri="{FF2B5EF4-FFF2-40B4-BE49-F238E27FC236}">
+                    <a16:creationId xmlns:a16="http://schemas.microsoft.com/office/drawing/2014/main" id="{11FEF3CF-684A-D1ED-6DA8-00B8EB047948}"/>
+                  </a:ext>
+                </a:extLst>
+              </p:cNvPr>
+              <p:cNvSpPr/>
+              <p:nvPr/>
+            </p:nvSpPr>
+            <p:spPr>
+              <a:xfrm rot="5400000">
+                <a:off x="2890006" y="2659420"/>
+                <a:ext cx="385894" cy="1837189"/>
+              </a:xfrm>
+              <a:prstGeom prst="can">
+                <a:avLst/>
+              </a:prstGeom>
+              <a:solidFill>
+                <a:srgbClr val="00B0F0">
+                  <a:alpha val="38000"/>
+                </a:srgbClr>
+              </a:solidFill>
+            </p:spPr>
+            <p:style>
+              <a:lnRef idx="2">
+                <a:schemeClr val="accent1">
+                  <a:shade val="15000"/>
+                </a:schemeClr>
+              </a:lnRef>
+              <a:fillRef idx="1">
+                <a:schemeClr val="accent1"/>
+              </a:fillRef>
+              <a:effectRef idx="0">
+                <a:schemeClr val="accent1"/>
+              </a:effectRef>
+              <a:fontRef idx="minor">
+                <a:schemeClr val="lt1"/>
+              </a:fontRef>
+            </p:style>
+            <p:txBody>
+              <a:bodyPr rtlCol="0" anchor="ctr"/>
+              <a:lstStyle/>
+              <a:p>
+                <a:pPr algn="ctr"/>
+                <a:endParaRPr lang="en-US"/>
+              </a:p>
+            </p:txBody>
+          </p:sp>
+          <p:grpSp>
+            <p:nvGrpSpPr>
+              <p:cNvPr id="6" name="Group 5">
+                <a:extLst>
+                  <a:ext uri="{FF2B5EF4-FFF2-40B4-BE49-F238E27FC236}">
+                    <a16:creationId xmlns:a16="http://schemas.microsoft.com/office/drawing/2014/main" id="{02B8ED2C-7FEA-7F1C-B63A-F2BE792CCEEC}"/>
+                  </a:ext>
+                </a:extLst>
+              </p:cNvPr>
+              <p:cNvGrpSpPr/>
+              <p:nvPr/>
+            </p:nvGrpSpPr>
+            <p:grpSpPr>
+              <a:xfrm>
+                <a:off x="1027667" y="2450634"/>
+                <a:ext cx="4152115" cy="2381426"/>
+                <a:chOff x="1027667" y="2450634"/>
+                <a:chExt cx="4152115" cy="2381426"/>
+              </a:xfrm>
+            </p:grpSpPr>
+            <p:grpSp>
+              <p:nvGrpSpPr>
+                <p:cNvPr id="9" name="Group 8">
+                  <a:extLst>
+                    <a:ext uri="{FF2B5EF4-FFF2-40B4-BE49-F238E27FC236}">
+                      <a16:creationId xmlns:a16="http://schemas.microsoft.com/office/drawing/2014/main" id="{908CCBC9-C6EC-72C6-9C52-2CE3F0983264}"/>
+                    </a:ext>
+                  </a:extLst>
+                </p:cNvPr>
+                <p:cNvGrpSpPr/>
+                <p:nvPr/>
+              </p:nvGrpSpPr>
+              <p:grpSpPr>
+                <a:xfrm>
+                  <a:off x="1027667" y="2450634"/>
+                  <a:ext cx="2277595" cy="2381426"/>
+                  <a:chOff x="1027667" y="2450634"/>
+                  <a:chExt cx="2277595" cy="2381426"/>
+                </a:xfrm>
+              </p:grpSpPr>
+              <p:pic>
+                <p:nvPicPr>
+                  <p:cNvPr id="3076" name="Picture 4" descr="AWS S3 (Simple Storage Service)&quot; Icon - Download for free – Iconduck">
+                    <a:extLst>
+                      <a:ext uri="{FF2B5EF4-FFF2-40B4-BE49-F238E27FC236}">
+                        <a16:creationId xmlns:a16="http://schemas.microsoft.com/office/drawing/2014/main" id="{5807CD86-8115-4052-5173-0C040E9DFAA3}"/>
+                      </a:ext>
+                    </a:extLst>
+                  </p:cNvPr>
+                  <p:cNvPicPr>
+                    <a:picLocks noChangeAspect="1" noChangeArrowheads="1"/>
+                  </p:cNvPicPr>
+                  <p:nvPr/>
+                </p:nvPicPr>
+                <p:blipFill>
+                  <a:blip r:embed="rId5">
+                    <a:duotone>
+                      <a:schemeClr val="accent1">
+                        <a:shade val="45000"/>
+                        <a:satMod val="135000"/>
+                      </a:schemeClr>
+                      <a:prstClr val="white"/>
+                    </a:duotone>
+                    <a:extLst>
+                      <a:ext uri="{28A0092B-C50C-407E-A947-70E740481C1C}">
+                        <a14:useLocalDpi xmlns:a14="http://schemas.microsoft.com/office/drawing/2010/main" val="0"/>
+                      </a:ext>
+                    </a:extLst>
+                  </a:blip>
+                  <a:srcRect/>
+                  <a:stretch>
+                    <a:fillRect/>
+                  </a:stretch>
+                </p:blipFill>
+                <p:spPr bwMode="auto">
+                  <a:xfrm>
+                    <a:off x="1027667" y="2450634"/>
+                    <a:ext cx="809190" cy="978366"/>
+                  </a:xfrm>
+                  <a:prstGeom prst="rect">
+                    <a:avLst/>
+                  </a:prstGeom>
+                  <a:noFill/>
+                  <a:extLst>
+                    <a:ext uri="{909E8E84-426E-40DD-AFC4-6F175D3DCCD1}">
+                      <a14:hiddenFill xmlns:a14="http://schemas.microsoft.com/office/drawing/2010/main">
+                        <a:solidFill>
+                          <a:srgbClr val="FFFFFF"/>
+                        </a:solidFill>
+                      </a14:hiddenFill>
+                    </a:ext>
+                  </a:extLst>
+                </p:spPr>
+              </p:pic>
+              <p:pic>
+                <p:nvPicPr>
+                  <p:cNvPr id="4" name="Picture 4" descr="AWS S3 (Simple Storage Service)&quot; Icon - Download for free – Iconduck">
+                    <a:extLst>
+                      <a:ext uri="{FF2B5EF4-FFF2-40B4-BE49-F238E27FC236}">
+                        <a16:creationId xmlns:a16="http://schemas.microsoft.com/office/drawing/2014/main" id="{F90ADBB5-025F-1854-419E-D5319F9D77F7}"/>
+                      </a:ext>
+                    </a:extLst>
+                  </p:cNvPr>
+                  <p:cNvPicPr>
+                    <a:picLocks noChangeAspect="1" noChangeArrowheads="1"/>
+                  </p:cNvPicPr>
+                  <p:nvPr/>
+                </p:nvPicPr>
+                <p:blipFill>
+                  <a:blip r:embed="rId5">
+                    <a:duotone>
+                      <a:schemeClr val="accent6">
+                        <a:shade val="45000"/>
+                        <a:satMod val="135000"/>
+                      </a:schemeClr>
+                      <a:prstClr val="white"/>
+                    </a:duotone>
+                    <a:extLst>
+                      <a:ext uri="{28A0092B-C50C-407E-A947-70E740481C1C}">
+                        <a14:useLocalDpi xmlns:a14="http://schemas.microsoft.com/office/drawing/2010/main" val="0"/>
+                      </a:ext>
+                    </a:extLst>
+                  </a:blip>
+                  <a:srcRect/>
+                  <a:stretch>
+                    <a:fillRect/>
+                  </a:stretch>
+                </p:blipFill>
+                <p:spPr bwMode="auto">
+                  <a:xfrm>
+                    <a:off x="1027667" y="3853694"/>
+                    <a:ext cx="809190" cy="978366"/>
+                  </a:xfrm>
+                  <a:prstGeom prst="rect">
+                    <a:avLst/>
+                  </a:prstGeom>
+                  <a:noFill/>
+                  <a:extLst>
+                    <a:ext uri="{909E8E84-426E-40DD-AFC4-6F175D3DCCD1}">
+                      <a14:hiddenFill xmlns:a14="http://schemas.microsoft.com/office/drawing/2010/main">
+                        <a:solidFill>
+                          <a:srgbClr val="FFFFFF"/>
+                        </a:solidFill>
+                      </a14:hiddenFill>
+                    </a:ext>
+                  </a:extLst>
+                </p:spPr>
+              </p:pic>
+              <p:sp>
+                <p:nvSpPr>
+                  <p:cNvPr id="8" name="TextBox 7">
+                    <a:extLst>
+                      <a:ext uri="{FF2B5EF4-FFF2-40B4-BE49-F238E27FC236}">
+                        <a16:creationId xmlns:a16="http://schemas.microsoft.com/office/drawing/2014/main" id="{CA41A722-2770-84EB-E68E-F9729598F786}"/>
+                      </a:ext>
+                    </a:extLst>
+                  </p:cNvPr>
+                  <p:cNvSpPr txBox="1"/>
+                  <p:nvPr/>
+                </p:nvSpPr>
+                <p:spPr>
+                  <a:xfrm>
+                    <a:off x="2860646" y="3385067"/>
+                    <a:ext cx="444616" cy="369332"/>
+                  </a:xfrm>
+                  <a:prstGeom prst="rect">
+                    <a:avLst/>
+                  </a:prstGeom>
+                  <a:noFill/>
+                </p:spPr>
+                <p:txBody>
+                  <a:bodyPr wrap="square" rtlCol="0">
+                    <a:spAutoFit/>
+                  </a:bodyPr>
+                  <a:lstStyle/>
+                  <a:p>
+                    <a:r>
+                      <a:rPr lang="en-US" b="1" i="1" dirty="0"/>
+                      <a:t>EL</a:t>
+                    </a:r>
+                  </a:p>
+                </p:txBody>
+              </p:sp>
+            </p:grpSp>
+            <p:pic>
+              <p:nvPicPr>
+                <p:cNvPr id="3078" name="Picture 6" descr="Snowflake logo in transparent PNG and vectorized SVG formats">
+                  <a:extLst>
+                    <a:ext uri="{FF2B5EF4-FFF2-40B4-BE49-F238E27FC236}">
+                      <a16:creationId xmlns:a16="http://schemas.microsoft.com/office/drawing/2014/main" id="{BEC9F3E6-1BB1-1297-F3DE-1EF7DD78582B}"/>
+                    </a:ext>
+                  </a:extLst>
+                </p:cNvPr>
+                <p:cNvPicPr>
+                  <a:picLocks noChangeAspect="1" noChangeArrowheads="1"/>
+                </p:cNvPicPr>
+                <p:nvPr/>
+              </p:nvPicPr>
+              <p:blipFill>
+                <a:blip r:embed="rId6">
+                  <a:extLst>
+                    <a:ext uri="{28A0092B-C50C-407E-A947-70E740481C1C}">
+                      <a14:useLocalDpi xmlns:a14="http://schemas.microsoft.com/office/drawing/2010/main" val="0"/>
+                    </a:ext>
+                  </a:extLst>
+                </a:blip>
+                <a:srcRect/>
+                <a:stretch>
+                  <a:fillRect/>
+                </a:stretch>
+              </p:blipFill>
+              <p:spPr bwMode="auto">
+                <a:xfrm>
+                  <a:off x="4539702" y="3172851"/>
+                  <a:ext cx="640080" cy="637571"/>
+                </a:xfrm>
+                <a:prstGeom prst="rect">
+                  <a:avLst/>
+                </a:prstGeom>
+                <a:noFill/>
+                <a:extLst>
+                  <a:ext uri="{909E8E84-426E-40DD-AFC4-6F175D3DCCD1}">
+                    <a14:hiddenFill xmlns:a14="http://schemas.microsoft.com/office/drawing/2010/main">
+                      <a:solidFill>
+                        <a:srgbClr val="FFFFFF"/>
+                      </a:solidFill>
+                    </a14:hiddenFill>
+                  </a:ext>
+                </a:extLst>
+              </p:spPr>
+            </p:pic>
+            <p:pic>
+              <p:nvPicPr>
+                <p:cNvPr id="20" name="Picture 6" descr="Snowflake logo in transparent PNG and vectorized SVG formats">
+                  <a:extLst>
+                    <a:ext uri="{FF2B5EF4-FFF2-40B4-BE49-F238E27FC236}">
+                      <a16:creationId xmlns:a16="http://schemas.microsoft.com/office/drawing/2014/main" id="{76BB70CA-3AE2-D85F-86A7-539F70AB3B74}"/>
+                    </a:ext>
+                  </a:extLst>
+                </p:cNvPr>
+                <p:cNvPicPr>
+                  <a:picLocks noChangeAspect="1" noChangeArrowheads="1"/>
+                </p:cNvPicPr>
+                <p:nvPr/>
+              </p:nvPicPr>
+              <p:blipFill>
+                <a:blip r:embed="rId6">
+                  <a:extLst>
+                    <a:ext uri="{28A0092B-C50C-407E-A947-70E740481C1C}">
+                      <a14:useLocalDpi xmlns:a14="http://schemas.microsoft.com/office/drawing/2010/main" val="0"/>
+                    </a:ext>
+                  </a:extLst>
+                </a:blip>
+                <a:srcRect/>
+                <a:stretch>
+                  <a:fillRect/>
+                </a:stretch>
+              </p:blipFill>
+              <p:spPr bwMode="auto">
+                <a:xfrm>
+                  <a:off x="2860468" y="2850269"/>
+                  <a:ext cx="450506" cy="448740"/>
+                </a:xfrm>
+                <a:prstGeom prst="rect">
+                  <a:avLst/>
+                </a:prstGeom>
+                <a:noFill/>
+                <a:extLst>
+                  <a:ext uri="{909E8E84-426E-40DD-AFC4-6F175D3DCCD1}">
+                    <a14:hiddenFill xmlns:a14="http://schemas.microsoft.com/office/drawing/2010/main">
+                      <a:solidFill>
+                        <a:srgbClr val="FFFFFF"/>
+                      </a:solidFill>
+                    </a14:hiddenFill>
+                  </a:ext>
+                </a:extLst>
+              </p:spPr>
+            </p:pic>
+          </p:grpSp>
+        </p:grpSp>
+        <p:pic>
+          <p:nvPicPr>
+            <p:cNvPr id="18" name="Picture 17">
+              <a:extLst>
+                <a:ext uri="{FF2B5EF4-FFF2-40B4-BE49-F238E27FC236}">
+                  <a16:creationId xmlns:a16="http://schemas.microsoft.com/office/drawing/2014/main" id="{880FCB3E-593A-C31A-855B-DD6A8AA05B9C}"/>
+                </a:ext>
+              </a:extLst>
+            </p:cNvPr>
+            <p:cNvPicPr>
+              <a:picLocks noChangeAspect="1"/>
+            </p:cNvPicPr>
+            <p:nvPr/>
+          </p:nvPicPr>
+          <p:blipFill>
+            <a:blip r:embed="rId7"/>
+            <a:stretch>
+              <a:fillRect/>
+            </a:stretch>
+          </p:blipFill>
+          <p:spPr>
+            <a:xfrm>
+              <a:off x="2063944" y="4907561"/>
+              <a:ext cx="3792169" cy="1832061"/>
+            </a:xfrm>
+            <a:prstGeom prst="rect">
+              <a:avLst/>
+            </a:prstGeom>
+          </p:spPr>
+        </p:pic>
+      </p:grpSp>
+      <p:cxnSp>
+        <p:nvCxnSpPr>
+          <p:cNvPr id="21" name="Straight Arrow Connector 20">
+            <a:extLst>
+              <a:ext uri="{FF2B5EF4-FFF2-40B4-BE49-F238E27FC236}">
+                <a16:creationId xmlns:a16="http://schemas.microsoft.com/office/drawing/2014/main" id="{ECFE3FB4-B560-4596-6236-2F55D2C8E4C2}"/>
+              </a:ext>
+            </a:extLst>
+          </p:cNvPr>
+          <p:cNvCxnSpPr>
+            <a:cxnSpLocks/>
+            <a:stCxn id="3078" idx="2"/>
+            <a:endCxn id="18" idx="0"/>
+          </p:cNvCxnSpPr>
+          <p:nvPr/>
+        </p:nvCxnSpPr>
+        <p:spPr>
+          <a:xfrm flipH="1">
+            <a:off x="3960029" y="3852367"/>
+            <a:ext cx="2091" cy="1055194"/>
+          </a:xfrm>
+          <a:prstGeom prst="straightConnector1">
+            <a:avLst/>
+          </a:prstGeom>
+          <a:ln>
+            <a:tailEnd type="triangle"/>
+          </a:ln>
+        </p:spPr>
+        <p:style>
+          <a:lnRef idx="3">
+            <a:schemeClr val="dk1"/>
+          </a:lnRef>
+          <a:fillRef idx="0">
+            <a:schemeClr val="dk1"/>
+          </a:fillRef>
+          <a:effectRef idx="2">
+            <a:schemeClr val="dk1"/>
+          </a:effectRef>
+          <a:fontRef idx="minor">
+            <a:schemeClr val="tx1"/>
+          </a:fontRef>
+        </p:style>
+      </p:cxnSp>
+      <p:pic>
+        <p:nvPicPr>
+          <p:cNvPr id="31" name="Picture 2" descr="FIRN Analytics: Timely Data Solutions &amp; Expert Consultancy">
+            <a:extLst>
+              <a:ext uri="{FF2B5EF4-FFF2-40B4-BE49-F238E27FC236}">
+                <a16:creationId xmlns:a16="http://schemas.microsoft.com/office/drawing/2014/main" id="{FEFF81EA-1AAB-B708-C2B6-0404CF47212C}"/>
+              </a:ext>
+            </a:extLst>
+          </p:cNvPr>
+          <p:cNvPicPr>
+            <a:picLocks noChangeAspect="1" noChangeArrowheads="1"/>
+          </p:cNvPicPr>
+          <p:nvPr/>
+        </p:nvPicPr>
+        <p:blipFill>
+          <a:blip r:embed="rId8">
             <a:extLst>
               <a:ext uri="{28A0092B-C50C-407E-A947-70E740481C1C}">
                 <a14:useLocalDpi xmlns:a14="http://schemas.microsoft.com/office/drawing/2010/main" val="0"/>
@@ -4732,7 +6536,7 @@
     </p:spTree>
     <p:extLst>
       <p:ext uri="{BB962C8B-B14F-4D97-AF65-F5344CB8AC3E}">
-        <p14:creationId xmlns:p14="http://schemas.microsoft.com/office/powerpoint/2010/main" val="155831479"/>
+        <p14:creationId xmlns:p14="http://schemas.microsoft.com/office/powerpoint/2010/main" val="3297257504"/>
       </p:ext>
     </p:extLst>
   </p:cSld>
@@ -4742,7 +6546,7 @@
 </p:sld>
 </file>
 
-<file path=ppt/slides/slide11.xml><?xml version="1.0" encoding="utf-8"?>
+<file path=ppt/slides/slide16.xml><?xml version="1.0" encoding="utf-8"?>
 <p:sld xmlns:a="http://schemas.openxmlformats.org/drawingml/2006/main" xmlns:r="http://schemas.openxmlformats.org/officeDocument/2006/relationships" xmlns:p="http://schemas.openxmlformats.org/presentationml/2006/main">
   <p:cSld>
     <p:spTree>
@@ -4795,584 +6599,7 @@
                 </a:solidFill>
                 <a:latin typeface="Calisto MT" panose="02040603050505030304" pitchFamily="18" charset="0"/>
               </a:rPr>
-              <a:t>Dbt Cloud – Ideas to fulfill the Business Requirement </a:t>
-            </a:r>
-          </a:p>
-        </p:txBody>
-      </p:sp>
-      <p:grpSp>
-        <p:nvGrpSpPr>
-          <p:cNvPr id="36" name="Group 35">
-            <a:extLst>
-              <a:ext uri="{FF2B5EF4-FFF2-40B4-BE49-F238E27FC236}">
-                <a16:creationId xmlns:a16="http://schemas.microsoft.com/office/drawing/2014/main" id="{659361F4-33D3-E9EC-634D-925D0EC1CA6F}"/>
-              </a:ext>
-            </a:extLst>
-          </p:cNvPr>
-          <p:cNvGrpSpPr/>
-          <p:nvPr/>
-        </p:nvGrpSpPr>
-        <p:grpSpPr>
-          <a:xfrm>
-            <a:off x="705866" y="2107942"/>
-            <a:ext cx="10780268" cy="2642115"/>
-            <a:chOff x="180735" y="1759210"/>
-            <a:chExt cx="10780268" cy="2642115"/>
-          </a:xfrm>
-        </p:grpSpPr>
-        <p:grpSp>
-          <p:nvGrpSpPr>
-            <p:cNvPr id="13" name="Group 12">
-              <a:extLst>
-                <a:ext uri="{FF2B5EF4-FFF2-40B4-BE49-F238E27FC236}">
-                  <a16:creationId xmlns:a16="http://schemas.microsoft.com/office/drawing/2014/main" id="{19F28E7D-C3A9-B27F-1FAE-60782DEB55BD}"/>
-                </a:ext>
-              </a:extLst>
-            </p:cNvPr>
-            <p:cNvGrpSpPr/>
-            <p:nvPr/>
-          </p:nvGrpSpPr>
-          <p:grpSpPr>
-            <a:xfrm>
-              <a:off x="180735" y="1759210"/>
-              <a:ext cx="7162800" cy="2457449"/>
-              <a:chOff x="0" y="1476462"/>
-              <a:chExt cx="12192000" cy="2457449"/>
-            </a:xfrm>
-          </p:grpSpPr>
-          <p:sp>
-            <p:nvSpPr>
-              <p:cNvPr id="5" name="TextBox 4">
-                <a:extLst>
-                  <a:ext uri="{FF2B5EF4-FFF2-40B4-BE49-F238E27FC236}">
-                    <a16:creationId xmlns:a16="http://schemas.microsoft.com/office/drawing/2014/main" id="{931F3E74-5C3E-0B97-1E52-81550E685E45}"/>
-                  </a:ext>
-                </a:extLst>
-              </p:cNvPr>
-              <p:cNvSpPr txBox="1"/>
-              <p:nvPr/>
-            </p:nvSpPr>
-            <p:spPr>
-              <a:xfrm>
-                <a:off x="0" y="1476462"/>
-                <a:ext cx="12192000" cy="646331"/>
-              </a:xfrm>
-              <a:prstGeom prst="rect">
-                <a:avLst/>
-              </a:prstGeom>
-              <a:noFill/>
-            </p:spPr>
-            <p:txBody>
-              <a:bodyPr wrap="square" rtlCol="0">
-                <a:spAutoFit/>
-              </a:bodyPr>
-              <a:lstStyle/>
-              <a:p>
-                <a:pPr marL="285750" indent="-285750">
-                  <a:buFont typeface="Arial" panose="020B0604020202020204" pitchFamily="34" charset="0"/>
-                  <a:buChar char="•"/>
-                </a:pPr>
-                <a:r>
-                  <a:rPr lang="en-US" dirty="0"/>
-                  <a:t>The </a:t>
-                </a:r>
-                <a:r>
-                  <a:rPr lang="en-US" b="1" dirty="0">
-                    <a:solidFill>
-                      <a:schemeClr val="accent6"/>
-                    </a:solidFill>
-                  </a:rPr>
-                  <a:t>number of trips</a:t>
-                </a:r>
-                <a:r>
-                  <a:rPr lang="en-US" dirty="0"/>
-                  <a:t> within months:</a:t>
-                </a:r>
-              </a:p>
-              <a:p>
-                <a:pPr marL="742950" lvl="1" indent="-285750">
-                  <a:buFont typeface="Wingdings" panose="05000000000000000000" pitchFamily="2" charset="2"/>
-                  <a:buChar char="Ø"/>
-                </a:pPr>
-                <a:r>
-                  <a:rPr lang="en-US" dirty="0"/>
-                  <a:t> Are bikes used more in February or June, or September maybe?</a:t>
-                </a:r>
-              </a:p>
-            </p:txBody>
-          </p:sp>
-          <p:sp>
-            <p:nvSpPr>
-              <p:cNvPr id="11" name="TextBox 10">
-                <a:extLst>
-                  <a:ext uri="{FF2B5EF4-FFF2-40B4-BE49-F238E27FC236}">
-                    <a16:creationId xmlns:a16="http://schemas.microsoft.com/office/drawing/2014/main" id="{F314916F-A773-55F1-D2A9-659663A8A457}"/>
-                  </a:ext>
-                </a:extLst>
-              </p:cNvPr>
-              <p:cNvSpPr txBox="1"/>
-              <p:nvPr/>
-            </p:nvSpPr>
-            <p:spPr>
-              <a:xfrm>
-                <a:off x="0" y="2382021"/>
-                <a:ext cx="12192000" cy="646331"/>
-              </a:xfrm>
-              <a:prstGeom prst="rect">
-                <a:avLst/>
-              </a:prstGeom>
-              <a:noFill/>
-            </p:spPr>
-            <p:txBody>
-              <a:bodyPr wrap="square" rtlCol="0">
-                <a:spAutoFit/>
-              </a:bodyPr>
-              <a:lstStyle/>
-              <a:p>
-                <a:pPr marL="285750" indent="-285750">
-                  <a:buFont typeface="Arial" panose="020B0604020202020204" pitchFamily="34" charset="0"/>
-                  <a:buChar char="•"/>
-                </a:pPr>
-                <a:r>
-                  <a:rPr lang="en-US" dirty="0"/>
-                  <a:t>The </a:t>
-                </a:r>
-                <a:r>
-                  <a:rPr lang="en-US" b="1" dirty="0">
-                    <a:solidFill>
-                      <a:schemeClr val="accent6"/>
-                    </a:solidFill>
-                  </a:rPr>
-                  <a:t>average trip duration</a:t>
-                </a:r>
-                <a:r>
-                  <a:rPr lang="en-US" dirty="0">
-                    <a:solidFill>
-                      <a:schemeClr val="accent6"/>
-                    </a:solidFill>
-                  </a:rPr>
-                  <a:t>/</a:t>
-                </a:r>
-                <a:r>
-                  <a:rPr lang="en-US" b="1" dirty="0">
-                    <a:solidFill>
-                      <a:schemeClr val="accent6"/>
-                    </a:solidFill>
-                  </a:rPr>
-                  <a:t>distance</a:t>
-                </a:r>
-                <a:r>
-                  <a:rPr lang="en-US" dirty="0">
-                    <a:solidFill>
-                      <a:schemeClr val="accent6"/>
-                    </a:solidFill>
-                  </a:rPr>
-                  <a:t> </a:t>
-                </a:r>
-                <a:r>
-                  <a:rPr lang="en-US" dirty="0"/>
-                  <a:t>within a specific period of time</a:t>
-                </a:r>
-              </a:p>
-              <a:p>
-                <a:pPr marL="742950" lvl="1" indent="-285750">
-                  <a:buFont typeface="Wingdings" panose="05000000000000000000" pitchFamily="2" charset="2"/>
-                  <a:buChar char="Ø"/>
-                </a:pPr>
-                <a:r>
-                  <a:rPr lang="en-US" dirty="0"/>
-                  <a:t> Are trips longer in February compared to June?</a:t>
-                </a:r>
-              </a:p>
-            </p:txBody>
-          </p:sp>
-          <p:sp>
-            <p:nvSpPr>
-              <p:cNvPr id="12" name="TextBox 11">
-                <a:extLst>
-                  <a:ext uri="{FF2B5EF4-FFF2-40B4-BE49-F238E27FC236}">
-                    <a16:creationId xmlns:a16="http://schemas.microsoft.com/office/drawing/2014/main" id="{C2AEDD6D-ED73-55B5-6569-53A4EEAC6BDF}"/>
-                  </a:ext>
-                </a:extLst>
-              </p:cNvPr>
-              <p:cNvSpPr txBox="1"/>
-              <p:nvPr/>
-            </p:nvSpPr>
-            <p:spPr>
-              <a:xfrm>
-                <a:off x="0" y="3287580"/>
-                <a:ext cx="12192000" cy="646331"/>
-              </a:xfrm>
-              <a:prstGeom prst="rect">
-                <a:avLst/>
-              </a:prstGeom>
-              <a:noFill/>
-            </p:spPr>
-            <p:txBody>
-              <a:bodyPr wrap="square" rtlCol="0">
-                <a:spAutoFit/>
-              </a:bodyPr>
-              <a:lstStyle/>
-              <a:p>
-                <a:pPr marL="285750" indent="-285750">
-                  <a:buFont typeface="Arial" panose="020B0604020202020204" pitchFamily="34" charset="0"/>
-                  <a:buChar char="•"/>
-                </a:pPr>
-                <a:r>
-                  <a:rPr lang="en-US" dirty="0"/>
-                  <a:t>The </a:t>
-                </a:r>
-                <a:r>
-                  <a:rPr lang="en-US" b="1" dirty="0">
-                    <a:solidFill>
-                      <a:schemeClr val="accent6"/>
-                    </a:solidFill>
-                  </a:rPr>
-                  <a:t>number of trips</a:t>
-                </a:r>
-                <a:r>
-                  <a:rPr lang="en-US" dirty="0"/>
-                  <a:t> by </a:t>
-                </a:r>
-                <a:r>
-                  <a:rPr lang="en-US" b="1" dirty="0">
-                    <a:solidFill>
-                      <a:srgbClr val="0000FF"/>
-                    </a:solidFill>
-                  </a:rPr>
-                  <a:t>weather condition</a:t>
-                </a:r>
-                <a:r>
-                  <a:rPr lang="en-US" dirty="0"/>
-                  <a:t>:</a:t>
-                </a:r>
-              </a:p>
-              <a:p>
-                <a:pPr marL="742950" lvl="1" indent="-285750">
-                  <a:buFont typeface="Wingdings" panose="05000000000000000000" pitchFamily="2" charset="2"/>
-                  <a:buChar char="Ø"/>
-                </a:pPr>
-                <a:r>
-                  <a:rPr lang="en-US" dirty="0"/>
-                  <a:t> Are bikes used more when the weather is sunny or rainy?</a:t>
-                </a:r>
-                <a:endParaRPr lang="en-US" b="1" dirty="0"/>
-              </a:p>
-            </p:txBody>
-          </p:sp>
-        </p:grpSp>
-        <p:grpSp>
-          <p:nvGrpSpPr>
-            <p:cNvPr id="31" name="Group 30">
-              <a:extLst>
-                <a:ext uri="{FF2B5EF4-FFF2-40B4-BE49-F238E27FC236}">
-                  <a16:creationId xmlns:a16="http://schemas.microsoft.com/office/drawing/2014/main" id="{3B0174BB-A38B-A10B-9942-61029CEAC75A}"/>
-                </a:ext>
-              </a:extLst>
-            </p:cNvPr>
-            <p:cNvGrpSpPr/>
-            <p:nvPr/>
-          </p:nvGrpSpPr>
-          <p:grpSpPr>
-            <a:xfrm>
-              <a:off x="8352968" y="1793289"/>
-              <a:ext cx="2608035" cy="2608036"/>
-              <a:chOff x="4405161" y="2958168"/>
-              <a:chExt cx="2608035" cy="2608036"/>
-            </a:xfrm>
-          </p:grpSpPr>
-          <p:pic>
-            <p:nvPicPr>
-              <p:cNvPr id="32" name="Picture 4" descr="positive correlation Icon - Free PNG &amp; SVG 1569699 - Noun Project">
-                <a:extLst>
-                  <a:ext uri="{FF2B5EF4-FFF2-40B4-BE49-F238E27FC236}">
-                    <a16:creationId xmlns:a16="http://schemas.microsoft.com/office/drawing/2014/main" id="{14876840-D8CD-DC94-9F9E-A4E63EB37247}"/>
-                  </a:ext>
-                </a:extLst>
-              </p:cNvPr>
-              <p:cNvPicPr>
-                <a:picLocks noChangeAspect="1" noChangeArrowheads="1"/>
-              </p:cNvPicPr>
-              <p:nvPr/>
-            </p:nvPicPr>
-            <p:blipFill>
-              <a:blip r:embed="rId2">
-                <a:extLst>
-                  <a:ext uri="{28A0092B-C50C-407E-A947-70E740481C1C}">
-                    <a14:useLocalDpi xmlns:a14="http://schemas.microsoft.com/office/drawing/2010/main" val="0"/>
-                  </a:ext>
-                </a:extLst>
-              </a:blip>
-              <a:srcRect/>
-              <a:stretch>
-                <a:fillRect/>
-              </a:stretch>
-            </p:blipFill>
-            <p:spPr bwMode="auto">
-              <a:xfrm>
-                <a:off x="4589826" y="2958168"/>
-                <a:ext cx="2423370" cy="2423370"/>
-              </a:xfrm>
-              <a:prstGeom prst="rect">
-                <a:avLst/>
-              </a:prstGeom>
-              <a:noFill/>
-              <a:extLst>
-                <a:ext uri="{909E8E84-426E-40DD-AFC4-6F175D3DCCD1}">
-                  <a14:hiddenFill xmlns:a14="http://schemas.microsoft.com/office/drawing/2010/main">
-                    <a:solidFill>
-                      <a:srgbClr val="FFFFFF"/>
-                    </a:solidFill>
-                  </a14:hiddenFill>
-                </a:ext>
-              </a:extLst>
-            </p:spPr>
-          </p:pic>
-          <p:sp>
-            <p:nvSpPr>
-              <p:cNvPr id="33" name="TextBox 32">
-                <a:extLst>
-                  <a:ext uri="{FF2B5EF4-FFF2-40B4-BE49-F238E27FC236}">
-                    <a16:creationId xmlns:a16="http://schemas.microsoft.com/office/drawing/2014/main" id="{0AADC248-C6E3-D794-2987-6435B23FD15D}"/>
-                  </a:ext>
-                </a:extLst>
-              </p:cNvPr>
-              <p:cNvSpPr txBox="1"/>
-              <p:nvPr/>
-            </p:nvSpPr>
-            <p:spPr>
-              <a:xfrm>
-                <a:off x="4808202" y="5196872"/>
-                <a:ext cx="1986618" cy="369332"/>
-              </a:xfrm>
-              <a:prstGeom prst="rect">
-                <a:avLst/>
-              </a:prstGeom>
-              <a:noFill/>
-            </p:spPr>
-            <p:txBody>
-              <a:bodyPr wrap="square" rtlCol="0">
-                <a:spAutoFit/>
-              </a:bodyPr>
-              <a:lstStyle/>
-              <a:p>
-                <a:r>
-                  <a:rPr lang="en-US" b="1" dirty="0">
-                    <a:solidFill>
-                      <a:srgbClr val="0000FF"/>
-                    </a:solidFill>
-                  </a:rPr>
-                  <a:t>Weather condition</a:t>
-                </a:r>
-              </a:p>
-            </p:txBody>
-          </p:sp>
-          <p:sp>
-            <p:nvSpPr>
-              <p:cNvPr id="34" name="TextBox 33">
-                <a:extLst>
-                  <a:ext uri="{FF2B5EF4-FFF2-40B4-BE49-F238E27FC236}">
-                    <a16:creationId xmlns:a16="http://schemas.microsoft.com/office/drawing/2014/main" id="{3C86AD69-6DE3-2FFC-9EDC-8961FD24F2BB}"/>
-                  </a:ext>
-                </a:extLst>
-              </p:cNvPr>
-              <p:cNvSpPr txBox="1"/>
-              <p:nvPr/>
-            </p:nvSpPr>
-            <p:spPr>
-              <a:xfrm rot="16200000">
-                <a:off x="3892461" y="3936175"/>
-                <a:ext cx="1394731" cy="369332"/>
-              </a:xfrm>
-              <a:prstGeom prst="rect">
-                <a:avLst/>
-              </a:prstGeom>
-              <a:noFill/>
-            </p:spPr>
-            <p:txBody>
-              <a:bodyPr wrap="square" rtlCol="0">
-                <a:spAutoFit/>
-              </a:bodyPr>
-              <a:lstStyle/>
-              <a:p>
-                <a:r>
-                  <a:rPr lang="en-US" b="1" dirty="0">
-                    <a:solidFill>
-                      <a:schemeClr val="accent6"/>
-                    </a:solidFill>
-                  </a:rPr>
-                  <a:t>Bikes Usage</a:t>
-                </a:r>
-              </a:p>
-            </p:txBody>
-          </p:sp>
-        </p:grpSp>
-        <p:sp>
-          <p:nvSpPr>
-            <p:cNvPr id="35" name="Right Brace 34">
-              <a:extLst>
-                <a:ext uri="{FF2B5EF4-FFF2-40B4-BE49-F238E27FC236}">
-                  <a16:creationId xmlns:a16="http://schemas.microsoft.com/office/drawing/2014/main" id="{C2EBBE9E-7C13-B770-BFD2-6E3E39354F53}"/>
-                </a:ext>
-              </a:extLst>
-            </p:cNvPr>
-            <p:cNvSpPr/>
-            <p:nvPr/>
-          </p:nvSpPr>
-          <p:spPr>
-            <a:xfrm>
-              <a:off x="7529993" y="1793289"/>
-              <a:ext cx="318257" cy="2423370"/>
-            </a:xfrm>
-            <a:prstGeom prst="rightBrace">
-              <a:avLst/>
-            </a:prstGeom>
-            <a:ln w="38100">
-              <a:solidFill>
-                <a:schemeClr val="accent4">
-                  <a:lumMod val="75000"/>
-                </a:schemeClr>
-              </a:solidFill>
-            </a:ln>
-          </p:spPr>
-          <p:style>
-            <a:lnRef idx="3">
-              <a:schemeClr val="accent2"/>
-            </a:lnRef>
-            <a:fillRef idx="0">
-              <a:schemeClr val="accent2"/>
-            </a:fillRef>
-            <a:effectRef idx="2">
-              <a:schemeClr val="accent2"/>
-            </a:effectRef>
-            <a:fontRef idx="minor">
-              <a:schemeClr val="tx1"/>
-            </a:fontRef>
-          </p:style>
-          <p:txBody>
-            <a:bodyPr rtlCol="0" anchor="ctr"/>
-            <a:lstStyle/>
-            <a:p>
-              <a:pPr algn="ctr"/>
-              <a:endParaRPr lang="en-US"/>
-            </a:p>
-          </p:txBody>
-        </p:sp>
-      </p:grpSp>
-      <p:pic>
-        <p:nvPicPr>
-          <p:cNvPr id="39" name="Picture 2" descr="FIRN Analytics: Timely Data Solutions &amp; Expert Consultancy">
-            <a:extLst>
-              <a:ext uri="{FF2B5EF4-FFF2-40B4-BE49-F238E27FC236}">
-                <a16:creationId xmlns:a16="http://schemas.microsoft.com/office/drawing/2014/main" id="{DC0B0425-5A11-B8A4-83D9-D81D1C821200}"/>
-              </a:ext>
-            </a:extLst>
-          </p:cNvPr>
-          <p:cNvPicPr>
-            <a:picLocks noChangeAspect="1" noChangeArrowheads="1"/>
-          </p:cNvPicPr>
-          <p:nvPr/>
-        </p:nvPicPr>
-        <p:blipFill>
-          <a:blip r:embed="rId3">
-            <a:extLst>
-              <a:ext uri="{28A0092B-C50C-407E-A947-70E740481C1C}">
-                <a14:useLocalDpi xmlns:a14="http://schemas.microsoft.com/office/drawing/2010/main" val="0"/>
-              </a:ext>
-            </a:extLst>
-          </a:blip>
-          <a:srcRect/>
-          <a:stretch>
-            <a:fillRect/>
-          </a:stretch>
-        </p:blipFill>
-        <p:spPr bwMode="auto">
-          <a:xfrm>
-            <a:off x="11182350" y="5848350"/>
-            <a:ext cx="1009650" cy="1009650"/>
-          </a:xfrm>
-          <a:prstGeom prst="rect">
-            <a:avLst/>
-          </a:prstGeom>
-          <a:noFill/>
-          <a:extLst>
-            <a:ext uri="{909E8E84-426E-40DD-AFC4-6F175D3DCCD1}">
-              <a14:hiddenFill xmlns:a14="http://schemas.microsoft.com/office/drawing/2010/main">
-                <a:solidFill>
-                  <a:srgbClr val="FFFFFF"/>
-                </a:solidFill>
-              </a14:hiddenFill>
-            </a:ext>
-          </a:extLst>
-        </p:spPr>
-      </p:pic>
-    </p:spTree>
-    <p:extLst>
-      <p:ext uri="{BB962C8B-B14F-4D97-AF65-F5344CB8AC3E}">
-        <p14:creationId xmlns:p14="http://schemas.microsoft.com/office/powerpoint/2010/main" val="2922380159"/>
-      </p:ext>
-    </p:extLst>
-  </p:cSld>
-  <p:clrMapOvr>
-    <a:masterClrMapping/>
-  </p:clrMapOvr>
-</p:sld>
-</file>
-
-<file path=ppt/slides/slide12.xml><?xml version="1.0" encoding="utf-8"?>
-<p:sld xmlns:a="http://schemas.openxmlformats.org/drawingml/2006/main" xmlns:r="http://schemas.openxmlformats.org/officeDocument/2006/relationships" xmlns:p="http://schemas.openxmlformats.org/presentationml/2006/main">
-  <p:cSld>
-    <p:spTree>
-      <p:nvGrpSpPr>
-        <p:cNvPr id="1" name=""/>
-        <p:cNvGrpSpPr/>
-        <p:nvPr/>
-      </p:nvGrpSpPr>
-      <p:grpSpPr>
-        <a:xfrm>
-          <a:off x="0" y="0"/>
-          <a:ext cx="0" cy="0"/>
-          <a:chOff x="0" y="0"/>
-          <a:chExt cx="0" cy="0"/>
-        </a:xfrm>
-      </p:grpSpPr>
-      <p:sp>
-        <p:nvSpPr>
-          <p:cNvPr id="2" name="TextBox 1">
-            <a:extLst>
-              <a:ext uri="{FF2B5EF4-FFF2-40B4-BE49-F238E27FC236}">
-                <a16:creationId xmlns:a16="http://schemas.microsoft.com/office/drawing/2014/main" id="{15726383-B407-319E-030C-10F657ACC3A3}"/>
-              </a:ext>
-            </a:extLst>
-          </p:cNvPr>
-          <p:cNvSpPr txBox="1"/>
-          <p:nvPr/>
-        </p:nvSpPr>
-        <p:spPr>
-          <a:xfrm>
-            <a:off x="0" y="323165"/>
-            <a:ext cx="12192000" cy="646331"/>
-          </a:xfrm>
-          <a:prstGeom prst="rect">
-            <a:avLst/>
-          </a:prstGeom>
-          <a:noFill/>
-        </p:spPr>
-        <p:txBody>
-          <a:bodyPr wrap="square" rtlCol="0">
-            <a:spAutoFit/>
-          </a:bodyPr>
-          <a:lstStyle/>
-          <a:p>
-            <a:pPr algn="ctr"/>
-            <a:r>
-              <a:rPr lang="en-US" sz="3600" i="1" dirty="0">
-                <a:solidFill>
-                  <a:srgbClr val="7030A0"/>
-                </a:solidFill>
-                <a:latin typeface="Calisto MT" panose="02040603050505030304" pitchFamily="18" charset="0"/>
-              </a:rPr>
-              <a:t>Dbt Cloud – Building your Models</a:t>
+              <a:t>ELT Design &amp; Development – Building the Models</a:t>
             </a:r>
           </a:p>
         </p:txBody>
@@ -5986,7 +7213,7 @@
 </p:sld>
 </file>
 
-<file path=ppt/slides/slide13.xml><?xml version="1.0" encoding="utf-8"?>
+<file path=ppt/slides/slide17.xml><?xml version="1.0" encoding="utf-8"?>
 <p:sld xmlns:a="http://schemas.openxmlformats.org/drawingml/2006/main" xmlns:r="http://schemas.openxmlformats.org/officeDocument/2006/relationships" xmlns:p="http://schemas.openxmlformats.org/presentationml/2006/main">
   <p:cSld>
     <p:spTree>
@@ -6039,7 +7266,7 @@
                 </a:solidFill>
                 <a:latin typeface="Calisto MT" panose="02040603050505030304" pitchFamily="18" charset="0"/>
               </a:rPr>
-              <a:t>Dbt Cloud – Building your Models</a:t>
+              <a:t>ELT Design &amp; Development – Building the Models</a:t>
             </a:r>
           </a:p>
         </p:txBody>
@@ -6656,7 +7883,7 @@
 </p:sld>
 </file>
 
-<file path=ppt/slides/slide14.xml><?xml version="1.0" encoding="utf-8"?>
+<file path=ppt/slides/slide18.xml><?xml version="1.0" encoding="utf-8"?>
 <p:sld xmlns:a="http://schemas.openxmlformats.org/drawingml/2006/main" xmlns:r="http://schemas.openxmlformats.org/officeDocument/2006/relationships" xmlns:p="http://schemas.openxmlformats.org/presentationml/2006/main">
   <p:cSld>
     <p:spTree>
@@ -6709,7 +7936,7 @@
                 </a:solidFill>
                 <a:latin typeface="Calisto MT" panose="02040603050505030304" pitchFamily="18" charset="0"/>
               </a:rPr>
-              <a:t>Dbt Cloud – Building your Models</a:t>
+              <a:t>ELT Design &amp; Development – Building the Models</a:t>
             </a:r>
           </a:p>
         </p:txBody>
@@ -7377,7 +8604,7 @@
 </p:sld>
 </file>
 
-<file path=ppt/slides/slide15.xml><?xml version="1.0" encoding="utf-8"?>
+<file path=ppt/slides/slide19.xml><?xml version="1.0" encoding="utf-8"?>
 <p:sld xmlns:a="http://schemas.openxmlformats.org/drawingml/2006/main" xmlns:r="http://schemas.openxmlformats.org/officeDocument/2006/relationships" xmlns:p="http://schemas.openxmlformats.org/presentationml/2006/main">
   <p:cSld>
     <p:spTree>
@@ -7430,7 +8657,1012 @@
                 </a:solidFill>
                 <a:latin typeface="Calisto MT" panose="02040603050505030304" pitchFamily="18" charset="0"/>
               </a:rPr>
-              <a:t>Snowflake– Analytics</a:t>
+              <a:t>BI Application Design &amp; Development</a:t>
+            </a:r>
+          </a:p>
+        </p:txBody>
+      </p:sp>
+      <p:pic>
+        <p:nvPicPr>
+          <p:cNvPr id="2050" name="Picture 2" descr="FIRN Analytics: Timely Data Solutions &amp; Expert Consultancy">
+            <a:extLst>
+              <a:ext uri="{FF2B5EF4-FFF2-40B4-BE49-F238E27FC236}">
+                <a16:creationId xmlns:a16="http://schemas.microsoft.com/office/drawing/2014/main" id="{14A52F25-2DAE-5DA7-4039-D4DC6699D305}"/>
+              </a:ext>
+            </a:extLst>
+          </p:cNvPr>
+          <p:cNvPicPr>
+            <a:picLocks noChangeAspect="1" noChangeArrowheads="1"/>
+          </p:cNvPicPr>
+          <p:nvPr/>
+        </p:nvPicPr>
+        <p:blipFill>
+          <a:blip r:embed="rId2">
+            <a:extLst>
+              <a:ext uri="{28A0092B-C50C-407E-A947-70E740481C1C}">
+                <a14:useLocalDpi xmlns:a14="http://schemas.microsoft.com/office/drawing/2010/main" val="0"/>
+              </a:ext>
+            </a:extLst>
+          </a:blip>
+          <a:srcRect/>
+          <a:stretch>
+            <a:fillRect/>
+          </a:stretch>
+        </p:blipFill>
+        <p:spPr bwMode="auto">
+          <a:xfrm>
+            <a:off x="11182350" y="5848350"/>
+            <a:ext cx="1009650" cy="1009650"/>
+          </a:xfrm>
+          <a:prstGeom prst="rect">
+            <a:avLst/>
+          </a:prstGeom>
+          <a:noFill/>
+          <a:extLst>
+            <a:ext uri="{909E8E84-426E-40DD-AFC4-6F175D3DCCD1}">
+              <a14:hiddenFill xmlns:a14="http://schemas.microsoft.com/office/drawing/2010/main">
+                <a:solidFill>
+                  <a:srgbClr val="FFFFFF"/>
+                </a:solidFill>
+              </a14:hiddenFill>
+            </a:ext>
+          </a:extLst>
+        </p:spPr>
+      </p:pic>
+      <p:grpSp>
+        <p:nvGrpSpPr>
+          <p:cNvPr id="5" name="Group 4">
+            <a:extLst>
+              <a:ext uri="{FF2B5EF4-FFF2-40B4-BE49-F238E27FC236}">
+                <a16:creationId xmlns:a16="http://schemas.microsoft.com/office/drawing/2014/main" id="{656B0B05-46EB-DA9A-CA6A-C39C2D6B297D}"/>
+              </a:ext>
+            </a:extLst>
+          </p:cNvPr>
+          <p:cNvGrpSpPr/>
+          <p:nvPr/>
+        </p:nvGrpSpPr>
+        <p:grpSpPr>
+          <a:xfrm>
+            <a:off x="2832167" y="1790217"/>
+            <a:ext cx="6527666" cy="3277565"/>
+            <a:chOff x="2832167" y="1790217"/>
+            <a:chExt cx="6527666" cy="3277565"/>
+          </a:xfrm>
+        </p:grpSpPr>
+        <p:pic>
+          <p:nvPicPr>
+            <p:cNvPr id="7" name="Picture 6">
+              <a:extLst>
+                <a:ext uri="{FF2B5EF4-FFF2-40B4-BE49-F238E27FC236}">
+                  <a16:creationId xmlns:a16="http://schemas.microsoft.com/office/drawing/2014/main" id="{EF1CFFA0-DA91-FF15-2C64-6EB1A9D6B9BC}"/>
+                </a:ext>
+              </a:extLst>
+            </p:cNvPr>
+            <p:cNvPicPr>
+              <a:picLocks noChangeAspect="1"/>
+            </p:cNvPicPr>
+            <p:nvPr/>
+          </p:nvPicPr>
+          <p:blipFill>
+            <a:blip r:embed="rId3"/>
+            <a:stretch>
+              <a:fillRect/>
+            </a:stretch>
+          </p:blipFill>
+          <p:spPr>
+            <a:xfrm>
+              <a:off x="2832167" y="1790217"/>
+              <a:ext cx="6527666" cy="3277565"/>
+            </a:xfrm>
+            <a:prstGeom prst="rect">
+              <a:avLst/>
+            </a:prstGeom>
+          </p:spPr>
+        </p:pic>
+        <p:sp>
+          <p:nvSpPr>
+            <p:cNvPr id="8" name="TextBox 7">
+              <a:extLst>
+                <a:ext uri="{FF2B5EF4-FFF2-40B4-BE49-F238E27FC236}">
+                  <a16:creationId xmlns:a16="http://schemas.microsoft.com/office/drawing/2014/main" id="{4BBC93F0-BD6F-3787-3768-344F17AB85B2}"/>
+                </a:ext>
+              </a:extLst>
+            </p:cNvPr>
+            <p:cNvSpPr txBox="1"/>
+            <p:nvPr/>
+          </p:nvSpPr>
+          <p:spPr>
+            <a:xfrm>
+              <a:off x="4072468" y="3930792"/>
+              <a:ext cx="3843865" cy="1005840"/>
+            </a:xfrm>
+            <a:prstGeom prst="rect">
+              <a:avLst/>
+            </a:prstGeom>
+            <a:noFill/>
+            <a:ln w="38100">
+              <a:solidFill>
+                <a:srgbClr val="7030A0"/>
+              </a:solidFill>
+            </a:ln>
+          </p:spPr>
+          <p:txBody>
+            <a:bodyPr wrap="square" rtlCol="0">
+              <a:spAutoFit/>
+            </a:bodyPr>
+            <a:lstStyle/>
+            <a:p>
+              <a:endParaRPr lang="en-US" dirty="0"/>
+            </a:p>
+          </p:txBody>
+        </p:sp>
+      </p:grpSp>
+    </p:spTree>
+    <p:extLst>
+      <p:ext uri="{BB962C8B-B14F-4D97-AF65-F5344CB8AC3E}">
+        <p14:creationId xmlns:p14="http://schemas.microsoft.com/office/powerpoint/2010/main" val="2145373968"/>
+      </p:ext>
+    </p:extLst>
+  </p:cSld>
+  <p:clrMapOvr>
+    <a:masterClrMapping/>
+  </p:clrMapOvr>
+</p:sld>
+</file>
+
+<file path=ppt/slides/slide2.xml><?xml version="1.0" encoding="utf-8"?>
+<p:sld xmlns:a="http://schemas.openxmlformats.org/drawingml/2006/main" xmlns:r="http://schemas.openxmlformats.org/officeDocument/2006/relationships" xmlns:p="http://schemas.openxmlformats.org/presentationml/2006/main">
+  <p:cSld>
+    <p:spTree>
+      <p:nvGrpSpPr>
+        <p:cNvPr id="1" name=""/>
+        <p:cNvGrpSpPr/>
+        <p:nvPr/>
+      </p:nvGrpSpPr>
+      <p:grpSpPr>
+        <a:xfrm>
+          <a:off x="0" y="0"/>
+          <a:ext cx="0" cy="0"/>
+          <a:chOff x="0" y="0"/>
+          <a:chExt cx="0" cy="0"/>
+        </a:xfrm>
+      </p:grpSpPr>
+      <p:sp>
+        <p:nvSpPr>
+          <p:cNvPr id="2" name="TextBox 1">
+            <a:extLst>
+              <a:ext uri="{FF2B5EF4-FFF2-40B4-BE49-F238E27FC236}">
+                <a16:creationId xmlns:a16="http://schemas.microsoft.com/office/drawing/2014/main" id="{15726383-B407-319E-030C-10F657ACC3A3}"/>
+              </a:ext>
+            </a:extLst>
+          </p:cNvPr>
+          <p:cNvSpPr txBox="1"/>
+          <p:nvPr/>
+        </p:nvSpPr>
+        <p:spPr>
+          <a:xfrm>
+            <a:off x="0" y="323165"/>
+            <a:ext cx="12192000" cy="646331"/>
+          </a:xfrm>
+          <a:prstGeom prst="rect">
+            <a:avLst/>
+          </a:prstGeom>
+          <a:noFill/>
+        </p:spPr>
+        <p:txBody>
+          <a:bodyPr wrap="square" rtlCol="0">
+            <a:spAutoFit/>
+          </a:bodyPr>
+          <a:lstStyle/>
+          <a:p>
+            <a:pPr algn="ctr"/>
+            <a:r>
+              <a:rPr lang="en-US" sz="3600" i="1" dirty="0">
+                <a:solidFill>
+                  <a:srgbClr val="7030A0"/>
+                </a:solidFill>
+                <a:latin typeface="Calisto MT" panose="02040603050505030304" pitchFamily="18" charset="0"/>
+              </a:rPr>
+              <a:t>Business Requirements Definition</a:t>
+            </a:r>
+          </a:p>
+        </p:txBody>
+      </p:sp>
+      <p:pic>
+        <p:nvPicPr>
+          <p:cNvPr id="2050" name="Picture 2" descr="FIRN Analytics: Timely Data Solutions &amp; Expert Consultancy">
+            <a:extLst>
+              <a:ext uri="{FF2B5EF4-FFF2-40B4-BE49-F238E27FC236}">
+                <a16:creationId xmlns:a16="http://schemas.microsoft.com/office/drawing/2014/main" id="{14A52F25-2DAE-5DA7-4039-D4DC6699D305}"/>
+              </a:ext>
+            </a:extLst>
+          </p:cNvPr>
+          <p:cNvPicPr>
+            <a:picLocks noChangeAspect="1" noChangeArrowheads="1"/>
+          </p:cNvPicPr>
+          <p:nvPr/>
+        </p:nvPicPr>
+        <p:blipFill>
+          <a:blip r:embed="rId2">
+            <a:extLst>
+              <a:ext uri="{28A0092B-C50C-407E-A947-70E740481C1C}">
+                <a14:useLocalDpi xmlns:a14="http://schemas.microsoft.com/office/drawing/2010/main" val="0"/>
+              </a:ext>
+            </a:extLst>
+          </a:blip>
+          <a:srcRect/>
+          <a:stretch>
+            <a:fillRect/>
+          </a:stretch>
+        </p:blipFill>
+        <p:spPr bwMode="auto">
+          <a:xfrm>
+            <a:off x="11182350" y="5848350"/>
+            <a:ext cx="1009650" cy="1009650"/>
+          </a:xfrm>
+          <a:prstGeom prst="rect">
+            <a:avLst/>
+          </a:prstGeom>
+          <a:noFill/>
+          <a:extLst>
+            <a:ext uri="{909E8E84-426E-40DD-AFC4-6F175D3DCCD1}">
+              <a14:hiddenFill xmlns:a14="http://schemas.microsoft.com/office/drawing/2010/main">
+                <a:solidFill>
+                  <a:srgbClr val="FFFFFF"/>
+                </a:solidFill>
+              </a14:hiddenFill>
+            </a:ext>
+          </a:extLst>
+        </p:spPr>
+      </p:pic>
+      <p:grpSp>
+        <p:nvGrpSpPr>
+          <p:cNvPr id="8" name="Group 7">
+            <a:extLst>
+              <a:ext uri="{FF2B5EF4-FFF2-40B4-BE49-F238E27FC236}">
+                <a16:creationId xmlns:a16="http://schemas.microsoft.com/office/drawing/2014/main" id="{AC40E9C4-C06E-D8A3-AADA-DF53598EB866}"/>
+              </a:ext>
+            </a:extLst>
+          </p:cNvPr>
+          <p:cNvGrpSpPr/>
+          <p:nvPr/>
+        </p:nvGrpSpPr>
+        <p:grpSpPr>
+          <a:xfrm>
+            <a:off x="2751666" y="1678659"/>
+            <a:ext cx="6608167" cy="3389123"/>
+            <a:chOff x="2751666" y="1678659"/>
+            <a:chExt cx="6608167" cy="3389123"/>
+          </a:xfrm>
+        </p:grpSpPr>
+        <p:pic>
+          <p:nvPicPr>
+            <p:cNvPr id="5" name="Picture 4">
+              <a:extLst>
+                <a:ext uri="{FF2B5EF4-FFF2-40B4-BE49-F238E27FC236}">
+                  <a16:creationId xmlns:a16="http://schemas.microsoft.com/office/drawing/2014/main" id="{F223CCC0-1664-72B9-1170-0B4D430ABE91}"/>
+                </a:ext>
+              </a:extLst>
+            </p:cNvPr>
+            <p:cNvPicPr>
+              <a:picLocks noChangeAspect="1"/>
+            </p:cNvPicPr>
+            <p:nvPr/>
+          </p:nvPicPr>
+          <p:blipFill>
+            <a:blip r:embed="rId3"/>
+            <a:stretch>
+              <a:fillRect/>
+            </a:stretch>
+          </p:blipFill>
+          <p:spPr>
+            <a:xfrm>
+              <a:off x="2832167" y="1790217"/>
+              <a:ext cx="6527666" cy="3277565"/>
+            </a:xfrm>
+            <a:prstGeom prst="rect">
+              <a:avLst/>
+            </a:prstGeom>
+          </p:spPr>
+        </p:pic>
+        <p:sp>
+          <p:nvSpPr>
+            <p:cNvPr id="7" name="TextBox 6">
+              <a:extLst>
+                <a:ext uri="{FF2B5EF4-FFF2-40B4-BE49-F238E27FC236}">
+                  <a16:creationId xmlns:a16="http://schemas.microsoft.com/office/drawing/2014/main" id="{DFF79EFA-CA38-582E-F01A-8D06F5981F3B}"/>
+                </a:ext>
+              </a:extLst>
+            </p:cNvPr>
+            <p:cNvSpPr txBox="1"/>
+            <p:nvPr/>
+          </p:nvSpPr>
+          <p:spPr>
+            <a:xfrm>
+              <a:off x="2751666" y="1678659"/>
+              <a:ext cx="1303869" cy="3299742"/>
+            </a:xfrm>
+            <a:prstGeom prst="rect">
+              <a:avLst/>
+            </a:prstGeom>
+            <a:noFill/>
+            <a:ln w="38100">
+              <a:solidFill>
+                <a:srgbClr val="7030A0"/>
+              </a:solidFill>
+            </a:ln>
+          </p:spPr>
+          <p:txBody>
+            <a:bodyPr wrap="square" rtlCol="0">
+              <a:spAutoFit/>
+            </a:bodyPr>
+            <a:lstStyle/>
+            <a:p>
+              <a:endParaRPr lang="en-US" dirty="0"/>
+            </a:p>
+          </p:txBody>
+        </p:sp>
+      </p:grpSp>
+    </p:spTree>
+    <p:extLst>
+      <p:ext uri="{BB962C8B-B14F-4D97-AF65-F5344CB8AC3E}">
+        <p14:creationId xmlns:p14="http://schemas.microsoft.com/office/powerpoint/2010/main" val="2085280596"/>
+      </p:ext>
+    </p:extLst>
+  </p:cSld>
+  <p:clrMapOvr>
+    <a:masterClrMapping/>
+  </p:clrMapOvr>
+</p:sld>
+</file>
+
+<file path=ppt/slides/slide20.xml><?xml version="1.0" encoding="utf-8"?>
+<p:sld xmlns:a="http://schemas.openxmlformats.org/drawingml/2006/main" xmlns:r="http://schemas.openxmlformats.org/officeDocument/2006/relationships" xmlns:p="http://schemas.openxmlformats.org/presentationml/2006/main">
+  <p:cSld>
+    <p:spTree>
+      <p:nvGrpSpPr>
+        <p:cNvPr id="1" name=""/>
+        <p:cNvGrpSpPr/>
+        <p:nvPr/>
+      </p:nvGrpSpPr>
+      <p:grpSpPr>
+        <a:xfrm>
+          <a:off x="0" y="0"/>
+          <a:ext cx="0" cy="0"/>
+          <a:chOff x="0" y="0"/>
+          <a:chExt cx="0" cy="0"/>
+        </a:xfrm>
+      </p:grpSpPr>
+      <p:sp>
+        <p:nvSpPr>
+          <p:cNvPr id="2" name="TextBox 1">
+            <a:extLst>
+              <a:ext uri="{FF2B5EF4-FFF2-40B4-BE49-F238E27FC236}">
+                <a16:creationId xmlns:a16="http://schemas.microsoft.com/office/drawing/2014/main" id="{15726383-B407-319E-030C-10F657ACC3A3}"/>
+              </a:ext>
+            </a:extLst>
+          </p:cNvPr>
+          <p:cNvSpPr txBox="1"/>
+          <p:nvPr/>
+        </p:nvSpPr>
+        <p:spPr>
+          <a:xfrm>
+            <a:off x="0" y="323165"/>
+            <a:ext cx="12192000" cy="646331"/>
+          </a:xfrm>
+          <a:prstGeom prst="rect">
+            <a:avLst/>
+          </a:prstGeom>
+          <a:noFill/>
+        </p:spPr>
+        <p:txBody>
+          <a:bodyPr wrap="square" rtlCol="0">
+            <a:spAutoFit/>
+          </a:bodyPr>
+          <a:lstStyle/>
+          <a:p>
+            <a:pPr algn="ctr"/>
+            <a:r>
+              <a:rPr lang="en-US" sz="3600" i="1" dirty="0">
+                <a:solidFill>
+                  <a:srgbClr val="7030A0"/>
+                </a:solidFill>
+                <a:latin typeface="Calisto MT" panose="02040603050505030304" pitchFamily="18" charset="0"/>
+              </a:rPr>
+              <a:t>BI Application Design &amp; Development</a:t>
+            </a:r>
+          </a:p>
+        </p:txBody>
+      </p:sp>
+      <p:grpSp>
+        <p:nvGrpSpPr>
+          <p:cNvPr id="13" name="Group 12">
+            <a:extLst>
+              <a:ext uri="{FF2B5EF4-FFF2-40B4-BE49-F238E27FC236}">
+                <a16:creationId xmlns:a16="http://schemas.microsoft.com/office/drawing/2014/main" id="{19F28E7D-C3A9-B27F-1FAE-60782DEB55BD}"/>
+              </a:ext>
+            </a:extLst>
+          </p:cNvPr>
+          <p:cNvGrpSpPr/>
+          <p:nvPr/>
+        </p:nvGrpSpPr>
+        <p:grpSpPr>
+          <a:xfrm>
+            <a:off x="434933" y="2014808"/>
+            <a:ext cx="7162800" cy="2180450"/>
+            <a:chOff x="0" y="1476462"/>
+            <a:chExt cx="12192000" cy="2180450"/>
+          </a:xfrm>
+        </p:grpSpPr>
+        <p:sp>
+          <p:nvSpPr>
+            <p:cNvPr id="5" name="TextBox 4">
+              <a:extLst>
+                <a:ext uri="{FF2B5EF4-FFF2-40B4-BE49-F238E27FC236}">
+                  <a16:creationId xmlns:a16="http://schemas.microsoft.com/office/drawing/2014/main" id="{931F3E74-5C3E-0B97-1E52-81550E685E45}"/>
+                </a:ext>
+              </a:extLst>
+            </p:cNvPr>
+            <p:cNvSpPr txBox="1"/>
+            <p:nvPr/>
+          </p:nvSpPr>
+          <p:spPr>
+            <a:xfrm>
+              <a:off x="0" y="1476462"/>
+              <a:ext cx="12192000" cy="369332"/>
+            </a:xfrm>
+            <a:prstGeom prst="rect">
+              <a:avLst/>
+            </a:prstGeom>
+            <a:noFill/>
+          </p:spPr>
+          <p:txBody>
+            <a:bodyPr wrap="square" rtlCol="0">
+              <a:spAutoFit/>
+            </a:bodyPr>
+            <a:lstStyle/>
+            <a:p>
+              <a:pPr marL="285750" indent="-285750">
+                <a:buFont typeface="Arial" panose="020B0604020202020204" pitchFamily="34" charset="0"/>
+                <a:buChar char="•"/>
+              </a:pPr>
+              <a:r>
+                <a:rPr lang="en-US" dirty="0"/>
+                <a:t>The </a:t>
+              </a:r>
+              <a:r>
+                <a:rPr lang="en-US" b="1" dirty="0">
+                  <a:solidFill>
+                    <a:schemeClr val="accent6"/>
+                  </a:solidFill>
+                </a:rPr>
+                <a:t>number of trips</a:t>
+              </a:r>
+              <a:r>
+                <a:rPr lang="en-US" dirty="0"/>
+                <a:t> within </a:t>
+              </a:r>
+              <a:r>
+                <a:rPr lang="en-US" b="1" dirty="0"/>
+                <a:t>months</a:t>
+              </a:r>
+              <a:r>
+                <a:rPr lang="en-US" dirty="0"/>
+                <a:t>.</a:t>
+              </a:r>
+            </a:p>
+          </p:txBody>
+        </p:sp>
+        <p:sp>
+          <p:nvSpPr>
+            <p:cNvPr id="11" name="TextBox 10">
+              <a:extLst>
+                <a:ext uri="{FF2B5EF4-FFF2-40B4-BE49-F238E27FC236}">
+                  <a16:creationId xmlns:a16="http://schemas.microsoft.com/office/drawing/2014/main" id="{F314916F-A773-55F1-D2A9-659663A8A457}"/>
+                </a:ext>
+              </a:extLst>
+            </p:cNvPr>
+            <p:cNvSpPr txBox="1"/>
+            <p:nvPr/>
+          </p:nvSpPr>
+          <p:spPr>
+            <a:xfrm>
+              <a:off x="0" y="2382021"/>
+              <a:ext cx="12192000" cy="369332"/>
+            </a:xfrm>
+            <a:prstGeom prst="rect">
+              <a:avLst/>
+            </a:prstGeom>
+            <a:noFill/>
+          </p:spPr>
+          <p:txBody>
+            <a:bodyPr wrap="square" rtlCol="0">
+              <a:spAutoFit/>
+            </a:bodyPr>
+            <a:lstStyle/>
+            <a:p>
+              <a:pPr marL="285750" indent="-285750">
+                <a:buFont typeface="Arial" panose="020B0604020202020204" pitchFamily="34" charset="0"/>
+                <a:buChar char="•"/>
+              </a:pPr>
+              <a:r>
+                <a:rPr lang="en-US" dirty="0"/>
+                <a:t>The </a:t>
+              </a:r>
+              <a:r>
+                <a:rPr lang="en-US" b="1" dirty="0">
+                  <a:solidFill>
+                    <a:schemeClr val="accent6"/>
+                  </a:solidFill>
+                </a:rPr>
+                <a:t>average trip duration</a:t>
+              </a:r>
+              <a:r>
+                <a:rPr lang="en-US" dirty="0">
+                  <a:solidFill>
+                    <a:schemeClr val="accent6"/>
+                  </a:solidFill>
+                </a:rPr>
+                <a:t>/</a:t>
+              </a:r>
+              <a:r>
+                <a:rPr lang="en-US" b="1" dirty="0">
+                  <a:solidFill>
+                    <a:schemeClr val="accent6"/>
+                  </a:solidFill>
+                </a:rPr>
+                <a:t>distance</a:t>
+              </a:r>
+              <a:r>
+                <a:rPr lang="en-US" dirty="0">
+                  <a:solidFill>
+                    <a:schemeClr val="accent6"/>
+                  </a:solidFill>
+                </a:rPr>
+                <a:t> </a:t>
+              </a:r>
+              <a:r>
+                <a:rPr lang="en-US" dirty="0"/>
+                <a:t>within a </a:t>
+              </a:r>
+              <a:r>
+                <a:rPr lang="en-US" b="1" dirty="0"/>
+                <a:t>specific period of time</a:t>
+              </a:r>
+            </a:p>
+          </p:txBody>
+        </p:sp>
+        <p:sp>
+          <p:nvSpPr>
+            <p:cNvPr id="12" name="TextBox 11">
+              <a:extLst>
+                <a:ext uri="{FF2B5EF4-FFF2-40B4-BE49-F238E27FC236}">
+                  <a16:creationId xmlns:a16="http://schemas.microsoft.com/office/drawing/2014/main" id="{C2AEDD6D-ED73-55B5-6569-53A4EEAC6BDF}"/>
+                </a:ext>
+              </a:extLst>
+            </p:cNvPr>
+            <p:cNvSpPr txBox="1"/>
+            <p:nvPr/>
+          </p:nvSpPr>
+          <p:spPr>
+            <a:xfrm>
+              <a:off x="0" y="3287580"/>
+              <a:ext cx="12192000" cy="369332"/>
+            </a:xfrm>
+            <a:prstGeom prst="rect">
+              <a:avLst/>
+            </a:prstGeom>
+            <a:noFill/>
+          </p:spPr>
+          <p:txBody>
+            <a:bodyPr wrap="square" rtlCol="0">
+              <a:spAutoFit/>
+            </a:bodyPr>
+            <a:lstStyle/>
+            <a:p>
+              <a:pPr marL="285750" indent="-285750">
+                <a:buFont typeface="Arial" panose="020B0604020202020204" pitchFamily="34" charset="0"/>
+                <a:buChar char="•"/>
+              </a:pPr>
+              <a:r>
+                <a:rPr lang="en-US" dirty="0"/>
+                <a:t>The </a:t>
+              </a:r>
+              <a:r>
+                <a:rPr lang="en-US" b="1" dirty="0">
+                  <a:solidFill>
+                    <a:schemeClr val="accent6"/>
+                  </a:solidFill>
+                </a:rPr>
+                <a:t>number of trips</a:t>
+              </a:r>
+              <a:r>
+                <a:rPr lang="en-US" dirty="0"/>
+                <a:t> by </a:t>
+              </a:r>
+              <a:r>
+                <a:rPr lang="en-US" b="1" dirty="0">
+                  <a:solidFill>
+                    <a:srgbClr val="0000FF"/>
+                  </a:solidFill>
+                </a:rPr>
+                <a:t>weather condition</a:t>
+              </a:r>
+              <a:r>
+                <a:rPr lang="en-US" dirty="0"/>
+                <a:t>:</a:t>
+              </a:r>
+            </a:p>
+          </p:txBody>
+        </p:sp>
+      </p:grpSp>
+      <p:pic>
+        <p:nvPicPr>
+          <p:cNvPr id="39" name="Picture 2" descr="FIRN Analytics: Timely Data Solutions &amp; Expert Consultancy">
+            <a:extLst>
+              <a:ext uri="{FF2B5EF4-FFF2-40B4-BE49-F238E27FC236}">
+                <a16:creationId xmlns:a16="http://schemas.microsoft.com/office/drawing/2014/main" id="{DC0B0425-5A11-B8A4-83D9-D81D1C821200}"/>
+              </a:ext>
+            </a:extLst>
+          </p:cNvPr>
+          <p:cNvPicPr>
+            <a:picLocks noChangeAspect="1" noChangeArrowheads="1"/>
+          </p:cNvPicPr>
+          <p:nvPr/>
+        </p:nvPicPr>
+        <p:blipFill>
+          <a:blip r:embed="rId2">
+            <a:extLst>
+              <a:ext uri="{28A0092B-C50C-407E-A947-70E740481C1C}">
+                <a14:useLocalDpi xmlns:a14="http://schemas.microsoft.com/office/drawing/2010/main" val="0"/>
+              </a:ext>
+            </a:extLst>
+          </a:blip>
+          <a:srcRect/>
+          <a:stretch>
+            <a:fillRect/>
+          </a:stretch>
+        </p:blipFill>
+        <p:spPr bwMode="auto">
+          <a:xfrm>
+            <a:off x="11182350" y="5848350"/>
+            <a:ext cx="1009650" cy="1009650"/>
+          </a:xfrm>
+          <a:prstGeom prst="rect">
+            <a:avLst/>
+          </a:prstGeom>
+          <a:noFill/>
+          <a:extLst>
+            <a:ext uri="{909E8E84-426E-40DD-AFC4-6F175D3DCCD1}">
+              <a14:hiddenFill xmlns:a14="http://schemas.microsoft.com/office/drawing/2010/main">
+                <a:solidFill>
+                  <a:srgbClr val="FFFFFF"/>
+                </a:solidFill>
+              </a14:hiddenFill>
+            </a:ext>
+          </a:extLst>
+        </p:spPr>
+      </p:pic>
+      <p:pic>
+        <p:nvPicPr>
+          <p:cNvPr id="10" name="Picture 4" descr="Power BI icon PNG and SVG Vector Free Download">
+            <a:extLst>
+              <a:ext uri="{FF2B5EF4-FFF2-40B4-BE49-F238E27FC236}">
+                <a16:creationId xmlns:a16="http://schemas.microsoft.com/office/drawing/2014/main" id="{FE7F31BC-CCA7-B9C3-8AFB-81B532166D71}"/>
+              </a:ext>
+            </a:extLst>
+          </p:cNvPr>
+          <p:cNvPicPr>
+            <a:picLocks noChangeAspect="1" noChangeArrowheads="1"/>
+          </p:cNvPicPr>
+          <p:nvPr/>
+        </p:nvPicPr>
+        <p:blipFill>
+          <a:blip r:embed="rId3">
+            <a:extLst>
+              <a:ext uri="{28A0092B-C50C-407E-A947-70E740481C1C}">
+                <a14:useLocalDpi xmlns:a14="http://schemas.microsoft.com/office/drawing/2010/main" val="0"/>
+              </a:ext>
+            </a:extLst>
+          </a:blip>
+          <a:srcRect/>
+          <a:stretch>
+            <a:fillRect/>
+          </a:stretch>
+        </p:blipFill>
+        <p:spPr bwMode="auto">
+          <a:xfrm>
+            <a:off x="8958341" y="2255147"/>
+            <a:ext cx="1489526" cy="1570779"/>
+          </a:xfrm>
+          <a:prstGeom prst="rect">
+            <a:avLst/>
+          </a:prstGeom>
+          <a:noFill/>
+          <a:extLst>
+            <a:ext uri="{909E8E84-426E-40DD-AFC4-6F175D3DCCD1}">
+              <a14:hiddenFill xmlns:a14="http://schemas.microsoft.com/office/drawing/2010/main">
+                <a:solidFill>
+                  <a:srgbClr val="FFFFFF"/>
+                </a:solidFill>
+              </a14:hiddenFill>
+            </a:ext>
+          </a:extLst>
+        </p:spPr>
+      </p:pic>
+    </p:spTree>
+    <p:extLst>
+      <p:ext uri="{BB962C8B-B14F-4D97-AF65-F5344CB8AC3E}">
+        <p14:creationId xmlns:p14="http://schemas.microsoft.com/office/powerpoint/2010/main" val="3422979784"/>
+      </p:ext>
+    </p:extLst>
+  </p:cSld>
+  <p:clrMapOvr>
+    <a:masterClrMapping/>
+  </p:clrMapOvr>
+</p:sld>
+</file>
+
+<file path=ppt/slides/slide21.xml><?xml version="1.0" encoding="utf-8"?>
+<p:sld xmlns:a="http://schemas.openxmlformats.org/drawingml/2006/main" xmlns:r="http://schemas.openxmlformats.org/officeDocument/2006/relationships" xmlns:p="http://schemas.openxmlformats.org/presentationml/2006/main">
+  <p:cSld>
+    <p:spTree>
+      <p:nvGrpSpPr>
+        <p:cNvPr id="1" name=""/>
+        <p:cNvGrpSpPr/>
+        <p:nvPr/>
+      </p:nvGrpSpPr>
+      <p:grpSpPr>
+        <a:xfrm>
+          <a:off x="0" y="0"/>
+          <a:ext cx="0" cy="0"/>
+          <a:chOff x="0" y="0"/>
+          <a:chExt cx="0" cy="0"/>
+        </a:xfrm>
+      </p:grpSpPr>
+      <p:sp>
+        <p:nvSpPr>
+          <p:cNvPr id="2" name="TextBox 1">
+            <a:extLst>
+              <a:ext uri="{FF2B5EF4-FFF2-40B4-BE49-F238E27FC236}">
+                <a16:creationId xmlns:a16="http://schemas.microsoft.com/office/drawing/2014/main" id="{15726383-B407-319E-030C-10F657ACC3A3}"/>
+              </a:ext>
+            </a:extLst>
+          </p:cNvPr>
+          <p:cNvSpPr txBox="1"/>
+          <p:nvPr/>
+        </p:nvSpPr>
+        <p:spPr>
+          <a:xfrm>
+            <a:off x="0" y="323165"/>
+            <a:ext cx="12192000" cy="646331"/>
+          </a:xfrm>
+          <a:prstGeom prst="rect">
+            <a:avLst/>
+          </a:prstGeom>
+          <a:noFill/>
+        </p:spPr>
+        <p:txBody>
+          <a:bodyPr wrap="square" rtlCol="0">
+            <a:spAutoFit/>
+          </a:bodyPr>
+          <a:lstStyle/>
+          <a:p>
+            <a:pPr algn="ctr"/>
+            <a:r>
+              <a:rPr lang="en-US" sz="3600" i="1" dirty="0">
+                <a:solidFill>
+                  <a:srgbClr val="7030A0"/>
+                </a:solidFill>
+                <a:latin typeface="Calisto MT" panose="02040603050505030304" pitchFamily="18" charset="0"/>
+              </a:rPr>
+              <a:t>Deployment</a:t>
+            </a:r>
+          </a:p>
+        </p:txBody>
+      </p:sp>
+      <p:pic>
+        <p:nvPicPr>
+          <p:cNvPr id="2050" name="Picture 2" descr="FIRN Analytics: Timely Data Solutions &amp; Expert Consultancy">
+            <a:extLst>
+              <a:ext uri="{FF2B5EF4-FFF2-40B4-BE49-F238E27FC236}">
+                <a16:creationId xmlns:a16="http://schemas.microsoft.com/office/drawing/2014/main" id="{14A52F25-2DAE-5DA7-4039-D4DC6699D305}"/>
+              </a:ext>
+            </a:extLst>
+          </p:cNvPr>
+          <p:cNvPicPr>
+            <a:picLocks noChangeAspect="1" noChangeArrowheads="1"/>
+          </p:cNvPicPr>
+          <p:nvPr/>
+        </p:nvPicPr>
+        <p:blipFill>
+          <a:blip r:embed="rId2">
+            <a:extLst>
+              <a:ext uri="{28A0092B-C50C-407E-A947-70E740481C1C}">
+                <a14:useLocalDpi xmlns:a14="http://schemas.microsoft.com/office/drawing/2010/main" val="0"/>
+              </a:ext>
+            </a:extLst>
+          </a:blip>
+          <a:srcRect/>
+          <a:stretch>
+            <a:fillRect/>
+          </a:stretch>
+        </p:blipFill>
+        <p:spPr bwMode="auto">
+          <a:xfrm>
+            <a:off x="11182350" y="5848350"/>
+            <a:ext cx="1009650" cy="1009650"/>
+          </a:xfrm>
+          <a:prstGeom prst="rect">
+            <a:avLst/>
+          </a:prstGeom>
+          <a:noFill/>
+          <a:extLst>
+            <a:ext uri="{909E8E84-426E-40DD-AFC4-6F175D3DCCD1}">
+              <a14:hiddenFill xmlns:a14="http://schemas.microsoft.com/office/drawing/2010/main">
+                <a:solidFill>
+                  <a:srgbClr val="FFFFFF"/>
+                </a:solidFill>
+              </a14:hiddenFill>
+            </a:ext>
+          </a:extLst>
+        </p:spPr>
+      </p:pic>
+      <p:grpSp>
+        <p:nvGrpSpPr>
+          <p:cNvPr id="5" name="Group 4">
+            <a:extLst>
+              <a:ext uri="{FF2B5EF4-FFF2-40B4-BE49-F238E27FC236}">
+                <a16:creationId xmlns:a16="http://schemas.microsoft.com/office/drawing/2014/main" id="{656B0B05-46EB-DA9A-CA6A-C39C2D6B297D}"/>
+              </a:ext>
+            </a:extLst>
+          </p:cNvPr>
+          <p:cNvGrpSpPr/>
+          <p:nvPr/>
+        </p:nvGrpSpPr>
+        <p:grpSpPr>
+          <a:xfrm>
+            <a:off x="2832167" y="1790217"/>
+            <a:ext cx="6527666" cy="3277565"/>
+            <a:chOff x="2832167" y="1790217"/>
+            <a:chExt cx="6527666" cy="3277565"/>
+          </a:xfrm>
+        </p:grpSpPr>
+        <p:pic>
+          <p:nvPicPr>
+            <p:cNvPr id="7" name="Picture 6">
+              <a:extLst>
+                <a:ext uri="{FF2B5EF4-FFF2-40B4-BE49-F238E27FC236}">
+                  <a16:creationId xmlns:a16="http://schemas.microsoft.com/office/drawing/2014/main" id="{EF1CFFA0-DA91-FF15-2C64-6EB1A9D6B9BC}"/>
+                </a:ext>
+              </a:extLst>
+            </p:cNvPr>
+            <p:cNvPicPr>
+              <a:picLocks noChangeAspect="1"/>
+            </p:cNvPicPr>
+            <p:nvPr/>
+          </p:nvPicPr>
+          <p:blipFill>
+            <a:blip r:embed="rId3"/>
+            <a:stretch>
+              <a:fillRect/>
+            </a:stretch>
+          </p:blipFill>
+          <p:spPr>
+            <a:xfrm>
+              <a:off x="2832167" y="1790217"/>
+              <a:ext cx="6527666" cy="3277565"/>
+            </a:xfrm>
+            <a:prstGeom prst="rect">
+              <a:avLst/>
+            </a:prstGeom>
+          </p:spPr>
+        </p:pic>
+        <p:sp>
+          <p:nvSpPr>
+            <p:cNvPr id="8" name="TextBox 7">
+              <a:extLst>
+                <a:ext uri="{FF2B5EF4-FFF2-40B4-BE49-F238E27FC236}">
+                  <a16:creationId xmlns:a16="http://schemas.microsoft.com/office/drawing/2014/main" id="{4BBC93F0-BD6F-3787-3768-344F17AB85B2}"/>
+                </a:ext>
+              </a:extLst>
+            </p:cNvPr>
+            <p:cNvSpPr txBox="1"/>
+            <p:nvPr/>
+          </p:nvSpPr>
+          <p:spPr>
+            <a:xfrm>
+              <a:off x="6646339" y="3930792"/>
+              <a:ext cx="1303869" cy="1005840"/>
+            </a:xfrm>
+            <a:prstGeom prst="rect">
+              <a:avLst/>
+            </a:prstGeom>
+            <a:noFill/>
+            <a:ln w="38100">
+              <a:solidFill>
+                <a:srgbClr val="7030A0"/>
+              </a:solidFill>
+            </a:ln>
+          </p:spPr>
+          <p:txBody>
+            <a:bodyPr wrap="square" rtlCol="0">
+              <a:spAutoFit/>
+            </a:bodyPr>
+            <a:lstStyle/>
+            <a:p>
+              <a:endParaRPr lang="en-US" dirty="0"/>
+            </a:p>
+          </p:txBody>
+        </p:sp>
+      </p:grpSp>
+    </p:spTree>
+    <p:extLst>
+      <p:ext uri="{BB962C8B-B14F-4D97-AF65-F5344CB8AC3E}">
+        <p14:creationId xmlns:p14="http://schemas.microsoft.com/office/powerpoint/2010/main" val="182970039"/>
+      </p:ext>
+    </p:extLst>
+  </p:cSld>
+  <p:clrMapOvr>
+    <a:masterClrMapping/>
+  </p:clrMapOvr>
+</p:sld>
+</file>
+
+<file path=ppt/slides/slide22.xml><?xml version="1.0" encoding="utf-8"?>
+<p:sld xmlns:a="http://schemas.openxmlformats.org/drawingml/2006/main" xmlns:r="http://schemas.openxmlformats.org/officeDocument/2006/relationships" xmlns:p="http://schemas.openxmlformats.org/presentationml/2006/main">
+  <p:cSld>
+    <p:spTree>
+      <p:nvGrpSpPr>
+        <p:cNvPr id="1" name=""/>
+        <p:cNvGrpSpPr/>
+        <p:nvPr/>
+      </p:nvGrpSpPr>
+      <p:grpSpPr>
+        <a:xfrm>
+          <a:off x="0" y="0"/>
+          <a:ext cx="0" cy="0"/>
+          <a:chOff x="0" y="0"/>
+          <a:chExt cx="0" cy="0"/>
+        </a:xfrm>
+      </p:grpSpPr>
+      <p:sp>
+        <p:nvSpPr>
+          <p:cNvPr id="2" name="TextBox 1">
+            <a:extLst>
+              <a:ext uri="{FF2B5EF4-FFF2-40B4-BE49-F238E27FC236}">
+                <a16:creationId xmlns:a16="http://schemas.microsoft.com/office/drawing/2014/main" id="{15726383-B407-319E-030C-10F657ACC3A3}"/>
+              </a:ext>
+            </a:extLst>
+          </p:cNvPr>
+          <p:cNvSpPr txBox="1"/>
+          <p:nvPr/>
+        </p:nvSpPr>
+        <p:spPr>
+          <a:xfrm>
+            <a:off x="0" y="323165"/>
+            <a:ext cx="12192000" cy="646331"/>
+          </a:xfrm>
+          <a:prstGeom prst="rect">
+            <a:avLst/>
+          </a:prstGeom>
+          <a:noFill/>
+        </p:spPr>
+        <p:txBody>
+          <a:bodyPr wrap="square" rtlCol="0">
+            <a:spAutoFit/>
+          </a:bodyPr>
+          <a:lstStyle/>
+          <a:p>
+            <a:pPr algn="ctr"/>
+            <a:r>
+              <a:rPr lang="en-US" sz="3600" i="1" dirty="0">
+                <a:solidFill>
+                  <a:srgbClr val="7030A0"/>
+                </a:solidFill>
+                <a:latin typeface="Calisto MT" panose="02040603050505030304" pitchFamily="18" charset="0"/>
+              </a:rPr>
+              <a:t>Deployment</a:t>
             </a:r>
           </a:p>
         </p:txBody>
@@ -8163,7 +10395,7 @@
         </p:blipFill>
         <p:spPr>
           <a:xfrm>
-            <a:off x="8868023" y="2498141"/>
+            <a:off x="8715623" y="2412023"/>
             <a:ext cx="3169371" cy="2460433"/>
           </a:xfrm>
           <a:prstGeom prst="rect">
@@ -8231,7 +10463,7 @@
 </p:sld>
 </file>
 
-<file path=ppt/slides/slide16.xml><?xml version="1.0" encoding="utf-8"?>
+<file path=ppt/slides/slide23.xml><?xml version="1.0" encoding="utf-8"?>
 <p:sld xmlns:a="http://schemas.openxmlformats.org/drawingml/2006/main" xmlns:r="http://schemas.openxmlformats.org/officeDocument/2006/relationships" xmlns:p="http://schemas.openxmlformats.org/presentationml/2006/main">
   <p:cSld>
     <p:spTree>
@@ -8284,17 +10516,17 @@
                 </a:solidFill>
                 <a:latin typeface="Calisto MT" panose="02040603050505030304" pitchFamily="18" charset="0"/>
               </a:rPr>
-              <a:t>Power BI – Reporting</a:t>
+              <a:t>Deployment</a:t>
             </a:r>
           </a:p>
         </p:txBody>
       </p:sp>
       <p:pic>
         <p:nvPicPr>
-          <p:cNvPr id="10" name="Picture 4" descr="Power BI icon PNG and SVG Vector Free Download">
+          <p:cNvPr id="30" name="Picture 2" descr="FIRN Analytics: Timely Data Solutions &amp; Expert Consultancy">
             <a:extLst>
               <a:ext uri="{FF2B5EF4-FFF2-40B4-BE49-F238E27FC236}">
-                <a16:creationId xmlns:a16="http://schemas.microsoft.com/office/drawing/2014/main" id="{FE7F31BC-CCA7-B9C3-8AFB-81B532166D71}"/>
+                <a16:creationId xmlns:a16="http://schemas.microsoft.com/office/drawing/2014/main" id="{C397D2E6-7F99-5891-2E45-3C4AE311AAB1}"/>
               </a:ext>
             </a:extLst>
           </p:cNvPr>
@@ -8305,53 +10537,6 @@
         </p:nvPicPr>
         <p:blipFill>
           <a:blip r:embed="rId2">
-            <a:extLst>
-              <a:ext uri="{28A0092B-C50C-407E-A947-70E740481C1C}">
-                <a14:useLocalDpi xmlns:a14="http://schemas.microsoft.com/office/drawing/2010/main" val="0"/>
-              </a:ext>
-            </a:extLst>
-          </a:blip>
-          <a:srcRect/>
-          <a:stretch>
-            <a:fillRect/>
-          </a:stretch>
-        </p:blipFill>
-        <p:spPr bwMode="auto">
-          <a:xfrm>
-            <a:off x="271542" y="2712241"/>
-            <a:ext cx="1359365" cy="1433518"/>
-          </a:xfrm>
-          <a:prstGeom prst="rect">
-            <a:avLst/>
-          </a:prstGeom>
-          <a:noFill/>
-          <a:extLst>
-            <a:ext uri="{909E8E84-426E-40DD-AFC4-6F175D3DCCD1}">
-              <a14:hiddenFill xmlns:a14="http://schemas.microsoft.com/office/drawing/2010/main">
-                <a:solidFill>
-                  <a:srgbClr val="FFFFFF"/>
-                </a:solidFill>
-              </a14:hiddenFill>
-            </a:ext>
-          </a:extLst>
-        </p:spPr>
-      </p:pic>
-      <p:pic>
-        <p:nvPicPr>
-          <p:cNvPr id="30" name="Picture 2" descr="FIRN Analytics: Timely Data Solutions &amp; Expert Consultancy">
-            <a:extLst>
-              <a:ext uri="{FF2B5EF4-FFF2-40B4-BE49-F238E27FC236}">
-                <a16:creationId xmlns:a16="http://schemas.microsoft.com/office/drawing/2014/main" id="{C397D2E6-7F99-5891-2E45-3C4AE311AAB1}"/>
-              </a:ext>
-            </a:extLst>
-          </p:cNvPr>
-          <p:cNvPicPr>
-            <a:picLocks noChangeAspect="1" noChangeArrowheads="1"/>
-          </p:cNvPicPr>
-          <p:nvPr/>
-        </p:nvPicPr>
-        <p:blipFill>
-          <a:blip r:embed="rId3">
             <a:extLst>
               <a:ext uri="{28A0092B-C50C-407E-A947-70E740481C1C}">
                 <a14:useLocalDpi xmlns:a14="http://schemas.microsoft.com/office/drawing/2010/main" val="0"/>
@@ -8385,10 +10570,10 @@
       </p:pic>
       <p:pic>
         <p:nvPicPr>
-          <p:cNvPr id="4" name="Picture 3">
+          <p:cNvPr id="5" name="Picture 4">
             <a:extLst>
               <a:ext uri="{FF2B5EF4-FFF2-40B4-BE49-F238E27FC236}">
-                <a16:creationId xmlns:a16="http://schemas.microsoft.com/office/drawing/2014/main" id="{B5AC537C-FFFD-46B0-75DC-B3ADC8251072}"/>
+                <a16:creationId xmlns:a16="http://schemas.microsoft.com/office/drawing/2014/main" id="{D68A5DF4-E5DB-3E22-7FE0-65D7B289AFCA}"/>
               </a:ext>
             </a:extLst>
           </p:cNvPr>
@@ -8398,19 +10583,66 @@
           <p:nvPr/>
         </p:nvPicPr>
         <p:blipFill>
-          <a:blip r:embed="rId4"/>
+          <a:blip r:embed="rId3"/>
           <a:stretch>
             <a:fillRect/>
           </a:stretch>
         </p:blipFill>
         <p:spPr>
           <a:xfrm>
-            <a:off x="1847482" y="1582642"/>
-            <a:ext cx="8497036" cy="4770533"/>
+            <a:off x="2202408" y="1221609"/>
+            <a:ext cx="7787185" cy="4414782"/>
           </a:xfrm>
           <a:prstGeom prst="rect">
             <a:avLst/>
           </a:prstGeom>
+        </p:spPr>
+      </p:pic>
+      <p:pic>
+        <p:nvPicPr>
+          <p:cNvPr id="6" name="Picture 4" descr="Power BI icon PNG and SVG Vector Free Download">
+            <a:extLst>
+              <a:ext uri="{FF2B5EF4-FFF2-40B4-BE49-F238E27FC236}">
+                <a16:creationId xmlns:a16="http://schemas.microsoft.com/office/drawing/2014/main" id="{9241A837-3742-DEFC-15B5-A41EC6EC38DD}"/>
+              </a:ext>
+            </a:extLst>
+          </p:cNvPr>
+          <p:cNvPicPr>
+            <a:picLocks noChangeAspect="1" noChangeArrowheads="1"/>
+          </p:cNvPicPr>
+          <p:nvPr/>
+        </p:nvPicPr>
+        <p:blipFill>
+          <a:blip r:embed="rId4">
+            <a:extLst>
+              <a:ext uri="{28A0092B-C50C-407E-A947-70E740481C1C}">
+                <a14:useLocalDpi xmlns:a14="http://schemas.microsoft.com/office/drawing/2010/main" val="0"/>
+              </a:ext>
+            </a:extLst>
+          </a:blip>
+          <a:srcRect/>
+          <a:stretch>
+            <a:fillRect/>
+          </a:stretch>
+        </p:blipFill>
+        <p:spPr bwMode="auto">
+          <a:xfrm>
+            <a:off x="169941" y="2500680"/>
+            <a:ext cx="1489526" cy="1570779"/>
+          </a:xfrm>
+          <a:prstGeom prst="rect">
+            <a:avLst/>
+          </a:prstGeom>
+          <a:noFill/>
+          <a:extLst>
+            <a:ext uri="{909E8E84-426E-40DD-AFC4-6F175D3DCCD1}">
+              <a14:hiddenFill xmlns:a14="http://schemas.microsoft.com/office/drawing/2010/main">
+                <a:solidFill>
+                  <a:srgbClr val="FFFFFF"/>
+                </a:solidFill>
+              </a14:hiddenFill>
+            </a:ext>
+          </a:extLst>
         </p:spPr>
       </p:pic>
     </p:spTree>
@@ -8426,7 +10658,7 @@
 </p:sld>
 </file>
 
-<file path=ppt/slides/slide2.xml><?xml version="1.0" encoding="utf-8"?>
+<file path=ppt/slides/slide3.xml><?xml version="1.0" encoding="utf-8"?>
 <p:sld xmlns:a="http://schemas.openxmlformats.org/drawingml/2006/main" xmlns:r="http://schemas.openxmlformats.org/officeDocument/2006/relationships" xmlns:p="http://schemas.openxmlformats.org/presentationml/2006/main">
   <p:cSld>
     <p:spTree>
@@ -8479,7 +10711,584 @@
                 </a:solidFill>
                 <a:latin typeface="Calisto MT" panose="02040603050505030304" pitchFamily="18" charset="0"/>
               </a:rPr>
-              <a:t>Data Realities</a:t>
+              <a:t>Understanding Business Requirements</a:t>
+            </a:r>
+          </a:p>
+        </p:txBody>
+      </p:sp>
+      <p:grpSp>
+        <p:nvGrpSpPr>
+          <p:cNvPr id="36" name="Group 35">
+            <a:extLst>
+              <a:ext uri="{FF2B5EF4-FFF2-40B4-BE49-F238E27FC236}">
+                <a16:creationId xmlns:a16="http://schemas.microsoft.com/office/drawing/2014/main" id="{659361F4-33D3-E9EC-634D-925D0EC1CA6F}"/>
+              </a:ext>
+            </a:extLst>
+          </p:cNvPr>
+          <p:cNvGrpSpPr/>
+          <p:nvPr/>
+        </p:nvGrpSpPr>
+        <p:grpSpPr>
+          <a:xfrm>
+            <a:off x="705866" y="2107942"/>
+            <a:ext cx="10780268" cy="2642115"/>
+            <a:chOff x="180735" y="1759210"/>
+            <a:chExt cx="10780268" cy="2642115"/>
+          </a:xfrm>
+        </p:grpSpPr>
+        <p:grpSp>
+          <p:nvGrpSpPr>
+            <p:cNvPr id="13" name="Group 12">
+              <a:extLst>
+                <a:ext uri="{FF2B5EF4-FFF2-40B4-BE49-F238E27FC236}">
+                  <a16:creationId xmlns:a16="http://schemas.microsoft.com/office/drawing/2014/main" id="{19F28E7D-C3A9-B27F-1FAE-60782DEB55BD}"/>
+                </a:ext>
+              </a:extLst>
+            </p:cNvPr>
+            <p:cNvGrpSpPr/>
+            <p:nvPr/>
+          </p:nvGrpSpPr>
+          <p:grpSpPr>
+            <a:xfrm>
+              <a:off x="180735" y="1759210"/>
+              <a:ext cx="7162800" cy="2457449"/>
+              <a:chOff x="0" y="1476462"/>
+              <a:chExt cx="12192000" cy="2457449"/>
+            </a:xfrm>
+          </p:grpSpPr>
+          <p:sp>
+            <p:nvSpPr>
+              <p:cNvPr id="5" name="TextBox 4">
+                <a:extLst>
+                  <a:ext uri="{FF2B5EF4-FFF2-40B4-BE49-F238E27FC236}">
+                    <a16:creationId xmlns:a16="http://schemas.microsoft.com/office/drawing/2014/main" id="{931F3E74-5C3E-0B97-1E52-81550E685E45}"/>
+                  </a:ext>
+                </a:extLst>
+              </p:cNvPr>
+              <p:cNvSpPr txBox="1"/>
+              <p:nvPr/>
+            </p:nvSpPr>
+            <p:spPr>
+              <a:xfrm>
+                <a:off x="0" y="1476462"/>
+                <a:ext cx="12192000" cy="646331"/>
+              </a:xfrm>
+              <a:prstGeom prst="rect">
+                <a:avLst/>
+              </a:prstGeom>
+              <a:noFill/>
+            </p:spPr>
+            <p:txBody>
+              <a:bodyPr wrap="square" rtlCol="0">
+                <a:spAutoFit/>
+              </a:bodyPr>
+              <a:lstStyle/>
+              <a:p>
+                <a:pPr marL="285750" indent="-285750">
+                  <a:buFont typeface="Arial" panose="020B0604020202020204" pitchFamily="34" charset="0"/>
+                  <a:buChar char="•"/>
+                </a:pPr>
+                <a:r>
+                  <a:rPr lang="en-US" dirty="0"/>
+                  <a:t>The </a:t>
+                </a:r>
+                <a:r>
+                  <a:rPr lang="en-US" b="1" dirty="0">
+                    <a:solidFill>
+                      <a:schemeClr val="accent6"/>
+                    </a:solidFill>
+                  </a:rPr>
+                  <a:t>number of trips</a:t>
+                </a:r>
+                <a:r>
+                  <a:rPr lang="en-US" dirty="0"/>
+                  <a:t> within months:</a:t>
+                </a:r>
+              </a:p>
+              <a:p>
+                <a:pPr marL="742950" lvl="1" indent="-285750">
+                  <a:buFont typeface="Wingdings" panose="05000000000000000000" pitchFamily="2" charset="2"/>
+                  <a:buChar char="Ø"/>
+                </a:pPr>
+                <a:r>
+                  <a:rPr lang="en-US" dirty="0"/>
+                  <a:t> Are bikes used more in February or June, or September maybe?</a:t>
+                </a:r>
+              </a:p>
+            </p:txBody>
+          </p:sp>
+          <p:sp>
+            <p:nvSpPr>
+              <p:cNvPr id="11" name="TextBox 10">
+                <a:extLst>
+                  <a:ext uri="{FF2B5EF4-FFF2-40B4-BE49-F238E27FC236}">
+                    <a16:creationId xmlns:a16="http://schemas.microsoft.com/office/drawing/2014/main" id="{F314916F-A773-55F1-D2A9-659663A8A457}"/>
+                  </a:ext>
+                </a:extLst>
+              </p:cNvPr>
+              <p:cNvSpPr txBox="1"/>
+              <p:nvPr/>
+            </p:nvSpPr>
+            <p:spPr>
+              <a:xfrm>
+                <a:off x="0" y="2382021"/>
+                <a:ext cx="12192000" cy="646331"/>
+              </a:xfrm>
+              <a:prstGeom prst="rect">
+                <a:avLst/>
+              </a:prstGeom>
+              <a:noFill/>
+            </p:spPr>
+            <p:txBody>
+              <a:bodyPr wrap="square" rtlCol="0">
+                <a:spAutoFit/>
+              </a:bodyPr>
+              <a:lstStyle/>
+              <a:p>
+                <a:pPr marL="285750" indent="-285750">
+                  <a:buFont typeface="Arial" panose="020B0604020202020204" pitchFamily="34" charset="0"/>
+                  <a:buChar char="•"/>
+                </a:pPr>
+                <a:r>
+                  <a:rPr lang="en-US" dirty="0"/>
+                  <a:t>The </a:t>
+                </a:r>
+                <a:r>
+                  <a:rPr lang="en-US" b="1" dirty="0">
+                    <a:solidFill>
+                      <a:schemeClr val="accent6"/>
+                    </a:solidFill>
+                  </a:rPr>
+                  <a:t>average trip duration</a:t>
+                </a:r>
+                <a:r>
+                  <a:rPr lang="en-US" dirty="0">
+                    <a:solidFill>
+                      <a:schemeClr val="accent6"/>
+                    </a:solidFill>
+                  </a:rPr>
+                  <a:t>/</a:t>
+                </a:r>
+                <a:r>
+                  <a:rPr lang="en-US" b="1" dirty="0">
+                    <a:solidFill>
+                      <a:schemeClr val="accent6"/>
+                    </a:solidFill>
+                  </a:rPr>
+                  <a:t>distance</a:t>
+                </a:r>
+                <a:r>
+                  <a:rPr lang="en-US" dirty="0">
+                    <a:solidFill>
+                      <a:schemeClr val="accent6"/>
+                    </a:solidFill>
+                  </a:rPr>
+                  <a:t> </a:t>
+                </a:r>
+                <a:r>
+                  <a:rPr lang="en-US" dirty="0"/>
+                  <a:t>within a specific period of time</a:t>
+                </a:r>
+              </a:p>
+              <a:p>
+                <a:pPr marL="742950" lvl="1" indent="-285750">
+                  <a:buFont typeface="Wingdings" panose="05000000000000000000" pitchFamily="2" charset="2"/>
+                  <a:buChar char="Ø"/>
+                </a:pPr>
+                <a:r>
+                  <a:rPr lang="en-US" dirty="0"/>
+                  <a:t> Are trips longer in February compared to June?</a:t>
+                </a:r>
+              </a:p>
+            </p:txBody>
+          </p:sp>
+          <p:sp>
+            <p:nvSpPr>
+              <p:cNvPr id="12" name="TextBox 11">
+                <a:extLst>
+                  <a:ext uri="{FF2B5EF4-FFF2-40B4-BE49-F238E27FC236}">
+                    <a16:creationId xmlns:a16="http://schemas.microsoft.com/office/drawing/2014/main" id="{C2AEDD6D-ED73-55B5-6569-53A4EEAC6BDF}"/>
+                  </a:ext>
+                </a:extLst>
+              </p:cNvPr>
+              <p:cNvSpPr txBox="1"/>
+              <p:nvPr/>
+            </p:nvSpPr>
+            <p:spPr>
+              <a:xfrm>
+                <a:off x="0" y="3287580"/>
+                <a:ext cx="12192000" cy="646331"/>
+              </a:xfrm>
+              <a:prstGeom prst="rect">
+                <a:avLst/>
+              </a:prstGeom>
+              <a:noFill/>
+            </p:spPr>
+            <p:txBody>
+              <a:bodyPr wrap="square" rtlCol="0">
+                <a:spAutoFit/>
+              </a:bodyPr>
+              <a:lstStyle/>
+              <a:p>
+                <a:pPr marL="285750" indent="-285750">
+                  <a:buFont typeface="Arial" panose="020B0604020202020204" pitchFamily="34" charset="0"/>
+                  <a:buChar char="•"/>
+                </a:pPr>
+                <a:r>
+                  <a:rPr lang="en-US" dirty="0"/>
+                  <a:t>The </a:t>
+                </a:r>
+                <a:r>
+                  <a:rPr lang="en-US" b="1" dirty="0">
+                    <a:solidFill>
+                      <a:schemeClr val="accent6"/>
+                    </a:solidFill>
+                  </a:rPr>
+                  <a:t>number of trips</a:t>
+                </a:r>
+                <a:r>
+                  <a:rPr lang="en-US" dirty="0"/>
+                  <a:t> by </a:t>
+                </a:r>
+                <a:r>
+                  <a:rPr lang="en-US" b="1" dirty="0">
+                    <a:solidFill>
+                      <a:srgbClr val="0000FF"/>
+                    </a:solidFill>
+                  </a:rPr>
+                  <a:t>weather condition</a:t>
+                </a:r>
+                <a:r>
+                  <a:rPr lang="en-US" dirty="0"/>
+                  <a:t>:</a:t>
+                </a:r>
+              </a:p>
+              <a:p>
+                <a:pPr marL="742950" lvl="1" indent="-285750">
+                  <a:buFont typeface="Wingdings" panose="05000000000000000000" pitchFamily="2" charset="2"/>
+                  <a:buChar char="Ø"/>
+                </a:pPr>
+                <a:r>
+                  <a:rPr lang="en-US" dirty="0"/>
+                  <a:t> Are bikes used more when the weather is sunny or rainy?</a:t>
+                </a:r>
+                <a:endParaRPr lang="en-US" b="1" dirty="0"/>
+              </a:p>
+            </p:txBody>
+          </p:sp>
+        </p:grpSp>
+        <p:grpSp>
+          <p:nvGrpSpPr>
+            <p:cNvPr id="31" name="Group 30">
+              <a:extLst>
+                <a:ext uri="{FF2B5EF4-FFF2-40B4-BE49-F238E27FC236}">
+                  <a16:creationId xmlns:a16="http://schemas.microsoft.com/office/drawing/2014/main" id="{3B0174BB-A38B-A10B-9942-61029CEAC75A}"/>
+                </a:ext>
+              </a:extLst>
+            </p:cNvPr>
+            <p:cNvGrpSpPr/>
+            <p:nvPr/>
+          </p:nvGrpSpPr>
+          <p:grpSpPr>
+            <a:xfrm>
+              <a:off x="8352968" y="1793289"/>
+              <a:ext cx="2608035" cy="2608036"/>
+              <a:chOff x="4405161" y="2958168"/>
+              <a:chExt cx="2608035" cy="2608036"/>
+            </a:xfrm>
+          </p:grpSpPr>
+          <p:pic>
+            <p:nvPicPr>
+              <p:cNvPr id="32" name="Picture 4" descr="positive correlation Icon - Free PNG &amp; SVG 1569699 - Noun Project">
+                <a:extLst>
+                  <a:ext uri="{FF2B5EF4-FFF2-40B4-BE49-F238E27FC236}">
+                    <a16:creationId xmlns:a16="http://schemas.microsoft.com/office/drawing/2014/main" id="{14876840-D8CD-DC94-9F9E-A4E63EB37247}"/>
+                  </a:ext>
+                </a:extLst>
+              </p:cNvPr>
+              <p:cNvPicPr>
+                <a:picLocks noChangeAspect="1" noChangeArrowheads="1"/>
+              </p:cNvPicPr>
+              <p:nvPr/>
+            </p:nvPicPr>
+            <p:blipFill>
+              <a:blip r:embed="rId2">
+                <a:extLst>
+                  <a:ext uri="{28A0092B-C50C-407E-A947-70E740481C1C}">
+                    <a14:useLocalDpi xmlns:a14="http://schemas.microsoft.com/office/drawing/2010/main" val="0"/>
+                  </a:ext>
+                </a:extLst>
+              </a:blip>
+              <a:srcRect/>
+              <a:stretch>
+                <a:fillRect/>
+              </a:stretch>
+            </p:blipFill>
+            <p:spPr bwMode="auto">
+              <a:xfrm>
+                <a:off x="4589826" y="2958168"/>
+                <a:ext cx="2423370" cy="2423370"/>
+              </a:xfrm>
+              <a:prstGeom prst="rect">
+                <a:avLst/>
+              </a:prstGeom>
+              <a:noFill/>
+              <a:extLst>
+                <a:ext uri="{909E8E84-426E-40DD-AFC4-6F175D3DCCD1}">
+                  <a14:hiddenFill xmlns:a14="http://schemas.microsoft.com/office/drawing/2010/main">
+                    <a:solidFill>
+                      <a:srgbClr val="FFFFFF"/>
+                    </a:solidFill>
+                  </a14:hiddenFill>
+                </a:ext>
+              </a:extLst>
+            </p:spPr>
+          </p:pic>
+          <p:sp>
+            <p:nvSpPr>
+              <p:cNvPr id="33" name="TextBox 32">
+                <a:extLst>
+                  <a:ext uri="{FF2B5EF4-FFF2-40B4-BE49-F238E27FC236}">
+                    <a16:creationId xmlns:a16="http://schemas.microsoft.com/office/drawing/2014/main" id="{0AADC248-C6E3-D794-2987-6435B23FD15D}"/>
+                  </a:ext>
+                </a:extLst>
+              </p:cNvPr>
+              <p:cNvSpPr txBox="1"/>
+              <p:nvPr/>
+            </p:nvSpPr>
+            <p:spPr>
+              <a:xfrm>
+                <a:off x="4808202" y="5196872"/>
+                <a:ext cx="1986618" cy="369332"/>
+              </a:xfrm>
+              <a:prstGeom prst="rect">
+                <a:avLst/>
+              </a:prstGeom>
+              <a:noFill/>
+            </p:spPr>
+            <p:txBody>
+              <a:bodyPr wrap="square" rtlCol="0">
+                <a:spAutoFit/>
+              </a:bodyPr>
+              <a:lstStyle/>
+              <a:p>
+                <a:r>
+                  <a:rPr lang="en-US" b="1" dirty="0">
+                    <a:solidFill>
+                      <a:srgbClr val="0000FF"/>
+                    </a:solidFill>
+                  </a:rPr>
+                  <a:t>Weather condition</a:t>
+                </a:r>
+              </a:p>
+            </p:txBody>
+          </p:sp>
+          <p:sp>
+            <p:nvSpPr>
+              <p:cNvPr id="34" name="TextBox 33">
+                <a:extLst>
+                  <a:ext uri="{FF2B5EF4-FFF2-40B4-BE49-F238E27FC236}">
+                    <a16:creationId xmlns:a16="http://schemas.microsoft.com/office/drawing/2014/main" id="{3C86AD69-6DE3-2FFC-9EDC-8961FD24F2BB}"/>
+                  </a:ext>
+                </a:extLst>
+              </p:cNvPr>
+              <p:cNvSpPr txBox="1"/>
+              <p:nvPr/>
+            </p:nvSpPr>
+            <p:spPr>
+              <a:xfrm rot="16200000">
+                <a:off x="3892461" y="3936175"/>
+                <a:ext cx="1394731" cy="369332"/>
+              </a:xfrm>
+              <a:prstGeom prst="rect">
+                <a:avLst/>
+              </a:prstGeom>
+              <a:noFill/>
+            </p:spPr>
+            <p:txBody>
+              <a:bodyPr wrap="square" rtlCol="0">
+                <a:spAutoFit/>
+              </a:bodyPr>
+              <a:lstStyle/>
+              <a:p>
+                <a:r>
+                  <a:rPr lang="en-US" b="1" dirty="0">
+                    <a:solidFill>
+                      <a:schemeClr val="accent6"/>
+                    </a:solidFill>
+                  </a:rPr>
+                  <a:t>Bikes Usage</a:t>
+                </a:r>
+              </a:p>
+            </p:txBody>
+          </p:sp>
+        </p:grpSp>
+        <p:sp>
+          <p:nvSpPr>
+            <p:cNvPr id="35" name="Right Brace 34">
+              <a:extLst>
+                <a:ext uri="{FF2B5EF4-FFF2-40B4-BE49-F238E27FC236}">
+                  <a16:creationId xmlns:a16="http://schemas.microsoft.com/office/drawing/2014/main" id="{C2EBBE9E-7C13-B770-BFD2-6E3E39354F53}"/>
+                </a:ext>
+              </a:extLst>
+            </p:cNvPr>
+            <p:cNvSpPr/>
+            <p:nvPr/>
+          </p:nvSpPr>
+          <p:spPr>
+            <a:xfrm>
+              <a:off x="7529993" y="1793289"/>
+              <a:ext cx="318257" cy="2423370"/>
+            </a:xfrm>
+            <a:prstGeom prst="rightBrace">
+              <a:avLst/>
+            </a:prstGeom>
+            <a:ln w="38100">
+              <a:solidFill>
+                <a:schemeClr val="accent4">
+                  <a:lumMod val="75000"/>
+                </a:schemeClr>
+              </a:solidFill>
+            </a:ln>
+          </p:spPr>
+          <p:style>
+            <a:lnRef idx="3">
+              <a:schemeClr val="accent2"/>
+            </a:lnRef>
+            <a:fillRef idx="0">
+              <a:schemeClr val="accent2"/>
+            </a:fillRef>
+            <a:effectRef idx="2">
+              <a:schemeClr val="accent2"/>
+            </a:effectRef>
+            <a:fontRef idx="minor">
+              <a:schemeClr val="tx1"/>
+            </a:fontRef>
+          </p:style>
+          <p:txBody>
+            <a:bodyPr rtlCol="0" anchor="ctr"/>
+            <a:lstStyle/>
+            <a:p>
+              <a:pPr algn="ctr"/>
+              <a:endParaRPr lang="en-US"/>
+            </a:p>
+          </p:txBody>
+        </p:sp>
+      </p:grpSp>
+      <p:pic>
+        <p:nvPicPr>
+          <p:cNvPr id="39" name="Picture 2" descr="FIRN Analytics: Timely Data Solutions &amp; Expert Consultancy">
+            <a:extLst>
+              <a:ext uri="{FF2B5EF4-FFF2-40B4-BE49-F238E27FC236}">
+                <a16:creationId xmlns:a16="http://schemas.microsoft.com/office/drawing/2014/main" id="{DC0B0425-5A11-B8A4-83D9-D81D1C821200}"/>
+              </a:ext>
+            </a:extLst>
+          </p:cNvPr>
+          <p:cNvPicPr>
+            <a:picLocks noChangeAspect="1" noChangeArrowheads="1"/>
+          </p:cNvPicPr>
+          <p:nvPr/>
+        </p:nvPicPr>
+        <p:blipFill>
+          <a:blip r:embed="rId3">
+            <a:extLst>
+              <a:ext uri="{28A0092B-C50C-407E-A947-70E740481C1C}">
+                <a14:useLocalDpi xmlns:a14="http://schemas.microsoft.com/office/drawing/2010/main" val="0"/>
+              </a:ext>
+            </a:extLst>
+          </a:blip>
+          <a:srcRect/>
+          <a:stretch>
+            <a:fillRect/>
+          </a:stretch>
+        </p:blipFill>
+        <p:spPr bwMode="auto">
+          <a:xfrm>
+            <a:off x="11182350" y="5848350"/>
+            <a:ext cx="1009650" cy="1009650"/>
+          </a:xfrm>
+          <a:prstGeom prst="rect">
+            <a:avLst/>
+          </a:prstGeom>
+          <a:noFill/>
+          <a:extLst>
+            <a:ext uri="{909E8E84-426E-40DD-AFC4-6F175D3DCCD1}">
+              <a14:hiddenFill xmlns:a14="http://schemas.microsoft.com/office/drawing/2010/main">
+                <a:solidFill>
+                  <a:srgbClr val="FFFFFF"/>
+                </a:solidFill>
+              </a14:hiddenFill>
+            </a:ext>
+          </a:extLst>
+        </p:spPr>
+      </p:pic>
+    </p:spTree>
+    <p:extLst>
+      <p:ext uri="{BB962C8B-B14F-4D97-AF65-F5344CB8AC3E}">
+        <p14:creationId xmlns:p14="http://schemas.microsoft.com/office/powerpoint/2010/main" val="2922380159"/>
+      </p:ext>
+    </p:extLst>
+  </p:cSld>
+  <p:clrMapOvr>
+    <a:masterClrMapping/>
+  </p:clrMapOvr>
+</p:sld>
+</file>
+
+<file path=ppt/slides/slide4.xml><?xml version="1.0" encoding="utf-8"?>
+<p:sld xmlns:a="http://schemas.openxmlformats.org/drawingml/2006/main" xmlns:r="http://schemas.openxmlformats.org/officeDocument/2006/relationships" xmlns:p="http://schemas.openxmlformats.org/presentationml/2006/main">
+  <p:cSld>
+    <p:spTree>
+      <p:nvGrpSpPr>
+        <p:cNvPr id="1" name=""/>
+        <p:cNvGrpSpPr/>
+        <p:nvPr/>
+      </p:nvGrpSpPr>
+      <p:grpSpPr>
+        <a:xfrm>
+          <a:off x="0" y="0"/>
+          <a:ext cx="0" cy="0"/>
+          <a:chOff x="0" y="0"/>
+          <a:chExt cx="0" cy="0"/>
+        </a:xfrm>
+      </p:grpSpPr>
+      <p:sp>
+        <p:nvSpPr>
+          <p:cNvPr id="2" name="TextBox 1">
+            <a:extLst>
+              <a:ext uri="{FF2B5EF4-FFF2-40B4-BE49-F238E27FC236}">
+                <a16:creationId xmlns:a16="http://schemas.microsoft.com/office/drawing/2014/main" id="{15726383-B407-319E-030C-10F657ACC3A3}"/>
+              </a:ext>
+            </a:extLst>
+          </p:cNvPr>
+          <p:cNvSpPr txBox="1"/>
+          <p:nvPr/>
+        </p:nvSpPr>
+        <p:spPr>
+          <a:xfrm>
+            <a:off x="0" y="323165"/>
+            <a:ext cx="12192000" cy="646331"/>
+          </a:xfrm>
+          <a:prstGeom prst="rect">
+            <a:avLst/>
+          </a:prstGeom>
+          <a:noFill/>
+        </p:spPr>
+        <p:txBody>
+          <a:bodyPr wrap="square" rtlCol="0">
+            <a:spAutoFit/>
+          </a:bodyPr>
+          <a:lstStyle/>
+          <a:p>
+            <a:pPr algn="ctr"/>
+            <a:r>
+              <a:rPr lang="en-US" sz="3600" i="1" dirty="0">
+                <a:solidFill>
+                  <a:srgbClr val="7030A0"/>
+                </a:solidFill>
+                <a:latin typeface="Calisto MT" panose="02040603050505030304" pitchFamily="18" charset="0"/>
+              </a:rPr>
+              <a:t>Understanding Data Realities</a:t>
             </a:r>
           </a:p>
         </p:txBody>
@@ -8939,7 +11748,7 @@
 </p:sld>
 </file>
 
-<file path=ppt/slides/slide3.xml><?xml version="1.0" encoding="utf-8"?>
+<file path=ppt/slides/slide5.xml><?xml version="1.0" encoding="utf-8"?>
 <p:sld xmlns:a="http://schemas.openxmlformats.org/drawingml/2006/main" xmlns:r="http://schemas.openxmlformats.org/officeDocument/2006/relationships" xmlns:p="http://schemas.openxmlformats.org/presentationml/2006/main">
   <p:cSld>
     <p:spTree>
@@ -8992,345 +11801,17 @@
                 </a:solidFill>
                 <a:latin typeface="Calisto MT" panose="02040603050505030304" pitchFamily="18" charset="0"/>
               </a:rPr>
-              <a:t>Technical Architecture - Abstract</a:t>
+              <a:t>Technical Architecture Design</a:t>
             </a:r>
           </a:p>
         </p:txBody>
       </p:sp>
-      <p:grpSp>
-        <p:nvGrpSpPr>
-          <p:cNvPr id="17" name="Group 16">
-            <a:extLst>
-              <a:ext uri="{FF2B5EF4-FFF2-40B4-BE49-F238E27FC236}">
-                <a16:creationId xmlns:a16="http://schemas.microsoft.com/office/drawing/2014/main" id="{91A1B3E5-A92F-389C-8D76-21B551B2C3EB}"/>
-              </a:ext>
-            </a:extLst>
-          </p:cNvPr>
-          <p:cNvGrpSpPr/>
-          <p:nvPr/>
-        </p:nvGrpSpPr>
-        <p:grpSpPr>
-          <a:xfrm>
-            <a:off x="928429" y="2147932"/>
-            <a:ext cx="4730141" cy="2067469"/>
-            <a:chOff x="928429" y="2147932"/>
-            <a:chExt cx="4730141" cy="2067469"/>
-          </a:xfrm>
-        </p:grpSpPr>
-        <p:cxnSp>
-          <p:nvCxnSpPr>
-            <p:cNvPr id="14" name="Straight Arrow Connector 13">
-              <a:extLst>
-                <a:ext uri="{FF2B5EF4-FFF2-40B4-BE49-F238E27FC236}">
-                  <a16:creationId xmlns:a16="http://schemas.microsoft.com/office/drawing/2014/main" id="{DF76BEF9-4E5E-B74F-E94A-DFE26B78DD9A}"/>
-                </a:ext>
-              </a:extLst>
-            </p:cNvPr>
-            <p:cNvCxnSpPr/>
-            <p:nvPr/>
-          </p:nvCxnSpPr>
-          <p:spPr>
-            <a:xfrm>
-              <a:off x="2541864" y="3620066"/>
-              <a:ext cx="1371600" cy="0"/>
-            </a:xfrm>
-            <a:prstGeom prst="straightConnector1">
-              <a:avLst/>
-            </a:prstGeom>
-            <a:ln w="38100">
-              <a:solidFill>
-                <a:schemeClr val="tx1"/>
-              </a:solidFill>
-              <a:tailEnd type="triangle"/>
-            </a:ln>
-          </p:spPr>
-          <p:style>
-            <a:lnRef idx="1">
-              <a:schemeClr val="accent1"/>
-            </a:lnRef>
-            <a:fillRef idx="0">
-              <a:schemeClr val="accent1"/>
-            </a:fillRef>
-            <a:effectRef idx="0">
-              <a:schemeClr val="accent1"/>
-            </a:effectRef>
-            <a:fontRef idx="minor">
-              <a:schemeClr val="tx1"/>
-            </a:fontRef>
-          </p:style>
-        </p:cxnSp>
-        <p:grpSp>
-          <p:nvGrpSpPr>
-            <p:cNvPr id="16" name="Group 15">
-              <a:extLst>
-                <a:ext uri="{FF2B5EF4-FFF2-40B4-BE49-F238E27FC236}">
-                  <a16:creationId xmlns:a16="http://schemas.microsoft.com/office/drawing/2014/main" id="{A768E701-9681-D0EC-9B57-8C4C0F7E026E}"/>
-                </a:ext>
-              </a:extLst>
-            </p:cNvPr>
-            <p:cNvGrpSpPr/>
-            <p:nvPr/>
-          </p:nvGrpSpPr>
-          <p:grpSpPr>
-            <a:xfrm>
-              <a:off x="928429" y="2147932"/>
-              <a:ext cx="4730141" cy="2067469"/>
-              <a:chOff x="928429" y="2147932"/>
-              <a:chExt cx="4730141" cy="2067469"/>
-            </a:xfrm>
-          </p:grpSpPr>
-          <p:grpSp>
-            <p:nvGrpSpPr>
-              <p:cNvPr id="9" name="Group 8">
-                <a:extLst>
-                  <a:ext uri="{FF2B5EF4-FFF2-40B4-BE49-F238E27FC236}">
-                    <a16:creationId xmlns:a16="http://schemas.microsoft.com/office/drawing/2014/main" id="{908CCBC9-C6EC-72C6-9C52-2CE3F0983264}"/>
-                  </a:ext>
-                </a:extLst>
-              </p:cNvPr>
-              <p:cNvGrpSpPr/>
-              <p:nvPr/>
-            </p:nvGrpSpPr>
-            <p:grpSpPr>
-              <a:xfrm>
-                <a:off x="928429" y="2147932"/>
-                <a:ext cx="4730141" cy="1457021"/>
-                <a:chOff x="928429" y="2147932"/>
-                <a:chExt cx="4730141" cy="1457021"/>
-              </a:xfrm>
-            </p:grpSpPr>
-            <p:sp>
-              <p:nvSpPr>
-                <p:cNvPr id="8" name="TextBox 7">
-                  <a:extLst>
-                    <a:ext uri="{FF2B5EF4-FFF2-40B4-BE49-F238E27FC236}">
-                      <a16:creationId xmlns:a16="http://schemas.microsoft.com/office/drawing/2014/main" id="{CA41A722-2770-84EB-E68E-F9729598F786}"/>
-                    </a:ext>
-                  </a:extLst>
-                </p:cNvPr>
-                <p:cNvSpPr txBox="1"/>
-                <p:nvPr/>
-              </p:nvSpPr>
-              <p:spPr>
-                <a:xfrm>
-                  <a:off x="2850159" y="3235621"/>
-                  <a:ext cx="755010" cy="369332"/>
-                </a:xfrm>
-                <a:prstGeom prst="rect">
-                  <a:avLst/>
-                </a:prstGeom>
-                <a:noFill/>
-              </p:spPr>
-              <p:txBody>
-                <a:bodyPr wrap="square" rtlCol="0">
-                  <a:spAutoFit/>
-                </a:bodyPr>
-                <a:lstStyle/>
-                <a:p>
-                  <a:r>
-                    <a:rPr lang="en-US" b="1" dirty="0"/>
-                    <a:t>Ingest</a:t>
-                  </a:r>
-                </a:p>
-              </p:txBody>
-            </p:sp>
-            <p:sp>
-              <p:nvSpPr>
-                <p:cNvPr id="10" name="TextBox 9">
-                  <a:extLst>
-                    <a:ext uri="{FF2B5EF4-FFF2-40B4-BE49-F238E27FC236}">
-                      <a16:creationId xmlns:a16="http://schemas.microsoft.com/office/drawing/2014/main" id="{E2FDF0BD-83AE-D9F1-81A0-31678B914984}"/>
-                    </a:ext>
-                  </a:extLst>
-                </p:cNvPr>
-                <p:cNvSpPr txBox="1"/>
-                <p:nvPr/>
-              </p:nvSpPr>
-              <p:spPr>
-                <a:xfrm>
-                  <a:off x="3830195" y="2286431"/>
-                  <a:ext cx="1828375" cy="369332"/>
-                </a:xfrm>
-                <a:prstGeom prst="rect">
-                  <a:avLst/>
-                </a:prstGeom>
-                <a:noFill/>
-              </p:spPr>
-              <p:txBody>
-                <a:bodyPr wrap="square" rtlCol="0">
-                  <a:spAutoFit/>
-                </a:bodyPr>
-                <a:lstStyle/>
-                <a:p>
-                  <a:pPr algn="ctr"/>
-                  <a:r>
-                    <a:rPr lang="en-US" b="1" dirty="0">
-                      <a:solidFill>
-                        <a:srgbClr val="00B0F0"/>
-                      </a:solidFill>
-                    </a:rPr>
-                    <a:t>Raw Data</a:t>
-                  </a:r>
-                </a:p>
-              </p:txBody>
-            </p:sp>
-            <p:sp>
-              <p:nvSpPr>
-                <p:cNvPr id="12" name="TextBox 11">
-                  <a:extLst>
-                    <a:ext uri="{FF2B5EF4-FFF2-40B4-BE49-F238E27FC236}">
-                      <a16:creationId xmlns:a16="http://schemas.microsoft.com/office/drawing/2014/main" id="{515CD831-12F5-187B-A1AF-9C455F3006EA}"/>
-                    </a:ext>
-                  </a:extLst>
-                </p:cNvPr>
-                <p:cNvSpPr txBox="1"/>
-                <p:nvPr/>
-              </p:nvSpPr>
-              <p:spPr>
-                <a:xfrm>
-                  <a:off x="928429" y="2147932"/>
-                  <a:ext cx="1490208" cy="646331"/>
-                </a:xfrm>
-                <a:prstGeom prst="rect">
-                  <a:avLst/>
-                </a:prstGeom>
-                <a:noFill/>
-              </p:spPr>
-              <p:txBody>
-                <a:bodyPr wrap="square" rtlCol="0">
-                  <a:spAutoFit/>
-                </a:bodyPr>
-                <a:lstStyle/>
-                <a:p>
-                  <a:r>
-                    <a:rPr lang="en-US" b="1" dirty="0">
-                      <a:solidFill>
-                        <a:schemeClr val="bg1">
-                          <a:lumMod val="50000"/>
-                        </a:schemeClr>
-                      </a:solidFill>
-                    </a:rPr>
-                    <a:t>External </a:t>
-                  </a:r>
-                </a:p>
-                <a:p>
-                  <a:r>
-                    <a:rPr lang="en-US" b="1" dirty="0">
-                      <a:solidFill>
-                        <a:schemeClr val="bg1">
-                          <a:lumMod val="50000"/>
-                        </a:schemeClr>
-                      </a:solidFill>
-                    </a:rPr>
-                    <a:t>Data Sources</a:t>
-                  </a:r>
-                </a:p>
-              </p:txBody>
-            </p:sp>
-          </p:grpSp>
-          <p:sp>
-            <p:nvSpPr>
-              <p:cNvPr id="11" name="Cylinder 10">
-                <a:extLst>
-                  <a:ext uri="{FF2B5EF4-FFF2-40B4-BE49-F238E27FC236}">
-                    <a16:creationId xmlns:a16="http://schemas.microsoft.com/office/drawing/2014/main" id="{5767EF66-AD05-E496-532B-1D4DC48E8708}"/>
-                  </a:ext>
-                </a:extLst>
-              </p:cNvPr>
-              <p:cNvSpPr/>
-              <p:nvPr/>
-            </p:nvSpPr>
-            <p:spPr>
-              <a:xfrm>
-                <a:off x="1076925" y="3011931"/>
-                <a:ext cx="1193216" cy="1203470"/>
-              </a:xfrm>
-              <a:prstGeom prst="can">
-                <a:avLst/>
-              </a:prstGeom>
-            </p:spPr>
-            <p:style>
-              <a:lnRef idx="2">
-                <a:schemeClr val="accent3">
-                  <a:shade val="15000"/>
-                </a:schemeClr>
-              </a:lnRef>
-              <a:fillRef idx="1">
-                <a:schemeClr val="accent3"/>
-              </a:fillRef>
-              <a:effectRef idx="0">
-                <a:schemeClr val="accent3"/>
-              </a:effectRef>
-              <a:fontRef idx="minor">
-                <a:schemeClr val="lt1"/>
-              </a:fontRef>
-            </p:style>
-            <p:txBody>
-              <a:bodyPr rtlCol="0" anchor="ctr"/>
-              <a:lstStyle/>
-              <a:p>
-                <a:pPr algn="ctr"/>
-                <a:endParaRPr lang="en-US"/>
-              </a:p>
-            </p:txBody>
-          </p:sp>
-          <p:sp>
-            <p:nvSpPr>
-              <p:cNvPr id="15" name="Cylinder 14">
-                <a:extLst>
-                  <a:ext uri="{FF2B5EF4-FFF2-40B4-BE49-F238E27FC236}">
-                    <a16:creationId xmlns:a16="http://schemas.microsoft.com/office/drawing/2014/main" id="{3C6B3473-39FD-020C-E707-CB74CB1D72B3}"/>
-                  </a:ext>
-                </a:extLst>
-              </p:cNvPr>
-              <p:cNvSpPr/>
-              <p:nvPr/>
-            </p:nvSpPr>
-            <p:spPr>
-              <a:xfrm>
-                <a:off x="4147775" y="3003218"/>
-                <a:ext cx="1193216" cy="1203470"/>
-              </a:xfrm>
-              <a:prstGeom prst="can">
-                <a:avLst/>
-              </a:prstGeom>
-              <a:solidFill>
-                <a:srgbClr val="00B0F0"/>
-              </a:solidFill>
-            </p:spPr>
-            <p:style>
-              <a:lnRef idx="2">
-                <a:schemeClr val="accent3">
-                  <a:shade val="15000"/>
-                </a:schemeClr>
-              </a:lnRef>
-              <a:fillRef idx="1">
-                <a:schemeClr val="accent3"/>
-              </a:fillRef>
-              <a:effectRef idx="0">
-                <a:schemeClr val="accent3"/>
-              </a:effectRef>
-              <a:fontRef idx="minor">
-                <a:schemeClr val="lt1"/>
-              </a:fontRef>
-            </p:style>
-            <p:txBody>
-              <a:bodyPr rtlCol="0" anchor="ctr"/>
-              <a:lstStyle/>
-              <a:p>
-                <a:pPr algn="ctr"/>
-                <a:endParaRPr lang="en-US"/>
-              </a:p>
-            </p:txBody>
-          </p:sp>
-        </p:grpSp>
-      </p:grpSp>
       <p:pic>
         <p:nvPicPr>
-          <p:cNvPr id="4" name="Picture 2" descr="FIRN Analytics: Timely Data Solutions &amp; Expert Consultancy">
+          <p:cNvPr id="2050" name="Picture 2" descr="FIRN Analytics: Timely Data Solutions &amp; Expert Consultancy">
             <a:extLst>
               <a:ext uri="{FF2B5EF4-FFF2-40B4-BE49-F238E27FC236}">
-                <a16:creationId xmlns:a16="http://schemas.microsoft.com/office/drawing/2014/main" id="{78C16474-BC39-6A4B-5F8D-68F119208E26}"/>
+                <a16:creationId xmlns:a16="http://schemas.microsoft.com/office/drawing/2014/main" id="{14A52F25-2DAE-5DA7-4039-D4DC6699D305}"/>
               </a:ext>
             </a:extLst>
           </p:cNvPr>
@@ -9372,10 +11853,98 @@
           </a:extLst>
         </p:spPr>
       </p:pic>
+      <p:grpSp>
+        <p:nvGrpSpPr>
+          <p:cNvPr id="5" name="Group 4">
+            <a:extLst>
+              <a:ext uri="{FF2B5EF4-FFF2-40B4-BE49-F238E27FC236}">
+                <a16:creationId xmlns:a16="http://schemas.microsoft.com/office/drawing/2014/main" id="{16462829-88F8-5DE8-35B0-AF7C8DBA4A27}"/>
+              </a:ext>
+            </a:extLst>
+          </p:cNvPr>
+          <p:cNvGrpSpPr/>
+          <p:nvPr/>
+        </p:nvGrpSpPr>
+        <p:grpSpPr>
+          <a:xfrm>
+            <a:off x="2832167" y="1678659"/>
+            <a:ext cx="6527666" cy="3389123"/>
+            <a:chOff x="2832167" y="1678659"/>
+            <a:chExt cx="6527666" cy="3389123"/>
+          </a:xfrm>
+        </p:grpSpPr>
+        <p:pic>
+          <p:nvPicPr>
+            <p:cNvPr id="7" name="Picture 6">
+              <a:extLst>
+                <a:ext uri="{FF2B5EF4-FFF2-40B4-BE49-F238E27FC236}">
+                  <a16:creationId xmlns:a16="http://schemas.microsoft.com/office/drawing/2014/main" id="{C32F92D7-B075-A6EE-1F32-15436DDFB9A6}"/>
+                </a:ext>
+              </a:extLst>
+            </p:cNvPr>
+            <p:cNvPicPr>
+              <a:picLocks noChangeAspect="1"/>
+            </p:cNvPicPr>
+            <p:nvPr/>
+          </p:nvPicPr>
+          <p:blipFill>
+            <a:blip r:embed="rId3"/>
+            <a:stretch>
+              <a:fillRect/>
+            </a:stretch>
+          </p:blipFill>
+          <p:spPr>
+            <a:xfrm>
+              <a:off x="2832167" y="1790217"/>
+              <a:ext cx="6527666" cy="3277565"/>
+            </a:xfrm>
+            <a:prstGeom prst="rect">
+              <a:avLst/>
+            </a:prstGeom>
+          </p:spPr>
+        </p:pic>
+        <p:sp>
+          <p:nvSpPr>
+            <p:cNvPr id="8" name="TextBox 7">
+              <a:extLst>
+                <a:ext uri="{FF2B5EF4-FFF2-40B4-BE49-F238E27FC236}">
+                  <a16:creationId xmlns:a16="http://schemas.microsoft.com/office/drawing/2014/main" id="{F294587B-4A16-F122-A42C-47240B657BE2}"/>
+                </a:ext>
+              </a:extLst>
+            </p:cNvPr>
+            <p:cNvSpPr txBox="1"/>
+            <p:nvPr/>
+          </p:nvSpPr>
+          <p:spPr>
+            <a:xfrm>
+              <a:off x="4072468" y="1678659"/>
+              <a:ext cx="1303869" cy="1005840"/>
+            </a:xfrm>
+            <a:prstGeom prst="rect">
+              <a:avLst/>
+            </a:prstGeom>
+            <a:noFill/>
+            <a:ln w="38100">
+              <a:solidFill>
+                <a:srgbClr val="7030A0"/>
+              </a:solidFill>
+            </a:ln>
+          </p:spPr>
+          <p:txBody>
+            <a:bodyPr wrap="square" rtlCol="0">
+              <a:spAutoFit/>
+            </a:bodyPr>
+            <a:lstStyle/>
+            <a:p>
+              <a:endParaRPr lang="en-US" dirty="0"/>
+            </a:p>
+          </p:txBody>
+        </p:sp>
+      </p:grpSp>
     </p:spTree>
     <p:extLst>
       <p:ext uri="{BB962C8B-B14F-4D97-AF65-F5344CB8AC3E}">
-        <p14:creationId xmlns:p14="http://schemas.microsoft.com/office/powerpoint/2010/main" val="3656029833"/>
+        <p14:creationId xmlns:p14="http://schemas.microsoft.com/office/powerpoint/2010/main" val="173227426"/>
       </p:ext>
     </p:extLst>
   </p:cSld>
@@ -9385,7 +11954,7 @@
 </p:sld>
 </file>
 
-<file path=ppt/slides/slide4.xml><?xml version="1.0" encoding="utf-8"?>
+<file path=ppt/slides/slide6.xml><?xml version="1.0" encoding="utf-8"?>
 <p:sld xmlns:a="http://schemas.openxmlformats.org/drawingml/2006/main" xmlns:r="http://schemas.openxmlformats.org/officeDocument/2006/relationships" xmlns:p="http://schemas.openxmlformats.org/presentationml/2006/main">
   <p:cSld>
     <p:spTree>
@@ -9438,619 +12007,7 @@
                 </a:solidFill>
                 <a:latin typeface="Calisto MT" panose="02040603050505030304" pitchFamily="18" charset="0"/>
               </a:rPr>
-              <a:t>Technical Architecture - Abstract</a:t>
-            </a:r>
-          </a:p>
-        </p:txBody>
-      </p:sp>
-      <p:grpSp>
-        <p:nvGrpSpPr>
-          <p:cNvPr id="17" name="Group 16">
-            <a:extLst>
-              <a:ext uri="{FF2B5EF4-FFF2-40B4-BE49-F238E27FC236}">
-                <a16:creationId xmlns:a16="http://schemas.microsoft.com/office/drawing/2014/main" id="{91A1B3E5-A92F-389C-8D76-21B551B2C3EB}"/>
-              </a:ext>
-            </a:extLst>
-          </p:cNvPr>
-          <p:cNvGrpSpPr/>
-          <p:nvPr/>
-        </p:nvGrpSpPr>
-        <p:grpSpPr>
-          <a:xfrm>
-            <a:off x="928429" y="2147932"/>
-            <a:ext cx="7837540" cy="2067469"/>
-            <a:chOff x="928429" y="2147932"/>
-            <a:chExt cx="7837540" cy="2067469"/>
-          </a:xfrm>
-        </p:grpSpPr>
-        <p:cxnSp>
-          <p:nvCxnSpPr>
-            <p:cNvPr id="14" name="Straight Arrow Connector 13">
-              <a:extLst>
-                <a:ext uri="{FF2B5EF4-FFF2-40B4-BE49-F238E27FC236}">
-                  <a16:creationId xmlns:a16="http://schemas.microsoft.com/office/drawing/2014/main" id="{DF76BEF9-4E5E-B74F-E94A-DFE26B78DD9A}"/>
-                </a:ext>
-              </a:extLst>
-            </p:cNvPr>
-            <p:cNvCxnSpPr/>
-            <p:nvPr/>
-          </p:nvCxnSpPr>
-          <p:spPr>
-            <a:xfrm>
-              <a:off x="2541864" y="3620066"/>
-              <a:ext cx="1371600" cy="0"/>
-            </a:xfrm>
-            <a:prstGeom prst="straightConnector1">
-              <a:avLst/>
-            </a:prstGeom>
-            <a:ln w="38100">
-              <a:solidFill>
-                <a:schemeClr val="tx1"/>
-              </a:solidFill>
-              <a:tailEnd type="triangle"/>
-            </a:ln>
-          </p:spPr>
-          <p:style>
-            <a:lnRef idx="1">
-              <a:schemeClr val="accent1"/>
-            </a:lnRef>
-            <a:fillRef idx="0">
-              <a:schemeClr val="accent1"/>
-            </a:fillRef>
-            <a:effectRef idx="0">
-              <a:schemeClr val="accent1"/>
-            </a:effectRef>
-            <a:fontRef idx="minor">
-              <a:schemeClr val="tx1"/>
-            </a:fontRef>
-          </p:style>
-        </p:cxnSp>
-        <p:grpSp>
-          <p:nvGrpSpPr>
-            <p:cNvPr id="16" name="Group 15">
-              <a:extLst>
-                <a:ext uri="{FF2B5EF4-FFF2-40B4-BE49-F238E27FC236}">
-                  <a16:creationId xmlns:a16="http://schemas.microsoft.com/office/drawing/2014/main" id="{A768E701-9681-D0EC-9B57-8C4C0F7E026E}"/>
-                </a:ext>
-              </a:extLst>
-            </p:cNvPr>
-            <p:cNvGrpSpPr/>
-            <p:nvPr/>
-          </p:nvGrpSpPr>
-          <p:grpSpPr>
-            <a:xfrm>
-              <a:off x="928429" y="2147932"/>
-              <a:ext cx="7837540" cy="2067469"/>
-              <a:chOff x="928429" y="2147932"/>
-              <a:chExt cx="7837540" cy="2067469"/>
-            </a:xfrm>
-          </p:grpSpPr>
-          <p:grpSp>
-            <p:nvGrpSpPr>
-              <p:cNvPr id="9" name="Group 8">
-                <a:extLst>
-                  <a:ext uri="{FF2B5EF4-FFF2-40B4-BE49-F238E27FC236}">
-                    <a16:creationId xmlns:a16="http://schemas.microsoft.com/office/drawing/2014/main" id="{908CCBC9-C6EC-72C6-9C52-2CE3F0983264}"/>
-                  </a:ext>
-                </a:extLst>
-              </p:cNvPr>
-              <p:cNvGrpSpPr/>
-              <p:nvPr/>
-            </p:nvGrpSpPr>
-            <p:grpSpPr>
-              <a:xfrm>
-                <a:off x="928429" y="2147932"/>
-                <a:ext cx="7837540" cy="1465734"/>
-                <a:chOff x="928429" y="2147932"/>
-                <a:chExt cx="7837540" cy="1465734"/>
-              </a:xfrm>
-            </p:grpSpPr>
-            <p:sp>
-              <p:nvSpPr>
-                <p:cNvPr id="8" name="TextBox 7">
-                  <a:extLst>
-                    <a:ext uri="{FF2B5EF4-FFF2-40B4-BE49-F238E27FC236}">
-                      <a16:creationId xmlns:a16="http://schemas.microsoft.com/office/drawing/2014/main" id="{CA41A722-2770-84EB-E68E-F9729598F786}"/>
-                    </a:ext>
-                  </a:extLst>
-                </p:cNvPr>
-                <p:cNvSpPr txBox="1"/>
-                <p:nvPr/>
-              </p:nvSpPr>
-              <p:spPr>
-                <a:xfrm>
-                  <a:off x="2850159" y="3235621"/>
-                  <a:ext cx="755010" cy="369332"/>
-                </a:xfrm>
-                <a:prstGeom prst="rect">
-                  <a:avLst/>
-                </a:prstGeom>
-                <a:noFill/>
-              </p:spPr>
-              <p:txBody>
-                <a:bodyPr wrap="square" rtlCol="0">
-                  <a:spAutoFit/>
-                </a:bodyPr>
-                <a:lstStyle/>
-                <a:p>
-                  <a:r>
-                    <a:rPr lang="en-US" b="1" dirty="0"/>
-                    <a:t>Ingest</a:t>
-                  </a:r>
-                </a:p>
-              </p:txBody>
-            </p:sp>
-            <p:sp>
-              <p:nvSpPr>
-                <p:cNvPr id="10" name="TextBox 9">
-                  <a:extLst>
-                    <a:ext uri="{FF2B5EF4-FFF2-40B4-BE49-F238E27FC236}">
-                      <a16:creationId xmlns:a16="http://schemas.microsoft.com/office/drawing/2014/main" id="{E2FDF0BD-83AE-D9F1-81A0-31678B914984}"/>
-                    </a:ext>
-                  </a:extLst>
-                </p:cNvPr>
-                <p:cNvSpPr txBox="1"/>
-                <p:nvPr/>
-              </p:nvSpPr>
-              <p:spPr>
-                <a:xfrm>
-                  <a:off x="3830195" y="2286431"/>
-                  <a:ext cx="1828375" cy="369332"/>
-                </a:xfrm>
-                <a:prstGeom prst="rect">
-                  <a:avLst/>
-                </a:prstGeom>
-                <a:noFill/>
-              </p:spPr>
-              <p:txBody>
-                <a:bodyPr wrap="square" rtlCol="0">
-                  <a:spAutoFit/>
-                </a:bodyPr>
-                <a:lstStyle/>
-                <a:p>
-                  <a:pPr algn="ctr"/>
-                  <a:r>
-                    <a:rPr lang="en-US" b="1" dirty="0">
-                      <a:solidFill>
-                        <a:srgbClr val="00B0F0"/>
-                      </a:solidFill>
-                    </a:rPr>
-                    <a:t>Raw Data</a:t>
-                  </a:r>
-                </a:p>
-              </p:txBody>
-            </p:sp>
-            <p:sp>
-              <p:nvSpPr>
-                <p:cNvPr id="12" name="TextBox 11">
-                  <a:extLst>
-                    <a:ext uri="{FF2B5EF4-FFF2-40B4-BE49-F238E27FC236}">
-                      <a16:creationId xmlns:a16="http://schemas.microsoft.com/office/drawing/2014/main" id="{515CD831-12F5-187B-A1AF-9C455F3006EA}"/>
-                    </a:ext>
-                  </a:extLst>
-                </p:cNvPr>
-                <p:cNvSpPr txBox="1"/>
-                <p:nvPr/>
-              </p:nvSpPr>
-              <p:spPr>
-                <a:xfrm>
-                  <a:off x="928429" y="2147932"/>
-                  <a:ext cx="1490208" cy="646331"/>
-                </a:xfrm>
-                <a:prstGeom prst="rect">
-                  <a:avLst/>
-                </a:prstGeom>
-                <a:noFill/>
-              </p:spPr>
-              <p:txBody>
-                <a:bodyPr wrap="square" rtlCol="0">
-                  <a:spAutoFit/>
-                </a:bodyPr>
-                <a:lstStyle/>
-                <a:p>
-                  <a:r>
-                    <a:rPr lang="en-US" b="1" dirty="0">
-                      <a:solidFill>
-                        <a:schemeClr val="bg1">
-                          <a:lumMod val="50000"/>
-                        </a:schemeClr>
-                      </a:solidFill>
-                    </a:rPr>
-                    <a:t>External </a:t>
-                  </a:r>
-                </a:p>
-                <a:p>
-                  <a:r>
-                    <a:rPr lang="en-US" b="1" dirty="0">
-                      <a:solidFill>
-                        <a:schemeClr val="bg1">
-                          <a:lumMod val="50000"/>
-                        </a:schemeClr>
-                      </a:solidFill>
-                    </a:rPr>
-                    <a:t>Data Sources</a:t>
-                  </a:r>
-                </a:p>
-              </p:txBody>
-            </p:sp>
-            <p:sp>
-              <p:nvSpPr>
-                <p:cNvPr id="19" name="TextBox 18">
-                  <a:extLst>
-                    <a:ext uri="{FF2B5EF4-FFF2-40B4-BE49-F238E27FC236}">
-                      <a16:creationId xmlns:a16="http://schemas.microsoft.com/office/drawing/2014/main" id="{D18C7EA6-A224-D84A-B112-C70B9B775B00}"/>
-                    </a:ext>
-                  </a:extLst>
-                </p:cNvPr>
-                <p:cNvSpPr txBox="1"/>
-                <p:nvPr/>
-              </p:nvSpPr>
-              <p:spPr>
-                <a:xfrm>
-                  <a:off x="5798603" y="3244334"/>
-                  <a:ext cx="906382" cy="369332"/>
-                </a:xfrm>
-                <a:prstGeom prst="rect">
-                  <a:avLst/>
-                </a:prstGeom>
-                <a:noFill/>
-              </p:spPr>
-              <p:txBody>
-                <a:bodyPr wrap="square" rtlCol="0">
-                  <a:spAutoFit/>
-                </a:bodyPr>
-                <a:lstStyle/>
-                <a:p>
-                  <a:r>
-                    <a:rPr lang="en-US" b="1" dirty="0"/>
-                    <a:t>Process</a:t>
-                  </a:r>
-                </a:p>
-              </p:txBody>
-            </p:sp>
-            <p:sp>
-              <p:nvSpPr>
-                <p:cNvPr id="20" name="TextBox 19">
-                  <a:extLst>
-                    <a:ext uri="{FF2B5EF4-FFF2-40B4-BE49-F238E27FC236}">
-                      <a16:creationId xmlns:a16="http://schemas.microsoft.com/office/drawing/2014/main" id="{F594FB8F-781D-1E7D-F0F9-B0F340C83D14}"/>
-                    </a:ext>
-                  </a:extLst>
-                </p:cNvPr>
-                <p:cNvSpPr txBox="1"/>
-                <p:nvPr/>
-              </p:nvSpPr>
-              <p:spPr>
-                <a:xfrm>
-                  <a:off x="6937594" y="2286431"/>
-                  <a:ext cx="1828375" cy="369332"/>
-                </a:xfrm>
-                <a:prstGeom prst="rect">
-                  <a:avLst/>
-                </a:prstGeom>
-                <a:noFill/>
-              </p:spPr>
-              <p:txBody>
-                <a:bodyPr wrap="square" rtlCol="0">
-                  <a:spAutoFit/>
-                </a:bodyPr>
-                <a:lstStyle/>
-                <a:p>
-                  <a:pPr algn="ctr"/>
-                  <a:r>
-                    <a:rPr lang="en-US" b="1" dirty="0">
-                      <a:solidFill>
-                        <a:srgbClr val="00B0F0"/>
-                      </a:solidFill>
-                    </a:rPr>
-                    <a:t>Prepared Data</a:t>
-                  </a:r>
-                </a:p>
-              </p:txBody>
-            </p:sp>
-          </p:grpSp>
-          <p:sp>
-            <p:nvSpPr>
-              <p:cNvPr id="11" name="Cylinder 10">
-                <a:extLst>
-                  <a:ext uri="{FF2B5EF4-FFF2-40B4-BE49-F238E27FC236}">
-                    <a16:creationId xmlns:a16="http://schemas.microsoft.com/office/drawing/2014/main" id="{5767EF66-AD05-E496-532B-1D4DC48E8708}"/>
-                  </a:ext>
-                </a:extLst>
-              </p:cNvPr>
-              <p:cNvSpPr/>
-              <p:nvPr/>
-            </p:nvSpPr>
-            <p:spPr>
-              <a:xfrm>
-                <a:off x="1076925" y="3011931"/>
-                <a:ext cx="1193216" cy="1203470"/>
-              </a:xfrm>
-              <a:prstGeom prst="can">
-                <a:avLst/>
-              </a:prstGeom>
-            </p:spPr>
-            <p:style>
-              <a:lnRef idx="2">
-                <a:schemeClr val="accent3">
-                  <a:shade val="15000"/>
-                </a:schemeClr>
-              </a:lnRef>
-              <a:fillRef idx="1">
-                <a:schemeClr val="accent3"/>
-              </a:fillRef>
-              <a:effectRef idx="0">
-                <a:schemeClr val="accent3"/>
-              </a:effectRef>
-              <a:fontRef idx="minor">
-                <a:schemeClr val="lt1"/>
-              </a:fontRef>
-            </p:style>
-            <p:txBody>
-              <a:bodyPr rtlCol="0" anchor="ctr"/>
-              <a:lstStyle/>
-              <a:p>
-                <a:pPr algn="ctr"/>
-                <a:endParaRPr lang="en-US"/>
-              </a:p>
-            </p:txBody>
-          </p:sp>
-          <p:sp>
-            <p:nvSpPr>
-              <p:cNvPr id="15" name="Cylinder 14">
-                <a:extLst>
-                  <a:ext uri="{FF2B5EF4-FFF2-40B4-BE49-F238E27FC236}">
-                    <a16:creationId xmlns:a16="http://schemas.microsoft.com/office/drawing/2014/main" id="{3C6B3473-39FD-020C-E707-CB74CB1D72B3}"/>
-                  </a:ext>
-                </a:extLst>
-              </p:cNvPr>
-              <p:cNvSpPr/>
-              <p:nvPr/>
-            </p:nvSpPr>
-            <p:spPr>
-              <a:xfrm>
-                <a:off x="4147775" y="3003218"/>
-                <a:ext cx="1193216" cy="1203470"/>
-              </a:xfrm>
-              <a:prstGeom prst="can">
-                <a:avLst/>
-              </a:prstGeom>
-              <a:solidFill>
-                <a:srgbClr val="00B0F0"/>
-              </a:solidFill>
-            </p:spPr>
-            <p:style>
-              <a:lnRef idx="2">
-                <a:schemeClr val="accent3">
-                  <a:shade val="15000"/>
-                </a:schemeClr>
-              </a:lnRef>
-              <a:fillRef idx="1">
-                <a:schemeClr val="accent3"/>
-              </a:fillRef>
-              <a:effectRef idx="0">
-                <a:schemeClr val="accent3"/>
-              </a:effectRef>
-              <a:fontRef idx="minor">
-                <a:schemeClr val="lt1"/>
-              </a:fontRef>
-            </p:style>
-            <p:txBody>
-              <a:bodyPr rtlCol="0" anchor="ctr"/>
-              <a:lstStyle/>
-              <a:p>
-                <a:pPr algn="ctr"/>
-                <a:endParaRPr lang="en-US"/>
-              </a:p>
-            </p:txBody>
-          </p:sp>
-          <p:sp>
-            <p:nvSpPr>
-              <p:cNvPr id="21" name="Cylinder 20">
-                <a:extLst>
-                  <a:ext uri="{FF2B5EF4-FFF2-40B4-BE49-F238E27FC236}">
-                    <a16:creationId xmlns:a16="http://schemas.microsoft.com/office/drawing/2014/main" id="{5BC85D68-A3BB-AA7C-92FC-0EEF0436A1E2}"/>
-                  </a:ext>
-                </a:extLst>
-              </p:cNvPr>
-              <p:cNvSpPr/>
-              <p:nvPr/>
-            </p:nvSpPr>
-            <p:spPr>
-              <a:xfrm>
-                <a:off x="7162597" y="3003218"/>
-                <a:ext cx="1193216" cy="1203470"/>
-              </a:xfrm>
-              <a:prstGeom prst="can">
-                <a:avLst/>
-              </a:prstGeom>
-              <a:solidFill>
-                <a:srgbClr val="00B0F0"/>
-              </a:solidFill>
-            </p:spPr>
-            <p:style>
-              <a:lnRef idx="2">
-                <a:schemeClr val="accent3">
-                  <a:shade val="15000"/>
-                </a:schemeClr>
-              </a:lnRef>
-              <a:fillRef idx="1">
-                <a:schemeClr val="accent3"/>
-              </a:fillRef>
-              <a:effectRef idx="0">
-                <a:schemeClr val="accent3"/>
-              </a:effectRef>
-              <a:fontRef idx="minor">
-                <a:schemeClr val="lt1"/>
-              </a:fontRef>
-            </p:style>
-            <p:txBody>
-              <a:bodyPr rtlCol="0" anchor="ctr"/>
-              <a:lstStyle/>
-              <a:p>
-                <a:pPr algn="ctr"/>
-                <a:endParaRPr lang="en-US"/>
-              </a:p>
-            </p:txBody>
-          </p:sp>
-        </p:grpSp>
-        <p:cxnSp>
-          <p:nvCxnSpPr>
-            <p:cNvPr id="18" name="Straight Arrow Connector 17">
-              <a:extLst>
-                <a:ext uri="{FF2B5EF4-FFF2-40B4-BE49-F238E27FC236}">
-                  <a16:creationId xmlns:a16="http://schemas.microsoft.com/office/drawing/2014/main" id="{B6A8762F-DBBF-FF7F-3EFB-39B93FA0F07D}"/>
-                </a:ext>
-              </a:extLst>
-            </p:cNvPr>
-            <p:cNvCxnSpPr/>
-            <p:nvPr/>
-          </p:nvCxnSpPr>
-          <p:spPr>
-            <a:xfrm>
-              <a:off x="5565994" y="3628455"/>
-              <a:ext cx="1371600" cy="0"/>
-            </a:xfrm>
-            <a:prstGeom prst="straightConnector1">
-              <a:avLst/>
-            </a:prstGeom>
-            <a:ln w="38100">
-              <a:solidFill>
-                <a:schemeClr val="tx1"/>
-              </a:solidFill>
-              <a:tailEnd type="triangle"/>
-            </a:ln>
-          </p:spPr>
-          <p:style>
-            <a:lnRef idx="1">
-              <a:schemeClr val="accent1"/>
-            </a:lnRef>
-            <a:fillRef idx="0">
-              <a:schemeClr val="accent1"/>
-            </a:fillRef>
-            <a:effectRef idx="0">
-              <a:schemeClr val="accent1"/>
-            </a:effectRef>
-            <a:fontRef idx="minor">
-              <a:schemeClr val="tx1"/>
-            </a:fontRef>
-          </p:style>
-        </p:cxnSp>
-      </p:grpSp>
-      <p:pic>
-        <p:nvPicPr>
-          <p:cNvPr id="4" name="Picture 2" descr="FIRN Analytics: Timely Data Solutions &amp; Expert Consultancy">
-            <a:extLst>
-              <a:ext uri="{FF2B5EF4-FFF2-40B4-BE49-F238E27FC236}">
-                <a16:creationId xmlns:a16="http://schemas.microsoft.com/office/drawing/2014/main" id="{F3F27890-89B1-97BE-4C9E-C020FC7B6D04}"/>
-              </a:ext>
-            </a:extLst>
-          </p:cNvPr>
-          <p:cNvPicPr>
-            <a:picLocks noChangeAspect="1" noChangeArrowheads="1"/>
-          </p:cNvPicPr>
-          <p:nvPr/>
-        </p:nvPicPr>
-        <p:blipFill>
-          <a:blip r:embed="rId2">
-            <a:extLst>
-              <a:ext uri="{28A0092B-C50C-407E-A947-70E740481C1C}">
-                <a14:useLocalDpi xmlns:a14="http://schemas.microsoft.com/office/drawing/2010/main" val="0"/>
-              </a:ext>
-            </a:extLst>
-          </a:blip>
-          <a:srcRect/>
-          <a:stretch>
-            <a:fillRect/>
-          </a:stretch>
-        </p:blipFill>
-        <p:spPr bwMode="auto">
-          <a:xfrm>
-            <a:off x="11182350" y="5848350"/>
-            <a:ext cx="1009650" cy="1009650"/>
-          </a:xfrm>
-          <a:prstGeom prst="rect">
-            <a:avLst/>
-          </a:prstGeom>
-          <a:noFill/>
-          <a:extLst>
-            <a:ext uri="{909E8E84-426E-40DD-AFC4-6F175D3DCCD1}">
-              <a14:hiddenFill xmlns:a14="http://schemas.microsoft.com/office/drawing/2010/main">
-                <a:solidFill>
-                  <a:srgbClr val="FFFFFF"/>
-                </a:solidFill>
-              </a14:hiddenFill>
-            </a:ext>
-          </a:extLst>
-        </p:spPr>
-      </p:pic>
-    </p:spTree>
-    <p:extLst>
-      <p:ext uri="{BB962C8B-B14F-4D97-AF65-F5344CB8AC3E}">
-        <p14:creationId xmlns:p14="http://schemas.microsoft.com/office/powerpoint/2010/main" val="274940643"/>
-      </p:ext>
-    </p:extLst>
-  </p:cSld>
-  <p:clrMapOvr>
-    <a:masterClrMapping/>
-  </p:clrMapOvr>
-</p:sld>
-</file>
-
-<file path=ppt/slides/slide5.xml><?xml version="1.0" encoding="utf-8"?>
-<p:sld xmlns:a="http://schemas.openxmlformats.org/drawingml/2006/main" xmlns:r="http://schemas.openxmlformats.org/officeDocument/2006/relationships" xmlns:p="http://schemas.openxmlformats.org/presentationml/2006/main">
-  <p:cSld>
-    <p:spTree>
-      <p:nvGrpSpPr>
-        <p:cNvPr id="1" name=""/>
-        <p:cNvGrpSpPr/>
-        <p:nvPr/>
-      </p:nvGrpSpPr>
-      <p:grpSpPr>
-        <a:xfrm>
-          <a:off x="0" y="0"/>
-          <a:ext cx="0" cy="0"/>
-          <a:chOff x="0" y="0"/>
-          <a:chExt cx="0" cy="0"/>
-        </a:xfrm>
-      </p:grpSpPr>
-      <p:sp>
-        <p:nvSpPr>
-          <p:cNvPr id="2" name="TextBox 1">
-            <a:extLst>
-              <a:ext uri="{FF2B5EF4-FFF2-40B4-BE49-F238E27FC236}">
-                <a16:creationId xmlns:a16="http://schemas.microsoft.com/office/drawing/2014/main" id="{15726383-B407-319E-030C-10F657ACC3A3}"/>
-              </a:ext>
-            </a:extLst>
-          </p:cNvPr>
-          <p:cNvSpPr txBox="1"/>
-          <p:nvPr/>
-        </p:nvSpPr>
-        <p:spPr>
-          <a:xfrm>
-            <a:off x="0" y="323165"/>
-            <a:ext cx="12192000" cy="646331"/>
-          </a:xfrm>
-          <a:prstGeom prst="rect">
-            <a:avLst/>
-          </a:prstGeom>
-          <a:noFill/>
-        </p:spPr>
-        <p:txBody>
-          <a:bodyPr wrap="square" rtlCol="0">
-            <a:spAutoFit/>
-          </a:bodyPr>
-          <a:lstStyle/>
-          <a:p>
-            <a:pPr algn="ctr"/>
-            <a:r>
-              <a:rPr lang="en-US" sz="3600" i="1" dirty="0">
-                <a:solidFill>
-                  <a:srgbClr val="7030A0"/>
-                </a:solidFill>
-                <a:latin typeface="Calisto MT" panose="02040603050505030304" pitchFamily="18" charset="0"/>
-              </a:rPr>
-              <a:t>Technical Architecture - Abstract</a:t>
+              <a:t>Technical Architecture Design</a:t>
             </a:r>
           </a:p>
         </p:txBody>
@@ -10795,7 +12752,7 @@
 </p:sld>
 </file>
 
-<file path=ppt/slides/slide6.xml><?xml version="1.0" encoding="utf-8"?>
+<file path=ppt/slides/slide7.xml><?xml version="1.0" encoding="utf-8"?>
 <p:sld xmlns:a="http://schemas.openxmlformats.org/drawingml/2006/main" xmlns:r="http://schemas.openxmlformats.org/officeDocument/2006/relationships" xmlns:p="http://schemas.openxmlformats.org/presentationml/2006/main">
   <p:cSld>
     <p:spTree>
@@ -10848,7 +12805,213 @@
                 </a:solidFill>
                 <a:latin typeface="Calisto MT" panose="02040603050505030304" pitchFamily="18" charset="0"/>
               </a:rPr>
-              <a:t>Technical Architecture - Products</a:t>
+              <a:t>Product Selection &amp; Installation</a:t>
+            </a:r>
+          </a:p>
+        </p:txBody>
+      </p:sp>
+      <p:pic>
+        <p:nvPicPr>
+          <p:cNvPr id="2050" name="Picture 2" descr="FIRN Analytics: Timely Data Solutions &amp; Expert Consultancy">
+            <a:extLst>
+              <a:ext uri="{FF2B5EF4-FFF2-40B4-BE49-F238E27FC236}">
+                <a16:creationId xmlns:a16="http://schemas.microsoft.com/office/drawing/2014/main" id="{14A52F25-2DAE-5DA7-4039-D4DC6699D305}"/>
+              </a:ext>
+            </a:extLst>
+          </p:cNvPr>
+          <p:cNvPicPr>
+            <a:picLocks noChangeAspect="1" noChangeArrowheads="1"/>
+          </p:cNvPicPr>
+          <p:nvPr/>
+        </p:nvPicPr>
+        <p:blipFill>
+          <a:blip r:embed="rId2">
+            <a:extLst>
+              <a:ext uri="{28A0092B-C50C-407E-A947-70E740481C1C}">
+                <a14:useLocalDpi xmlns:a14="http://schemas.microsoft.com/office/drawing/2010/main" val="0"/>
+              </a:ext>
+            </a:extLst>
+          </a:blip>
+          <a:srcRect/>
+          <a:stretch>
+            <a:fillRect/>
+          </a:stretch>
+        </p:blipFill>
+        <p:spPr bwMode="auto">
+          <a:xfrm>
+            <a:off x="11182350" y="5848350"/>
+            <a:ext cx="1009650" cy="1009650"/>
+          </a:xfrm>
+          <a:prstGeom prst="rect">
+            <a:avLst/>
+          </a:prstGeom>
+          <a:noFill/>
+          <a:extLst>
+            <a:ext uri="{909E8E84-426E-40DD-AFC4-6F175D3DCCD1}">
+              <a14:hiddenFill xmlns:a14="http://schemas.microsoft.com/office/drawing/2010/main">
+                <a:solidFill>
+                  <a:srgbClr val="FFFFFF"/>
+                </a:solidFill>
+              </a14:hiddenFill>
+            </a:ext>
+          </a:extLst>
+        </p:spPr>
+      </p:pic>
+      <p:grpSp>
+        <p:nvGrpSpPr>
+          <p:cNvPr id="5" name="Group 4">
+            <a:extLst>
+              <a:ext uri="{FF2B5EF4-FFF2-40B4-BE49-F238E27FC236}">
+                <a16:creationId xmlns:a16="http://schemas.microsoft.com/office/drawing/2014/main" id="{DD0D341F-7D5B-4E5C-05E7-75F7994CEBD4}"/>
+              </a:ext>
+            </a:extLst>
+          </p:cNvPr>
+          <p:cNvGrpSpPr/>
+          <p:nvPr/>
+        </p:nvGrpSpPr>
+        <p:grpSpPr>
+          <a:xfrm>
+            <a:off x="2832167" y="1678659"/>
+            <a:ext cx="6527666" cy="3389123"/>
+            <a:chOff x="2832167" y="1678659"/>
+            <a:chExt cx="6527666" cy="3389123"/>
+          </a:xfrm>
+        </p:grpSpPr>
+        <p:pic>
+          <p:nvPicPr>
+            <p:cNvPr id="7" name="Picture 6">
+              <a:extLst>
+                <a:ext uri="{FF2B5EF4-FFF2-40B4-BE49-F238E27FC236}">
+                  <a16:creationId xmlns:a16="http://schemas.microsoft.com/office/drawing/2014/main" id="{0D5AFF18-2EDE-A6AE-48B2-0B48DDFF3112}"/>
+                </a:ext>
+              </a:extLst>
+            </p:cNvPr>
+            <p:cNvPicPr>
+              <a:picLocks noChangeAspect="1"/>
+            </p:cNvPicPr>
+            <p:nvPr/>
+          </p:nvPicPr>
+          <p:blipFill>
+            <a:blip r:embed="rId3"/>
+            <a:stretch>
+              <a:fillRect/>
+            </a:stretch>
+          </p:blipFill>
+          <p:spPr>
+            <a:xfrm>
+              <a:off x="2832167" y="1790217"/>
+              <a:ext cx="6527666" cy="3277565"/>
+            </a:xfrm>
+            <a:prstGeom prst="rect">
+              <a:avLst/>
+            </a:prstGeom>
+          </p:spPr>
+        </p:pic>
+        <p:sp>
+          <p:nvSpPr>
+            <p:cNvPr id="8" name="TextBox 7">
+              <a:extLst>
+                <a:ext uri="{FF2B5EF4-FFF2-40B4-BE49-F238E27FC236}">
+                  <a16:creationId xmlns:a16="http://schemas.microsoft.com/office/drawing/2014/main" id="{E3BED74D-9312-7D22-506A-C3E8EDC31483}"/>
+                </a:ext>
+              </a:extLst>
+            </p:cNvPr>
+            <p:cNvSpPr txBox="1"/>
+            <p:nvPr/>
+          </p:nvSpPr>
+          <p:spPr>
+            <a:xfrm>
+              <a:off x="5384802" y="1678659"/>
+              <a:ext cx="1303869" cy="1005840"/>
+            </a:xfrm>
+            <a:prstGeom prst="rect">
+              <a:avLst/>
+            </a:prstGeom>
+            <a:noFill/>
+            <a:ln w="38100">
+              <a:solidFill>
+                <a:srgbClr val="7030A0"/>
+              </a:solidFill>
+            </a:ln>
+          </p:spPr>
+          <p:txBody>
+            <a:bodyPr wrap="square" rtlCol="0">
+              <a:spAutoFit/>
+            </a:bodyPr>
+            <a:lstStyle/>
+            <a:p>
+              <a:endParaRPr lang="en-US" dirty="0"/>
+            </a:p>
+          </p:txBody>
+        </p:sp>
+      </p:grpSp>
+    </p:spTree>
+    <p:extLst>
+      <p:ext uri="{BB962C8B-B14F-4D97-AF65-F5344CB8AC3E}">
+        <p14:creationId xmlns:p14="http://schemas.microsoft.com/office/powerpoint/2010/main" val="246183806"/>
+      </p:ext>
+    </p:extLst>
+  </p:cSld>
+  <p:clrMapOvr>
+    <a:masterClrMapping/>
+  </p:clrMapOvr>
+</p:sld>
+</file>
+
+<file path=ppt/slides/slide8.xml><?xml version="1.0" encoding="utf-8"?>
+<p:sld xmlns:a="http://schemas.openxmlformats.org/drawingml/2006/main" xmlns:r="http://schemas.openxmlformats.org/officeDocument/2006/relationships" xmlns:p="http://schemas.openxmlformats.org/presentationml/2006/main">
+  <p:cSld>
+    <p:spTree>
+      <p:nvGrpSpPr>
+        <p:cNvPr id="1" name=""/>
+        <p:cNvGrpSpPr/>
+        <p:nvPr/>
+      </p:nvGrpSpPr>
+      <p:grpSpPr>
+        <a:xfrm>
+          <a:off x="0" y="0"/>
+          <a:ext cx="0" cy="0"/>
+          <a:chOff x="0" y="0"/>
+          <a:chExt cx="0" cy="0"/>
+        </a:xfrm>
+      </p:grpSpPr>
+      <p:sp>
+        <p:nvSpPr>
+          <p:cNvPr id="2" name="TextBox 1">
+            <a:extLst>
+              <a:ext uri="{FF2B5EF4-FFF2-40B4-BE49-F238E27FC236}">
+                <a16:creationId xmlns:a16="http://schemas.microsoft.com/office/drawing/2014/main" id="{15726383-B407-319E-030C-10F657ACC3A3}"/>
+              </a:ext>
+            </a:extLst>
+          </p:cNvPr>
+          <p:cNvSpPr txBox="1"/>
+          <p:nvPr/>
+        </p:nvSpPr>
+        <p:spPr>
+          <a:xfrm>
+            <a:off x="0" y="323165"/>
+            <a:ext cx="12192000" cy="646331"/>
+          </a:xfrm>
+          <a:prstGeom prst="rect">
+            <a:avLst/>
+          </a:prstGeom>
+          <a:noFill/>
+        </p:spPr>
+        <p:txBody>
+          <a:bodyPr wrap="square" rtlCol="0">
+            <a:spAutoFit/>
+          </a:bodyPr>
+          <a:lstStyle/>
+          <a:p>
+            <a:pPr algn="ctr"/>
+            <a:r>
+              <a:rPr lang="en-US" sz="3600" i="1" dirty="0">
+                <a:solidFill>
+                  <a:srgbClr val="7030A0"/>
+                </a:solidFill>
+                <a:latin typeface="Calisto MT" panose="02040603050505030304" pitchFamily="18" charset="0"/>
+              </a:rPr>
+              <a:t>Product Selection &amp; Installation</a:t>
             </a:r>
           </a:p>
         </p:txBody>
@@ -11770,7 +13933,7 @@
 </p:sld>
 </file>
 
-<file path=ppt/slides/slide7.xml><?xml version="1.0" encoding="utf-8"?>
+<file path=ppt/slides/slide9.xml><?xml version="1.0" encoding="utf-8"?>
 <p:sld xmlns:a="http://schemas.openxmlformats.org/drawingml/2006/main" xmlns:r="http://schemas.openxmlformats.org/officeDocument/2006/relationships" xmlns:p="http://schemas.openxmlformats.org/presentationml/2006/main">
   <p:cSld>
     <p:spTree>
@@ -11823,17 +13986,17 @@
                 </a:solidFill>
                 <a:latin typeface="Calisto MT" panose="02040603050505030304" pitchFamily="18" charset="0"/>
               </a:rPr>
-              <a:t>Snowflake – Setting up the Environment</a:t>
+              <a:t>Dbt Cloud – Connect to Snowflake via Partner Connect</a:t>
             </a:r>
           </a:p>
         </p:txBody>
       </p:sp>
       <p:grpSp>
         <p:nvGrpSpPr>
-          <p:cNvPr id="40" name="Group 39">
+          <p:cNvPr id="28" name="Group 27">
             <a:extLst>
               <a:ext uri="{FF2B5EF4-FFF2-40B4-BE49-F238E27FC236}">
-                <a16:creationId xmlns:a16="http://schemas.microsoft.com/office/drawing/2014/main" id="{4871CBCB-0998-602C-B993-E696CCB64E5D}"/>
+                <a16:creationId xmlns:a16="http://schemas.microsoft.com/office/drawing/2014/main" id="{A804D14B-5C44-4BD6-B1F0-9292D7F7B520}"/>
               </a:ext>
             </a:extLst>
           </p:cNvPr>
@@ -11842,147 +14005,371 @@
         </p:nvGrpSpPr>
         <p:grpSpPr>
           <a:xfrm>
-            <a:off x="4975026" y="1803633"/>
-            <a:ext cx="6277130" cy="3910325"/>
-            <a:chOff x="3003611" y="1803633"/>
-            <a:chExt cx="6277130" cy="3910325"/>
+            <a:off x="404812" y="1431037"/>
+            <a:ext cx="11382375" cy="4327255"/>
+            <a:chOff x="0" y="1659637"/>
+            <a:chExt cx="11382375" cy="4327255"/>
           </a:xfrm>
         </p:grpSpPr>
-        <p:sp>
-          <p:nvSpPr>
-            <p:cNvPr id="7" name="Rectangle 6">
+        <p:grpSp>
+          <p:nvGrpSpPr>
+            <p:cNvPr id="21" name="Group 20">
               <a:extLst>
                 <a:ext uri="{FF2B5EF4-FFF2-40B4-BE49-F238E27FC236}">
-                  <a16:creationId xmlns:a16="http://schemas.microsoft.com/office/drawing/2014/main" id="{B22C376B-75CF-DB22-E00C-E0496B49CB11}"/>
+                  <a16:creationId xmlns:a16="http://schemas.microsoft.com/office/drawing/2014/main" id="{4B45B0D1-99CF-86C4-71B8-FDF85EFDD0BF}"/>
                 </a:ext>
               </a:extLst>
             </p:cNvPr>
-            <p:cNvSpPr/>
+            <p:cNvGrpSpPr/>
             <p:nvPr/>
-          </p:nvSpPr>
-          <p:spPr>
+          </p:nvGrpSpPr>
+          <p:grpSpPr>
             <a:xfrm>
-              <a:off x="6811861" y="1803633"/>
-              <a:ext cx="2468880" cy="646331"/>
+              <a:off x="0" y="1659637"/>
+              <a:ext cx="11382375" cy="4327255"/>
+              <a:chOff x="0" y="1659637"/>
+              <a:chExt cx="11382375" cy="4327255"/>
             </a:xfrm>
-            <a:prstGeom prst="rect">
-              <a:avLst/>
-            </a:prstGeom>
-            <a:solidFill>
-              <a:srgbClr val="00B0F0">
-                <a:alpha val="50000"/>
-              </a:srgbClr>
-            </a:solidFill>
-          </p:spPr>
-          <p:style>
-            <a:lnRef idx="2">
-              <a:schemeClr val="accent1">
-                <a:shade val="15000"/>
-              </a:schemeClr>
-            </a:lnRef>
-            <a:fillRef idx="1">
-              <a:schemeClr val="accent1"/>
-            </a:fillRef>
-            <a:effectRef idx="0">
-              <a:schemeClr val="accent1"/>
-            </a:effectRef>
-            <a:fontRef idx="minor">
-              <a:schemeClr val="lt1"/>
-            </a:fontRef>
-          </p:style>
-          <p:txBody>
-            <a:bodyPr rtlCol="0" anchor="ctr"/>
-            <a:lstStyle/>
-            <a:p>
-              <a:pPr algn="ctr"/>
-              <a:r>
-                <a:rPr lang="en-US" dirty="0">
-                  <a:solidFill>
-                    <a:schemeClr val="tx1"/>
-                  </a:solidFill>
-                </a:rPr>
-                <a:t>Creating the Warehouse</a:t>
-              </a:r>
-            </a:p>
-          </p:txBody>
-        </p:sp>
-        <p:sp>
-          <p:nvSpPr>
-            <p:cNvPr id="10" name="Rectangle 9">
+          </p:grpSpPr>
+          <p:pic>
+            <p:nvPicPr>
+              <p:cNvPr id="1026" name="Picture 2" descr="Snowflake Partner Connect Box">
+                <a:extLst>
+                  <a:ext uri="{FF2B5EF4-FFF2-40B4-BE49-F238E27FC236}">
+                    <a16:creationId xmlns:a16="http://schemas.microsoft.com/office/drawing/2014/main" id="{15FFF6E1-5538-115A-23B0-F6D96A68F38D}"/>
+                  </a:ext>
+                </a:extLst>
+              </p:cNvPr>
+              <p:cNvPicPr>
+                <a:picLocks noChangeAspect="1" noChangeArrowheads="1"/>
+              </p:cNvPicPr>
+              <p:nvPr/>
+            </p:nvPicPr>
+            <p:blipFill>
+              <a:blip r:embed="rId2">
+                <a:extLst>
+                  <a:ext uri="{28A0092B-C50C-407E-A947-70E740481C1C}">
+                    <a14:useLocalDpi xmlns:a14="http://schemas.microsoft.com/office/drawing/2010/main" val="0"/>
+                  </a:ext>
+                </a:extLst>
+              </a:blip>
+              <a:srcRect/>
+              <a:stretch>
+                <a:fillRect/>
+              </a:stretch>
+            </p:blipFill>
+            <p:spPr bwMode="auto">
+              <a:xfrm>
+                <a:off x="0" y="2419349"/>
+                <a:ext cx="3446941" cy="3038475"/>
+              </a:xfrm>
+              <a:prstGeom prst="rect">
+                <a:avLst/>
+              </a:prstGeom>
+              <a:noFill/>
+              <a:extLst>
+                <a:ext uri="{909E8E84-426E-40DD-AFC4-6F175D3DCCD1}">
+                  <a14:hiddenFill xmlns:a14="http://schemas.microsoft.com/office/drawing/2010/main">
+                    <a:solidFill>
+                      <a:srgbClr val="FFFFFF"/>
+                    </a:solidFill>
+                  </a14:hiddenFill>
+                </a:ext>
+              </a:extLst>
+            </p:spPr>
+          </p:pic>
+          <p:pic>
+            <p:nvPicPr>
+              <p:cNvPr id="1030" name="Picture 6" descr="Snowflake New UI - Connection Box">
+                <a:extLst>
+                  <a:ext uri="{FF2B5EF4-FFF2-40B4-BE49-F238E27FC236}">
+                    <a16:creationId xmlns:a16="http://schemas.microsoft.com/office/drawing/2014/main" id="{66723F01-75B2-E582-6649-ABB958F404C6}"/>
+                  </a:ext>
+                </a:extLst>
+              </p:cNvPr>
+              <p:cNvPicPr>
+                <a:picLocks noChangeAspect="1" noChangeArrowheads="1"/>
+              </p:cNvPicPr>
+              <p:nvPr/>
+            </p:nvPicPr>
+            <p:blipFill>
+              <a:blip r:embed="rId3">
+                <a:extLst>
+                  <a:ext uri="{28A0092B-C50C-407E-A947-70E740481C1C}">
+                    <a14:useLocalDpi xmlns:a14="http://schemas.microsoft.com/office/drawing/2010/main" val="0"/>
+                  </a:ext>
+                </a:extLst>
+              </a:blip>
+              <a:srcRect/>
+              <a:stretch>
+                <a:fillRect/>
+              </a:stretch>
+            </p:blipFill>
+            <p:spPr bwMode="auto">
+              <a:xfrm>
+                <a:off x="4278462" y="2105026"/>
+                <a:ext cx="3113660" cy="3667124"/>
+              </a:xfrm>
+              <a:prstGeom prst="rect">
+                <a:avLst/>
+              </a:prstGeom>
+              <a:noFill/>
+              <a:extLst>
+                <a:ext uri="{909E8E84-426E-40DD-AFC4-6F175D3DCCD1}">
+                  <a14:hiddenFill xmlns:a14="http://schemas.microsoft.com/office/drawing/2010/main">
+                    <a:solidFill>
+                      <a:srgbClr val="FFFFFF"/>
+                    </a:solidFill>
+                  </a14:hiddenFill>
+                </a:ext>
+              </a:extLst>
+            </p:spPr>
+          </p:pic>
+          <p:grpSp>
+            <p:nvGrpSpPr>
+              <p:cNvPr id="17" name="Group 16">
+                <a:extLst>
+                  <a:ext uri="{FF2B5EF4-FFF2-40B4-BE49-F238E27FC236}">
+                    <a16:creationId xmlns:a16="http://schemas.microsoft.com/office/drawing/2014/main" id="{B1A400E6-3BE8-AD15-A44F-FBC400C79111}"/>
+                  </a:ext>
+                </a:extLst>
+              </p:cNvPr>
+              <p:cNvGrpSpPr/>
+              <p:nvPr/>
+            </p:nvGrpSpPr>
+            <p:grpSpPr>
+              <a:xfrm>
+                <a:off x="8425013" y="2205037"/>
+                <a:ext cx="2957362" cy="3781855"/>
+                <a:chOff x="8425013" y="1557337"/>
+                <a:chExt cx="2957362" cy="3781855"/>
+              </a:xfrm>
+            </p:grpSpPr>
+            <p:pic>
+              <p:nvPicPr>
+                <p:cNvPr id="4" name="Picture 3">
+                  <a:extLst>
+                    <a:ext uri="{FF2B5EF4-FFF2-40B4-BE49-F238E27FC236}">
+                      <a16:creationId xmlns:a16="http://schemas.microsoft.com/office/drawing/2014/main" id="{7372E2F3-A85C-CAEE-F762-194295DCD4D5}"/>
+                    </a:ext>
+                  </a:extLst>
+                </p:cNvPr>
+                <p:cNvPicPr>
+                  <a:picLocks noChangeAspect="1"/>
+                </p:cNvPicPr>
+                <p:nvPr/>
+              </p:nvPicPr>
+              <p:blipFill>
+                <a:blip r:embed="rId4"/>
+                <a:srcRect r="66002"/>
+                <a:stretch/>
+              </p:blipFill>
+              <p:spPr>
+                <a:xfrm>
+                  <a:off x="8425014" y="3852863"/>
+                  <a:ext cx="2407218" cy="1486329"/>
+                </a:xfrm>
+                <a:prstGeom prst="rect">
+                  <a:avLst/>
+                </a:prstGeom>
+              </p:spPr>
+            </p:pic>
+            <p:pic>
+              <p:nvPicPr>
+                <p:cNvPr id="9" name="Picture 8">
+                  <a:extLst>
+                    <a:ext uri="{FF2B5EF4-FFF2-40B4-BE49-F238E27FC236}">
+                      <a16:creationId xmlns:a16="http://schemas.microsoft.com/office/drawing/2014/main" id="{F08D0736-E2E2-28B6-C09D-DC3003FC5B82}"/>
+                    </a:ext>
+                  </a:extLst>
+                </p:cNvPr>
+                <p:cNvPicPr>
+                  <a:picLocks noChangeAspect="1"/>
+                </p:cNvPicPr>
+                <p:nvPr/>
+              </p:nvPicPr>
+              <p:blipFill>
+                <a:blip r:embed="rId5"/>
+                <a:srcRect l="-1" t="69885" r="54876"/>
+                <a:stretch/>
+              </p:blipFill>
+              <p:spPr>
+                <a:xfrm>
+                  <a:off x="8425013" y="2705100"/>
+                  <a:ext cx="2957362" cy="1009795"/>
+                </a:xfrm>
+                <a:prstGeom prst="rect">
+                  <a:avLst/>
+                </a:prstGeom>
+              </p:spPr>
+            </p:pic>
+            <p:pic>
+              <p:nvPicPr>
+                <p:cNvPr id="14" name="Picture 13">
+                  <a:extLst>
+                    <a:ext uri="{FF2B5EF4-FFF2-40B4-BE49-F238E27FC236}">
+                      <a16:creationId xmlns:a16="http://schemas.microsoft.com/office/drawing/2014/main" id="{4C0CA0B4-E251-3639-3306-9DB0199F1E2C}"/>
+                    </a:ext>
+                  </a:extLst>
+                </p:cNvPr>
+                <p:cNvPicPr>
+                  <a:picLocks noChangeAspect="1"/>
+                </p:cNvPicPr>
+                <p:nvPr/>
+              </p:nvPicPr>
+              <p:blipFill>
+                <a:blip r:embed="rId5"/>
+                <a:srcRect r="60286" b="65770"/>
+                <a:stretch/>
+              </p:blipFill>
+              <p:spPr>
+                <a:xfrm>
+                  <a:off x="8425014" y="1557337"/>
+                  <a:ext cx="2407218" cy="1147763"/>
+                </a:xfrm>
+                <a:prstGeom prst="rect">
+                  <a:avLst/>
+                </a:prstGeom>
+              </p:spPr>
+            </p:pic>
+          </p:grpSp>
+          <p:sp>
+            <p:nvSpPr>
+              <p:cNvPr id="18" name="TextBox 17">
+                <a:extLst>
+                  <a:ext uri="{FF2B5EF4-FFF2-40B4-BE49-F238E27FC236}">
+                    <a16:creationId xmlns:a16="http://schemas.microsoft.com/office/drawing/2014/main" id="{F7A1BBAA-12B2-57C9-EA76-77C5962B09E0}"/>
+                  </a:ext>
+                </a:extLst>
+              </p:cNvPr>
+              <p:cNvSpPr txBox="1"/>
+              <p:nvPr/>
+            </p:nvSpPr>
+            <p:spPr>
+              <a:xfrm>
+                <a:off x="1318658" y="1659637"/>
+                <a:ext cx="809624" cy="369332"/>
+              </a:xfrm>
+              <a:prstGeom prst="rect">
+                <a:avLst/>
+              </a:prstGeom>
+              <a:noFill/>
+            </p:spPr>
+            <p:txBody>
+              <a:bodyPr wrap="square" rtlCol="0">
+                <a:spAutoFit/>
+              </a:bodyPr>
+              <a:lstStyle/>
+              <a:p>
+                <a:r>
+                  <a:rPr lang="en-US" dirty="0">
+                    <a:solidFill>
+                      <a:srgbClr val="00B0F0"/>
+                    </a:solidFill>
+                  </a:rPr>
+                  <a:t>Step 1</a:t>
+                </a:r>
+              </a:p>
+            </p:txBody>
+          </p:sp>
+          <p:sp>
+            <p:nvSpPr>
+              <p:cNvPr id="19" name="TextBox 18">
+                <a:extLst>
+                  <a:ext uri="{FF2B5EF4-FFF2-40B4-BE49-F238E27FC236}">
+                    <a16:creationId xmlns:a16="http://schemas.microsoft.com/office/drawing/2014/main" id="{F7DFB7E8-CEE0-0CFE-A298-2F02B083BDA8}"/>
+                  </a:ext>
+                </a:extLst>
+              </p:cNvPr>
+              <p:cNvSpPr txBox="1"/>
+              <p:nvPr/>
+            </p:nvSpPr>
+            <p:spPr>
+              <a:xfrm>
+                <a:off x="5430480" y="1659637"/>
+                <a:ext cx="809624" cy="369332"/>
+              </a:xfrm>
+              <a:prstGeom prst="rect">
+                <a:avLst/>
+              </a:prstGeom>
+              <a:noFill/>
+            </p:spPr>
+            <p:txBody>
+              <a:bodyPr wrap="square" rtlCol="0">
+                <a:spAutoFit/>
+              </a:bodyPr>
+              <a:lstStyle/>
+              <a:p>
+                <a:r>
+                  <a:rPr lang="en-US" dirty="0">
+                    <a:solidFill>
+                      <a:srgbClr val="00B0F0"/>
+                    </a:solidFill>
+                  </a:rPr>
+                  <a:t>Step 2</a:t>
+                </a:r>
+              </a:p>
+            </p:txBody>
+          </p:sp>
+          <p:sp>
+            <p:nvSpPr>
+              <p:cNvPr id="20" name="TextBox 19">
+                <a:extLst>
+                  <a:ext uri="{FF2B5EF4-FFF2-40B4-BE49-F238E27FC236}">
+                    <a16:creationId xmlns:a16="http://schemas.microsoft.com/office/drawing/2014/main" id="{7AC52878-3692-FB2A-1322-BEE5B3070048}"/>
+                  </a:ext>
+                </a:extLst>
+              </p:cNvPr>
+              <p:cNvSpPr txBox="1"/>
+              <p:nvPr/>
+            </p:nvSpPr>
+            <p:spPr>
+              <a:xfrm>
+                <a:off x="9326205" y="1659637"/>
+                <a:ext cx="809624" cy="369332"/>
+              </a:xfrm>
+              <a:prstGeom prst="rect">
+                <a:avLst/>
+              </a:prstGeom>
+              <a:noFill/>
+            </p:spPr>
+            <p:txBody>
+              <a:bodyPr wrap="square" rtlCol="0">
+                <a:spAutoFit/>
+              </a:bodyPr>
+              <a:lstStyle/>
+              <a:p>
+                <a:r>
+                  <a:rPr lang="en-US" dirty="0">
+                    <a:solidFill>
+                      <a:schemeClr val="accent2"/>
+                    </a:solidFill>
+                  </a:rPr>
+                  <a:t>Step 3</a:t>
+                </a:r>
+              </a:p>
+            </p:txBody>
+          </p:sp>
+        </p:grpSp>
+        <p:cxnSp>
+          <p:nvCxnSpPr>
+            <p:cNvPr id="23" name="Straight Arrow Connector 22">
               <a:extLst>
                 <a:ext uri="{FF2B5EF4-FFF2-40B4-BE49-F238E27FC236}">
-                  <a16:creationId xmlns:a16="http://schemas.microsoft.com/office/drawing/2014/main" id="{EAAF4EF3-C384-FD8D-DD0A-F0D93F68BF4C}"/>
-                </a:ext>
-              </a:extLst>
-            </p:cNvPr>
-            <p:cNvSpPr/>
-            <p:nvPr/>
-          </p:nvSpPr>
-          <p:spPr>
-            <a:xfrm>
-              <a:off x="6811861" y="2891631"/>
-              <a:ext cx="2468880" cy="646331"/>
-            </a:xfrm>
-            <a:prstGeom prst="rect">
-              <a:avLst/>
-            </a:prstGeom>
-            <a:solidFill>
-              <a:srgbClr val="00B0F0">
-                <a:alpha val="50000"/>
-              </a:srgbClr>
-            </a:solidFill>
-          </p:spPr>
-          <p:style>
-            <a:lnRef idx="2">
-              <a:schemeClr val="accent1">
-                <a:shade val="15000"/>
-              </a:schemeClr>
-            </a:lnRef>
-            <a:fillRef idx="1">
-              <a:schemeClr val="accent1"/>
-            </a:fillRef>
-            <a:effectRef idx="0">
-              <a:schemeClr val="accent1"/>
-            </a:effectRef>
-            <a:fontRef idx="minor">
-              <a:schemeClr val="lt1"/>
-            </a:fontRef>
-          </p:style>
-          <p:txBody>
-            <a:bodyPr rtlCol="0" anchor="ctr"/>
-            <a:lstStyle/>
-            <a:p>
-              <a:pPr algn="ctr"/>
-              <a:r>
-                <a:rPr lang="en-US" dirty="0">
-                  <a:solidFill>
-                    <a:schemeClr val="tx1"/>
-                  </a:solidFill>
-                </a:rPr>
-                <a:t>Create the Databases</a:t>
-              </a:r>
-            </a:p>
-          </p:txBody>
-        </p:sp>
-        <p:cxnSp>
-          <p:nvCxnSpPr>
-            <p:cNvPr id="21" name="Straight Arrow Connector 20">
-              <a:extLst>
-                <a:ext uri="{FF2B5EF4-FFF2-40B4-BE49-F238E27FC236}">
-                  <a16:creationId xmlns:a16="http://schemas.microsoft.com/office/drawing/2014/main" id="{45EE511A-1215-0211-66F6-437B6348A0AD}"/>
+                  <a16:creationId xmlns:a16="http://schemas.microsoft.com/office/drawing/2014/main" id="{3A61F3D3-DD3F-9229-6E88-2475FFA937B2}"/>
                 </a:ext>
               </a:extLst>
             </p:cNvPr>
             <p:cNvCxnSpPr>
-              <a:stCxn id="7" idx="2"/>
-              <a:endCxn id="10" idx="0"/>
+              <a:stCxn id="1026" idx="3"/>
+              <a:endCxn id="1030" idx="1"/>
             </p:cNvCxnSpPr>
             <p:nvPr/>
           </p:nvCxnSpPr>
           <p:spPr>
             <a:xfrm>
-              <a:off x="8046301" y="2449964"/>
-              <a:ext cx="0" cy="441667"/>
+              <a:off x="3446941" y="3938587"/>
+              <a:ext cx="831521" cy="1"/>
             </a:xfrm>
             <a:prstGeom prst="straightConnector1">
               <a:avLst/>
@@ -12006,143 +14393,24 @@
             </a:fontRef>
           </p:style>
         </p:cxnSp>
-        <p:pic>
-          <p:nvPicPr>
-            <p:cNvPr id="23" name="Picture 22">
+        <p:cxnSp>
+          <p:nvCxnSpPr>
+            <p:cNvPr id="25" name="Straight Arrow Connector 24">
               <a:extLst>
                 <a:ext uri="{FF2B5EF4-FFF2-40B4-BE49-F238E27FC236}">
-                  <a16:creationId xmlns:a16="http://schemas.microsoft.com/office/drawing/2014/main" id="{4E082FC4-35AC-41DE-E20C-7594FE5BAFD2}"/>
-                </a:ext>
-              </a:extLst>
-            </p:cNvPr>
-            <p:cNvPicPr>
-              <a:picLocks noChangeAspect="1"/>
-            </p:cNvPicPr>
-            <p:nvPr/>
-          </p:nvPicPr>
-          <p:blipFill>
-            <a:blip r:embed="rId2"/>
-            <a:srcRect t="21653" b="-1"/>
-            <a:stretch/>
-          </p:blipFill>
-          <p:spPr>
-            <a:xfrm>
-              <a:off x="3323679" y="2013357"/>
-              <a:ext cx="3360711" cy="226881"/>
-            </a:xfrm>
-            <a:prstGeom prst="rect">
-              <a:avLst/>
-            </a:prstGeom>
-          </p:spPr>
-        </p:pic>
-        <p:pic>
-          <p:nvPicPr>
-            <p:cNvPr id="25" name="Picture 24">
-              <a:extLst>
-                <a:ext uri="{FF2B5EF4-FFF2-40B4-BE49-F238E27FC236}">
-                  <a16:creationId xmlns:a16="http://schemas.microsoft.com/office/drawing/2014/main" id="{900A1073-22E7-2AEE-284F-7D69E0F406E5}"/>
-                </a:ext>
-              </a:extLst>
-            </p:cNvPr>
-            <p:cNvPicPr>
-              <a:picLocks noChangeAspect="1"/>
-            </p:cNvPicPr>
-            <p:nvPr/>
-          </p:nvPicPr>
-          <p:blipFill>
-            <a:blip r:embed="rId3"/>
-            <a:stretch>
-              <a:fillRect/>
-            </a:stretch>
-          </p:blipFill>
-          <p:spPr>
-            <a:xfrm>
-              <a:off x="4040021" y="2959643"/>
-              <a:ext cx="2644369" cy="441998"/>
-            </a:xfrm>
-            <a:prstGeom prst="rect">
-              <a:avLst/>
-            </a:prstGeom>
-          </p:spPr>
-        </p:pic>
-        <p:sp>
-          <p:nvSpPr>
-            <p:cNvPr id="26" name="Rectangle 25">
-              <a:extLst>
-                <a:ext uri="{FF2B5EF4-FFF2-40B4-BE49-F238E27FC236}">
-                  <a16:creationId xmlns:a16="http://schemas.microsoft.com/office/drawing/2014/main" id="{A2F5374A-BABD-DCF2-68E8-4D2BBC135A06}"/>
-                </a:ext>
-              </a:extLst>
-            </p:cNvPr>
-            <p:cNvSpPr/>
-            <p:nvPr/>
-          </p:nvSpPr>
-          <p:spPr>
-            <a:xfrm>
-              <a:off x="6811861" y="3979629"/>
-              <a:ext cx="2468880" cy="646331"/>
-            </a:xfrm>
-            <a:prstGeom prst="rect">
-              <a:avLst/>
-            </a:prstGeom>
-            <a:solidFill>
-              <a:srgbClr val="00B0F0">
-                <a:alpha val="50000"/>
-              </a:srgbClr>
-            </a:solidFill>
-          </p:spPr>
-          <p:style>
-            <a:lnRef idx="2">
-              <a:schemeClr val="accent1">
-                <a:shade val="15000"/>
-              </a:schemeClr>
-            </a:lnRef>
-            <a:fillRef idx="1">
-              <a:schemeClr val="accent1"/>
-            </a:fillRef>
-            <a:effectRef idx="0">
-              <a:schemeClr val="accent1"/>
-            </a:effectRef>
-            <a:fontRef idx="minor">
-              <a:schemeClr val="lt1"/>
-            </a:fontRef>
-          </p:style>
-          <p:txBody>
-            <a:bodyPr rtlCol="0" anchor="ctr"/>
-            <a:lstStyle/>
-            <a:p>
-              <a:pPr algn="ctr"/>
-              <a:r>
-                <a:rPr lang="en-US" dirty="0">
-                  <a:solidFill>
-                    <a:schemeClr val="tx1"/>
-                  </a:solidFill>
-                </a:rPr>
-                <a:t>Create the Schemas</a:t>
-              </a:r>
-            </a:p>
-          </p:txBody>
-        </p:sp>
-        <p:cxnSp>
-          <p:nvCxnSpPr>
-            <p:cNvPr id="27" name="Straight Arrow Connector 26">
-              <a:extLst>
-                <a:ext uri="{FF2B5EF4-FFF2-40B4-BE49-F238E27FC236}">
-                  <a16:creationId xmlns:a16="http://schemas.microsoft.com/office/drawing/2014/main" id="{F7EB4ABD-079E-E946-D563-A69BB04F6237}"/>
+                  <a16:creationId xmlns:a16="http://schemas.microsoft.com/office/drawing/2014/main" id="{CF0D9792-C16B-5821-6F1B-B480FB1B977C}"/>
                 </a:ext>
               </a:extLst>
             </p:cNvPr>
             <p:cNvCxnSpPr>
               <a:cxnSpLocks/>
-              <a:stCxn id="10" idx="2"/>
-              <a:endCxn id="26" idx="0"/>
             </p:cNvCxnSpPr>
             <p:nvPr/>
           </p:nvCxnSpPr>
           <p:spPr>
             <a:xfrm>
-              <a:off x="8046301" y="3537962"/>
-              <a:ext cx="0" cy="441667"/>
+              <a:off x="7593491" y="3938586"/>
+              <a:ext cx="831521" cy="1"/>
             </a:xfrm>
             <a:prstGeom prst="straightConnector1">
               <a:avLst/>
@@ -12166,204 +14434,13 @@
             </a:fontRef>
           </p:style>
         </p:cxnSp>
-        <p:pic>
-          <p:nvPicPr>
-            <p:cNvPr id="30" name="Picture 29">
-              <a:extLst>
-                <a:ext uri="{FF2B5EF4-FFF2-40B4-BE49-F238E27FC236}">
-                  <a16:creationId xmlns:a16="http://schemas.microsoft.com/office/drawing/2014/main" id="{9288E634-C43F-819D-749F-72DF3BE37A64}"/>
-                </a:ext>
-              </a:extLst>
-            </p:cNvPr>
-            <p:cNvPicPr>
-              <a:picLocks noChangeAspect="1"/>
-            </p:cNvPicPr>
-            <p:nvPr/>
-          </p:nvPicPr>
-          <p:blipFill>
-            <a:blip r:embed="rId4"/>
-            <a:stretch>
-              <a:fillRect/>
-            </a:stretch>
-          </p:blipFill>
-          <p:spPr>
-            <a:xfrm>
-              <a:off x="3960029" y="4104657"/>
-              <a:ext cx="2705334" cy="396274"/>
-            </a:xfrm>
-            <a:prstGeom prst="rect">
-              <a:avLst/>
-            </a:prstGeom>
-          </p:spPr>
-        </p:pic>
-        <p:sp>
-          <p:nvSpPr>
-            <p:cNvPr id="32" name="Rectangle 31">
-              <a:extLst>
-                <a:ext uri="{FF2B5EF4-FFF2-40B4-BE49-F238E27FC236}">
-                  <a16:creationId xmlns:a16="http://schemas.microsoft.com/office/drawing/2014/main" id="{269B0ABF-2680-7EFC-B2A0-6F37785E77F6}"/>
-                </a:ext>
-              </a:extLst>
-            </p:cNvPr>
-            <p:cNvSpPr/>
-            <p:nvPr/>
-          </p:nvSpPr>
-          <p:spPr>
-            <a:xfrm>
-              <a:off x="6811861" y="5067627"/>
-              <a:ext cx="2468880" cy="646331"/>
-            </a:xfrm>
-            <a:prstGeom prst="rect">
-              <a:avLst/>
-            </a:prstGeom>
-            <a:solidFill>
-              <a:srgbClr val="00B0F0">
-                <a:alpha val="50000"/>
-              </a:srgbClr>
-            </a:solidFill>
-          </p:spPr>
-          <p:style>
-            <a:lnRef idx="2">
-              <a:schemeClr val="accent1">
-                <a:shade val="15000"/>
-              </a:schemeClr>
-            </a:lnRef>
-            <a:fillRef idx="1">
-              <a:schemeClr val="accent1"/>
-            </a:fillRef>
-            <a:effectRef idx="0">
-              <a:schemeClr val="accent1"/>
-            </a:effectRef>
-            <a:fontRef idx="minor">
-              <a:schemeClr val="lt1"/>
-            </a:fontRef>
-          </p:style>
-          <p:txBody>
-            <a:bodyPr rtlCol="0" anchor="ctr"/>
-            <a:lstStyle/>
-            <a:p>
-              <a:pPr algn="ctr"/>
-              <a:r>
-                <a:rPr lang="en-US" dirty="0">
-                  <a:solidFill>
-                    <a:schemeClr val="tx1"/>
-                  </a:solidFill>
-                </a:rPr>
-                <a:t>Create the Tables</a:t>
-              </a:r>
-            </a:p>
-          </p:txBody>
-        </p:sp>
-        <p:cxnSp>
-          <p:nvCxnSpPr>
-            <p:cNvPr id="33" name="Straight Arrow Connector 32">
-              <a:extLst>
-                <a:ext uri="{FF2B5EF4-FFF2-40B4-BE49-F238E27FC236}">
-                  <a16:creationId xmlns:a16="http://schemas.microsoft.com/office/drawing/2014/main" id="{B281CAAA-5029-156B-8160-6B3EF4FF41B2}"/>
-                </a:ext>
-              </a:extLst>
-            </p:cNvPr>
-            <p:cNvCxnSpPr>
-              <a:cxnSpLocks/>
-              <a:stCxn id="26" idx="2"/>
-              <a:endCxn id="32" idx="0"/>
-            </p:cNvCxnSpPr>
-            <p:nvPr/>
-          </p:nvCxnSpPr>
-          <p:spPr>
-            <a:xfrm>
-              <a:off x="8046301" y="4625960"/>
-              <a:ext cx="0" cy="441667"/>
-            </a:xfrm>
-            <a:prstGeom prst="straightConnector1">
-              <a:avLst/>
-            </a:prstGeom>
-            <a:ln w="38100">
-              <a:tailEnd type="triangle"/>
-            </a:ln>
-          </p:spPr>
-          <p:style>
-            <a:lnRef idx="3">
-              <a:schemeClr val="dk1"/>
-            </a:lnRef>
-            <a:fillRef idx="0">
-              <a:schemeClr val="dk1"/>
-            </a:fillRef>
-            <a:effectRef idx="2">
-              <a:schemeClr val="dk1"/>
-            </a:effectRef>
-            <a:fontRef idx="minor">
-              <a:schemeClr val="tx1"/>
-            </a:fontRef>
-          </p:style>
-        </p:cxnSp>
-        <p:pic>
-          <p:nvPicPr>
-            <p:cNvPr id="37" name="Picture 36">
-              <a:extLst>
-                <a:ext uri="{FF2B5EF4-FFF2-40B4-BE49-F238E27FC236}">
-                  <a16:creationId xmlns:a16="http://schemas.microsoft.com/office/drawing/2014/main" id="{DD089568-CD82-B07D-898B-EE0FAECB8054}"/>
-                </a:ext>
-              </a:extLst>
-            </p:cNvPr>
-            <p:cNvPicPr>
-              <a:picLocks noChangeAspect="1"/>
-            </p:cNvPicPr>
-            <p:nvPr/>
-          </p:nvPicPr>
-          <p:blipFill>
-            <a:blip r:embed="rId5"/>
-            <a:stretch>
-              <a:fillRect/>
-            </a:stretch>
-          </p:blipFill>
-          <p:spPr>
-            <a:xfrm>
-              <a:off x="3563754" y="5146930"/>
-              <a:ext cx="3101609" cy="243861"/>
-            </a:xfrm>
-            <a:prstGeom prst="rect">
-              <a:avLst/>
-            </a:prstGeom>
-          </p:spPr>
-        </p:pic>
-        <p:pic>
-          <p:nvPicPr>
-            <p:cNvPr id="39" name="Picture 38">
-              <a:extLst>
-                <a:ext uri="{FF2B5EF4-FFF2-40B4-BE49-F238E27FC236}">
-                  <a16:creationId xmlns:a16="http://schemas.microsoft.com/office/drawing/2014/main" id="{AC18CDF2-126D-CDE5-D935-2970D8000859}"/>
-                </a:ext>
-              </a:extLst>
-            </p:cNvPr>
-            <p:cNvPicPr>
-              <a:picLocks noChangeAspect="1"/>
-            </p:cNvPicPr>
-            <p:nvPr/>
-          </p:nvPicPr>
-          <p:blipFill>
-            <a:blip r:embed="rId6"/>
-            <a:stretch>
-              <a:fillRect/>
-            </a:stretch>
-          </p:blipFill>
-          <p:spPr>
-            <a:xfrm>
-              <a:off x="3003611" y="5360690"/>
-              <a:ext cx="3680779" cy="205758"/>
-            </a:xfrm>
-            <a:prstGeom prst="rect">
-              <a:avLst/>
-            </a:prstGeom>
-          </p:spPr>
-        </p:pic>
       </p:grpSp>
       <p:pic>
         <p:nvPicPr>
-          <p:cNvPr id="45" name="Picture 6" descr="Snowflake logo in transparent PNG and vectorized SVG formats">
+          <p:cNvPr id="30" name="Picture 2" descr="FIRN Analytics: Timely Data Solutions &amp; Expert Consultancy">
             <a:extLst>
               <a:ext uri="{FF2B5EF4-FFF2-40B4-BE49-F238E27FC236}">
-                <a16:creationId xmlns:a16="http://schemas.microsoft.com/office/drawing/2014/main" id="{557DA0BD-02B1-3605-DC1E-FF581339C298}"/>
+                <a16:creationId xmlns:a16="http://schemas.microsoft.com/office/drawing/2014/main" id="{EC4E0CB6-A9A1-AA93-273B-B557BE6509DC}"/>
               </a:ext>
             </a:extLst>
           </p:cNvPr>
@@ -12373,54 +14450,7 @@
           <p:nvPr/>
         </p:nvPicPr>
         <p:blipFill>
-          <a:blip r:embed="rId7">
-            <a:extLst>
-              <a:ext uri="{28A0092B-C50C-407E-A947-70E740481C1C}">
-                <a14:useLocalDpi xmlns:a14="http://schemas.microsoft.com/office/drawing/2010/main" val="0"/>
-              </a:ext>
-            </a:extLst>
-          </a:blip>
-          <a:srcRect/>
-          <a:stretch>
-            <a:fillRect/>
-          </a:stretch>
-        </p:blipFill>
-        <p:spPr bwMode="auto">
-          <a:xfrm>
-            <a:off x="3473374" y="3214797"/>
-            <a:ext cx="973310" cy="969495"/>
-          </a:xfrm>
-          <a:prstGeom prst="rect">
-            <a:avLst/>
-          </a:prstGeom>
-          <a:noFill/>
-          <a:extLst>
-            <a:ext uri="{909E8E84-426E-40DD-AFC4-6F175D3DCCD1}">
-              <a14:hiddenFill xmlns:a14="http://schemas.microsoft.com/office/drawing/2010/main">
-                <a:solidFill>
-                  <a:srgbClr val="FFFFFF"/>
-                </a:solidFill>
-              </a14:hiddenFill>
-            </a:ext>
-          </a:extLst>
-        </p:spPr>
-      </p:pic>
-      <p:pic>
-        <p:nvPicPr>
-          <p:cNvPr id="4" name="Picture 2" descr="FIRN Analytics: Timely Data Solutions &amp; Expert Consultancy">
-            <a:extLst>
-              <a:ext uri="{FF2B5EF4-FFF2-40B4-BE49-F238E27FC236}">
-                <a16:creationId xmlns:a16="http://schemas.microsoft.com/office/drawing/2014/main" id="{E5ADB2F6-137E-3BFD-9148-17CDE7BC3747}"/>
-              </a:ext>
-            </a:extLst>
-          </p:cNvPr>
-          <p:cNvPicPr>
-            <a:picLocks noChangeAspect="1" noChangeArrowheads="1"/>
-          </p:cNvPicPr>
-          <p:nvPr/>
-        </p:nvPicPr>
-        <p:blipFill>
-          <a:blip r:embed="rId8">
+          <a:blip r:embed="rId6">
             <a:extLst>
               <a:ext uri="{28A0092B-C50C-407E-A947-70E740481C1C}">
                 <a14:useLocalDpi xmlns:a14="http://schemas.microsoft.com/office/drawing/2010/main" val="0"/>
@@ -12455,1470 +14485,7 @@
     </p:spTree>
     <p:extLst>
       <p:ext uri="{BB962C8B-B14F-4D97-AF65-F5344CB8AC3E}">
-        <p14:creationId xmlns:p14="http://schemas.microsoft.com/office/powerpoint/2010/main" val="2894499529"/>
-      </p:ext>
-    </p:extLst>
-  </p:cSld>
-  <p:clrMapOvr>
-    <a:masterClrMapping/>
-  </p:clrMapOvr>
-</p:sld>
-</file>
-
-<file path=ppt/slides/slide8.xml><?xml version="1.0" encoding="utf-8"?>
-<p:sld xmlns:a="http://schemas.openxmlformats.org/drawingml/2006/main" xmlns:r="http://schemas.openxmlformats.org/officeDocument/2006/relationships" xmlns:p="http://schemas.openxmlformats.org/presentationml/2006/main">
-  <p:cSld>
-    <p:spTree>
-      <p:nvGrpSpPr>
-        <p:cNvPr id="1" name=""/>
-        <p:cNvGrpSpPr/>
-        <p:nvPr/>
-      </p:nvGrpSpPr>
-      <p:grpSpPr>
-        <a:xfrm>
-          <a:off x="0" y="0"/>
-          <a:ext cx="0" cy="0"/>
-          <a:chOff x="0" y="0"/>
-          <a:chExt cx="0" cy="0"/>
-        </a:xfrm>
-      </p:grpSpPr>
-      <p:sp>
-        <p:nvSpPr>
-          <p:cNvPr id="2" name="TextBox 1">
-            <a:extLst>
-              <a:ext uri="{FF2B5EF4-FFF2-40B4-BE49-F238E27FC236}">
-                <a16:creationId xmlns:a16="http://schemas.microsoft.com/office/drawing/2014/main" id="{15726383-B407-319E-030C-10F657ACC3A3}"/>
-              </a:ext>
-            </a:extLst>
-          </p:cNvPr>
-          <p:cNvSpPr txBox="1"/>
-          <p:nvPr/>
-        </p:nvSpPr>
-        <p:spPr>
-          <a:xfrm>
-            <a:off x="0" y="323165"/>
-            <a:ext cx="12192000" cy="646331"/>
-          </a:xfrm>
-          <a:prstGeom prst="rect">
-            <a:avLst/>
-          </a:prstGeom>
-          <a:noFill/>
-        </p:spPr>
-        <p:txBody>
-          <a:bodyPr wrap="square" rtlCol="0">
-            <a:spAutoFit/>
-          </a:bodyPr>
-          <a:lstStyle/>
-          <a:p>
-            <a:pPr algn="ctr"/>
-            <a:r>
-              <a:rPr lang="en-US" sz="3600" i="1" dirty="0">
-                <a:solidFill>
-                  <a:srgbClr val="7030A0"/>
-                </a:solidFill>
-                <a:latin typeface="Calisto MT" panose="02040603050505030304" pitchFamily="18" charset="0"/>
-              </a:rPr>
-              <a:t>Snowflake – Ingesting the Data</a:t>
-            </a:r>
-          </a:p>
-        </p:txBody>
-      </p:sp>
-      <p:grpSp>
-        <p:nvGrpSpPr>
-          <p:cNvPr id="27" name="Group 26">
-            <a:extLst>
-              <a:ext uri="{FF2B5EF4-FFF2-40B4-BE49-F238E27FC236}">
-                <a16:creationId xmlns:a16="http://schemas.microsoft.com/office/drawing/2014/main" id="{2A4BCE5A-6C51-3655-36D9-106041C098EB}"/>
-              </a:ext>
-            </a:extLst>
-          </p:cNvPr>
-          <p:cNvGrpSpPr/>
-          <p:nvPr/>
-        </p:nvGrpSpPr>
-        <p:grpSpPr>
-          <a:xfrm>
-            <a:off x="3713831" y="1794940"/>
-            <a:ext cx="7538325" cy="2831020"/>
-            <a:chOff x="3713831" y="1794940"/>
-            <a:chExt cx="7538325" cy="2831020"/>
-          </a:xfrm>
-        </p:grpSpPr>
-        <p:grpSp>
-          <p:nvGrpSpPr>
-            <p:cNvPr id="5" name="Group 4">
-              <a:extLst>
-                <a:ext uri="{FF2B5EF4-FFF2-40B4-BE49-F238E27FC236}">
-                  <a16:creationId xmlns:a16="http://schemas.microsoft.com/office/drawing/2014/main" id="{B54B0FC7-B589-C119-FE42-9EB12F7A8089}"/>
-                </a:ext>
-              </a:extLst>
-            </p:cNvPr>
-            <p:cNvGrpSpPr/>
-            <p:nvPr/>
-          </p:nvGrpSpPr>
-          <p:grpSpPr>
-            <a:xfrm>
-              <a:off x="8783276" y="1803633"/>
-              <a:ext cx="2468880" cy="2822327"/>
-              <a:chOff x="6811861" y="1803633"/>
-              <a:chExt cx="2468880" cy="2822327"/>
-            </a:xfrm>
-          </p:grpSpPr>
-          <p:sp>
-            <p:nvSpPr>
-              <p:cNvPr id="7" name="Rectangle 6">
-                <a:extLst>
-                  <a:ext uri="{FF2B5EF4-FFF2-40B4-BE49-F238E27FC236}">
-                    <a16:creationId xmlns:a16="http://schemas.microsoft.com/office/drawing/2014/main" id="{602C2FF7-46CF-D76C-0AA0-E6FF484420D5}"/>
-                  </a:ext>
-                </a:extLst>
-              </p:cNvPr>
-              <p:cNvSpPr/>
-              <p:nvPr/>
-            </p:nvSpPr>
-            <p:spPr>
-              <a:xfrm>
-                <a:off x="6811861" y="1803633"/>
-                <a:ext cx="2468880" cy="646331"/>
-              </a:xfrm>
-              <a:prstGeom prst="rect">
-                <a:avLst/>
-              </a:prstGeom>
-              <a:solidFill>
-                <a:srgbClr val="00B0F0">
-                  <a:alpha val="50000"/>
-                </a:srgbClr>
-              </a:solidFill>
-            </p:spPr>
-            <p:style>
-              <a:lnRef idx="2">
-                <a:schemeClr val="accent1">
-                  <a:shade val="15000"/>
-                </a:schemeClr>
-              </a:lnRef>
-              <a:fillRef idx="1">
-                <a:schemeClr val="accent1"/>
-              </a:fillRef>
-              <a:effectRef idx="0">
-                <a:schemeClr val="accent1"/>
-              </a:effectRef>
-              <a:fontRef idx="minor">
-                <a:schemeClr val="lt1"/>
-              </a:fontRef>
-            </p:style>
-            <p:txBody>
-              <a:bodyPr rtlCol="0" anchor="ctr"/>
-              <a:lstStyle/>
-              <a:p>
-                <a:pPr algn="ctr"/>
-                <a:r>
-                  <a:rPr lang="en-US" dirty="0">
-                    <a:solidFill>
-                      <a:schemeClr val="tx1"/>
-                    </a:solidFill>
-                  </a:rPr>
-                  <a:t>Create Stages</a:t>
-                </a:r>
-              </a:p>
-            </p:txBody>
-          </p:sp>
-          <p:sp>
-            <p:nvSpPr>
-              <p:cNvPr id="10" name="Rectangle 9">
-                <a:extLst>
-                  <a:ext uri="{FF2B5EF4-FFF2-40B4-BE49-F238E27FC236}">
-                    <a16:creationId xmlns:a16="http://schemas.microsoft.com/office/drawing/2014/main" id="{8DE34962-4346-969D-1C5B-8EF8F0120DAB}"/>
-                  </a:ext>
-                </a:extLst>
-              </p:cNvPr>
-              <p:cNvSpPr/>
-              <p:nvPr/>
-            </p:nvSpPr>
-            <p:spPr>
-              <a:xfrm>
-                <a:off x="6811861" y="2891631"/>
-                <a:ext cx="2468880" cy="646331"/>
-              </a:xfrm>
-              <a:prstGeom prst="rect">
-                <a:avLst/>
-              </a:prstGeom>
-              <a:solidFill>
-                <a:srgbClr val="00B0F0">
-                  <a:alpha val="50000"/>
-                </a:srgbClr>
-              </a:solidFill>
-            </p:spPr>
-            <p:style>
-              <a:lnRef idx="2">
-                <a:schemeClr val="accent1">
-                  <a:shade val="15000"/>
-                </a:schemeClr>
-              </a:lnRef>
-              <a:fillRef idx="1">
-                <a:schemeClr val="accent1"/>
-              </a:fillRef>
-              <a:effectRef idx="0">
-                <a:schemeClr val="accent1"/>
-              </a:effectRef>
-              <a:fontRef idx="minor">
-                <a:schemeClr val="lt1"/>
-              </a:fontRef>
-            </p:style>
-            <p:txBody>
-              <a:bodyPr rtlCol="0" anchor="ctr"/>
-              <a:lstStyle/>
-              <a:p>
-                <a:pPr algn="ctr"/>
-                <a:r>
-                  <a:rPr lang="en-US" dirty="0">
-                    <a:solidFill>
-                      <a:schemeClr val="tx1"/>
-                    </a:solidFill>
-                  </a:rPr>
-                  <a:t>Create External </a:t>
-                </a:r>
-              </a:p>
-            </p:txBody>
-          </p:sp>
-          <p:cxnSp>
-            <p:nvCxnSpPr>
-              <p:cNvPr id="12" name="Straight Arrow Connector 11">
-                <a:extLst>
-                  <a:ext uri="{FF2B5EF4-FFF2-40B4-BE49-F238E27FC236}">
-                    <a16:creationId xmlns:a16="http://schemas.microsoft.com/office/drawing/2014/main" id="{F23EE859-46B1-8D81-0206-97CDF803B0FE}"/>
-                  </a:ext>
-                </a:extLst>
-              </p:cNvPr>
-              <p:cNvCxnSpPr>
-                <a:stCxn id="7" idx="2"/>
-                <a:endCxn id="10" idx="0"/>
-              </p:cNvCxnSpPr>
-              <p:nvPr/>
-            </p:nvCxnSpPr>
-            <p:spPr>
-              <a:xfrm>
-                <a:off x="8046301" y="2449964"/>
-                <a:ext cx="0" cy="441667"/>
-              </a:xfrm>
-              <a:prstGeom prst="straightConnector1">
-                <a:avLst/>
-              </a:prstGeom>
-              <a:ln w="38100">
-                <a:tailEnd type="triangle"/>
-              </a:ln>
-            </p:spPr>
-            <p:style>
-              <a:lnRef idx="3">
-                <a:schemeClr val="dk1"/>
-              </a:lnRef>
-              <a:fillRef idx="0">
-                <a:schemeClr val="dk1"/>
-              </a:fillRef>
-              <a:effectRef idx="2">
-                <a:schemeClr val="dk1"/>
-              </a:effectRef>
-              <a:fontRef idx="minor">
-                <a:schemeClr val="tx1"/>
-              </a:fontRef>
-            </p:style>
-          </p:cxnSp>
-          <p:sp>
-            <p:nvSpPr>
-              <p:cNvPr id="15" name="Rectangle 14">
-                <a:extLst>
-                  <a:ext uri="{FF2B5EF4-FFF2-40B4-BE49-F238E27FC236}">
-                    <a16:creationId xmlns:a16="http://schemas.microsoft.com/office/drawing/2014/main" id="{8CAA12B0-D428-9FDA-A450-5DD73EE68748}"/>
-                  </a:ext>
-                </a:extLst>
-              </p:cNvPr>
-              <p:cNvSpPr/>
-              <p:nvPr/>
-            </p:nvSpPr>
-            <p:spPr>
-              <a:xfrm>
-                <a:off x="6811861" y="3979629"/>
-                <a:ext cx="2468880" cy="646331"/>
-              </a:xfrm>
-              <a:prstGeom prst="rect">
-                <a:avLst/>
-              </a:prstGeom>
-              <a:solidFill>
-                <a:srgbClr val="00B0F0">
-                  <a:alpha val="50000"/>
-                </a:srgbClr>
-              </a:solidFill>
-            </p:spPr>
-            <p:style>
-              <a:lnRef idx="2">
-                <a:schemeClr val="accent1">
-                  <a:shade val="15000"/>
-                </a:schemeClr>
-              </a:lnRef>
-              <a:fillRef idx="1">
-                <a:schemeClr val="accent1"/>
-              </a:fillRef>
-              <a:effectRef idx="0">
-                <a:schemeClr val="accent1"/>
-              </a:effectRef>
-              <a:fontRef idx="minor">
-                <a:schemeClr val="lt1"/>
-              </a:fontRef>
-            </p:style>
-            <p:txBody>
-              <a:bodyPr rtlCol="0" anchor="ctr"/>
-              <a:lstStyle/>
-              <a:p>
-                <a:pPr algn="ctr"/>
-                <a:r>
-                  <a:rPr lang="en-US" dirty="0">
-                    <a:solidFill>
-                      <a:schemeClr val="tx1"/>
-                    </a:solidFill>
-                  </a:rPr>
-                  <a:t>Ingest Data into Corresponding Tables </a:t>
-                </a:r>
-              </a:p>
-            </p:txBody>
-          </p:sp>
-          <p:cxnSp>
-            <p:nvCxnSpPr>
-              <p:cNvPr id="16" name="Straight Arrow Connector 15">
-                <a:extLst>
-                  <a:ext uri="{FF2B5EF4-FFF2-40B4-BE49-F238E27FC236}">
-                    <a16:creationId xmlns:a16="http://schemas.microsoft.com/office/drawing/2014/main" id="{67A3D253-CC26-B4DC-9F71-3A891DA9D9FF}"/>
-                  </a:ext>
-                </a:extLst>
-              </p:cNvPr>
-              <p:cNvCxnSpPr>
-                <a:cxnSpLocks/>
-                <a:stCxn id="10" idx="2"/>
-                <a:endCxn id="15" idx="0"/>
-              </p:cNvCxnSpPr>
-              <p:nvPr/>
-            </p:nvCxnSpPr>
-            <p:spPr>
-              <a:xfrm>
-                <a:off x="8046301" y="3537962"/>
-                <a:ext cx="0" cy="441667"/>
-              </a:xfrm>
-              <a:prstGeom prst="straightConnector1">
-                <a:avLst/>
-              </a:prstGeom>
-              <a:ln w="38100">
-                <a:tailEnd type="triangle"/>
-              </a:ln>
-            </p:spPr>
-            <p:style>
-              <a:lnRef idx="3">
-                <a:schemeClr val="dk1"/>
-              </a:lnRef>
-              <a:fillRef idx="0">
-                <a:schemeClr val="dk1"/>
-              </a:fillRef>
-              <a:effectRef idx="2">
-                <a:schemeClr val="dk1"/>
-              </a:effectRef>
-              <a:fontRef idx="minor">
-                <a:schemeClr val="tx1"/>
-              </a:fontRef>
-            </p:style>
-          </p:cxnSp>
-        </p:grpSp>
-        <p:pic>
-          <p:nvPicPr>
-            <p:cNvPr id="24" name="Picture 23">
-              <a:extLst>
-                <a:ext uri="{FF2B5EF4-FFF2-40B4-BE49-F238E27FC236}">
-                  <a16:creationId xmlns:a16="http://schemas.microsoft.com/office/drawing/2014/main" id="{B9D80671-299A-9879-DC23-BDD94BBC9084}"/>
-                </a:ext>
-              </a:extLst>
-            </p:cNvPr>
-            <p:cNvPicPr>
-              <a:picLocks noChangeAspect="1"/>
-            </p:cNvPicPr>
-            <p:nvPr/>
-          </p:nvPicPr>
-          <p:blipFill>
-            <a:blip r:embed="rId2"/>
-            <a:stretch>
-              <a:fillRect/>
-            </a:stretch>
-          </p:blipFill>
-          <p:spPr>
-            <a:xfrm>
-              <a:off x="3713831" y="1794940"/>
-              <a:ext cx="4922947" cy="594412"/>
-            </a:xfrm>
-            <a:prstGeom prst="rect">
-              <a:avLst/>
-            </a:prstGeom>
-          </p:spPr>
-        </p:pic>
-        <p:pic>
-          <p:nvPicPr>
-            <p:cNvPr id="26" name="Picture 25">
-              <a:extLst>
-                <a:ext uri="{FF2B5EF4-FFF2-40B4-BE49-F238E27FC236}">
-                  <a16:creationId xmlns:a16="http://schemas.microsoft.com/office/drawing/2014/main" id="{A35792F3-1E61-ACD8-B330-753D5C2F2CA0}"/>
-                </a:ext>
-              </a:extLst>
-            </p:cNvPr>
-            <p:cNvPicPr>
-              <a:picLocks noChangeAspect="1"/>
-            </p:cNvPicPr>
-            <p:nvPr/>
-          </p:nvPicPr>
-          <p:blipFill>
-            <a:blip r:embed="rId3"/>
-            <a:stretch>
-              <a:fillRect/>
-            </a:stretch>
-          </p:blipFill>
-          <p:spPr>
-            <a:xfrm>
-              <a:off x="5540518" y="3153852"/>
-              <a:ext cx="2880610" cy="190517"/>
-            </a:xfrm>
-            <a:prstGeom prst="rect">
-              <a:avLst/>
-            </a:prstGeom>
-          </p:spPr>
-        </p:pic>
-      </p:grpSp>
-      <p:pic>
-        <p:nvPicPr>
-          <p:cNvPr id="29" name="Picture 28">
-            <a:extLst>
-              <a:ext uri="{FF2B5EF4-FFF2-40B4-BE49-F238E27FC236}">
-                <a16:creationId xmlns:a16="http://schemas.microsoft.com/office/drawing/2014/main" id="{1B256647-13F3-1A6E-A499-9F6CF9BA1ABF}"/>
-              </a:ext>
-            </a:extLst>
-          </p:cNvPr>
-          <p:cNvPicPr>
-            <a:picLocks noChangeAspect="1"/>
-          </p:cNvPicPr>
-          <p:nvPr/>
-        </p:nvPicPr>
-        <p:blipFill>
-          <a:blip r:embed="rId4"/>
-          <a:stretch>
-            <a:fillRect/>
-          </a:stretch>
-        </p:blipFill>
-        <p:spPr>
-          <a:xfrm>
-            <a:off x="5093146" y="4028652"/>
-            <a:ext cx="3444538" cy="647756"/>
-          </a:xfrm>
-          <a:prstGeom prst="rect">
-            <a:avLst/>
-          </a:prstGeom>
-        </p:spPr>
-      </p:pic>
-      <p:grpSp>
-        <p:nvGrpSpPr>
-          <p:cNvPr id="23" name="Group 22">
-            <a:extLst>
-              <a:ext uri="{FF2B5EF4-FFF2-40B4-BE49-F238E27FC236}">
-                <a16:creationId xmlns:a16="http://schemas.microsoft.com/office/drawing/2014/main" id="{92B5EE7B-CCDF-8981-5C56-0E1967295BDE}"/>
-              </a:ext>
-            </a:extLst>
-          </p:cNvPr>
-          <p:cNvGrpSpPr/>
-          <p:nvPr/>
-        </p:nvGrpSpPr>
-        <p:grpSpPr>
-          <a:xfrm>
-            <a:off x="130045" y="2492579"/>
-            <a:ext cx="5726068" cy="4247043"/>
-            <a:chOff x="130045" y="2492579"/>
-            <a:chExt cx="5726068" cy="4247043"/>
-          </a:xfrm>
-        </p:grpSpPr>
-        <p:grpSp>
-          <p:nvGrpSpPr>
-            <p:cNvPr id="11" name="Group 10">
-              <a:extLst>
-                <a:ext uri="{FF2B5EF4-FFF2-40B4-BE49-F238E27FC236}">
-                  <a16:creationId xmlns:a16="http://schemas.microsoft.com/office/drawing/2014/main" id="{F1744702-ED5C-FA73-7B8D-254DF5C9D3A2}"/>
-                </a:ext>
-              </a:extLst>
-            </p:cNvPr>
-            <p:cNvGrpSpPr/>
-            <p:nvPr/>
-          </p:nvGrpSpPr>
-          <p:grpSpPr>
-            <a:xfrm>
-              <a:off x="130045" y="2492579"/>
-              <a:ext cx="4152115" cy="2381426"/>
-              <a:chOff x="1027667" y="2450634"/>
-              <a:chExt cx="4152115" cy="2381426"/>
-            </a:xfrm>
-          </p:grpSpPr>
-          <p:sp>
-            <p:nvSpPr>
-              <p:cNvPr id="3" name="Cylinder 2">
-                <a:extLst>
-                  <a:ext uri="{FF2B5EF4-FFF2-40B4-BE49-F238E27FC236}">
-                    <a16:creationId xmlns:a16="http://schemas.microsoft.com/office/drawing/2014/main" id="{11FEF3CF-684A-D1ED-6DA8-00B8EB047948}"/>
-                  </a:ext>
-                </a:extLst>
-              </p:cNvPr>
-              <p:cNvSpPr/>
-              <p:nvPr/>
-            </p:nvSpPr>
-            <p:spPr>
-              <a:xfrm rot="5400000">
-                <a:off x="2890006" y="2659420"/>
-                <a:ext cx="385894" cy="1837189"/>
-              </a:xfrm>
-              <a:prstGeom prst="can">
-                <a:avLst/>
-              </a:prstGeom>
-              <a:solidFill>
-                <a:srgbClr val="00B0F0">
-                  <a:alpha val="38000"/>
-                </a:srgbClr>
-              </a:solidFill>
-            </p:spPr>
-            <p:style>
-              <a:lnRef idx="2">
-                <a:schemeClr val="accent1">
-                  <a:shade val="15000"/>
-                </a:schemeClr>
-              </a:lnRef>
-              <a:fillRef idx="1">
-                <a:schemeClr val="accent1"/>
-              </a:fillRef>
-              <a:effectRef idx="0">
-                <a:schemeClr val="accent1"/>
-              </a:effectRef>
-              <a:fontRef idx="minor">
-                <a:schemeClr val="lt1"/>
-              </a:fontRef>
-            </p:style>
-            <p:txBody>
-              <a:bodyPr rtlCol="0" anchor="ctr"/>
-              <a:lstStyle/>
-              <a:p>
-                <a:pPr algn="ctr"/>
-                <a:endParaRPr lang="en-US"/>
-              </a:p>
-            </p:txBody>
-          </p:sp>
-          <p:grpSp>
-            <p:nvGrpSpPr>
-              <p:cNvPr id="6" name="Group 5">
-                <a:extLst>
-                  <a:ext uri="{FF2B5EF4-FFF2-40B4-BE49-F238E27FC236}">
-                    <a16:creationId xmlns:a16="http://schemas.microsoft.com/office/drawing/2014/main" id="{02B8ED2C-7FEA-7F1C-B63A-F2BE792CCEEC}"/>
-                  </a:ext>
-                </a:extLst>
-              </p:cNvPr>
-              <p:cNvGrpSpPr/>
-              <p:nvPr/>
-            </p:nvGrpSpPr>
-            <p:grpSpPr>
-              <a:xfrm>
-                <a:off x="1027667" y="2450634"/>
-                <a:ext cx="4152115" cy="2381426"/>
-                <a:chOff x="1027667" y="2450634"/>
-                <a:chExt cx="4152115" cy="2381426"/>
-              </a:xfrm>
-            </p:grpSpPr>
-            <p:grpSp>
-              <p:nvGrpSpPr>
-                <p:cNvPr id="9" name="Group 8">
-                  <a:extLst>
-                    <a:ext uri="{FF2B5EF4-FFF2-40B4-BE49-F238E27FC236}">
-                      <a16:creationId xmlns:a16="http://schemas.microsoft.com/office/drawing/2014/main" id="{908CCBC9-C6EC-72C6-9C52-2CE3F0983264}"/>
-                    </a:ext>
-                  </a:extLst>
-                </p:cNvPr>
-                <p:cNvGrpSpPr/>
-                <p:nvPr/>
-              </p:nvGrpSpPr>
-              <p:grpSpPr>
-                <a:xfrm>
-                  <a:off x="1027667" y="2450634"/>
-                  <a:ext cx="2277595" cy="2381426"/>
-                  <a:chOff x="1027667" y="2450634"/>
-                  <a:chExt cx="2277595" cy="2381426"/>
-                </a:xfrm>
-              </p:grpSpPr>
-              <p:pic>
-                <p:nvPicPr>
-                  <p:cNvPr id="3076" name="Picture 4" descr="AWS S3 (Simple Storage Service)&quot; Icon - Download for free – Iconduck">
-                    <a:extLst>
-                      <a:ext uri="{FF2B5EF4-FFF2-40B4-BE49-F238E27FC236}">
-                        <a16:creationId xmlns:a16="http://schemas.microsoft.com/office/drawing/2014/main" id="{5807CD86-8115-4052-5173-0C040E9DFAA3}"/>
-                      </a:ext>
-                    </a:extLst>
-                  </p:cNvPr>
-                  <p:cNvPicPr>
-                    <a:picLocks noChangeAspect="1" noChangeArrowheads="1"/>
-                  </p:cNvPicPr>
-                  <p:nvPr/>
-                </p:nvPicPr>
-                <p:blipFill>
-                  <a:blip r:embed="rId5">
-                    <a:duotone>
-                      <a:schemeClr val="accent1">
-                        <a:shade val="45000"/>
-                        <a:satMod val="135000"/>
-                      </a:schemeClr>
-                      <a:prstClr val="white"/>
-                    </a:duotone>
-                    <a:extLst>
-                      <a:ext uri="{28A0092B-C50C-407E-A947-70E740481C1C}">
-                        <a14:useLocalDpi xmlns:a14="http://schemas.microsoft.com/office/drawing/2010/main" val="0"/>
-                      </a:ext>
-                    </a:extLst>
-                  </a:blip>
-                  <a:srcRect/>
-                  <a:stretch>
-                    <a:fillRect/>
-                  </a:stretch>
-                </p:blipFill>
-                <p:spPr bwMode="auto">
-                  <a:xfrm>
-                    <a:off x="1027667" y="2450634"/>
-                    <a:ext cx="809190" cy="978366"/>
-                  </a:xfrm>
-                  <a:prstGeom prst="rect">
-                    <a:avLst/>
-                  </a:prstGeom>
-                  <a:noFill/>
-                  <a:extLst>
-                    <a:ext uri="{909E8E84-426E-40DD-AFC4-6F175D3DCCD1}">
-                      <a14:hiddenFill xmlns:a14="http://schemas.microsoft.com/office/drawing/2010/main">
-                        <a:solidFill>
-                          <a:srgbClr val="FFFFFF"/>
-                        </a:solidFill>
-                      </a14:hiddenFill>
-                    </a:ext>
-                  </a:extLst>
-                </p:spPr>
-              </p:pic>
-              <p:pic>
-                <p:nvPicPr>
-                  <p:cNvPr id="4" name="Picture 4" descr="AWS S3 (Simple Storage Service)&quot; Icon - Download for free – Iconduck">
-                    <a:extLst>
-                      <a:ext uri="{FF2B5EF4-FFF2-40B4-BE49-F238E27FC236}">
-                        <a16:creationId xmlns:a16="http://schemas.microsoft.com/office/drawing/2014/main" id="{F90ADBB5-025F-1854-419E-D5319F9D77F7}"/>
-                      </a:ext>
-                    </a:extLst>
-                  </p:cNvPr>
-                  <p:cNvPicPr>
-                    <a:picLocks noChangeAspect="1" noChangeArrowheads="1"/>
-                  </p:cNvPicPr>
-                  <p:nvPr/>
-                </p:nvPicPr>
-                <p:blipFill>
-                  <a:blip r:embed="rId5">
-                    <a:duotone>
-                      <a:schemeClr val="accent6">
-                        <a:shade val="45000"/>
-                        <a:satMod val="135000"/>
-                      </a:schemeClr>
-                      <a:prstClr val="white"/>
-                    </a:duotone>
-                    <a:extLst>
-                      <a:ext uri="{28A0092B-C50C-407E-A947-70E740481C1C}">
-                        <a14:useLocalDpi xmlns:a14="http://schemas.microsoft.com/office/drawing/2010/main" val="0"/>
-                      </a:ext>
-                    </a:extLst>
-                  </a:blip>
-                  <a:srcRect/>
-                  <a:stretch>
-                    <a:fillRect/>
-                  </a:stretch>
-                </p:blipFill>
-                <p:spPr bwMode="auto">
-                  <a:xfrm>
-                    <a:off x="1027667" y="3853694"/>
-                    <a:ext cx="809190" cy="978366"/>
-                  </a:xfrm>
-                  <a:prstGeom prst="rect">
-                    <a:avLst/>
-                  </a:prstGeom>
-                  <a:noFill/>
-                  <a:extLst>
-                    <a:ext uri="{909E8E84-426E-40DD-AFC4-6F175D3DCCD1}">
-                      <a14:hiddenFill xmlns:a14="http://schemas.microsoft.com/office/drawing/2010/main">
-                        <a:solidFill>
-                          <a:srgbClr val="FFFFFF"/>
-                        </a:solidFill>
-                      </a14:hiddenFill>
-                    </a:ext>
-                  </a:extLst>
-                </p:spPr>
-              </p:pic>
-              <p:sp>
-                <p:nvSpPr>
-                  <p:cNvPr id="8" name="TextBox 7">
-                    <a:extLst>
-                      <a:ext uri="{FF2B5EF4-FFF2-40B4-BE49-F238E27FC236}">
-                        <a16:creationId xmlns:a16="http://schemas.microsoft.com/office/drawing/2014/main" id="{CA41A722-2770-84EB-E68E-F9729598F786}"/>
-                      </a:ext>
-                    </a:extLst>
-                  </p:cNvPr>
-                  <p:cNvSpPr txBox="1"/>
-                  <p:nvPr/>
-                </p:nvSpPr>
-                <p:spPr>
-                  <a:xfrm>
-                    <a:off x="2860646" y="3385067"/>
-                    <a:ext cx="444616" cy="369332"/>
-                  </a:xfrm>
-                  <a:prstGeom prst="rect">
-                    <a:avLst/>
-                  </a:prstGeom>
-                  <a:noFill/>
-                </p:spPr>
-                <p:txBody>
-                  <a:bodyPr wrap="square" rtlCol="0">
-                    <a:spAutoFit/>
-                  </a:bodyPr>
-                  <a:lstStyle/>
-                  <a:p>
-                    <a:r>
-                      <a:rPr lang="en-US" b="1" i="1" dirty="0"/>
-                      <a:t>EL</a:t>
-                    </a:r>
-                  </a:p>
-                </p:txBody>
-              </p:sp>
-            </p:grpSp>
-            <p:pic>
-              <p:nvPicPr>
-                <p:cNvPr id="3078" name="Picture 6" descr="Snowflake logo in transparent PNG and vectorized SVG formats">
-                  <a:extLst>
-                    <a:ext uri="{FF2B5EF4-FFF2-40B4-BE49-F238E27FC236}">
-                      <a16:creationId xmlns:a16="http://schemas.microsoft.com/office/drawing/2014/main" id="{BEC9F3E6-1BB1-1297-F3DE-1EF7DD78582B}"/>
-                    </a:ext>
-                  </a:extLst>
-                </p:cNvPr>
-                <p:cNvPicPr>
-                  <a:picLocks noChangeAspect="1" noChangeArrowheads="1"/>
-                </p:cNvPicPr>
-                <p:nvPr/>
-              </p:nvPicPr>
-              <p:blipFill>
-                <a:blip r:embed="rId6">
-                  <a:extLst>
-                    <a:ext uri="{28A0092B-C50C-407E-A947-70E740481C1C}">
-                      <a14:useLocalDpi xmlns:a14="http://schemas.microsoft.com/office/drawing/2010/main" val="0"/>
-                    </a:ext>
-                  </a:extLst>
-                </a:blip>
-                <a:srcRect/>
-                <a:stretch>
-                  <a:fillRect/>
-                </a:stretch>
-              </p:blipFill>
-              <p:spPr bwMode="auto">
-                <a:xfrm>
-                  <a:off x="4539702" y="3172851"/>
-                  <a:ext cx="640080" cy="637571"/>
-                </a:xfrm>
-                <a:prstGeom prst="rect">
-                  <a:avLst/>
-                </a:prstGeom>
-                <a:noFill/>
-                <a:extLst>
-                  <a:ext uri="{909E8E84-426E-40DD-AFC4-6F175D3DCCD1}">
-                    <a14:hiddenFill xmlns:a14="http://schemas.microsoft.com/office/drawing/2010/main">
-                      <a:solidFill>
-                        <a:srgbClr val="FFFFFF"/>
-                      </a:solidFill>
-                    </a14:hiddenFill>
-                  </a:ext>
-                </a:extLst>
-              </p:spPr>
-            </p:pic>
-            <p:pic>
-              <p:nvPicPr>
-                <p:cNvPr id="20" name="Picture 6" descr="Snowflake logo in transparent PNG and vectorized SVG formats">
-                  <a:extLst>
-                    <a:ext uri="{FF2B5EF4-FFF2-40B4-BE49-F238E27FC236}">
-                      <a16:creationId xmlns:a16="http://schemas.microsoft.com/office/drawing/2014/main" id="{76BB70CA-3AE2-D85F-86A7-539F70AB3B74}"/>
-                    </a:ext>
-                  </a:extLst>
-                </p:cNvPr>
-                <p:cNvPicPr>
-                  <a:picLocks noChangeAspect="1" noChangeArrowheads="1"/>
-                </p:cNvPicPr>
-                <p:nvPr/>
-              </p:nvPicPr>
-              <p:blipFill>
-                <a:blip r:embed="rId6">
-                  <a:extLst>
-                    <a:ext uri="{28A0092B-C50C-407E-A947-70E740481C1C}">
-                      <a14:useLocalDpi xmlns:a14="http://schemas.microsoft.com/office/drawing/2010/main" val="0"/>
-                    </a:ext>
-                  </a:extLst>
-                </a:blip>
-                <a:srcRect/>
-                <a:stretch>
-                  <a:fillRect/>
-                </a:stretch>
-              </p:blipFill>
-              <p:spPr bwMode="auto">
-                <a:xfrm>
-                  <a:off x="2860468" y="2850269"/>
-                  <a:ext cx="450506" cy="448740"/>
-                </a:xfrm>
-                <a:prstGeom prst="rect">
-                  <a:avLst/>
-                </a:prstGeom>
-                <a:noFill/>
-                <a:extLst>
-                  <a:ext uri="{909E8E84-426E-40DD-AFC4-6F175D3DCCD1}">
-                    <a14:hiddenFill xmlns:a14="http://schemas.microsoft.com/office/drawing/2010/main">
-                      <a:solidFill>
-                        <a:srgbClr val="FFFFFF"/>
-                      </a:solidFill>
-                    </a14:hiddenFill>
-                  </a:ext>
-                </a:extLst>
-              </p:spPr>
-            </p:pic>
-          </p:grpSp>
-        </p:grpSp>
-        <p:pic>
-          <p:nvPicPr>
-            <p:cNvPr id="18" name="Picture 17">
-              <a:extLst>
-                <a:ext uri="{FF2B5EF4-FFF2-40B4-BE49-F238E27FC236}">
-                  <a16:creationId xmlns:a16="http://schemas.microsoft.com/office/drawing/2014/main" id="{880FCB3E-593A-C31A-855B-DD6A8AA05B9C}"/>
-                </a:ext>
-              </a:extLst>
-            </p:cNvPr>
-            <p:cNvPicPr>
-              <a:picLocks noChangeAspect="1"/>
-            </p:cNvPicPr>
-            <p:nvPr/>
-          </p:nvPicPr>
-          <p:blipFill>
-            <a:blip r:embed="rId7"/>
-            <a:stretch>
-              <a:fillRect/>
-            </a:stretch>
-          </p:blipFill>
-          <p:spPr>
-            <a:xfrm>
-              <a:off x="2063944" y="4907561"/>
-              <a:ext cx="3792169" cy="1832061"/>
-            </a:xfrm>
-            <a:prstGeom prst="rect">
-              <a:avLst/>
-            </a:prstGeom>
-          </p:spPr>
-        </p:pic>
-      </p:grpSp>
-      <p:cxnSp>
-        <p:nvCxnSpPr>
-          <p:cNvPr id="21" name="Straight Arrow Connector 20">
-            <a:extLst>
-              <a:ext uri="{FF2B5EF4-FFF2-40B4-BE49-F238E27FC236}">
-                <a16:creationId xmlns:a16="http://schemas.microsoft.com/office/drawing/2014/main" id="{ECFE3FB4-B560-4596-6236-2F55D2C8E4C2}"/>
-              </a:ext>
-            </a:extLst>
-          </p:cNvPr>
-          <p:cNvCxnSpPr>
-            <a:cxnSpLocks/>
-            <a:stCxn id="3078" idx="2"/>
-            <a:endCxn id="18" idx="0"/>
-          </p:cNvCxnSpPr>
-          <p:nvPr/>
-        </p:nvCxnSpPr>
-        <p:spPr>
-          <a:xfrm flipH="1">
-            <a:off x="3960029" y="3852367"/>
-            <a:ext cx="2091" cy="1055194"/>
-          </a:xfrm>
-          <a:prstGeom prst="straightConnector1">
-            <a:avLst/>
-          </a:prstGeom>
-          <a:ln>
-            <a:tailEnd type="triangle"/>
-          </a:ln>
-        </p:spPr>
-        <p:style>
-          <a:lnRef idx="3">
-            <a:schemeClr val="dk1"/>
-          </a:lnRef>
-          <a:fillRef idx="0">
-            <a:schemeClr val="dk1"/>
-          </a:fillRef>
-          <a:effectRef idx="2">
-            <a:schemeClr val="dk1"/>
-          </a:effectRef>
-          <a:fontRef idx="minor">
-            <a:schemeClr val="tx1"/>
-          </a:fontRef>
-        </p:style>
-      </p:cxnSp>
-      <p:pic>
-        <p:nvPicPr>
-          <p:cNvPr id="31" name="Picture 2" descr="FIRN Analytics: Timely Data Solutions &amp; Expert Consultancy">
-            <a:extLst>
-              <a:ext uri="{FF2B5EF4-FFF2-40B4-BE49-F238E27FC236}">
-                <a16:creationId xmlns:a16="http://schemas.microsoft.com/office/drawing/2014/main" id="{FEFF81EA-1AAB-B708-C2B6-0404CF47212C}"/>
-              </a:ext>
-            </a:extLst>
-          </p:cNvPr>
-          <p:cNvPicPr>
-            <a:picLocks noChangeAspect="1" noChangeArrowheads="1"/>
-          </p:cNvPicPr>
-          <p:nvPr/>
-        </p:nvPicPr>
-        <p:blipFill>
-          <a:blip r:embed="rId8">
-            <a:extLst>
-              <a:ext uri="{28A0092B-C50C-407E-A947-70E740481C1C}">
-                <a14:useLocalDpi xmlns:a14="http://schemas.microsoft.com/office/drawing/2010/main" val="0"/>
-              </a:ext>
-            </a:extLst>
-          </a:blip>
-          <a:srcRect/>
-          <a:stretch>
-            <a:fillRect/>
-          </a:stretch>
-        </p:blipFill>
-        <p:spPr bwMode="auto">
-          <a:xfrm>
-            <a:off x="11182350" y="5848350"/>
-            <a:ext cx="1009650" cy="1009650"/>
-          </a:xfrm>
-          <a:prstGeom prst="rect">
-            <a:avLst/>
-          </a:prstGeom>
-          <a:noFill/>
-          <a:extLst>
-            <a:ext uri="{909E8E84-426E-40DD-AFC4-6F175D3DCCD1}">
-              <a14:hiddenFill xmlns:a14="http://schemas.microsoft.com/office/drawing/2010/main">
-                <a:solidFill>
-                  <a:srgbClr val="FFFFFF"/>
-                </a:solidFill>
-              </a14:hiddenFill>
-            </a:ext>
-          </a:extLst>
-        </p:spPr>
-      </p:pic>
-    </p:spTree>
-    <p:extLst>
-      <p:ext uri="{BB962C8B-B14F-4D97-AF65-F5344CB8AC3E}">
-        <p14:creationId xmlns:p14="http://schemas.microsoft.com/office/powerpoint/2010/main" val="3297257504"/>
-      </p:ext>
-    </p:extLst>
-  </p:cSld>
-  <p:clrMapOvr>
-    <a:masterClrMapping/>
-  </p:clrMapOvr>
-</p:sld>
-</file>
-
-<file path=ppt/slides/slide9.xml><?xml version="1.0" encoding="utf-8"?>
-<p:sld xmlns:a="http://schemas.openxmlformats.org/drawingml/2006/main" xmlns:r="http://schemas.openxmlformats.org/officeDocument/2006/relationships" xmlns:p="http://schemas.openxmlformats.org/presentationml/2006/main">
-  <p:cSld>
-    <p:spTree>
-      <p:nvGrpSpPr>
-        <p:cNvPr id="1" name=""/>
-        <p:cNvGrpSpPr/>
-        <p:nvPr/>
-      </p:nvGrpSpPr>
-      <p:grpSpPr>
-        <a:xfrm>
-          <a:off x="0" y="0"/>
-          <a:ext cx="0" cy="0"/>
-          <a:chOff x="0" y="0"/>
-          <a:chExt cx="0" cy="0"/>
-        </a:xfrm>
-      </p:grpSpPr>
-      <p:sp>
-        <p:nvSpPr>
-          <p:cNvPr id="2" name="TextBox 1">
-            <a:extLst>
-              <a:ext uri="{FF2B5EF4-FFF2-40B4-BE49-F238E27FC236}">
-                <a16:creationId xmlns:a16="http://schemas.microsoft.com/office/drawing/2014/main" id="{15726383-B407-319E-030C-10F657ACC3A3}"/>
-              </a:ext>
-            </a:extLst>
-          </p:cNvPr>
-          <p:cNvSpPr txBox="1"/>
-          <p:nvPr/>
-        </p:nvSpPr>
-        <p:spPr>
-          <a:xfrm>
-            <a:off x="0" y="323165"/>
-            <a:ext cx="12192000" cy="646331"/>
-          </a:xfrm>
-          <a:prstGeom prst="rect">
-            <a:avLst/>
-          </a:prstGeom>
-          <a:noFill/>
-        </p:spPr>
-        <p:txBody>
-          <a:bodyPr wrap="square" rtlCol="0">
-            <a:spAutoFit/>
-          </a:bodyPr>
-          <a:lstStyle/>
-          <a:p>
-            <a:pPr algn="ctr"/>
-            <a:r>
-              <a:rPr lang="en-US" sz="3600" i="1" dirty="0">
-                <a:solidFill>
-                  <a:srgbClr val="7030A0"/>
-                </a:solidFill>
-                <a:latin typeface="Calisto MT" panose="02040603050505030304" pitchFamily="18" charset="0"/>
-              </a:rPr>
-              <a:t>Dbt Cloud – Transforming the Data</a:t>
-            </a:r>
-          </a:p>
-        </p:txBody>
-      </p:sp>
-      <p:grpSp>
-        <p:nvGrpSpPr>
-          <p:cNvPr id="10" name="Group 9">
-            <a:extLst>
-              <a:ext uri="{FF2B5EF4-FFF2-40B4-BE49-F238E27FC236}">
-                <a16:creationId xmlns:a16="http://schemas.microsoft.com/office/drawing/2014/main" id="{B9E2A3AB-1F9E-EE38-C54D-7247755CC575}"/>
-              </a:ext>
-            </a:extLst>
-          </p:cNvPr>
-          <p:cNvGrpSpPr/>
-          <p:nvPr/>
-        </p:nvGrpSpPr>
-        <p:grpSpPr>
-          <a:xfrm>
-            <a:off x="3409882" y="2115467"/>
-            <a:ext cx="5372235" cy="1834095"/>
-            <a:chOff x="3409882" y="2115467"/>
-            <a:chExt cx="5372235" cy="1834095"/>
-          </a:xfrm>
-        </p:grpSpPr>
-        <p:grpSp>
-          <p:nvGrpSpPr>
-            <p:cNvPr id="15" name="Group 14">
-              <a:extLst>
-                <a:ext uri="{FF2B5EF4-FFF2-40B4-BE49-F238E27FC236}">
-                  <a16:creationId xmlns:a16="http://schemas.microsoft.com/office/drawing/2014/main" id="{29AC0BE3-E873-6B06-34D7-C5AE0B32D29F}"/>
-                </a:ext>
-              </a:extLst>
-            </p:cNvPr>
-            <p:cNvGrpSpPr/>
-            <p:nvPr/>
-          </p:nvGrpSpPr>
-          <p:grpSpPr>
-            <a:xfrm>
-              <a:off x="4008720" y="2763344"/>
-              <a:ext cx="4174560" cy="1186218"/>
-              <a:chOff x="4542301" y="2759951"/>
-              <a:chExt cx="4174560" cy="1186218"/>
-            </a:xfrm>
-          </p:grpSpPr>
-          <p:grpSp>
-            <p:nvGrpSpPr>
-              <p:cNvPr id="11" name="Group 10">
-                <a:extLst>
-                  <a:ext uri="{FF2B5EF4-FFF2-40B4-BE49-F238E27FC236}">
-                    <a16:creationId xmlns:a16="http://schemas.microsoft.com/office/drawing/2014/main" id="{F1744702-ED5C-FA73-7B8D-254DF5C9D3A2}"/>
-                  </a:ext>
-                </a:extLst>
-              </p:cNvPr>
-              <p:cNvGrpSpPr/>
-              <p:nvPr/>
-            </p:nvGrpSpPr>
-            <p:grpSpPr>
-              <a:xfrm>
-                <a:off x="4542301" y="3308591"/>
-                <a:ext cx="4174560" cy="637578"/>
-                <a:chOff x="4542301" y="3308591"/>
-                <a:chExt cx="4174560" cy="637578"/>
-              </a:xfrm>
-            </p:grpSpPr>
-            <p:sp>
-              <p:nvSpPr>
-                <p:cNvPr id="12" name="Cylinder 11">
-                  <a:extLst>
-                    <a:ext uri="{FF2B5EF4-FFF2-40B4-BE49-F238E27FC236}">
-                      <a16:creationId xmlns:a16="http://schemas.microsoft.com/office/drawing/2014/main" id="{BEF70F46-44AB-CB03-2EE7-4A4C7ADDC072}"/>
-                    </a:ext>
-                  </a:extLst>
-                </p:cNvPr>
-                <p:cNvSpPr/>
-                <p:nvPr/>
-              </p:nvSpPr>
-              <p:spPr>
-                <a:xfrm rot="5400000">
-                  <a:off x="6436634" y="2659421"/>
-                  <a:ext cx="385894" cy="1837189"/>
-                </a:xfrm>
-                <a:prstGeom prst="can">
-                  <a:avLst/>
-                </a:prstGeom>
-                <a:solidFill>
-                  <a:srgbClr val="C00000">
-                    <a:alpha val="56000"/>
-                  </a:srgbClr>
-                </a:solidFill>
-              </p:spPr>
-              <p:style>
-                <a:lnRef idx="2">
-                  <a:schemeClr val="accent1">
-                    <a:shade val="15000"/>
-                  </a:schemeClr>
-                </a:lnRef>
-                <a:fillRef idx="1">
-                  <a:schemeClr val="accent1"/>
-                </a:fillRef>
-                <a:effectRef idx="0">
-                  <a:schemeClr val="accent1"/>
-                </a:effectRef>
-                <a:fontRef idx="minor">
-                  <a:schemeClr val="lt1"/>
-                </a:fontRef>
-              </p:style>
-              <p:txBody>
-                <a:bodyPr rtlCol="0" anchor="ctr"/>
-                <a:lstStyle/>
-                <a:p>
-                  <a:pPr algn="ctr"/>
-                  <a:endParaRPr lang="en-US" dirty="0"/>
-                </a:p>
-              </p:txBody>
-            </p:sp>
-            <p:grpSp>
-              <p:nvGrpSpPr>
-                <p:cNvPr id="6" name="Group 5">
-                  <a:extLst>
-                    <a:ext uri="{FF2B5EF4-FFF2-40B4-BE49-F238E27FC236}">
-                      <a16:creationId xmlns:a16="http://schemas.microsoft.com/office/drawing/2014/main" id="{02B8ED2C-7FEA-7F1C-B63A-F2BE792CCEEC}"/>
-                    </a:ext>
-                  </a:extLst>
-                </p:cNvPr>
-                <p:cNvGrpSpPr/>
-                <p:nvPr/>
-              </p:nvGrpSpPr>
-              <p:grpSpPr>
-                <a:xfrm>
-                  <a:off x="4542301" y="3308591"/>
-                  <a:ext cx="4174560" cy="637578"/>
-                  <a:chOff x="4542301" y="3308591"/>
-                  <a:chExt cx="4174560" cy="637578"/>
-                </a:xfrm>
-              </p:grpSpPr>
-              <p:sp>
-                <p:nvSpPr>
-                  <p:cNvPr id="13" name="TextBox 12">
-                    <a:extLst>
-                      <a:ext uri="{FF2B5EF4-FFF2-40B4-BE49-F238E27FC236}">
-                        <a16:creationId xmlns:a16="http://schemas.microsoft.com/office/drawing/2014/main" id="{3229CCE7-8EC7-A578-C575-3A4A5C25B4D0}"/>
-                      </a:ext>
-                    </a:extLst>
-                  </p:cNvPr>
-                  <p:cNvSpPr txBox="1"/>
-                  <p:nvPr/>
-                </p:nvSpPr>
-                <p:spPr>
-                  <a:xfrm>
-                    <a:off x="6455545" y="3393348"/>
-                    <a:ext cx="444616" cy="369332"/>
-                  </a:xfrm>
-                  <a:prstGeom prst="rect">
-                    <a:avLst/>
-                  </a:prstGeom>
-                  <a:noFill/>
-                </p:spPr>
-                <p:txBody>
-                  <a:bodyPr wrap="square" rtlCol="0">
-                    <a:spAutoFit/>
-                  </a:bodyPr>
-                  <a:lstStyle/>
-                  <a:p>
-                    <a:r>
-                      <a:rPr lang="en-US" b="1" i="1" dirty="0"/>
-                      <a:t>T</a:t>
-                    </a:r>
-                  </a:p>
-                </p:txBody>
-              </p:sp>
-              <p:pic>
-                <p:nvPicPr>
-                  <p:cNvPr id="3078" name="Picture 6" descr="Snowflake logo in transparent PNG and vectorized SVG formats">
-                    <a:extLst>
-                      <a:ext uri="{FF2B5EF4-FFF2-40B4-BE49-F238E27FC236}">
-                        <a16:creationId xmlns:a16="http://schemas.microsoft.com/office/drawing/2014/main" id="{BEC9F3E6-1BB1-1297-F3DE-1EF7DD78582B}"/>
-                      </a:ext>
-                    </a:extLst>
-                  </p:cNvPr>
-                  <p:cNvPicPr>
-                    <a:picLocks noChangeAspect="1" noChangeArrowheads="1"/>
-                  </p:cNvPicPr>
-                  <p:nvPr/>
-                </p:nvPicPr>
-                <p:blipFill>
-                  <a:blip r:embed="rId2">
-                    <a:extLst>
-                      <a:ext uri="{28A0092B-C50C-407E-A947-70E740481C1C}">
-                        <a14:useLocalDpi xmlns:a14="http://schemas.microsoft.com/office/drawing/2010/main" val="0"/>
-                      </a:ext>
-                    </a:extLst>
-                  </a:blip>
-                  <a:srcRect/>
-                  <a:stretch>
-                    <a:fillRect/>
-                  </a:stretch>
-                </p:blipFill>
-                <p:spPr bwMode="auto">
-                  <a:xfrm>
-                    <a:off x="4542301" y="3308598"/>
-                    <a:ext cx="640080" cy="637571"/>
-                  </a:xfrm>
-                  <a:prstGeom prst="rect">
-                    <a:avLst/>
-                  </a:prstGeom>
-                  <a:noFill/>
-                  <a:extLst>
-                    <a:ext uri="{909E8E84-426E-40DD-AFC4-6F175D3DCCD1}">
-                      <a14:hiddenFill xmlns:a14="http://schemas.microsoft.com/office/drawing/2010/main">
-                        <a:solidFill>
-                          <a:srgbClr val="FFFFFF"/>
-                        </a:solidFill>
-                      </a14:hiddenFill>
-                    </a:ext>
-                  </a:extLst>
-                </p:spPr>
-              </p:pic>
-              <p:pic>
-                <p:nvPicPr>
-                  <p:cNvPr id="16" name="Picture 6" descr="Snowflake logo in transparent PNG and vectorized SVG formats">
-                    <a:extLst>
-                      <a:ext uri="{FF2B5EF4-FFF2-40B4-BE49-F238E27FC236}">
-                        <a16:creationId xmlns:a16="http://schemas.microsoft.com/office/drawing/2014/main" id="{6060C3F5-8CE3-614E-4A15-EF4D5C8C1B4C}"/>
-                      </a:ext>
-                    </a:extLst>
-                  </p:cNvPr>
-                  <p:cNvPicPr>
-                    <a:picLocks noChangeAspect="1" noChangeArrowheads="1"/>
-                  </p:cNvPicPr>
-                  <p:nvPr/>
-                </p:nvPicPr>
-                <p:blipFill>
-                  <a:blip r:embed="rId2">
-                    <a:extLst>
-                      <a:ext uri="{28A0092B-C50C-407E-A947-70E740481C1C}">
-                        <a14:useLocalDpi xmlns:a14="http://schemas.microsoft.com/office/drawing/2010/main" val="0"/>
-                      </a:ext>
-                    </a:extLst>
-                  </a:blip>
-                  <a:srcRect/>
-                  <a:stretch>
-                    <a:fillRect/>
-                  </a:stretch>
-                </p:blipFill>
-                <p:spPr bwMode="auto">
-                  <a:xfrm>
-                    <a:off x="8076781" y="3308591"/>
-                    <a:ext cx="640080" cy="637571"/>
-                  </a:xfrm>
-                  <a:prstGeom prst="rect">
-                    <a:avLst/>
-                  </a:prstGeom>
-                  <a:noFill/>
-                  <a:extLst>
-                    <a:ext uri="{909E8E84-426E-40DD-AFC4-6F175D3DCCD1}">
-                      <a14:hiddenFill xmlns:a14="http://schemas.microsoft.com/office/drawing/2010/main">
-                        <a:solidFill>
-                          <a:srgbClr val="FFFFFF"/>
-                        </a:solidFill>
-                      </a14:hiddenFill>
-                    </a:ext>
-                  </a:extLst>
-                </p:spPr>
-              </p:pic>
-            </p:grpSp>
-          </p:grpSp>
-          <p:pic>
-            <p:nvPicPr>
-              <p:cNvPr id="4098" name="Picture 2" descr="Dbt Logo PNG Vectors Free Download">
-                <a:extLst>
-                  <a:ext uri="{FF2B5EF4-FFF2-40B4-BE49-F238E27FC236}">
-                    <a16:creationId xmlns:a16="http://schemas.microsoft.com/office/drawing/2014/main" id="{216076B6-EBAC-09B1-359D-EFA7CF126547}"/>
-                  </a:ext>
-                </a:extLst>
-              </p:cNvPr>
-              <p:cNvPicPr>
-                <a:picLocks noChangeAspect="1" noChangeArrowheads="1"/>
-              </p:cNvPicPr>
-              <p:nvPr/>
-            </p:nvPicPr>
-            <p:blipFill>
-              <a:blip r:embed="rId3">
-                <a:extLst>
-                  <a:ext uri="{28A0092B-C50C-407E-A947-70E740481C1C}">
-                    <a14:useLocalDpi xmlns:a14="http://schemas.microsoft.com/office/drawing/2010/main" val="0"/>
-                  </a:ext>
-                </a:extLst>
-              </a:blip>
-              <a:srcRect/>
-              <a:stretch>
-                <a:fillRect/>
-              </a:stretch>
-            </p:blipFill>
-            <p:spPr bwMode="auto">
-              <a:xfrm>
-                <a:off x="6355261" y="2759951"/>
-                <a:ext cx="548640" cy="548640"/>
-              </a:xfrm>
-              <a:prstGeom prst="rect">
-                <a:avLst/>
-              </a:prstGeom>
-              <a:noFill/>
-              <a:extLst>
-                <a:ext uri="{909E8E84-426E-40DD-AFC4-6F175D3DCCD1}">
-                  <a14:hiddenFill xmlns:a14="http://schemas.microsoft.com/office/drawing/2010/main">
-                    <a:solidFill>
-                      <a:srgbClr val="FFFFFF"/>
-                    </a:solidFill>
-                  </a14:hiddenFill>
-                </a:ext>
-              </a:extLst>
-            </p:spPr>
-          </p:pic>
-        </p:grpSp>
-        <p:sp>
-          <p:nvSpPr>
-            <p:cNvPr id="5" name="TextBox 4">
-              <a:extLst>
-                <a:ext uri="{FF2B5EF4-FFF2-40B4-BE49-F238E27FC236}">
-                  <a16:creationId xmlns:a16="http://schemas.microsoft.com/office/drawing/2014/main" id="{8275A334-7653-0088-CBCF-79C120820E43}"/>
-                </a:ext>
-              </a:extLst>
-            </p:cNvPr>
-            <p:cNvSpPr txBox="1"/>
-            <p:nvPr/>
-          </p:nvSpPr>
-          <p:spPr>
-            <a:xfrm>
-              <a:off x="3409882" y="2115467"/>
-              <a:ext cx="1828375" cy="369332"/>
-            </a:xfrm>
-            <a:prstGeom prst="rect">
-              <a:avLst/>
-            </a:prstGeom>
-            <a:noFill/>
-          </p:spPr>
-          <p:txBody>
-            <a:bodyPr wrap="square" rtlCol="0">
-              <a:spAutoFit/>
-            </a:bodyPr>
-            <a:lstStyle/>
-            <a:p>
-              <a:pPr algn="ctr"/>
-              <a:r>
-                <a:rPr lang="en-US" dirty="0">
-                  <a:solidFill>
-                    <a:srgbClr val="00B0F0"/>
-                  </a:solidFill>
-                </a:rPr>
-                <a:t>Raw Data</a:t>
-              </a:r>
-            </a:p>
-          </p:txBody>
-        </p:sp>
-        <p:sp>
-          <p:nvSpPr>
-            <p:cNvPr id="7" name="TextBox 6">
-              <a:extLst>
-                <a:ext uri="{FF2B5EF4-FFF2-40B4-BE49-F238E27FC236}">
-                  <a16:creationId xmlns:a16="http://schemas.microsoft.com/office/drawing/2014/main" id="{FE95DD59-6E22-5DA9-39A8-0E7FEA9E07F2}"/>
-                </a:ext>
-              </a:extLst>
-            </p:cNvPr>
-            <p:cNvSpPr txBox="1"/>
-            <p:nvPr/>
-          </p:nvSpPr>
-          <p:spPr>
-            <a:xfrm>
-              <a:off x="6953742" y="2115467"/>
-              <a:ext cx="1828375" cy="369332"/>
-            </a:xfrm>
-            <a:prstGeom prst="rect">
-              <a:avLst/>
-            </a:prstGeom>
-            <a:noFill/>
-          </p:spPr>
-          <p:txBody>
-            <a:bodyPr wrap="square" rtlCol="0">
-              <a:spAutoFit/>
-            </a:bodyPr>
-            <a:lstStyle/>
-            <a:p>
-              <a:pPr algn="ctr"/>
-              <a:r>
-                <a:rPr lang="en-US" dirty="0">
-                  <a:solidFill>
-                    <a:srgbClr val="00B0F0"/>
-                  </a:solidFill>
-                </a:rPr>
-                <a:t>Prepared Data</a:t>
-              </a:r>
-            </a:p>
-          </p:txBody>
-        </p:sp>
-      </p:grpSp>
-      <p:pic>
-        <p:nvPicPr>
-          <p:cNvPr id="18" name="Picture 2" descr="FIRN Analytics: Timely Data Solutions &amp; Expert Consultancy">
-            <a:extLst>
-              <a:ext uri="{FF2B5EF4-FFF2-40B4-BE49-F238E27FC236}">
-                <a16:creationId xmlns:a16="http://schemas.microsoft.com/office/drawing/2014/main" id="{8A1DB5AF-582C-D1D3-04B7-2E1D9A564984}"/>
-              </a:ext>
-            </a:extLst>
-          </p:cNvPr>
-          <p:cNvPicPr>
-            <a:picLocks noChangeAspect="1" noChangeArrowheads="1"/>
-          </p:cNvPicPr>
-          <p:nvPr/>
-        </p:nvPicPr>
-        <p:blipFill>
-          <a:blip r:embed="rId4">
-            <a:extLst>
-              <a:ext uri="{28A0092B-C50C-407E-A947-70E740481C1C}">
-                <a14:useLocalDpi xmlns:a14="http://schemas.microsoft.com/office/drawing/2010/main" val="0"/>
-              </a:ext>
-            </a:extLst>
-          </a:blip>
-          <a:srcRect/>
-          <a:stretch>
-            <a:fillRect/>
-          </a:stretch>
-        </p:blipFill>
-        <p:spPr bwMode="auto">
-          <a:xfrm>
-            <a:off x="11182350" y="5848350"/>
-            <a:ext cx="1009650" cy="1009650"/>
-          </a:xfrm>
-          <a:prstGeom prst="rect">
-            <a:avLst/>
-          </a:prstGeom>
-          <a:noFill/>
-          <a:extLst>
-            <a:ext uri="{909E8E84-426E-40DD-AFC4-6F175D3DCCD1}">
-              <a14:hiddenFill xmlns:a14="http://schemas.microsoft.com/office/drawing/2010/main">
-                <a:solidFill>
-                  <a:srgbClr val="FFFFFF"/>
-                </a:solidFill>
-              </a14:hiddenFill>
-            </a:ext>
-          </a:extLst>
-        </p:spPr>
-      </p:pic>
-    </p:spTree>
-    <p:extLst>
-      <p:ext uri="{BB962C8B-B14F-4D97-AF65-F5344CB8AC3E}">
-        <p14:creationId xmlns:p14="http://schemas.microsoft.com/office/powerpoint/2010/main" val="2047480615"/>
+        <p14:creationId xmlns:p14="http://schemas.microsoft.com/office/powerpoint/2010/main" val="1547502742"/>
       </p:ext>
     </p:extLst>
   </p:cSld>

--- a/Presentation/Case Study - Presentation.pptx
+++ b/Presentation/Case Study - Presentation.pptx
@@ -6055,10 +6055,10 @@
         </p:nvGrpSpPr>
         <p:grpSpPr>
           <a:xfrm>
-            <a:off x="130045" y="2492579"/>
-            <a:ext cx="5726068" cy="4247043"/>
-            <a:chOff x="130045" y="2492579"/>
-            <a:chExt cx="5726068" cy="4247043"/>
+            <a:off x="33302" y="2063235"/>
+            <a:ext cx="5822811" cy="4676387"/>
+            <a:chOff x="33302" y="2063235"/>
+            <a:chExt cx="5822811" cy="4676387"/>
           </a:xfrm>
         </p:grpSpPr>
         <p:grpSp>
@@ -6075,10 +6075,10 @@
           </p:nvGrpSpPr>
           <p:grpSpPr>
             <a:xfrm>
-              <a:off x="130045" y="2492579"/>
-              <a:ext cx="4152115" cy="2381426"/>
-              <a:chOff x="1027667" y="2450634"/>
-              <a:chExt cx="4152115" cy="2381426"/>
+              <a:off x="33302" y="2063235"/>
+              <a:ext cx="4248858" cy="3302097"/>
+              <a:chOff x="930924" y="2021290"/>
+              <a:chExt cx="4248858" cy="3302097"/>
             </a:xfrm>
           </p:grpSpPr>
           <p:sp>
@@ -6146,10 +6146,10 @@
             </p:nvGrpSpPr>
             <p:grpSpPr>
               <a:xfrm>
-                <a:off x="1027667" y="2450634"/>
-                <a:ext cx="4152115" cy="2381426"/>
-                <a:chOff x="1027667" y="2450634"/>
-                <a:chExt cx="4152115" cy="2381426"/>
+                <a:off x="930924" y="2021290"/>
+                <a:ext cx="4248858" cy="3302097"/>
+                <a:chOff x="930924" y="2021290"/>
+                <a:chExt cx="4248858" cy="3302097"/>
               </a:xfrm>
             </p:grpSpPr>
             <p:grpSp>
@@ -6166,10 +6166,10 @@
               </p:nvGrpSpPr>
               <p:grpSpPr>
                 <a:xfrm>
-                  <a:off x="1027667" y="2450634"/>
-                  <a:ext cx="2277595" cy="2381426"/>
-                  <a:chOff x="1027667" y="2450634"/>
-                  <a:chExt cx="2277595" cy="2381426"/>
+                  <a:off x="930924" y="2021290"/>
+                  <a:ext cx="2374338" cy="3302097"/>
+                  <a:chOff x="930924" y="2021290"/>
+                  <a:chExt cx="2374338" cy="3302097"/>
                 </a:xfrm>
               </p:grpSpPr>
               <p:pic>
@@ -6311,6 +6311,84 @@
                     <a:r>
                       <a:rPr lang="en-US" b="1" i="1" dirty="0"/>
                       <a:t>EL</a:t>
+                    </a:r>
+                  </a:p>
+                </p:txBody>
+              </p:sp>
+              <p:sp>
+                <p:nvSpPr>
+                  <p:cNvPr id="13" name="TextBox 12">
+                    <a:extLst>
+                      <a:ext uri="{FF2B5EF4-FFF2-40B4-BE49-F238E27FC236}">
+                        <a16:creationId xmlns:a16="http://schemas.microsoft.com/office/drawing/2014/main" id="{03A257ED-CC79-FF25-34E1-CFF52154D0CF}"/>
+                      </a:ext>
+                    </a:extLst>
+                  </p:cNvPr>
+                  <p:cNvSpPr txBox="1"/>
+                  <p:nvPr/>
+                </p:nvSpPr>
+                <p:spPr>
+                  <a:xfrm>
+                    <a:off x="930924" y="4954055"/>
+                    <a:ext cx="1084668" cy="369332"/>
+                  </a:xfrm>
+                  <a:prstGeom prst="rect">
+                    <a:avLst/>
+                  </a:prstGeom>
+                  <a:noFill/>
+                </p:spPr>
+                <p:txBody>
+                  <a:bodyPr wrap="square" rtlCol="0">
+                    <a:spAutoFit/>
+                  </a:bodyPr>
+                  <a:lstStyle/>
+                  <a:p>
+                    <a:r>
+                      <a:rPr lang="en-US" b="1" i="1" dirty="0">
+                        <a:solidFill>
+                          <a:schemeClr val="accent6"/>
+                        </a:solidFill>
+                      </a:rPr>
+                      <a:t>City Bike</a:t>
+                    </a:r>
+                  </a:p>
+                </p:txBody>
+              </p:sp>
+              <p:sp>
+                <p:nvSpPr>
+                  <p:cNvPr id="14" name="TextBox 13">
+                    <a:extLst>
+                      <a:ext uri="{FF2B5EF4-FFF2-40B4-BE49-F238E27FC236}">
+                        <a16:creationId xmlns:a16="http://schemas.microsoft.com/office/drawing/2014/main" id="{1CAFA79A-085E-9D2B-0F34-2560AA165D0F}"/>
+                      </a:ext>
+                    </a:extLst>
+                  </p:cNvPr>
+                  <p:cNvSpPr txBox="1"/>
+                  <p:nvPr/>
+                </p:nvSpPr>
+                <p:spPr>
+                  <a:xfrm>
+                    <a:off x="930924" y="2021290"/>
+                    <a:ext cx="1084668" cy="369332"/>
+                  </a:xfrm>
+                  <a:prstGeom prst="rect">
+                    <a:avLst/>
+                  </a:prstGeom>
+                  <a:noFill/>
+                </p:spPr>
+                <p:txBody>
+                  <a:bodyPr wrap="square" rtlCol="0">
+                    <a:spAutoFit/>
+                  </a:bodyPr>
+                  <a:lstStyle/>
+                  <a:p>
+                    <a:r>
+                      <a:rPr lang="en-US" b="1" i="1" dirty="0">
+                        <a:solidFill>
+                          <a:srgbClr val="0070C0"/>
+                        </a:solidFill>
+                      </a:rPr>
+                      <a:t>Weather</a:t>
                     </a:r>
                   </a:p>
                 </p:txBody>
@@ -9074,12 +9152,106 @@
           </a:p>
         </p:txBody>
       </p:sp>
+      <p:pic>
+        <p:nvPicPr>
+          <p:cNvPr id="39" name="Picture 2" descr="FIRN Analytics: Timely Data Solutions &amp; Expert Consultancy">
+            <a:extLst>
+              <a:ext uri="{FF2B5EF4-FFF2-40B4-BE49-F238E27FC236}">
+                <a16:creationId xmlns:a16="http://schemas.microsoft.com/office/drawing/2014/main" id="{DC0B0425-5A11-B8A4-83D9-D81D1C821200}"/>
+              </a:ext>
+            </a:extLst>
+          </p:cNvPr>
+          <p:cNvPicPr>
+            <a:picLocks noChangeAspect="1" noChangeArrowheads="1"/>
+          </p:cNvPicPr>
+          <p:nvPr/>
+        </p:nvPicPr>
+        <p:blipFill>
+          <a:blip r:embed="rId2">
+            <a:extLst>
+              <a:ext uri="{28A0092B-C50C-407E-A947-70E740481C1C}">
+                <a14:useLocalDpi xmlns:a14="http://schemas.microsoft.com/office/drawing/2010/main" val="0"/>
+              </a:ext>
+            </a:extLst>
+          </a:blip>
+          <a:srcRect/>
+          <a:stretch>
+            <a:fillRect/>
+          </a:stretch>
+        </p:blipFill>
+        <p:spPr bwMode="auto">
+          <a:xfrm>
+            <a:off x="11182350" y="5848350"/>
+            <a:ext cx="1009650" cy="1009650"/>
+          </a:xfrm>
+          <a:prstGeom prst="rect">
+            <a:avLst/>
+          </a:prstGeom>
+          <a:noFill/>
+          <a:extLst>
+            <a:ext uri="{909E8E84-426E-40DD-AFC4-6F175D3DCCD1}">
+              <a14:hiddenFill xmlns:a14="http://schemas.microsoft.com/office/drawing/2010/main">
+                <a:solidFill>
+                  <a:srgbClr val="FFFFFF"/>
+                </a:solidFill>
+              </a14:hiddenFill>
+            </a:ext>
+          </a:extLst>
+        </p:spPr>
+      </p:pic>
+      <p:pic>
+        <p:nvPicPr>
+          <p:cNvPr id="10" name="Picture 4" descr="Power BI icon PNG and SVG Vector Free Download">
+            <a:extLst>
+              <a:ext uri="{FF2B5EF4-FFF2-40B4-BE49-F238E27FC236}">
+                <a16:creationId xmlns:a16="http://schemas.microsoft.com/office/drawing/2014/main" id="{FE7F31BC-CCA7-B9C3-8AFB-81B532166D71}"/>
+              </a:ext>
+            </a:extLst>
+          </p:cNvPr>
+          <p:cNvPicPr>
+            <a:picLocks noChangeAspect="1" noChangeArrowheads="1"/>
+          </p:cNvPicPr>
+          <p:nvPr/>
+        </p:nvPicPr>
+        <p:blipFill>
+          <a:blip r:embed="rId3">
+            <a:extLst>
+              <a:ext uri="{28A0092B-C50C-407E-A947-70E740481C1C}">
+                <a14:useLocalDpi xmlns:a14="http://schemas.microsoft.com/office/drawing/2010/main" val="0"/>
+              </a:ext>
+            </a:extLst>
+          </a:blip>
+          <a:srcRect/>
+          <a:stretch>
+            <a:fillRect/>
+          </a:stretch>
+        </p:blipFill>
+        <p:spPr bwMode="auto">
+          <a:xfrm>
+            <a:off x="8958341" y="2255147"/>
+            <a:ext cx="1489526" cy="1570779"/>
+          </a:xfrm>
+          <a:prstGeom prst="rect">
+            <a:avLst/>
+          </a:prstGeom>
+          <a:noFill/>
+          <a:extLst>
+            <a:ext uri="{909E8E84-426E-40DD-AFC4-6F175D3DCCD1}">
+              <a14:hiddenFill xmlns:a14="http://schemas.microsoft.com/office/drawing/2010/main">
+                <a:solidFill>
+                  <a:srgbClr val="FFFFFF"/>
+                </a:solidFill>
+              </a14:hiddenFill>
+            </a:ext>
+          </a:extLst>
+        </p:spPr>
+      </p:pic>
       <p:grpSp>
         <p:nvGrpSpPr>
-          <p:cNvPr id="13" name="Group 12">
+          <p:cNvPr id="4" name="Group 3">
             <a:extLst>
               <a:ext uri="{FF2B5EF4-FFF2-40B4-BE49-F238E27FC236}">
-                <a16:creationId xmlns:a16="http://schemas.microsoft.com/office/drawing/2014/main" id="{19F28E7D-C3A9-B27F-1FAE-60782DEB55BD}"/>
+                <a16:creationId xmlns:a16="http://schemas.microsoft.com/office/drawing/2014/main" id="{6BE66F0C-6570-B35F-9BA6-044AF6F3D898}"/>
               </a:ext>
             </a:extLst>
           </p:cNvPr>
@@ -9088,18 +9260,18 @@
         </p:nvGrpSpPr>
         <p:grpSpPr>
           <a:xfrm>
-            <a:off x="434933" y="2014808"/>
-            <a:ext cx="7162800" cy="2180450"/>
+            <a:off x="705866" y="2107942"/>
+            <a:ext cx="7162800" cy="2457449"/>
             <a:chOff x="0" y="1476462"/>
-            <a:chExt cx="12192000" cy="2180450"/>
+            <a:chExt cx="12192000" cy="2457449"/>
           </a:xfrm>
         </p:grpSpPr>
         <p:sp>
           <p:nvSpPr>
-            <p:cNvPr id="5" name="TextBox 4">
+            <p:cNvPr id="15" name="TextBox 14">
               <a:extLst>
                 <a:ext uri="{FF2B5EF4-FFF2-40B4-BE49-F238E27FC236}">
-                  <a16:creationId xmlns:a16="http://schemas.microsoft.com/office/drawing/2014/main" id="{931F3E74-5C3E-0B97-1E52-81550E685E45}"/>
+                  <a16:creationId xmlns:a16="http://schemas.microsoft.com/office/drawing/2014/main" id="{63DCC0C7-C287-61D9-4A97-BA81E22DCE09}"/>
                 </a:ext>
               </a:extLst>
             </p:cNvPr>
@@ -9109,7 +9281,7 @@
           <p:spPr>
             <a:xfrm>
               <a:off x="0" y="1476462"/>
-              <a:ext cx="12192000" cy="369332"/>
+              <a:ext cx="12192000" cy="646331"/>
             </a:xfrm>
             <a:prstGeom prst="rect">
               <a:avLst/>
@@ -9140,25 +9312,27 @@
               </a:r>
               <a:r>
                 <a:rPr lang="en-US" dirty="0"/>
-                <a:t> within </a:t>
+                <a:t> within months:</a:t>
               </a:r>
-              <a:r>
-                <a:rPr lang="en-US" b="1" dirty="0"/>
-                <a:t>months</a:t>
-              </a:r>
+            </a:p>
+            <a:p>
+              <a:pPr marL="742950" lvl="1" indent="-285750">
+                <a:buFont typeface="Wingdings" panose="05000000000000000000" pitchFamily="2" charset="2"/>
+                <a:buChar char="Ø"/>
+              </a:pPr>
               <a:r>
                 <a:rPr lang="en-US" dirty="0"/>
-                <a:t>.</a:t>
+                <a:t> Are bikes used more in February or June, or September maybe?</a:t>
               </a:r>
             </a:p>
           </p:txBody>
         </p:sp>
         <p:sp>
           <p:nvSpPr>
-            <p:cNvPr id="11" name="TextBox 10">
+            <p:cNvPr id="16" name="TextBox 15">
               <a:extLst>
                 <a:ext uri="{FF2B5EF4-FFF2-40B4-BE49-F238E27FC236}">
-                  <a16:creationId xmlns:a16="http://schemas.microsoft.com/office/drawing/2014/main" id="{F314916F-A773-55F1-D2A9-659663A8A457}"/>
+                  <a16:creationId xmlns:a16="http://schemas.microsoft.com/office/drawing/2014/main" id="{B01FCD79-52E8-E32F-BB80-835A36EF3BAC}"/>
                 </a:ext>
               </a:extLst>
             </p:cNvPr>
@@ -9168,7 +9342,7 @@
           <p:spPr>
             <a:xfrm>
               <a:off x="0" y="2382021"/>
-              <a:ext cx="12192000" cy="369332"/>
+              <a:ext cx="12192000" cy="646331"/>
             </a:xfrm>
             <a:prstGeom prst="rect">
               <a:avLst/>
@@ -9223,21 +9397,27 @@
               </a:r>
               <a:r>
                 <a:rPr lang="en-US" dirty="0"/>
-                <a:t>within a </a:t>
+                <a:t>within a specific period of time</a:t>
               </a:r>
+            </a:p>
+            <a:p>
+              <a:pPr marL="742950" lvl="1" indent="-285750">
+                <a:buFont typeface="Wingdings" panose="05000000000000000000" pitchFamily="2" charset="2"/>
+                <a:buChar char="Ø"/>
+              </a:pPr>
               <a:r>
-                <a:rPr lang="en-US" b="1" dirty="0"/>
-                <a:t>specific period of time</a:t>
+                <a:rPr lang="en-US" dirty="0"/>
+                <a:t> Are trips longer in February compared to June?</a:t>
               </a:r>
             </a:p>
           </p:txBody>
         </p:sp>
         <p:sp>
           <p:nvSpPr>
-            <p:cNvPr id="12" name="TextBox 11">
+            <p:cNvPr id="17" name="TextBox 16">
               <a:extLst>
                 <a:ext uri="{FF2B5EF4-FFF2-40B4-BE49-F238E27FC236}">
-                  <a16:creationId xmlns:a16="http://schemas.microsoft.com/office/drawing/2014/main" id="{C2AEDD6D-ED73-55B5-6569-53A4EEAC6BDF}"/>
+                  <a16:creationId xmlns:a16="http://schemas.microsoft.com/office/drawing/2014/main" id="{A28D7BCC-3907-CAE2-D87E-AC4A635FFDC0}"/>
                 </a:ext>
               </a:extLst>
             </p:cNvPr>
@@ -9247,7 +9427,7 @@
           <p:spPr>
             <a:xfrm>
               <a:off x="0" y="3287580"/>
-              <a:ext cx="12192000" cy="369332"/>
+              <a:ext cx="12192000" cy="646331"/>
             </a:xfrm>
             <a:prstGeom prst="rect">
               <a:avLst/>
@@ -9293,103 +9473,20 @@
                 <a:t>:</a:t>
               </a:r>
             </a:p>
+            <a:p>
+              <a:pPr marL="742950" lvl="1" indent="-285750">
+                <a:buFont typeface="Wingdings" panose="05000000000000000000" pitchFamily="2" charset="2"/>
+                <a:buChar char="Ø"/>
+              </a:pPr>
+              <a:r>
+                <a:rPr lang="en-US" dirty="0"/>
+                <a:t> Are bikes used more when the weather is sunny or rainy?</a:t>
+              </a:r>
+              <a:endParaRPr lang="en-US" b="1" dirty="0"/>
+            </a:p>
           </p:txBody>
         </p:sp>
       </p:grpSp>
-      <p:pic>
-        <p:nvPicPr>
-          <p:cNvPr id="39" name="Picture 2" descr="FIRN Analytics: Timely Data Solutions &amp; Expert Consultancy">
-            <a:extLst>
-              <a:ext uri="{FF2B5EF4-FFF2-40B4-BE49-F238E27FC236}">
-                <a16:creationId xmlns:a16="http://schemas.microsoft.com/office/drawing/2014/main" id="{DC0B0425-5A11-B8A4-83D9-D81D1C821200}"/>
-              </a:ext>
-            </a:extLst>
-          </p:cNvPr>
-          <p:cNvPicPr>
-            <a:picLocks noChangeAspect="1" noChangeArrowheads="1"/>
-          </p:cNvPicPr>
-          <p:nvPr/>
-        </p:nvPicPr>
-        <p:blipFill>
-          <a:blip r:embed="rId2">
-            <a:extLst>
-              <a:ext uri="{28A0092B-C50C-407E-A947-70E740481C1C}">
-                <a14:useLocalDpi xmlns:a14="http://schemas.microsoft.com/office/drawing/2010/main" val="0"/>
-              </a:ext>
-            </a:extLst>
-          </a:blip>
-          <a:srcRect/>
-          <a:stretch>
-            <a:fillRect/>
-          </a:stretch>
-        </p:blipFill>
-        <p:spPr bwMode="auto">
-          <a:xfrm>
-            <a:off x="11182350" y="5848350"/>
-            <a:ext cx="1009650" cy="1009650"/>
-          </a:xfrm>
-          <a:prstGeom prst="rect">
-            <a:avLst/>
-          </a:prstGeom>
-          <a:noFill/>
-          <a:extLst>
-            <a:ext uri="{909E8E84-426E-40DD-AFC4-6F175D3DCCD1}">
-              <a14:hiddenFill xmlns:a14="http://schemas.microsoft.com/office/drawing/2010/main">
-                <a:solidFill>
-                  <a:srgbClr val="FFFFFF"/>
-                </a:solidFill>
-              </a14:hiddenFill>
-            </a:ext>
-          </a:extLst>
-        </p:spPr>
-      </p:pic>
-      <p:pic>
-        <p:nvPicPr>
-          <p:cNvPr id="10" name="Picture 4" descr="Power BI icon PNG and SVG Vector Free Download">
-            <a:extLst>
-              <a:ext uri="{FF2B5EF4-FFF2-40B4-BE49-F238E27FC236}">
-                <a16:creationId xmlns:a16="http://schemas.microsoft.com/office/drawing/2014/main" id="{FE7F31BC-CCA7-B9C3-8AFB-81B532166D71}"/>
-              </a:ext>
-            </a:extLst>
-          </p:cNvPr>
-          <p:cNvPicPr>
-            <a:picLocks noChangeAspect="1" noChangeArrowheads="1"/>
-          </p:cNvPicPr>
-          <p:nvPr/>
-        </p:nvPicPr>
-        <p:blipFill>
-          <a:blip r:embed="rId3">
-            <a:extLst>
-              <a:ext uri="{28A0092B-C50C-407E-A947-70E740481C1C}">
-                <a14:useLocalDpi xmlns:a14="http://schemas.microsoft.com/office/drawing/2010/main" val="0"/>
-              </a:ext>
-            </a:extLst>
-          </a:blip>
-          <a:srcRect/>
-          <a:stretch>
-            <a:fillRect/>
-          </a:stretch>
-        </p:blipFill>
-        <p:spPr bwMode="auto">
-          <a:xfrm>
-            <a:off x="8958341" y="2255147"/>
-            <a:ext cx="1489526" cy="1570779"/>
-          </a:xfrm>
-          <a:prstGeom prst="rect">
-            <a:avLst/>
-          </a:prstGeom>
-          <a:noFill/>
-          <a:extLst>
-            <a:ext uri="{909E8E84-426E-40DD-AFC4-6F175D3DCCD1}">
-              <a14:hiddenFill xmlns:a14="http://schemas.microsoft.com/office/drawing/2010/main">
-                <a:solidFill>
-                  <a:srgbClr val="FFFFFF"/>
-                </a:solidFill>
-              </a14:hiddenFill>
-            </a:ext>
-          </a:extLst>
-        </p:spPr>
-      </p:pic>
     </p:spTree>
     <p:extLst>
       <p:ext uri="{BB962C8B-B14F-4D97-AF65-F5344CB8AC3E}">
@@ -9523,9 +9620,9 @@
         <p:grpSpPr>
           <a:xfrm>
             <a:off x="2832167" y="1790217"/>
-            <a:ext cx="6527666" cy="3277565"/>
+            <a:ext cx="6650507" cy="3277565"/>
             <a:chOff x="2832167" y="1790217"/>
-            <a:chExt cx="6527666" cy="3277565"/>
+            <a:chExt cx="6650507" cy="3277565"/>
           </a:xfrm>
         </p:grpSpPr>
         <p:pic>
@@ -9572,7 +9669,7 @@
           </p:nvSpPr>
           <p:spPr>
             <a:xfrm>
-              <a:off x="6646339" y="3930792"/>
+              <a:off x="8178805" y="2796259"/>
               <a:ext cx="1303869" cy="1005840"/>
             </a:xfrm>
             <a:prstGeom prst="rect">
@@ -10590,7 +10687,7 @@
         </p:blipFill>
         <p:spPr>
           <a:xfrm>
-            <a:off x="2202408" y="1221609"/>
+            <a:off x="2202407" y="1221609"/>
             <a:ext cx="7787185" cy="4414782"/>
           </a:xfrm>
           <a:prstGeom prst="rect">
@@ -10718,10 +10815,10 @@
       </p:sp>
       <p:grpSp>
         <p:nvGrpSpPr>
-          <p:cNvPr id="36" name="Group 35">
+          <p:cNvPr id="31" name="Group 30">
             <a:extLst>
               <a:ext uri="{FF2B5EF4-FFF2-40B4-BE49-F238E27FC236}">
-                <a16:creationId xmlns:a16="http://schemas.microsoft.com/office/drawing/2014/main" id="{659361F4-33D3-E9EC-634D-925D0EC1CA6F}"/>
+                <a16:creationId xmlns:a16="http://schemas.microsoft.com/office/drawing/2014/main" id="{3B0174BB-A38B-A10B-9942-61029CEAC75A}"/>
               </a:ext>
             </a:extLst>
           </p:cNvPr>
@@ -10730,447 +10827,134 @@
         </p:nvGrpSpPr>
         <p:grpSpPr>
           <a:xfrm>
-            <a:off x="705866" y="2107942"/>
-            <a:ext cx="10780268" cy="2642115"/>
-            <a:chOff x="180735" y="1759210"/>
-            <a:chExt cx="10780268" cy="2642115"/>
+            <a:off x="8339516" y="1902616"/>
+            <a:ext cx="2608035" cy="2608036"/>
+            <a:chOff x="4405161" y="2958168"/>
+            <a:chExt cx="2608035" cy="2608036"/>
           </a:xfrm>
         </p:grpSpPr>
-        <p:grpSp>
-          <p:nvGrpSpPr>
-            <p:cNvPr id="13" name="Group 12">
+        <p:pic>
+          <p:nvPicPr>
+            <p:cNvPr id="32" name="Picture 4" descr="positive correlation Icon - Free PNG &amp; SVG 1569699 - Noun Project">
               <a:extLst>
                 <a:ext uri="{FF2B5EF4-FFF2-40B4-BE49-F238E27FC236}">
-                  <a16:creationId xmlns:a16="http://schemas.microsoft.com/office/drawing/2014/main" id="{19F28E7D-C3A9-B27F-1FAE-60782DEB55BD}"/>
+                  <a16:creationId xmlns:a16="http://schemas.microsoft.com/office/drawing/2014/main" id="{14876840-D8CD-DC94-9F9E-A4E63EB37247}"/>
                 </a:ext>
               </a:extLst>
             </p:cNvPr>
-            <p:cNvGrpSpPr/>
+            <p:cNvPicPr>
+              <a:picLocks noChangeAspect="1" noChangeArrowheads="1"/>
+            </p:cNvPicPr>
             <p:nvPr/>
-          </p:nvGrpSpPr>
-          <p:grpSpPr>
+          </p:nvPicPr>
+          <p:blipFill>
+            <a:blip r:embed="rId2">
+              <a:extLst>
+                <a:ext uri="{28A0092B-C50C-407E-A947-70E740481C1C}">
+                  <a14:useLocalDpi xmlns:a14="http://schemas.microsoft.com/office/drawing/2010/main" val="0"/>
+                </a:ext>
+              </a:extLst>
+            </a:blip>
+            <a:srcRect/>
+            <a:stretch>
+              <a:fillRect/>
+            </a:stretch>
+          </p:blipFill>
+          <p:spPr bwMode="auto">
             <a:xfrm>
-              <a:off x="180735" y="1759210"/>
-              <a:ext cx="7162800" cy="2457449"/>
-              <a:chOff x="0" y="1476462"/>
-              <a:chExt cx="12192000" cy="2457449"/>
+              <a:off x="4589826" y="2958168"/>
+              <a:ext cx="2423370" cy="2423370"/>
             </a:xfrm>
-          </p:grpSpPr>
-          <p:sp>
-            <p:nvSpPr>
-              <p:cNvPr id="5" name="TextBox 4">
-                <a:extLst>
-                  <a:ext uri="{FF2B5EF4-FFF2-40B4-BE49-F238E27FC236}">
-                    <a16:creationId xmlns:a16="http://schemas.microsoft.com/office/drawing/2014/main" id="{931F3E74-5C3E-0B97-1E52-81550E685E45}"/>
-                  </a:ext>
-                </a:extLst>
-              </p:cNvPr>
-              <p:cNvSpPr txBox="1"/>
-              <p:nvPr/>
-            </p:nvSpPr>
-            <p:spPr>
-              <a:xfrm>
-                <a:off x="0" y="1476462"/>
-                <a:ext cx="12192000" cy="646331"/>
-              </a:xfrm>
-              <a:prstGeom prst="rect">
-                <a:avLst/>
-              </a:prstGeom>
-              <a:noFill/>
-            </p:spPr>
-            <p:txBody>
-              <a:bodyPr wrap="square" rtlCol="0">
-                <a:spAutoFit/>
-              </a:bodyPr>
-              <a:lstStyle/>
-              <a:p>
-                <a:pPr marL="285750" indent="-285750">
-                  <a:buFont typeface="Arial" panose="020B0604020202020204" pitchFamily="34" charset="0"/>
-                  <a:buChar char="•"/>
-                </a:pPr>
-                <a:r>
-                  <a:rPr lang="en-US" dirty="0"/>
-                  <a:t>The </a:t>
-                </a:r>
-                <a:r>
-                  <a:rPr lang="en-US" b="1" dirty="0">
-                    <a:solidFill>
-                      <a:schemeClr val="accent6"/>
-                    </a:solidFill>
-                  </a:rPr>
-                  <a:t>number of trips</a:t>
-                </a:r>
-                <a:r>
-                  <a:rPr lang="en-US" dirty="0"/>
-                  <a:t> within months:</a:t>
-                </a:r>
-              </a:p>
-              <a:p>
-                <a:pPr marL="742950" lvl="1" indent="-285750">
-                  <a:buFont typeface="Wingdings" panose="05000000000000000000" pitchFamily="2" charset="2"/>
-                  <a:buChar char="Ø"/>
-                </a:pPr>
-                <a:r>
-                  <a:rPr lang="en-US" dirty="0"/>
-                  <a:t> Are bikes used more in February or June, or September maybe?</a:t>
-                </a:r>
-              </a:p>
-            </p:txBody>
-          </p:sp>
-          <p:sp>
-            <p:nvSpPr>
-              <p:cNvPr id="11" name="TextBox 10">
-                <a:extLst>
-                  <a:ext uri="{FF2B5EF4-FFF2-40B4-BE49-F238E27FC236}">
-                    <a16:creationId xmlns:a16="http://schemas.microsoft.com/office/drawing/2014/main" id="{F314916F-A773-55F1-D2A9-659663A8A457}"/>
-                  </a:ext>
-                </a:extLst>
-              </p:cNvPr>
-              <p:cNvSpPr txBox="1"/>
-              <p:nvPr/>
-            </p:nvSpPr>
-            <p:spPr>
-              <a:xfrm>
-                <a:off x="0" y="2382021"/>
-                <a:ext cx="12192000" cy="646331"/>
-              </a:xfrm>
-              <a:prstGeom prst="rect">
-                <a:avLst/>
-              </a:prstGeom>
-              <a:noFill/>
-            </p:spPr>
-            <p:txBody>
-              <a:bodyPr wrap="square" rtlCol="0">
-                <a:spAutoFit/>
-              </a:bodyPr>
-              <a:lstStyle/>
-              <a:p>
-                <a:pPr marL="285750" indent="-285750">
-                  <a:buFont typeface="Arial" panose="020B0604020202020204" pitchFamily="34" charset="0"/>
-                  <a:buChar char="•"/>
-                </a:pPr>
-                <a:r>
-                  <a:rPr lang="en-US" dirty="0"/>
-                  <a:t>The </a:t>
-                </a:r>
-                <a:r>
-                  <a:rPr lang="en-US" b="1" dirty="0">
-                    <a:solidFill>
-                      <a:schemeClr val="accent6"/>
-                    </a:solidFill>
-                  </a:rPr>
-                  <a:t>average trip duration</a:t>
-                </a:r>
-                <a:r>
-                  <a:rPr lang="en-US" dirty="0">
-                    <a:solidFill>
-                      <a:schemeClr val="accent6"/>
-                    </a:solidFill>
-                  </a:rPr>
-                  <a:t>/</a:t>
-                </a:r>
-                <a:r>
-                  <a:rPr lang="en-US" b="1" dirty="0">
-                    <a:solidFill>
-                      <a:schemeClr val="accent6"/>
-                    </a:solidFill>
-                  </a:rPr>
-                  <a:t>distance</a:t>
-                </a:r>
-                <a:r>
-                  <a:rPr lang="en-US" dirty="0">
-                    <a:solidFill>
-                      <a:schemeClr val="accent6"/>
-                    </a:solidFill>
-                  </a:rPr>
-                  <a:t> </a:t>
-                </a:r>
-                <a:r>
-                  <a:rPr lang="en-US" dirty="0"/>
-                  <a:t>within a specific period of time</a:t>
-                </a:r>
-              </a:p>
-              <a:p>
-                <a:pPr marL="742950" lvl="1" indent="-285750">
-                  <a:buFont typeface="Wingdings" panose="05000000000000000000" pitchFamily="2" charset="2"/>
-                  <a:buChar char="Ø"/>
-                </a:pPr>
-                <a:r>
-                  <a:rPr lang="en-US" dirty="0"/>
-                  <a:t> Are trips longer in February compared to June?</a:t>
-                </a:r>
-              </a:p>
-            </p:txBody>
-          </p:sp>
-          <p:sp>
-            <p:nvSpPr>
-              <p:cNvPr id="12" name="TextBox 11">
-                <a:extLst>
-                  <a:ext uri="{FF2B5EF4-FFF2-40B4-BE49-F238E27FC236}">
-                    <a16:creationId xmlns:a16="http://schemas.microsoft.com/office/drawing/2014/main" id="{C2AEDD6D-ED73-55B5-6569-53A4EEAC6BDF}"/>
-                  </a:ext>
-                </a:extLst>
-              </p:cNvPr>
-              <p:cNvSpPr txBox="1"/>
-              <p:nvPr/>
-            </p:nvSpPr>
-            <p:spPr>
-              <a:xfrm>
-                <a:off x="0" y="3287580"/>
-                <a:ext cx="12192000" cy="646331"/>
-              </a:xfrm>
-              <a:prstGeom prst="rect">
-                <a:avLst/>
-              </a:prstGeom>
-              <a:noFill/>
-            </p:spPr>
-            <p:txBody>
-              <a:bodyPr wrap="square" rtlCol="0">
-                <a:spAutoFit/>
-              </a:bodyPr>
-              <a:lstStyle/>
-              <a:p>
-                <a:pPr marL="285750" indent="-285750">
-                  <a:buFont typeface="Arial" panose="020B0604020202020204" pitchFamily="34" charset="0"/>
-                  <a:buChar char="•"/>
-                </a:pPr>
-                <a:r>
-                  <a:rPr lang="en-US" dirty="0"/>
-                  <a:t>The </a:t>
-                </a:r>
-                <a:r>
-                  <a:rPr lang="en-US" b="1" dirty="0">
-                    <a:solidFill>
-                      <a:schemeClr val="accent6"/>
-                    </a:solidFill>
-                  </a:rPr>
-                  <a:t>number of trips</a:t>
-                </a:r>
-                <a:r>
-                  <a:rPr lang="en-US" dirty="0"/>
-                  <a:t> by </a:t>
-                </a:r>
-                <a:r>
-                  <a:rPr lang="en-US" b="1" dirty="0">
-                    <a:solidFill>
-                      <a:srgbClr val="0000FF"/>
-                    </a:solidFill>
-                  </a:rPr>
-                  <a:t>weather condition</a:t>
-                </a:r>
-                <a:r>
-                  <a:rPr lang="en-US" dirty="0"/>
-                  <a:t>:</a:t>
-                </a:r>
-              </a:p>
-              <a:p>
-                <a:pPr marL="742950" lvl="1" indent="-285750">
-                  <a:buFont typeface="Wingdings" panose="05000000000000000000" pitchFamily="2" charset="2"/>
-                  <a:buChar char="Ø"/>
-                </a:pPr>
-                <a:r>
-                  <a:rPr lang="en-US" dirty="0"/>
-                  <a:t> Are bikes used more when the weather is sunny or rainy?</a:t>
-                </a:r>
-                <a:endParaRPr lang="en-US" b="1" dirty="0"/>
-              </a:p>
-            </p:txBody>
-          </p:sp>
-        </p:grpSp>
-        <p:grpSp>
-          <p:nvGrpSpPr>
-            <p:cNvPr id="31" name="Group 30">
+            <a:prstGeom prst="rect">
+              <a:avLst/>
+            </a:prstGeom>
+            <a:noFill/>
+            <a:extLst>
+              <a:ext uri="{909E8E84-426E-40DD-AFC4-6F175D3DCCD1}">
+                <a14:hiddenFill xmlns:a14="http://schemas.microsoft.com/office/drawing/2010/main">
+                  <a:solidFill>
+                    <a:srgbClr val="FFFFFF"/>
+                  </a:solidFill>
+                </a14:hiddenFill>
+              </a:ext>
+            </a:extLst>
+          </p:spPr>
+        </p:pic>
+        <p:sp>
+          <p:nvSpPr>
+            <p:cNvPr id="33" name="TextBox 32">
               <a:extLst>
                 <a:ext uri="{FF2B5EF4-FFF2-40B4-BE49-F238E27FC236}">
-                  <a16:creationId xmlns:a16="http://schemas.microsoft.com/office/drawing/2014/main" id="{3B0174BB-A38B-A10B-9942-61029CEAC75A}"/>
+                  <a16:creationId xmlns:a16="http://schemas.microsoft.com/office/drawing/2014/main" id="{0AADC248-C6E3-D794-2987-6435B23FD15D}"/>
                 </a:ext>
               </a:extLst>
             </p:cNvPr>
-            <p:cNvGrpSpPr/>
-            <p:nvPr/>
-          </p:nvGrpSpPr>
-          <p:grpSpPr>
-            <a:xfrm>
-              <a:off x="8352968" y="1793289"/>
-              <a:ext cx="2608035" cy="2608036"/>
-              <a:chOff x="4405161" y="2958168"/>
-              <a:chExt cx="2608035" cy="2608036"/>
-            </a:xfrm>
-          </p:grpSpPr>
-          <p:pic>
-            <p:nvPicPr>
-              <p:cNvPr id="32" name="Picture 4" descr="positive correlation Icon - Free PNG &amp; SVG 1569699 - Noun Project">
-                <a:extLst>
-                  <a:ext uri="{FF2B5EF4-FFF2-40B4-BE49-F238E27FC236}">
-                    <a16:creationId xmlns:a16="http://schemas.microsoft.com/office/drawing/2014/main" id="{14876840-D8CD-DC94-9F9E-A4E63EB37247}"/>
-                  </a:ext>
-                </a:extLst>
-              </p:cNvPr>
-              <p:cNvPicPr>
-                <a:picLocks noChangeAspect="1" noChangeArrowheads="1"/>
-              </p:cNvPicPr>
-              <p:nvPr/>
-            </p:nvPicPr>
-            <p:blipFill>
-              <a:blip r:embed="rId2">
-                <a:extLst>
-                  <a:ext uri="{28A0092B-C50C-407E-A947-70E740481C1C}">
-                    <a14:useLocalDpi xmlns:a14="http://schemas.microsoft.com/office/drawing/2010/main" val="0"/>
-                  </a:ext>
-                </a:extLst>
-              </a:blip>
-              <a:srcRect/>
-              <a:stretch>
-                <a:fillRect/>
-              </a:stretch>
-            </p:blipFill>
-            <p:spPr bwMode="auto">
-              <a:xfrm>
-                <a:off x="4589826" y="2958168"/>
-                <a:ext cx="2423370" cy="2423370"/>
-              </a:xfrm>
-              <a:prstGeom prst="rect">
-                <a:avLst/>
-              </a:prstGeom>
-              <a:noFill/>
-              <a:extLst>
-                <a:ext uri="{909E8E84-426E-40DD-AFC4-6F175D3DCCD1}">
-                  <a14:hiddenFill xmlns:a14="http://schemas.microsoft.com/office/drawing/2010/main">
-                    <a:solidFill>
-                      <a:srgbClr val="FFFFFF"/>
-                    </a:solidFill>
-                  </a14:hiddenFill>
-                </a:ext>
-              </a:extLst>
-            </p:spPr>
-          </p:pic>
-          <p:sp>
-            <p:nvSpPr>
-              <p:cNvPr id="33" name="TextBox 32">
-                <a:extLst>
-                  <a:ext uri="{FF2B5EF4-FFF2-40B4-BE49-F238E27FC236}">
-                    <a16:creationId xmlns:a16="http://schemas.microsoft.com/office/drawing/2014/main" id="{0AADC248-C6E3-D794-2987-6435B23FD15D}"/>
-                  </a:ext>
-                </a:extLst>
-              </p:cNvPr>
-              <p:cNvSpPr txBox="1"/>
-              <p:nvPr/>
-            </p:nvSpPr>
-            <p:spPr>
-              <a:xfrm>
-                <a:off x="4808202" y="5196872"/>
-                <a:ext cx="1986618" cy="369332"/>
-              </a:xfrm>
-              <a:prstGeom prst="rect">
-                <a:avLst/>
-              </a:prstGeom>
-              <a:noFill/>
-            </p:spPr>
-            <p:txBody>
-              <a:bodyPr wrap="square" rtlCol="0">
-                <a:spAutoFit/>
-              </a:bodyPr>
-              <a:lstStyle/>
-              <a:p>
-                <a:r>
-                  <a:rPr lang="en-US" b="1" dirty="0">
-                    <a:solidFill>
-                      <a:srgbClr val="0000FF"/>
-                    </a:solidFill>
-                  </a:rPr>
-                  <a:t>Weather condition</a:t>
-                </a:r>
-              </a:p>
-            </p:txBody>
-          </p:sp>
-          <p:sp>
-            <p:nvSpPr>
-              <p:cNvPr id="34" name="TextBox 33">
-                <a:extLst>
-                  <a:ext uri="{FF2B5EF4-FFF2-40B4-BE49-F238E27FC236}">
-                    <a16:creationId xmlns:a16="http://schemas.microsoft.com/office/drawing/2014/main" id="{3C86AD69-6DE3-2FFC-9EDC-8961FD24F2BB}"/>
-                  </a:ext>
-                </a:extLst>
-              </p:cNvPr>
-              <p:cNvSpPr txBox="1"/>
-              <p:nvPr/>
-            </p:nvSpPr>
-            <p:spPr>
-              <a:xfrm rot="16200000">
-                <a:off x="3892461" y="3936175"/>
-                <a:ext cx="1394731" cy="369332"/>
-              </a:xfrm>
-              <a:prstGeom prst="rect">
-                <a:avLst/>
-              </a:prstGeom>
-              <a:noFill/>
-            </p:spPr>
-            <p:txBody>
-              <a:bodyPr wrap="square" rtlCol="0">
-                <a:spAutoFit/>
-              </a:bodyPr>
-              <a:lstStyle/>
-              <a:p>
-                <a:r>
-                  <a:rPr lang="en-US" b="1" dirty="0">
-                    <a:solidFill>
-                      <a:schemeClr val="accent6"/>
-                    </a:solidFill>
-                  </a:rPr>
-                  <a:t>Bikes Usage</a:t>
-                </a:r>
-              </a:p>
-            </p:txBody>
-          </p:sp>
-        </p:grpSp>
-        <p:sp>
-          <p:nvSpPr>
-            <p:cNvPr id="35" name="Right Brace 34">
-              <a:extLst>
-                <a:ext uri="{FF2B5EF4-FFF2-40B4-BE49-F238E27FC236}">
-                  <a16:creationId xmlns:a16="http://schemas.microsoft.com/office/drawing/2014/main" id="{C2EBBE9E-7C13-B770-BFD2-6E3E39354F53}"/>
-                </a:ext>
-              </a:extLst>
-            </p:cNvPr>
-            <p:cNvSpPr/>
+            <p:cNvSpPr txBox="1"/>
             <p:nvPr/>
           </p:nvSpPr>
           <p:spPr>
             <a:xfrm>
-              <a:off x="7529993" y="1793289"/>
-              <a:ext cx="318257" cy="2423370"/>
+              <a:off x="4808202" y="5196872"/>
+              <a:ext cx="1986618" cy="369332"/>
             </a:xfrm>
-            <a:prstGeom prst="rightBrace">
+            <a:prstGeom prst="rect">
               <a:avLst/>
             </a:prstGeom>
-            <a:ln w="38100">
-              <a:solidFill>
-                <a:schemeClr val="accent4">
-                  <a:lumMod val="75000"/>
-                </a:schemeClr>
-              </a:solidFill>
-            </a:ln>
+            <a:noFill/>
           </p:spPr>
-          <p:style>
-            <a:lnRef idx="3">
-              <a:schemeClr val="accent2"/>
-            </a:lnRef>
-            <a:fillRef idx="0">
-              <a:schemeClr val="accent2"/>
-            </a:fillRef>
-            <a:effectRef idx="2">
-              <a:schemeClr val="accent2"/>
-            </a:effectRef>
-            <a:fontRef idx="minor">
-              <a:schemeClr val="tx1"/>
-            </a:fontRef>
-          </p:style>
           <p:txBody>
-            <a:bodyPr rtlCol="0" anchor="ctr"/>
+            <a:bodyPr wrap="square" rtlCol="0">
+              <a:spAutoFit/>
+            </a:bodyPr>
             <a:lstStyle/>
             <a:p>
-              <a:pPr algn="ctr"/>
-              <a:endParaRPr lang="en-US"/>
+              <a:r>
+                <a:rPr lang="en-US" b="1" dirty="0">
+                  <a:solidFill>
+                    <a:srgbClr val="0000FF"/>
+                  </a:solidFill>
+                </a:rPr>
+                <a:t>Weather condition</a:t>
+              </a:r>
+            </a:p>
+          </p:txBody>
+        </p:sp>
+        <p:sp>
+          <p:nvSpPr>
+            <p:cNvPr id="34" name="TextBox 33">
+              <a:extLst>
+                <a:ext uri="{FF2B5EF4-FFF2-40B4-BE49-F238E27FC236}">
+                  <a16:creationId xmlns:a16="http://schemas.microsoft.com/office/drawing/2014/main" id="{3C86AD69-6DE3-2FFC-9EDC-8961FD24F2BB}"/>
+                </a:ext>
+              </a:extLst>
+            </p:cNvPr>
+            <p:cNvSpPr txBox="1"/>
+            <p:nvPr/>
+          </p:nvSpPr>
+          <p:spPr>
+            <a:xfrm rot="16200000">
+              <a:off x="3892461" y="3936175"/>
+              <a:ext cx="1394731" cy="369332"/>
+            </a:xfrm>
+            <a:prstGeom prst="rect">
+              <a:avLst/>
+            </a:prstGeom>
+            <a:noFill/>
+          </p:spPr>
+          <p:txBody>
+            <a:bodyPr wrap="square" rtlCol="0">
+              <a:spAutoFit/>
+            </a:bodyPr>
+            <a:lstStyle/>
+            <a:p>
+              <a:r>
+                <a:rPr lang="en-US" b="1" dirty="0">
+                  <a:solidFill>
+                    <a:schemeClr val="accent6"/>
+                  </a:solidFill>
+                </a:rPr>
+                <a:t>Bikes Usage</a:t>
+              </a:r>
             </a:p>
           </p:txBody>
         </p:sp>
@@ -11222,6 +11006,213 @@
           </a:extLst>
         </p:spPr>
       </p:pic>
+      <p:grpSp>
+        <p:nvGrpSpPr>
+          <p:cNvPr id="8" name="Group 7">
+            <a:extLst>
+              <a:ext uri="{FF2B5EF4-FFF2-40B4-BE49-F238E27FC236}">
+                <a16:creationId xmlns:a16="http://schemas.microsoft.com/office/drawing/2014/main" id="{7CF46548-787A-7B51-563C-62E1C66712DB}"/>
+              </a:ext>
+            </a:extLst>
+          </p:cNvPr>
+          <p:cNvGrpSpPr/>
+          <p:nvPr/>
+        </p:nvGrpSpPr>
+        <p:grpSpPr>
+          <a:xfrm>
+            <a:off x="401066" y="2116409"/>
+            <a:ext cx="7162800" cy="2180450"/>
+            <a:chOff x="0" y="1476462"/>
+            <a:chExt cx="12192000" cy="2180450"/>
+          </a:xfrm>
+        </p:grpSpPr>
+        <p:sp>
+          <p:nvSpPr>
+            <p:cNvPr id="9" name="TextBox 8">
+              <a:extLst>
+                <a:ext uri="{FF2B5EF4-FFF2-40B4-BE49-F238E27FC236}">
+                  <a16:creationId xmlns:a16="http://schemas.microsoft.com/office/drawing/2014/main" id="{011F9860-E64E-40E9-12D7-CF7C4E1F0D95}"/>
+                </a:ext>
+              </a:extLst>
+            </p:cNvPr>
+            <p:cNvSpPr txBox="1"/>
+            <p:nvPr/>
+          </p:nvSpPr>
+          <p:spPr>
+            <a:xfrm>
+              <a:off x="0" y="1476462"/>
+              <a:ext cx="12192000" cy="369332"/>
+            </a:xfrm>
+            <a:prstGeom prst="rect">
+              <a:avLst/>
+            </a:prstGeom>
+            <a:noFill/>
+          </p:spPr>
+          <p:txBody>
+            <a:bodyPr wrap="square" rtlCol="0">
+              <a:spAutoFit/>
+            </a:bodyPr>
+            <a:lstStyle/>
+            <a:p>
+              <a:pPr marL="285750" indent="-285750">
+                <a:buFont typeface="Arial" panose="020B0604020202020204" pitchFamily="34" charset="0"/>
+                <a:buChar char="•"/>
+              </a:pPr>
+              <a:r>
+                <a:rPr lang="en-US" dirty="0"/>
+                <a:t>The </a:t>
+              </a:r>
+              <a:r>
+                <a:rPr lang="en-US" b="1" dirty="0">
+                  <a:solidFill>
+                    <a:schemeClr val="accent6"/>
+                  </a:solidFill>
+                </a:rPr>
+                <a:t>number of trips</a:t>
+              </a:r>
+              <a:r>
+                <a:rPr lang="en-US" dirty="0"/>
+                <a:t> during particular periods</a:t>
+              </a:r>
+            </a:p>
+          </p:txBody>
+        </p:sp>
+        <p:sp>
+          <p:nvSpPr>
+            <p:cNvPr id="10" name="TextBox 9">
+              <a:extLst>
+                <a:ext uri="{FF2B5EF4-FFF2-40B4-BE49-F238E27FC236}">
+                  <a16:creationId xmlns:a16="http://schemas.microsoft.com/office/drawing/2014/main" id="{069B665C-563C-9C5D-E0F9-D71AEE625729}"/>
+                </a:ext>
+              </a:extLst>
+            </p:cNvPr>
+            <p:cNvSpPr txBox="1"/>
+            <p:nvPr/>
+          </p:nvSpPr>
+          <p:spPr>
+            <a:xfrm>
+              <a:off x="0" y="2382021"/>
+              <a:ext cx="12192000" cy="369332"/>
+            </a:xfrm>
+            <a:prstGeom prst="rect">
+              <a:avLst/>
+            </a:prstGeom>
+            <a:noFill/>
+          </p:spPr>
+          <p:txBody>
+            <a:bodyPr wrap="square" rtlCol="0">
+              <a:spAutoFit/>
+            </a:bodyPr>
+            <a:lstStyle/>
+            <a:p>
+              <a:pPr marL="285750" indent="-285750">
+                <a:buFont typeface="Arial" panose="020B0604020202020204" pitchFamily="34" charset="0"/>
+                <a:buChar char="•"/>
+              </a:pPr>
+              <a:r>
+                <a:rPr lang="en-US" dirty="0"/>
+                <a:t>The </a:t>
+              </a:r>
+              <a:r>
+                <a:rPr lang="en-US" b="1" dirty="0">
+                  <a:solidFill>
+                    <a:schemeClr val="accent6"/>
+                  </a:solidFill>
+                </a:rPr>
+                <a:t>average trip duration</a:t>
+              </a:r>
+              <a:r>
+                <a:rPr lang="en-US" dirty="0">
+                  <a:solidFill>
+                    <a:schemeClr val="accent6"/>
+                  </a:solidFill>
+                </a:rPr>
+                <a:t>/</a:t>
+              </a:r>
+              <a:r>
+                <a:rPr lang="en-US" b="1" dirty="0">
+                  <a:solidFill>
+                    <a:schemeClr val="accent6"/>
+                  </a:solidFill>
+                </a:rPr>
+                <a:t>distance</a:t>
+              </a:r>
+              <a:r>
+                <a:rPr lang="en-US" dirty="0">
+                  <a:solidFill>
+                    <a:schemeClr val="accent6"/>
+                  </a:solidFill>
+                </a:rPr>
+                <a:t> </a:t>
+              </a:r>
+              <a:r>
+                <a:rPr lang="en-US" dirty="0"/>
+                <a:t>within a specific period of time</a:t>
+              </a:r>
+            </a:p>
+          </p:txBody>
+        </p:sp>
+        <p:sp>
+          <p:nvSpPr>
+            <p:cNvPr id="14" name="TextBox 13">
+              <a:extLst>
+                <a:ext uri="{FF2B5EF4-FFF2-40B4-BE49-F238E27FC236}">
+                  <a16:creationId xmlns:a16="http://schemas.microsoft.com/office/drawing/2014/main" id="{B234012F-01AA-102B-14F4-43D3F3EAC561}"/>
+                </a:ext>
+              </a:extLst>
+            </p:cNvPr>
+            <p:cNvSpPr txBox="1"/>
+            <p:nvPr/>
+          </p:nvSpPr>
+          <p:spPr>
+            <a:xfrm>
+              <a:off x="0" y="3287580"/>
+              <a:ext cx="12192000" cy="369332"/>
+            </a:xfrm>
+            <a:prstGeom prst="rect">
+              <a:avLst/>
+            </a:prstGeom>
+            <a:noFill/>
+          </p:spPr>
+          <p:txBody>
+            <a:bodyPr wrap="square" rtlCol="0">
+              <a:spAutoFit/>
+            </a:bodyPr>
+            <a:lstStyle/>
+            <a:p>
+              <a:pPr marL="285750" indent="-285750">
+                <a:buFont typeface="Arial" panose="020B0604020202020204" pitchFamily="34" charset="0"/>
+                <a:buChar char="•"/>
+              </a:pPr>
+              <a:r>
+                <a:rPr lang="en-US" dirty="0"/>
+                <a:t>The </a:t>
+              </a:r>
+              <a:r>
+                <a:rPr lang="en-US" b="1" dirty="0">
+                  <a:solidFill>
+                    <a:schemeClr val="accent6"/>
+                  </a:solidFill>
+                </a:rPr>
+                <a:t>number of trips</a:t>
+              </a:r>
+              <a:r>
+                <a:rPr lang="en-US" dirty="0"/>
+                <a:t> by </a:t>
+              </a:r>
+              <a:r>
+                <a:rPr lang="en-US" b="1" dirty="0">
+                  <a:solidFill>
+                    <a:srgbClr val="0000FF"/>
+                  </a:solidFill>
+                </a:rPr>
+                <a:t>weather condition</a:t>
+              </a:r>
+              <a:endParaRPr lang="en-US" dirty="0"/>
+            </a:p>
+          </p:txBody>
+        </p:sp>
+      </p:grpSp>
     </p:spTree>
     <p:extLst>
       <p:ext uri="{BB962C8B-B14F-4D97-AF65-F5344CB8AC3E}">
@@ -12026,7 +12017,7 @@
         </p:nvGrpSpPr>
         <p:grpSpPr>
           <a:xfrm>
-            <a:off x="928429" y="2147932"/>
+            <a:off x="814921" y="2393255"/>
             <a:ext cx="10562157" cy="2071489"/>
             <a:chOff x="928429" y="2147932"/>
             <a:chExt cx="10562157" cy="2071489"/>
@@ -12276,8 +12267,8 @@
                 </p:nvSpPr>
                 <p:spPr>
                   <a:xfrm>
-                    <a:off x="5798603" y="3244334"/>
-                    <a:ext cx="906382" cy="369332"/>
+                    <a:off x="5655186" y="3244334"/>
+                    <a:ext cx="1193215" cy="369332"/>
                   </a:xfrm>
                   <a:prstGeom prst="rect">
                     <a:avLst/>
@@ -12292,7 +12283,7 @@
                   <a:p>
                     <a:r>
                       <a:rPr lang="en-US" b="1" dirty="0"/>
-                      <a:t>Process</a:t>
+                      <a:t>Transform</a:t>
                     </a:r>
                   </a:p>
                 </p:txBody>

--- a/Presentation/Case Study - Presentation.pptx
+++ b/Presentation/Case Study - Presentation.pptx
@@ -5,35 +5,39 @@
     <p:sldMasterId id="2147483648" r:id="rId1"/>
   </p:sldMasterIdLst>
   <p:notesMasterIdLst>
-    <p:notesMasterId r:id="rId25"/>
+    <p:notesMasterId r:id="rId29"/>
   </p:notesMasterIdLst>
   <p:handoutMasterIdLst>
-    <p:handoutMasterId r:id="rId26"/>
+    <p:handoutMasterId r:id="rId30"/>
   </p:handoutMasterIdLst>
   <p:sldIdLst>
-    <p:sldId id="256" r:id="rId2"/>
-    <p:sldId id="275" r:id="rId3"/>
-    <p:sldId id="267" r:id="rId4"/>
-    <p:sldId id="258" r:id="rId5"/>
-    <p:sldId id="276" r:id="rId6"/>
-    <p:sldId id="263" r:id="rId7"/>
-    <p:sldId id="277" r:id="rId8"/>
-    <p:sldId id="260" r:id="rId9"/>
-    <p:sldId id="266" r:id="rId10"/>
-    <p:sldId id="278" r:id="rId11"/>
-    <p:sldId id="279" r:id="rId12"/>
-    <p:sldId id="280" r:id="rId13"/>
-    <p:sldId id="261" r:id="rId14"/>
-    <p:sldId id="281" r:id="rId15"/>
-    <p:sldId id="262" r:id="rId16"/>
-    <p:sldId id="268" r:id="rId17"/>
-    <p:sldId id="270" r:id="rId18"/>
-    <p:sldId id="271" r:id="rId19"/>
-    <p:sldId id="282" r:id="rId20"/>
-    <p:sldId id="283" r:id="rId21"/>
-    <p:sldId id="286" r:id="rId22"/>
-    <p:sldId id="272" r:id="rId23"/>
-    <p:sldId id="273" r:id="rId24"/>
+    <p:sldId id="287" r:id="rId2"/>
+    <p:sldId id="256" r:id="rId3"/>
+    <p:sldId id="275" r:id="rId4"/>
+    <p:sldId id="267" r:id="rId5"/>
+    <p:sldId id="258" r:id="rId6"/>
+    <p:sldId id="276" r:id="rId7"/>
+    <p:sldId id="263" r:id="rId8"/>
+    <p:sldId id="277" r:id="rId9"/>
+    <p:sldId id="260" r:id="rId10"/>
+    <p:sldId id="266" r:id="rId11"/>
+    <p:sldId id="278" r:id="rId12"/>
+    <p:sldId id="279" r:id="rId13"/>
+    <p:sldId id="280" r:id="rId14"/>
+    <p:sldId id="261" r:id="rId15"/>
+    <p:sldId id="281" r:id="rId16"/>
+    <p:sldId id="262" r:id="rId17"/>
+    <p:sldId id="268" r:id="rId18"/>
+    <p:sldId id="270" r:id="rId19"/>
+    <p:sldId id="271" r:id="rId20"/>
+    <p:sldId id="282" r:id="rId21"/>
+    <p:sldId id="283" r:id="rId22"/>
+    <p:sldId id="286" r:id="rId23"/>
+    <p:sldId id="272" r:id="rId24"/>
+    <p:sldId id="273" r:id="rId25"/>
+    <p:sldId id="290" r:id="rId26"/>
+    <p:sldId id="288" r:id="rId27"/>
+    <p:sldId id="289" r:id="rId28"/>
   </p:sldIdLst>
   <p:sldSz cx="12192000" cy="6858000"/>
   <p:notesSz cx="6858000" cy="9144000"/>
@@ -240,7 +244,7 @@
           <a:p>
             <a:fld id="{726AF5E2-7225-4B2B-9BAA-9899E67A39CD}" type="datetimeFigureOut">
               <a:rPr lang="en-US" smtClean="0"/>
-              <a:t>9/26/2024</a:t>
+              <a:t>9/27/2024</a:t>
             </a:fld>
             <a:endParaRPr lang="en-US" dirty="0"/>
           </a:p>
@@ -376,7 +380,7 @@
           <a:p>
             <a:fld id="{25C93E86-340B-4878-B198-F09408A7FEC6}" type="datetimeFigureOut">
               <a:rPr lang="en-US" smtClean="0"/>
-              <a:t>9/26/2024</a:t>
+              <a:t>9/27/2024</a:t>
             </a:fld>
             <a:endParaRPr lang="en-US"/>
           </a:p>
@@ -790,7 +794,7 @@
           <a:p>
             <a:fld id="{9A14E0AF-AD2A-4193-9655-79BDE8175BA9}" type="datetimeFigureOut">
               <a:rPr lang="en-US" smtClean="0"/>
-              <a:t>9/26/2024</a:t>
+              <a:t>9/27/2024</a:t>
             </a:fld>
             <a:endParaRPr lang="en-US"/>
           </a:p>
@@ -988,7 +992,7 @@
           <a:p>
             <a:fld id="{9A14E0AF-AD2A-4193-9655-79BDE8175BA9}" type="datetimeFigureOut">
               <a:rPr lang="en-US" smtClean="0"/>
-              <a:t>9/26/2024</a:t>
+              <a:t>9/27/2024</a:t>
             </a:fld>
             <a:endParaRPr lang="en-US"/>
           </a:p>
@@ -1196,7 +1200,7 @@
           <a:p>
             <a:fld id="{9A14E0AF-AD2A-4193-9655-79BDE8175BA9}" type="datetimeFigureOut">
               <a:rPr lang="en-US" smtClean="0"/>
-              <a:t>9/26/2024</a:t>
+              <a:t>9/27/2024</a:t>
             </a:fld>
             <a:endParaRPr lang="en-US"/>
           </a:p>
@@ -1394,7 +1398,7 @@
           <a:p>
             <a:fld id="{9A14E0AF-AD2A-4193-9655-79BDE8175BA9}" type="datetimeFigureOut">
               <a:rPr lang="en-US" smtClean="0"/>
-              <a:t>9/26/2024</a:t>
+              <a:t>9/27/2024</a:t>
             </a:fld>
             <a:endParaRPr lang="en-US"/>
           </a:p>
@@ -1669,7 +1673,7 @@
           <a:p>
             <a:fld id="{9A14E0AF-AD2A-4193-9655-79BDE8175BA9}" type="datetimeFigureOut">
               <a:rPr lang="en-US" smtClean="0"/>
-              <a:t>9/26/2024</a:t>
+              <a:t>9/27/2024</a:t>
             </a:fld>
             <a:endParaRPr lang="en-US"/>
           </a:p>
@@ -1934,7 +1938,7 @@
           <a:p>
             <a:fld id="{9A14E0AF-AD2A-4193-9655-79BDE8175BA9}" type="datetimeFigureOut">
               <a:rPr lang="en-US" smtClean="0"/>
-              <a:t>9/26/2024</a:t>
+              <a:t>9/27/2024</a:t>
             </a:fld>
             <a:endParaRPr lang="en-US"/>
           </a:p>
@@ -2346,7 +2350,7 @@
           <a:p>
             <a:fld id="{9A14E0AF-AD2A-4193-9655-79BDE8175BA9}" type="datetimeFigureOut">
               <a:rPr lang="en-US" smtClean="0"/>
-              <a:t>9/26/2024</a:t>
+              <a:t>9/27/2024</a:t>
             </a:fld>
             <a:endParaRPr lang="en-US"/>
           </a:p>
@@ -2487,7 +2491,7 @@
           <a:p>
             <a:fld id="{9A14E0AF-AD2A-4193-9655-79BDE8175BA9}" type="datetimeFigureOut">
               <a:rPr lang="en-US" smtClean="0"/>
-              <a:t>9/26/2024</a:t>
+              <a:t>9/27/2024</a:t>
             </a:fld>
             <a:endParaRPr lang="en-US"/>
           </a:p>
@@ -2600,7 +2604,7 @@
           <a:p>
             <a:fld id="{9A14E0AF-AD2A-4193-9655-79BDE8175BA9}" type="datetimeFigureOut">
               <a:rPr lang="en-US" smtClean="0"/>
-              <a:t>9/26/2024</a:t>
+              <a:t>9/27/2024</a:t>
             </a:fld>
             <a:endParaRPr lang="en-US"/>
           </a:p>
@@ -2911,7 +2915,7 @@
           <a:p>
             <a:fld id="{9A14E0AF-AD2A-4193-9655-79BDE8175BA9}" type="datetimeFigureOut">
               <a:rPr lang="en-US" smtClean="0"/>
-              <a:t>9/26/2024</a:t>
+              <a:t>9/27/2024</a:t>
             </a:fld>
             <a:endParaRPr lang="en-US"/>
           </a:p>
@@ -3199,7 +3203,7 @@
           <a:p>
             <a:fld id="{9A14E0AF-AD2A-4193-9655-79BDE8175BA9}" type="datetimeFigureOut">
               <a:rPr lang="en-US" smtClean="0"/>
-              <a:t>9/26/2024</a:t>
+              <a:t>9/27/2024</a:t>
             </a:fld>
             <a:endParaRPr lang="en-US"/>
           </a:p>
@@ -3440,7 +3444,7 @@
           <a:p>
             <a:fld id="{9A14E0AF-AD2A-4193-9655-79BDE8175BA9}" type="datetimeFigureOut">
               <a:rPr lang="en-US" smtClean="0"/>
-              <a:t>9/26/2024</a:t>
+              <a:t>9/27/2024</a:t>
             </a:fld>
             <a:endParaRPr lang="en-US"/>
           </a:p>
@@ -3859,6 +3863,140 @@
       </p:grpSpPr>
       <p:sp>
         <p:nvSpPr>
+          <p:cNvPr id="2" name="Title 1">
+            <a:extLst>
+              <a:ext uri="{FF2B5EF4-FFF2-40B4-BE49-F238E27FC236}">
+                <a16:creationId xmlns:a16="http://schemas.microsoft.com/office/drawing/2014/main" id="{883F236C-5E18-2942-47D7-0DD594DC7A88}"/>
+              </a:ext>
+            </a:extLst>
+          </p:cNvPr>
+          <p:cNvSpPr>
+            <a:spLocks noGrp="1"/>
+          </p:cNvSpPr>
+          <p:nvPr>
+            <p:ph type="title"/>
+          </p:nvPr>
+        </p:nvSpPr>
+        <p:spPr>
+          <a:xfrm>
+            <a:off x="0" y="1593908"/>
+            <a:ext cx="12192000" cy="2497873"/>
+          </a:xfrm>
+        </p:spPr>
+        <p:txBody>
+          <a:bodyPr>
+            <a:normAutofit/>
+          </a:bodyPr>
+          <a:lstStyle/>
+          <a:p>
+            <a:pPr algn="ctr"/>
+            <a:r>
+              <a:rPr lang="en-US" dirty="0">
+                <a:solidFill>
+                  <a:schemeClr val="accent1"/>
+                </a:solidFill>
+                <a:latin typeface="Comic Sans MS" panose="030F0702030302020204" pitchFamily="66" charset="0"/>
+              </a:rPr>
+              <a:t>Case Study</a:t>
+            </a:r>
+            <a:br>
+              <a:rPr lang="en-US" dirty="0">
+                <a:latin typeface="Comic Sans MS" panose="030F0702030302020204" pitchFamily="66" charset="0"/>
+              </a:rPr>
+            </a:br>
+            <a:br>
+              <a:rPr lang="en-US" dirty="0">
+                <a:latin typeface="Comic Sans MS" panose="030F0702030302020204" pitchFamily="66" charset="0"/>
+              </a:rPr>
+            </a:br>
+            <a:r>
+              <a:rPr lang="en-US" dirty="0">
+                <a:latin typeface="Comic Sans MS" panose="030F0702030302020204" pitchFamily="66" charset="0"/>
+              </a:rPr>
+              <a:t>NYC Bikes Analysis</a:t>
+            </a:r>
+          </a:p>
+        </p:txBody>
+      </p:sp>
+      <p:pic>
+        <p:nvPicPr>
+          <p:cNvPr id="4" name="Picture 2" descr="FIRN Analytics: Timely Data Solutions &amp; Expert Consultancy">
+            <a:extLst>
+              <a:ext uri="{FF2B5EF4-FFF2-40B4-BE49-F238E27FC236}">
+                <a16:creationId xmlns:a16="http://schemas.microsoft.com/office/drawing/2014/main" id="{0D3F4448-E6E0-C59E-2593-0622D931C4D1}"/>
+              </a:ext>
+            </a:extLst>
+          </p:cNvPr>
+          <p:cNvPicPr>
+            <a:picLocks noChangeAspect="1" noChangeArrowheads="1"/>
+          </p:cNvPicPr>
+          <p:nvPr/>
+        </p:nvPicPr>
+        <p:blipFill>
+          <a:blip r:embed="rId2">
+            <a:extLst>
+              <a:ext uri="{28A0092B-C50C-407E-A947-70E740481C1C}">
+                <a14:useLocalDpi xmlns:a14="http://schemas.microsoft.com/office/drawing/2010/main" val="0"/>
+              </a:ext>
+            </a:extLst>
+          </a:blip>
+          <a:srcRect/>
+          <a:stretch>
+            <a:fillRect/>
+          </a:stretch>
+        </p:blipFill>
+        <p:spPr bwMode="auto">
+          <a:xfrm>
+            <a:off x="11182350" y="5848350"/>
+            <a:ext cx="1009650" cy="1009650"/>
+          </a:xfrm>
+          <a:prstGeom prst="rect">
+            <a:avLst/>
+          </a:prstGeom>
+          <a:noFill/>
+          <a:extLst>
+            <a:ext uri="{909E8E84-426E-40DD-AFC4-6F175D3DCCD1}">
+              <a14:hiddenFill xmlns:a14="http://schemas.microsoft.com/office/drawing/2010/main">
+                <a:solidFill>
+                  <a:srgbClr val="FFFFFF"/>
+                </a:solidFill>
+              </a14:hiddenFill>
+            </a:ext>
+          </a:extLst>
+        </p:spPr>
+      </p:pic>
+    </p:spTree>
+    <p:extLst>
+      <p:ext uri="{BB962C8B-B14F-4D97-AF65-F5344CB8AC3E}">
+        <p14:creationId xmlns:p14="http://schemas.microsoft.com/office/powerpoint/2010/main" val="1825291832"/>
+      </p:ext>
+    </p:extLst>
+  </p:cSld>
+  <p:clrMapOvr>
+    <a:masterClrMapping/>
+  </p:clrMapOvr>
+</p:sld>
+</file>
+
+<file path=ppt/slides/slide10.xml><?xml version="1.0" encoding="utf-8"?>
+<p:sld xmlns:a="http://schemas.openxmlformats.org/drawingml/2006/main" xmlns:r="http://schemas.openxmlformats.org/officeDocument/2006/relationships" xmlns:p="http://schemas.openxmlformats.org/presentationml/2006/main">
+  <p:cSld>
+    <p:spTree>
+      <p:nvGrpSpPr>
+        <p:cNvPr id="1" name=""/>
+        <p:cNvGrpSpPr/>
+        <p:nvPr/>
+      </p:nvGrpSpPr>
+      <p:grpSpPr>
+        <a:xfrm>
+          <a:off x="0" y="0"/>
+          <a:ext cx="0" cy="0"/>
+          <a:chOff x="0" y="0"/>
+          <a:chExt cx="0" cy="0"/>
+        </a:xfrm>
+      </p:grpSpPr>
+      <p:sp>
+        <p:nvSpPr>
           <p:cNvPr id="2" name="TextBox 1">
             <a:extLst>
               <a:ext uri="{FF2B5EF4-FFF2-40B4-BE49-F238E27FC236}">
@@ -3893,17 +4031,461 @@
                 </a:solidFill>
                 <a:latin typeface="Calisto MT" panose="02040603050505030304" pitchFamily="18" charset="0"/>
               </a:rPr>
-              <a:t>DW/BI Lifecycle</a:t>
+              <a:t>Dbt Cloud – Connect to Snowflake via Partner Connect</a:t>
             </a:r>
           </a:p>
         </p:txBody>
       </p:sp>
+      <p:grpSp>
+        <p:nvGrpSpPr>
+          <p:cNvPr id="28" name="Group 27">
+            <a:extLst>
+              <a:ext uri="{FF2B5EF4-FFF2-40B4-BE49-F238E27FC236}">
+                <a16:creationId xmlns:a16="http://schemas.microsoft.com/office/drawing/2014/main" id="{A804D14B-5C44-4BD6-B1F0-9292D7F7B520}"/>
+              </a:ext>
+            </a:extLst>
+          </p:cNvPr>
+          <p:cNvGrpSpPr/>
+          <p:nvPr/>
+        </p:nvGrpSpPr>
+        <p:grpSpPr>
+          <a:xfrm>
+            <a:off x="404812" y="1431037"/>
+            <a:ext cx="11382375" cy="4327255"/>
+            <a:chOff x="0" y="1659637"/>
+            <a:chExt cx="11382375" cy="4327255"/>
+          </a:xfrm>
+        </p:grpSpPr>
+        <p:grpSp>
+          <p:nvGrpSpPr>
+            <p:cNvPr id="21" name="Group 20">
+              <a:extLst>
+                <a:ext uri="{FF2B5EF4-FFF2-40B4-BE49-F238E27FC236}">
+                  <a16:creationId xmlns:a16="http://schemas.microsoft.com/office/drawing/2014/main" id="{4B45B0D1-99CF-86C4-71B8-FDF85EFDD0BF}"/>
+                </a:ext>
+              </a:extLst>
+            </p:cNvPr>
+            <p:cNvGrpSpPr/>
+            <p:nvPr/>
+          </p:nvGrpSpPr>
+          <p:grpSpPr>
+            <a:xfrm>
+              <a:off x="0" y="1659637"/>
+              <a:ext cx="11382375" cy="4327255"/>
+              <a:chOff x="0" y="1659637"/>
+              <a:chExt cx="11382375" cy="4327255"/>
+            </a:xfrm>
+          </p:grpSpPr>
+          <p:pic>
+            <p:nvPicPr>
+              <p:cNvPr id="1026" name="Picture 2" descr="Snowflake Partner Connect Box">
+                <a:extLst>
+                  <a:ext uri="{FF2B5EF4-FFF2-40B4-BE49-F238E27FC236}">
+                    <a16:creationId xmlns:a16="http://schemas.microsoft.com/office/drawing/2014/main" id="{15FFF6E1-5538-115A-23B0-F6D96A68F38D}"/>
+                  </a:ext>
+                </a:extLst>
+              </p:cNvPr>
+              <p:cNvPicPr>
+                <a:picLocks noChangeAspect="1" noChangeArrowheads="1"/>
+              </p:cNvPicPr>
+              <p:nvPr/>
+            </p:nvPicPr>
+            <p:blipFill>
+              <a:blip r:embed="rId2">
+                <a:extLst>
+                  <a:ext uri="{28A0092B-C50C-407E-A947-70E740481C1C}">
+                    <a14:useLocalDpi xmlns:a14="http://schemas.microsoft.com/office/drawing/2010/main" val="0"/>
+                  </a:ext>
+                </a:extLst>
+              </a:blip>
+              <a:srcRect/>
+              <a:stretch>
+                <a:fillRect/>
+              </a:stretch>
+            </p:blipFill>
+            <p:spPr bwMode="auto">
+              <a:xfrm>
+                <a:off x="0" y="2419349"/>
+                <a:ext cx="3446941" cy="3038475"/>
+              </a:xfrm>
+              <a:prstGeom prst="rect">
+                <a:avLst/>
+              </a:prstGeom>
+              <a:noFill/>
+              <a:extLst>
+                <a:ext uri="{909E8E84-426E-40DD-AFC4-6F175D3DCCD1}">
+                  <a14:hiddenFill xmlns:a14="http://schemas.microsoft.com/office/drawing/2010/main">
+                    <a:solidFill>
+                      <a:srgbClr val="FFFFFF"/>
+                    </a:solidFill>
+                  </a14:hiddenFill>
+                </a:ext>
+              </a:extLst>
+            </p:spPr>
+          </p:pic>
+          <p:pic>
+            <p:nvPicPr>
+              <p:cNvPr id="1030" name="Picture 6" descr="Snowflake New UI - Connection Box">
+                <a:extLst>
+                  <a:ext uri="{FF2B5EF4-FFF2-40B4-BE49-F238E27FC236}">
+                    <a16:creationId xmlns:a16="http://schemas.microsoft.com/office/drawing/2014/main" id="{66723F01-75B2-E582-6649-ABB958F404C6}"/>
+                  </a:ext>
+                </a:extLst>
+              </p:cNvPr>
+              <p:cNvPicPr>
+                <a:picLocks noChangeAspect="1" noChangeArrowheads="1"/>
+              </p:cNvPicPr>
+              <p:nvPr/>
+            </p:nvPicPr>
+            <p:blipFill>
+              <a:blip r:embed="rId3">
+                <a:extLst>
+                  <a:ext uri="{28A0092B-C50C-407E-A947-70E740481C1C}">
+                    <a14:useLocalDpi xmlns:a14="http://schemas.microsoft.com/office/drawing/2010/main" val="0"/>
+                  </a:ext>
+                </a:extLst>
+              </a:blip>
+              <a:srcRect/>
+              <a:stretch>
+                <a:fillRect/>
+              </a:stretch>
+            </p:blipFill>
+            <p:spPr bwMode="auto">
+              <a:xfrm>
+                <a:off x="4278462" y="2105026"/>
+                <a:ext cx="3113660" cy="3667124"/>
+              </a:xfrm>
+              <a:prstGeom prst="rect">
+                <a:avLst/>
+              </a:prstGeom>
+              <a:noFill/>
+              <a:extLst>
+                <a:ext uri="{909E8E84-426E-40DD-AFC4-6F175D3DCCD1}">
+                  <a14:hiddenFill xmlns:a14="http://schemas.microsoft.com/office/drawing/2010/main">
+                    <a:solidFill>
+                      <a:srgbClr val="FFFFFF"/>
+                    </a:solidFill>
+                  </a14:hiddenFill>
+                </a:ext>
+              </a:extLst>
+            </p:spPr>
+          </p:pic>
+          <p:grpSp>
+            <p:nvGrpSpPr>
+              <p:cNvPr id="17" name="Group 16">
+                <a:extLst>
+                  <a:ext uri="{FF2B5EF4-FFF2-40B4-BE49-F238E27FC236}">
+                    <a16:creationId xmlns:a16="http://schemas.microsoft.com/office/drawing/2014/main" id="{B1A400E6-3BE8-AD15-A44F-FBC400C79111}"/>
+                  </a:ext>
+                </a:extLst>
+              </p:cNvPr>
+              <p:cNvGrpSpPr/>
+              <p:nvPr/>
+            </p:nvGrpSpPr>
+            <p:grpSpPr>
+              <a:xfrm>
+                <a:off x="8425013" y="2205037"/>
+                <a:ext cx="2957362" cy="3781855"/>
+                <a:chOff x="8425013" y="1557337"/>
+                <a:chExt cx="2957362" cy="3781855"/>
+              </a:xfrm>
+            </p:grpSpPr>
+            <p:pic>
+              <p:nvPicPr>
+                <p:cNvPr id="4" name="Picture 3">
+                  <a:extLst>
+                    <a:ext uri="{FF2B5EF4-FFF2-40B4-BE49-F238E27FC236}">
+                      <a16:creationId xmlns:a16="http://schemas.microsoft.com/office/drawing/2014/main" id="{7372E2F3-A85C-CAEE-F762-194295DCD4D5}"/>
+                    </a:ext>
+                  </a:extLst>
+                </p:cNvPr>
+                <p:cNvPicPr>
+                  <a:picLocks noChangeAspect="1"/>
+                </p:cNvPicPr>
+                <p:nvPr/>
+              </p:nvPicPr>
+              <p:blipFill>
+                <a:blip r:embed="rId4"/>
+                <a:srcRect r="66002"/>
+                <a:stretch/>
+              </p:blipFill>
+              <p:spPr>
+                <a:xfrm>
+                  <a:off x="8425014" y="3852863"/>
+                  <a:ext cx="2407218" cy="1486329"/>
+                </a:xfrm>
+                <a:prstGeom prst="rect">
+                  <a:avLst/>
+                </a:prstGeom>
+              </p:spPr>
+            </p:pic>
+            <p:pic>
+              <p:nvPicPr>
+                <p:cNvPr id="9" name="Picture 8">
+                  <a:extLst>
+                    <a:ext uri="{FF2B5EF4-FFF2-40B4-BE49-F238E27FC236}">
+                      <a16:creationId xmlns:a16="http://schemas.microsoft.com/office/drawing/2014/main" id="{F08D0736-E2E2-28B6-C09D-DC3003FC5B82}"/>
+                    </a:ext>
+                  </a:extLst>
+                </p:cNvPr>
+                <p:cNvPicPr>
+                  <a:picLocks noChangeAspect="1"/>
+                </p:cNvPicPr>
+                <p:nvPr/>
+              </p:nvPicPr>
+              <p:blipFill>
+                <a:blip r:embed="rId5"/>
+                <a:srcRect l="-1" t="69885" r="54876"/>
+                <a:stretch/>
+              </p:blipFill>
+              <p:spPr>
+                <a:xfrm>
+                  <a:off x="8425013" y="2705100"/>
+                  <a:ext cx="2957362" cy="1009795"/>
+                </a:xfrm>
+                <a:prstGeom prst="rect">
+                  <a:avLst/>
+                </a:prstGeom>
+              </p:spPr>
+            </p:pic>
+            <p:pic>
+              <p:nvPicPr>
+                <p:cNvPr id="14" name="Picture 13">
+                  <a:extLst>
+                    <a:ext uri="{FF2B5EF4-FFF2-40B4-BE49-F238E27FC236}">
+                      <a16:creationId xmlns:a16="http://schemas.microsoft.com/office/drawing/2014/main" id="{4C0CA0B4-E251-3639-3306-9DB0199F1E2C}"/>
+                    </a:ext>
+                  </a:extLst>
+                </p:cNvPr>
+                <p:cNvPicPr>
+                  <a:picLocks noChangeAspect="1"/>
+                </p:cNvPicPr>
+                <p:nvPr/>
+              </p:nvPicPr>
+              <p:blipFill>
+                <a:blip r:embed="rId5"/>
+                <a:srcRect r="60286" b="65770"/>
+                <a:stretch/>
+              </p:blipFill>
+              <p:spPr>
+                <a:xfrm>
+                  <a:off x="8425014" y="1557337"/>
+                  <a:ext cx="2407218" cy="1147763"/>
+                </a:xfrm>
+                <a:prstGeom prst="rect">
+                  <a:avLst/>
+                </a:prstGeom>
+              </p:spPr>
+            </p:pic>
+          </p:grpSp>
+          <p:sp>
+            <p:nvSpPr>
+              <p:cNvPr id="18" name="TextBox 17">
+                <a:extLst>
+                  <a:ext uri="{FF2B5EF4-FFF2-40B4-BE49-F238E27FC236}">
+                    <a16:creationId xmlns:a16="http://schemas.microsoft.com/office/drawing/2014/main" id="{F7A1BBAA-12B2-57C9-EA76-77C5962B09E0}"/>
+                  </a:ext>
+                </a:extLst>
+              </p:cNvPr>
+              <p:cNvSpPr txBox="1"/>
+              <p:nvPr/>
+            </p:nvSpPr>
+            <p:spPr>
+              <a:xfrm>
+                <a:off x="1318658" y="1659637"/>
+                <a:ext cx="809624" cy="369332"/>
+              </a:xfrm>
+              <a:prstGeom prst="rect">
+                <a:avLst/>
+              </a:prstGeom>
+              <a:noFill/>
+            </p:spPr>
+            <p:txBody>
+              <a:bodyPr wrap="square" rtlCol="0">
+                <a:spAutoFit/>
+              </a:bodyPr>
+              <a:lstStyle/>
+              <a:p>
+                <a:r>
+                  <a:rPr lang="en-US" dirty="0">
+                    <a:solidFill>
+                      <a:srgbClr val="00B0F0"/>
+                    </a:solidFill>
+                  </a:rPr>
+                  <a:t>Step 1</a:t>
+                </a:r>
+              </a:p>
+            </p:txBody>
+          </p:sp>
+          <p:sp>
+            <p:nvSpPr>
+              <p:cNvPr id="19" name="TextBox 18">
+                <a:extLst>
+                  <a:ext uri="{FF2B5EF4-FFF2-40B4-BE49-F238E27FC236}">
+                    <a16:creationId xmlns:a16="http://schemas.microsoft.com/office/drawing/2014/main" id="{F7DFB7E8-CEE0-0CFE-A298-2F02B083BDA8}"/>
+                  </a:ext>
+                </a:extLst>
+              </p:cNvPr>
+              <p:cNvSpPr txBox="1"/>
+              <p:nvPr/>
+            </p:nvSpPr>
+            <p:spPr>
+              <a:xfrm>
+                <a:off x="5430480" y="1659637"/>
+                <a:ext cx="809624" cy="369332"/>
+              </a:xfrm>
+              <a:prstGeom prst="rect">
+                <a:avLst/>
+              </a:prstGeom>
+              <a:noFill/>
+            </p:spPr>
+            <p:txBody>
+              <a:bodyPr wrap="square" rtlCol="0">
+                <a:spAutoFit/>
+              </a:bodyPr>
+              <a:lstStyle/>
+              <a:p>
+                <a:r>
+                  <a:rPr lang="en-US" dirty="0">
+                    <a:solidFill>
+                      <a:srgbClr val="00B0F0"/>
+                    </a:solidFill>
+                  </a:rPr>
+                  <a:t>Step 2</a:t>
+                </a:r>
+              </a:p>
+            </p:txBody>
+          </p:sp>
+          <p:sp>
+            <p:nvSpPr>
+              <p:cNvPr id="20" name="TextBox 19">
+                <a:extLst>
+                  <a:ext uri="{FF2B5EF4-FFF2-40B4-BE49-F238E27FC236}">
+                    <a16:creationId xmlns:a16="http://schemas.microsoft.com/office/drawing/2014/main" id="{7AC52878-3692-FB2A-1322-BEE5B3070048}"/>
+                  </a:ext>
+                </a:extLst>
+              </p:cNvPr>
+              <p:cNvSpPr txBox="1"/>
+              <p:nvPr/>
+            </p:nvSpPr>
+            <p:spPr>
+              <a:xfrm>
+                <a:off x="9326205" y="1659637"/>
+                <a:ext cx="809624" cy="369332"/>
+              </a:xfrm>
+              <a:prstGeom prst="rect">
+                <a:avLst/>
+              </a:prstGeom>
+              <a:noFill/>
+            </p:spPr>
+            <p:txBody>
+              <a:bodyPr wrap="square" rtlCol="0">
+                <a:spAutoFit/>
+              </a:bodyPr>
+              <a:lstStyle/>
+              <a:p>
+                <a:r>
+                  <a:rPr lang="en-US" dirty="0">
+                    <a:solidFill>
+                      <a:schemeClr val="accent2"/>
+                    </a:solidFill>
+                  </a:rPr>
+                  <a:t>Step 3</a:t>
+                </a:r>
+              </a:p>
+            </p:txBody>
+          </p:sp>
+        </p:grpSp>
+        <p:cxnSp>
+          <p:nvCxnSpPr>
+            <p:cNvPr id="23" name="Straight Arrow Connector 22">
+              <a:extLst>
+                <a:ext uri="{FF2B5EF4-FFF2-40B4-BE49-F238E27FC236}">
+                  <a16:creationId xmlns:a16="http://schemas.microsoft.com/office/drawing/2014/main" id="{3A61F3D3-DD3F-9229-6E88-2475FFA937B2}"/>
+                </a:ext>
+              </a:extLst>
+            </p:cNvPr>
+            <p:cNvCxnSpPr>
+              <a:stCxn id="1026" idx="3"/>
+              <a:endCxn id="1030" idx="1"/>
+            </p:cNvCxnSpPr>
+            <p:nvPr/>
+          </p:nvCxnSpPr>
+          <p:spPr>
+            <a:xfrm>
+              <a:off x="3446941" y="3938587"/>
+              <a:ext cx="831521" cy="1"/>
+            </a:xfrm>
+            <a:prstGeom prst="straightConnector1">
+              <a:avLst/>
+            </a:prstGeom>
+            <a:ln w="38100">
+              <a:tailEnd type="triangle"/>
+            </a:ln>
+          </p:spPr>
+          <p:style>
+            <a:lnRef idx="3">
+              <a:schemeClr val="dk1"/>
+            </a:lnRef>
+            <a:fillRef idx="0">
+              <a:schemeClr val="dk1"/>
+            </a:fillRef>
+            <a:effectRef idx="2">
+              <a:schemeClr val="dk1"/>
+            </a:effectRef>
+            <a:fontRef idx="minor">
+              <a:schemeClr val="tx1"/>
+            </a:fontRef>
+          </p:style>
+        </p:cxnSp>
+        <p:cxnSp>
+          <p:nvCxnSpPr>
+            <p:cNvPr id="25" name="Straight Arrow Connector 24">
+              <a:extLst>
+                <a:ext uri="{FF2B5EF4-FFF2-40B4-BE49-F238E27FC236}">
+                  <a16:creationId xmlns:a16="http://schemas.microsoft.com/office/drawing/2014/main" id="{CF0D9792-C16B-5821-6F1B-B480FB1B977C}"/>
+                </a:ext>
+              </a:extLst>
+            </p:cNvPr>
+            <p:cNvCxnSpPr>
+              <a:cxnSpLocks/>
+            </p:cNvCxnSpPr>
+            <p:nvPr/>
+          </p:nvCxnSpPr>
+          <p:spPr>
+            <a:xfrm>
+              <a:off x="7593491" y="3938586"/>
+              <a:ext cx="831521" cy="1"/>
+            </a:xfrm>
+            <a:prstGeom prst="straightConnector1">
+              <a:avLst/>
+            </a:prstGeom>
+            <a:ln w="38100">
+              <a:tailEnd type="triangle"/>
+            </a:ln>
+          </p:spPr>
+          <p:style>
+            <a:lnRef idx="3">
+              <a:schemeClr val="dk1"/>
+            </a:lnRef>
+            <a:fillRef idx="0">
+              <a:schemeClr val="dk1"/>
+            </a:fillRef>
+            <a:effectRef idx="2">
+              <a:schemeClr val="dk1"/>
+            </a:effectRef>
+            <a:fontRef idx="minor">
+              <a:schemeClr val="tx1"/>
+            </a:fontRef>
+          </p:style>
+        </p:cxnSp>
+      </p:grpSp>
       <p:pic>
         <p:nvPicPr>
-          <p:cNvPr id="2050" name="Picture 2" descr="FIRN Analytics: Timely Data Solutions &amp; Expert Consultancy">
+          <p:cNvPr id="30" name="Picture 2" descr="FIRN Analytics: Timely Data Solutions &amp; Expert Consultancy">
             <a:extLst>
               <a:ext uri="{FF2B5EF4-FFF2-40B4-BE49-F238E27FC236}">
-                <a16:creationId xmlns:a16="http://schemas.microsoft.com/office/drawing/2014/main" id="{14A52F25-2DAE-5DA7-4039-D4DC6699D305}"/>
+                <a16:creationId xmlns:a16="http://schemas.microsoft.com/office/drawing/2014/main" id="{EC4E0CB6-A9A1-AA93-273B-B557BE6509DC}"/>
               </a:ext>
             </a:extLst>
           </p:cNvPr>
@@ -3913,7 +4495,7 @@
           <p:nvPr/>
         </p:nvPicPr>
         <p:blipFill>
-          <a:blip r:embed="rId2">
+          <a:blip r:embed="rId6">
             <a:extLst>
               <a:ext uri="{28A0092B-C50C-407E-A947-70E740481C1C}">
                 <a14:useLocalDpi xmlns:a14="http://schemas.microsoft.com/office/drawing/2010/main" val="0"/>
@@ -3945,40 +4527,10 @@
           </a:extLst>
         </p:spPr>
       </p:pic>
-      <p:pic>
-        <p:nvPicPr>
-          <p:cNvPr id="8" name="Picture 7">
-            <a:extLst>
-              <a:ext uri="{FF2B5EF4-FFF2-40B4-BE49-F238E27FC236}">
-                <a16:creationId xmlns:a16="http://schemas.microsoft.com/office/drawing/2014/main" id="{5A94F403-93A2-5405-E673-A3B5A186DAC9}"/>
-              </a:ext>
-            </a:extLst>
-          </p:cNvPr>
-          <p:cNvPicPr>
-            <a:picLocks noChangeAspect="1"/>
-          </p:cNvPicPr>
-          <p:nvPr/>
-        </p:nvPicPr>
-        <p:blipFill>
-          <a:blip r:embed="rId3"/>
-          <a:stretch>
-            <a:fillRect/>
-          </a:stretch>
-        </p:blipFill>
-        <p:spPr>
-          <a:xfrm>
-            <a:off x="2832167" y="1790217"/>
-            <a:ext cx="6527666" cy="3277565"/>
-          </a:xfrm>
-          <a:prstGeom prst="rect">
-            <a:avLst/>
-          </a:prstGeom>
-        </p:spPr>
-      </p:pic>
     </p:spTree>
     <p:extLst>
       <p:ext uri="{BB962C8B-B14F-4D97-AF65-F5344CB8AC3E}">
-        <p14:creationId xmlns:p14="http://schemas.microsoft.com/office/powerpoint/2010/main" val="1327095021"/>
+        <p14:creationId xmlns:p14="http://schemas.microsoft.com/office/powerpoint/2010/main" val="1547502742"/>
       </p:ext>
     </p:extLst>
   </p:cSld>
@@ -3988,7 +4540,7 @@
 </p:sld>
 </file>
 
-<file path=ppt/slides/slide10.xml><?xml version="1.0" encoding="utf-8"?>
+<file path=ppt/slides/slide11.xml><?xml version="1.0" encoding="utf-8"?>
 <p:sld xmlns:a="http://schemas.openxmlformats.org/drawingml/2006/main" xmlns:r="http://schemas.openxmlformats.org/officeDocument/2006/relationships" xmlns:p="http://schemas.openxmlformats.org/presentationml/2006/main">
   <p:cSld>
     <p:spTree>
@@ -4194,7 +4746,7 @@
 </p:sld>
 </file>
 
-<file path=ppt/slides/slide11.xml><?xml version="1.0" encoding="utf-8"?>
+<file path=ppt/slides/slide12.xml><?xml version="1.0" encoding="utf-8"?>
 <p:sld xmlns:a="http://schemas.openxmlformats.org/drawingml/2006/main" xmlns:r="http://schemas.openxmlformats.org/officeDocument/2006/relationships" xmlns:p="http://schemas.openxmlformats.org/presentationml/2006/main">
   <p:cSld>
     <p:spTree>
@@ -4485,7 +5037,7 @@
 </p:sld>
 </file>
 
-<file path=ppt/slides/slide12.xml><?xml version="1.0" encoding="utf-8"?>
+<file path=ppt/slides/slide13.xml><?xml version="1.0" encoding="utf-8"?>
 <p:sld xmlns:a="http://schemas.openxmlformats.org/drawingml/2006/main" xmlns:r="http://schemas.openxmlformats.org/officeDocument/2006/relationships" xmlns:p="http://schemas.openxmlformats.org/presentationml/2006/main">
   <p:cSld>
     <p:spTree>
@@ -4691,7 +5243,7 @@
 </p:sld>
 </file>
 
-<file path=ppt/slides/slide13.xml><?xml version="1.0" encoding="utf-8"?>
+<file path=ppt/slides/slide14.xml><?xml version="1.0" encoding="utf-8"?>
 <p:sld xmlns:a="http://schemas.openxmlformats.org/drawingml/2006/main" xmlns:r="http://schemas.openxmlformats.org/officeDocument/2006/relationships" xmlns:p="http://schemas.openxmlformats.org/presentationml/2006/main">
   <p:cSld>
     <p:spTree>
@@ -5386,7 +5938,7 @@
 </p:sld>
 </file>
 
-<file path=ppt/slides/slide14.xml><?xml version="1.0" encoding="utf-8"?>
+<file path=ppt/slides/slide15.xml><?xml version="1.0" encoding="utf-8"?>
 <p:sld xmlns:a="http://schemas.openxmlformats.org/drawingml/2006/main" xmlns:r="http://schemas.openxmlformats.org/officeDocument/2006/relationships" xmlns:p="http://schemas.openxmlformats.org/presentationml/2006/main">
   <p:cSld>
     <p:spTree>
@@ -5592,7 +6144,7 @@
 </p:sld>
 </file>
 
-<file path=ppt/slides/slide15.xml><?xml version="1.0" encoding="utf-8"?>
+<file path=ppt/slides/slide16.xml><?xml version="1.0" encoding="utf-8"?>
 <p:sld xmlns:a="http://schemas.openxmlformats.org/drawingml/2006/main" xmlns:r="http://schemas.openxmlformats.org/officeDocument/2006/relationships" xmlns:p="http://schemas.openxmlformats.org/presentationml/2006/main">
   <p:cSld>
     <p:spTree>
@@ -6624,7 +7176,7 @@
 </p:sld>
 </file>
 
-<file path=ppt/slides/slide16.xml><?xml version="1.0" encoding="utf-8"?>
+<file path=ppt/slides/slide17.xml><?xml version="1.0" encoding="utf-8"?>
 <p:sld xmlns:a="http://schemas.openxmlformats.org/drawingml/2006/main" xmlns:r="http://schemas.openxmlformats.org/officeDocument/2006/relationships" xmlns:p="http://schemas.openxmlformats.org/presentationml/2006/main">
   <p:cSld>
     <p:spTree>
@@ -7291,7 +7843,7 @@
 </p:sld>
 </file>
 
-<file path=ppt/slides/slide17.xml><?xml version="1.0" encoding="utf-8"?>
+<file path=ppt/slides/slide18.xml><?xml version="1.0" encoding="utf-8"?>
 <p:sld xmlns:a="http://schemas.openxmlformats.org/drawingml/2006/main" xmlns:r="http://schemas.openxmlformats.org/officeDocument/2006/relationships" xmlns:p="http://schemas.openxmlformats.org/presentationml/2006/main">
   <p:cSld>
     <p:spTree>
@@ -7961,7 +8513,7 @@
 </p:sld>
 </file>
 
-<file path=ppt/slides/slide18.xml><?xml version="1.0" encoding="utf-8"?>
+<file path=ppt/slides/slide19.xml><?xml version="1.0" encoding="utf-8"?>
 <p:sld xmlns:a="http://schemas.openxmlformats.org/drawingml/2006/main" xmlns:r="http://schemas.openxmlformats.org/officeDocument/2006/relationships" xmlns:p="http://schemas.openxmlformats.org/presentationml/2006/main">
   <p:cSld>
     <p:spTree>
@@ -8682,7 +9234,155 @@
 </p:sld>
 </file>
 
-<file path=ppt/slides/slide19.xml><?xml version="1.0" encoding="utf-8"?>
+<file path=ppt/slides/slide2.xml><?xml version="1.0" encoding="utf-8"?>
+<p:sld xmlns:a="http://schemas.openxmlformats.org/drawingml/2006/main" xmlns:r="http://schemas.openxmlformats.org/officeDocument/2006/relationships" xmlns:p="http://schemas.openxmlformats.org/presentationml/2006/main">
+  <p:cSld>
+    <p:spTree>
+      <p:nvGrpSpPr>
+        <p:cNvPr id="1" name=""/>
+        <p:cNvGrpSpPr/>
+        <p:nvPr/>
+      </p:nvGrpSpPr>
+      <p:grpSpPr>
+        <a:xfrm>
+          <a:off x="0" y="0"/>
+          <a:ext cx="0" cy="0"/>
+          <a:chOff x="0" y="0"/>
+          <a:chExt cx="0" cy="0"/>
+        </a:xfrm>
+      </p:grpSpPr>
+      <p:sp>
+        <p:nvSpPr>
+          <p:cNvPr id="2" name="TextBox 1">
+            <a:extLst>
+              <a:ext uri="{FF2B5EF4-FFF2-40B4-BE49-F238E27FC236}">
+                <a16:creationId xmlns:a16="http://schemas.microsoft.com/office/drawing/2014/main" id="{15726383-B407-319E-030C-10F657ACC3A3}"/>
+              </a:ext>
+            </a:extLst>
+          </p:cNvPr>
+          <p:cNvSpPr txBox="1"/>
+          <p:nvPr/>
+        </p:nvSpPr>
+        <p:spPr>
+          <a:xfrm>
+            <a:off x="0" y="323165"/>
+            <a:ext cx="12192000" cy="646331"/>
+          </a:xfrm>
+          <a:prstGeom prst="rect">
+            <a:avLst/>
+          </a:prstGeom>
+          <a:noFill/>
+        </p:spPr>
+        <p:txBody>
+          <a:bodyPr wrap="square" rtlCol="0">
+            <a:spAutoFit/>
+          </a:bodyPr>
+          <a:lstStyle/>
+          <a:p>
+            <a:pPr algn="ctr"/>
+            <a:r>
+              <a:rPr lang="en-US" sz="3600" i="1" dirty="0">
+                <a:solidFill>
+                  <a:srgbClr val="7030A0"/>
+                </a:solidFill>
+                <a:latin typeface="Calisto MT" panose="02040603050505030304" pitchFamily="18" charset="0"/>
+              </a:rPr>
+              <a:t>Kimball DW/BI Lifecycle</a:t>
+            </a:r>
+          </a:p>
+        </p:txBody>
+      </p:sp>
+      <p:pic>
+        <p:nvPicPr>
+          <p:cNvPr id="2050" name="Picture 2" descr="FIRN Analytics: Timely Data Solutions &amp; Expert Consultancy">
+            <a:extLst>
+              <a:ext uri="{FF2B5EF4-FFF2-40B4-BE49-F238E27FC236}">
+                <a16:creationId xmlns:a16="http://schemas.microsoft.com/office/drawing/2014/main" id="{14A52F25-2DAE-5DA7-4039-D4DC6699D305}"/>
+              </a:ext>
+            </a:extLst>
+          </p:cNvPr>
+          <p:cNvPicPr>
+            <a:picLocks noChangeAspect="1" noChangeArrowheads="1"/>
+          </p:cNvPicPr>
+          <p:nvPr/>
+        </p:nvPicPr>
+        <p:blipFill>
+          <a:blip r:embed="rId2">
+            <a:extLst>
+              <a:ext uri="{28A0092B-C50C-407E-A947-70E740481C1C}">
+                <a14:useLocalDpi xmlns:a14="http://schemas.microsoft.com/office/drawing/2010/main" val="0"/>
+              </a:ext>
+            </a:extLst>
+          </a:blip>
+          <a:srcRect/>
+          <a:stretch>
+            <a:fillRect/>
+          </a:stretch>
+        </p:blipFill>
+        <p:spPr bwMode="auto">
+          <a:xfrm>
+            <a:off x="11182350" y="5848350"/>
+            <a:ext cx="1009650" cy="1009650"/>
+          </a:xfrm>
+          <a:prstGeom prst="rect">
+            <a:avLst/>
+          </a:prstGeom>
+          <a:noFill/>
+          <a:extLst>
+            <a:ext uri="{909E8E84-426E-40DD-AFC4-6F175D3DCCD1}">
+              <a14:hiddenFill xmlns:a14="http://schemas.microsoft.com/office/drawing/2010/main">
+                <a:solidFill>
+                  <a:srgbClr val="FFFFFF"/>
+                </a:solidFill>
+              </a14:hiddenFill>
+            </a:ext>
+          </a:extLst>
+        </p:spPr>
+      </p:pic>
+      <p:pic>
+        <p:nvPicPr>
+          <p:cNvPr id="8" name="Picture 7">
+            <a:extLst>
+              <a:ext uri="{FF2B5EF4-FFF2-40B4-BE49-F238E27FC236}">
+                <a16:creationId xmlns:a16="http://schemas.microsoft.com/office/drawing/2014/main" id="{5A94F403-93A2-5405-E673-A3B5A186DAC9}"/>
+              </a:ext>
+            </a:extLst>
+          </p:cNvPr>
+          <p:cNvPicPr>
+            <a:picLocks noChangeAspect="1"/>
+          </p:cNvPicPr>
+          <p:nvPr/>
+        </p:nvPicPr>
+        <p:blipFill>
+          <a:blip r:embed="rId3"/>
+          <a:stretch>
+            <a:fillRect/>
+          </a:stretch>
+        </p:blipFill>
+        <p:spPr>
+          <a:xfrm>
+            <a:off x="2832167" y="1790217"/>
+            <a:ext cx="6527666" cy="3277565"/>
+          </a:xfrm>
+          <a:prstGeom prst="rect">
+            <a:avLst/>
+          </a:prstGeom>
+        </p:spPr>
+      </p:pic>
+    </p:spTree>
+    <p:extLst>
+      <p:ext uri="{BB962C8B-B14F-4D97-AF65-F5344CB8AC3E}">
+        <p14:creationId xmlns:p14="http://schemas.microsoft.com/office/powerpoint/2010/main" val="1327095021"/>
+      </p:ext>
+    </p:extLst>
+  </p:cSld>
+  <p:clrMapOvr>
+    <a:masterClrMapping/>
+  </p:clrMapOvr>
+</p:sld>
+</file>
+
+<file path=ppt/slides/slide20.xml><?xml version="1.0" encoding="utf-8"?>
 <p:sld xmlns:a="http://schemas.openxmlformats.org/drawingml/2006/main" xmlns:r="http://schemas.openxmlformats.org/officeDocument/2006/relationships" xmlns:p="http://schemas.openxmlformats.org/presentationml/2006/main">
   <p:cSld>
     <p:spTree>
@@ -8888,213 +9588,7 @@
 </p:sld>
 </file>
 
-<file path=ppt/slides/slide2.xml><?xml version="1.0" encoding="utf-8"?>
-<p:sld xmlns:a="http://schemas.openxmlformats.org/drawingml/2006/main" xmlns:r="http://schemas.openxmlformats.org/officeDocument/2006/relationships" xmlns:p="http://schemas.openxmlformats.org/presentationml/2006/main">
-  <p:cSld>
-    <p:spTree>
-      <p:nvGrpSpPr>
-        <p:cNvPr id="1" name=""/>
-        <p:cNvGrpSpPr/>
-        <p:nvPr/>
-      </p:nvGrpSpPr>
-      <p:grpSpPr>
-        <a:xfrm>
-          <a:off x="0" y="0"/>
-          <a:ext cx="0" cy="0"/>
-          <a:chOff x="0" y="0"/>
-          <a:chExt cx="0" cy="0"/>
-        </a:xfrm>
-      </p:grpSpPr>
-      <p:sp>
-        <p:nvSpPr>
-          <p:cNvPr id="2" name="TextBox 1">
-            <a:extLst>
-              <a:ext uri="{FF2B5EF4-FFF2-40B4-BE49-F238E27FC236}">
-                <a16:creationId xmlns:a16="http://schemas.microsoft.com/office/drawing/2014/main" id="{15726383-B407-319E-030C-10F657ACC3A3}"/>
-              </a:ext>
-            </a:extLst>
-          </p:cNvPr>
-          <p:cNvSpPr txBox="1"/>
-          <p:nvPr/>
-        </p:nvSpPr>
-        <p:spPr>
-          <a:xfrm>
-            <a:off x="0" y="323165"/>
-            <a:ext cx="12192000" cy="646331"/>
-          </a:xfrm>
-          <a:prstGeom prst="rect">
-            <a:avLst/>
-          </a:prstGeom>
-          <a:noFill/>
-        </p:spPr>
-        <p:txBody>
-          <a:bodyPr wrap="square" rtlCol="0">
-            <a:spAutoFit/>
-          </a:bodyPr>
-          <a:lstStyle/>
-          <a:p>
-            <a:pPr algn="ctr"/>
-            <a:r>
-              <a:rPr lang="en-US" sz="3600" i="1" dirty="0">
-                <a:solidFill>
-                  <a:srgbClr val="7030A0"/>
-                </a:solidFill>
-                <a:latin typeface="Calisto MT" panose="02040603050505030304" pitchFamily="18" charset="0"/>
-              </a:rPr>
-              <a:t>Business Requirements Definition</a:t>
-            </a:r>
-          </a:p>
-        </p:txBody>
-      </p:sp>
-      <p:pic>
-        <p:nvPicPr>
-          <p:cNvPr id="2050" name="Picture 2" descr="FIRN Analytics: Timely Data Solutions &amp; Expert Consultancy">
-            <a:extLst>
-              <a:ext uri="{FF2B5EF4-FFF2-40B4-BE49-F238E27FC236}">
-                <a16:creationId xmlns:a16="http://schemas.microsoft.com/office/drawing/2014/main" id="{14A52F25-2DAE-5DA7-4039-D4DC6699D305}"/>
-              </a:ext>
-            </a:extLst>
-          </p:cNvPr>
-          <p:cNvPicPr>
-            <a:picLocks noChangeAspect="1" noChangeArrowheads="1"/>
-          </p:cNvPicPr>
-          <p:nvPr/>
-        </p:nvPicPr>
-        <p:blipFill>
-          <a:blip r:embed="rId2">
-            <a:extLst>
-              <a:ext uri="{28A0092B-C50C-407E-A947-70E740481C1C}">
-                <a14:useLocalDpi xmlns:a14="http://schemas.microsoft.com/office/drawing/2010/main" val="0"/>
-              </a:ext>
-            </a:extLst>
-          </a:blip>
-          <a:srcRect/>
-          <a:stretch>
-            <a:fillRect/>
-          </a:stretch>
-        </p:blipFill>
-        <p:spPr bwMode="auto">
-          <a:xfrm>
-            <a:off x="11182350" y="5848350"/>
-            <a:ext cx="1009650" cy="1009650"/>
-          </a:xfrm>
-          <a:prstGeom prst="rect">
-            <a:avLst/>
-          </a:prstGeom>
-          <a:noFill/>
-          <a:extLst>
-            <a:ext uri="{909E8E84-426E-40DD-AFC4-6F175D3DCCD1}">
-              <a14:hiddenFill xmlns:a14="http://schemas.microsoft.com/office/drawing/2010/main">
-                <a:solidFill>
-                  <a:srgbClr val="FFFFFF"/>
-                </a:solidFill>
-              </a14:hiddenFill>
-            </a:ext>
-          </a:extLst>
-        </p:spPr>
-      </p:pic>
-      <p:grpSp>
-        <p:nvGrpSpPr>
-          <p:cNvPr id="8" name="Group 7">
-            <a:extLst>
-              <a:ext uri="{FF2B5EF4-FFF2-40B4-BE49-F238E27FC236}">
-                <a16:creationId xmlns:a16="http://schemas.microsoft.com/office/drawing/2014/main" id="{AC40E9C4-C06E-D8A3-AADA-DF53598EB866}"/>
-              </a:ext>
-            </a:extLst>
-          </p:cNvPr>
-          <p:cNvGrpSpPr/>
-          <p:nvPr/>
-        </p:nvGrpSpPr>
-        <p:grpSpPr>
-          <a:xfrm>
-            <a:off x="2751666" y="1678659"/>
-            <a:ext cx="6608167" cy="3389123"/>
-            <a:chOff x="2751666" y="1678659"/>
-            <a:chExt cx="6608167" cy="3389123"/>
-          </a:xfrm>
-        </p:grpSpPr>
-        <p:pic>
-          <p:nvPicPr>
-            <p:cNvPr id="5" name="Picture 4">
-              <a:extLst>
-                <a:ext uri="{FF2B5EF4-FFF2-40B4-BE49-F238E27FC236}">
-                  <a16:creationId xmlns:a16="http://schemas.microsoft.com/office/drawing/2014/main" id="{F223CCC0-1664-72B9-1170-0B4D430ABE91}"/>
-                </a:ext>
-              </a:extLst>
-            </p:cNvPr>
-            <p:cNvPicPr>
-              <a:picLocks noChangeAspect="1"/>
-            </p:cNvPicPr>
-            <p:nvPr/>
-          </p:nvPicPr>
-          <p:blipFill>
-            <a:blip r:embed="rId3"/>
-            <a:stretch>
-              <a:fillRect/>
-            </a:stretch>
-          </p:blipFill>
-          <p:spPr>
-            <a:xfrm>
-              <a:off x="2832167" y="1790217"/>
-              <a:ext cx="6527666" cy="3277565"/>
-            </a:xfrm>
-            <a:prstGeom prst="rect">
-              <a:avLst/>
-            </a:prstGeom>
-          </p:spPr>
-        </p:pic>
-        <p:sp>
-          <p:nvSpPr>
-            <p:cNvPr id="7" name="TextBox 6">
-              <a:extLst>
-                <a:ext uri="{FF2B5EF4-FFF2-40B4-BE49-F238E27FC236}">
-                  <a16:creationId xmlns:a16="http://schemas.microsoft.com/office/drawing/2014/main" id="{DFF79EFA-CA38-582E-F01A-8D06F5981F3B}"/>
-                </a:ext>
-              </a:extLst>
-            </p:cNvPr>
-            <p:cNvSpPr txBox="1"/>
-            <p:nvPr/>
-          </p:nvSpPr>
-          <p:spPr>
-            <a:xfrm>
-              <a:off x="2751666" y="1678659"/>
-              <a:ext cx="1303869" cy="3299742"/>
-            </a:xfrm>
-            <a:prstGeom prst="rect">
-              <a:avLst/>
-            </a:prstGeom>
-            <a:noFill/>
-            <a:ln w="38100">
-              <a:solidFill>
-                <a:srgbClr val="7030A0"/>
-              </a:solidFill>
-            </a:ln>
-          </p:spPr>
-          <p:txBody>
-            <a:bodyPr wrap="square" rtlCol="0">
-              <a:spAutoFit/>
-            </a:bodyPr>
-            <a:lstStyle/>
-            <a:p>
-              <a:endParaRPr lang="en-US" dirty="0"/>
-            </a:p>
-          </p:txBody>
-        </p:sp>
-      </p:grpSp>
-    </p:spTree>
-    <p:extLst>
-      <p:ext uri="{BB962C8B-B14F-4D97-AF65-F5344CB8AC3E}">
-        <p14:creationId xmlns:p14="http://schemas.microsoft.com/office/powerpoint/2010/main" val="2085280596"/>
-      </p:ext>
-    </p:extLst>
-  </p:cSld>
-  <p:clrMapOvr>
-    <a:masterClrMapping/>
-  </p:clrMapOvr>
-</p:sld>
-</file>
-
-<file path=ppt/slides/slide20.xml><?xml version="1.0" encoding="utf-8"?>
+<file path=ppt/slides/slide21.xml><?xml version="1.0" encoding="utf-8"?>
 <p:sld xmlns:a="http://schemas.openxmlformats.org/drawingml/2006/main" xmlns:r="http://schemas.openxmlformats.org/officeDocument/2006/relationships" xmlns:p="http://schemas.openxmlformats.org/presentationml/2006/main">
   <p:cSld>
     <p:spTree>
@@ -9500,7 +9994,7 @@
 </p:sld>
 </file>
 
-<file path=ppt/slides/slide21.xml><?xml version="1.0" encoding="utf-8"?>
+<file path=ppt/slides/slide22.xml><?xml version="1.0" encoding="utf-8"?>
 <p:sld xmlns:a="http://schemas.openxmlformats.org/drawingml/2006/main" xmlns:r="http://schemas.openxmlformats.org/officeDocument/2006/relationships" xmlns:p="http://schemas.openxmlformats.org/presentationml/2006/main">
   <p:cSld>
     <p:spTree>
@@ -9706,7 +10200,7 @@
 </p:sld>
 </file>
 
-<file path=ppt/slides/slide22.xml><?xml version="1.0" encoding="utf-8"?>
+<file path=ppt/slides/slide23.xml><?xml version="1.0" encoding="utf-8"?>
 <p:sld xmlns:a="http://schemas.openxmlformats.org/drawingml/2006/main" xmlns:r="http://schemas.openxmlformats.org/officeDocument/2006/relationships" xmlns:p="http://schemas.openxmlformats.org/presentationml/2006/main">
   <p:cSld>
     <p:spTree>
@@ -10560,7 +11054,7 @@
 </p:sld>
 </file>
 
-<file path=ppt/slides/slide23.xml><?xml version="1.0" encoding="utf-8"?>
+<file path=ppt/slides/slide24.xml><?xml version="1.0" encoding="utf-8"?>
 <p:sld xmlns:a="http://schemas.openxmlformats.org/drawingml/2006/main" xmlns:r="http://schemas.openxmlformats.org/officeDocument/2006/relationships" xmlns:p="http://schemas.openxmlformats.org/presentationml/2006/main">
   <p:cSld>
     <p:spTree>
@@ -10755,7 +11249,2145 @@
 </p:sld>
 </file>
 
+<file path=ppt/slides/slide25.xml><?xml version="1.0" encoding="utf-8"?>
+<p:sld xmlns:a="http://schemas.openxmlformats.org/drawingml/2006/main" xmlns:r="http://schemas.openxmlformats.org/officeDocument/2006/relationships" xmlns:p="http://schemas.openxmlformats.org/presentationml/2006/main">
+  <p:cSld>
+    <p:spTree>
+      <p:nvGrpSpPr>
+        <p:cNvPr id="1" name=""/>
+        <p:cNvGrpSpPr/>
+        <p:nvPr/>
+      </p:nvGrpSpPr>
+      <p:grpSpPr>
+        <a:xfrm>
+          <a:off x="0" y="0"/>
+          <a:ext cx="0" cy="0"/>
+          <a:chOff x="0" y="0"/>
+          <a:chExt cx="0" cy="0"/>
+        </a:xfrm>
+      </p:grpSpPr>
+      <p:sp>
+        <p:nvSpPr>
+          <p:cNvPr id="2" name="TextBox 1">
+            <a:extLst>
+              <a:ext uri="{FF2B5EF4-FFF2-40B4-BE49-F238E27FC236}">
+                <a16:creationId xmlns:a16="http://schemas.microsoft.com/office/drawing/2014/main" id="{15726383-B407-319E-030C-10F657ACC3A3}"/>
+              </a:ext>
+            </a:extLst>
+          </p:cNvPr>
+          <p:cNvSpPr txBox="1"/>
+          <p:nvPr/>
+        </p:nvSpPr>
+        <p:spPr>
+          <a:xfrm>
+            <a:off x="0" y="323165"/>
+            <a:ext cx="12192000" cy="646331"/>
+          </a:xfrm>
+          <a:prstGeom prst="rect">
+            <a:avLst/>
+          </a:prstGeom>
+          <a:noFill/>
+        </p:spPr>
+        <p:txBody>
+          <a:bodyPr wrap="square" rtlCol="0">
+            <a:spAutoFit/>
+          </a:bodyPr>
+          <a:lstStyle/>
+          <a:p>
+            <a:pPr algn="ctr"/>
+            <a:r>
+              <a:rPr lang="en-US" sz="3600" i="1" dirty="0">
+                <a:solidFill>
+                  <a:srgbClr val="7030A0"/>
+                </a:solidFill>
+                <a:latin typeface="Calisto MT" panose="02040603050505030304" pitchFamily="18" charset="0"/>
+              </a:rPr>
+              <a:t>Further Considerations – Dimensional Model</a:t>
+            </a:r>
+          </a:p>
+        </p:txBody>
+      </p:sp>
+      <p:pic>
+        <p:nvPicPr>
+          <p:cNvPr id="28" name="Picture 2" descr="FIRN Analytics: Timely Data Solutions &amp; Expert Consultancy">
+            <a:extLst>
+              <a:ext uri="{FF2B5EF4-FFF2-40B4-BE49-F238E27FC236}">
+                <a16:creationId xmlns:a16="http://schemas.microsoft.com/office/drawing/2014/main" id="{EDAB711B-E37E-D69B-1D15-6F86217E9CDE}"/>
+              </a:ext>
+            </a:extLst>
+          </p:cNvPr>
+          <p:cNvPicPr>
+            <a:picLocks noChangeAspect="1" noChangeArrowheads="1"/>
+          </p:cNvPicPr>
+          <p:nvPr/>
+        </p:nvPicPr>
+        <p:blipFill>
+          <a:blip r:embed="rId2">
+            <a:extLst>
+              <a:ext uri="{28A0092B-C50C-407E-A947-70E740481C1C}">
+                <a14:useLocalDpi xmlns:a14="http://schemas.microsoft.com/office/drawing/2010/main" val="0"/>
+              </a:ext>
+            </a:extLst>
+          </a:blip>
+          <a:srcRect/>
+          <a:stretch>
+            <a:fillRect/>
+          </a:stretch>
+        </p:blipFill>
+        <p:spPr bwMode="auto">
+          <a:xfrm>
+            <a:off x="11182350" y="5848350"/>
+            <a:ext cx="1009650" cy="1009650"/>
+          </a:xfrm>
+          <a:prstGeom prst="rect">
+            <a:avLst/>
+          </a:prstGeom>
+          <a:noFill/>
+          <a:extLst>
+            <a:ext uri="{909E8E84-426E-40DD-AFC4-6F175D3DCCD1}">
+              <a14:hiddenFill xmlns:a14="http://schemas.microsoft.com/office/drawing/2010/main">
+                <a:solidFill>
+                  <a:srgbClr val="FFFFFF"/>
+                </a:solidFill>
+              </a14:hiddenFill>
+            </a:ext>
+          </a:extLst>
+        </p:spPr>
+      </p:pic>
+      <p:grpSp>
+        <p:nvGrpSpPr>
+          <p:cNvPr id="8" name="Group 7">
+            <a:extLst>
+              <a:ext uri="{FF2B5EF4-FFF2-40B4-BE49-F238E27FC236}">
+                <a16:creationId xmlns:a16="http://schemas.microsoft.com/office/drawing/2014/main" id="{B2A0204C-1E96-3F9A-8CB0-A08E0EFD4250}"/>
+              </a:ext>
+            </a:extLst>
+          </p:cNvPr>
+          <p:cNvGrpSpPr/>
+          <p:nvPr/>
+        </p:nvGrpSpPr>
+        <p:grpSpPr>
+          <a:xfrm>
+            <a:off x="378736" y="2229207"/>
+            <a:ext cx="11152194" cy="3408701"/>
+            <a:chOff x="378736" y="2229207"/>
+            <a:chExt cx="11152194" cy="3408701"/>
+          </a:xfrm>
+        </p:grpSpPr>
+        <p:grpSp>
+          <p:nvGrpSpPr>
+            <p:cNvPr id="24" name="Group 23">
+              <a:extLst>
+                <a:ext uri="{FF2B5EF4-FFF2-40B4-BE49-F238E27FC236}">
+                  <a16:creationId xmlns:a16="http://schemas.microsoft.com/office/drawing/2014/main" id="{429763CD-930D-48F6-FAB2-0186080042F7}"/>
+                </a:ext>
+              </a:extLst>
+            </p:cNvPr>
+            <p:cNvGrpSpPr/>
+            <p:nvPr/>
+          </p:nvGrpSpPr>
+          <p:grpSpPr>
+            <a:xfrm>
+              <a:off x="378736" y="2233749"/>
+              <a:ext cx="11152194" cy="3388784"/>
+              <a:chOff x="420681" y="2812676"/>
+              <a:chExt cx="11152194" cy="3388784"/>
+            </a:xfrm>
+          </p:grpSpPr>
+          <p:grpSp>
+            <p:nvGrpSpPr>
+              <p:cNvPr id="21" name="Group 20">
+                <a:extLst>
+                  <a:ext uri="{FF2B5EF4-FFF2-40B4-BE49-F238E27FC236}">
+                    <a16:creationId xmlns:a16="http://schemas.microsoft.com/office/drawing/2014/main" id="{6091815F-AD39-5837-9DC0-0AA03DD9250D}"/>
+                  </a:ext>
+                </a:extLst>
+              </p:cNvPr>
+              <p:cNvGrpSpPr/>
+              <p:nvPr/>
+            </p:nvGrpSpPr>
+            <p:grpSpPr>
+              <a:xfrm>
+                <a:off x="420681" y="2812676"/>
+                <a:ext cx="11152194" cy="3388784"/>
+                <a:chOff x="420681" y="2812676"/>
+                <a:chExt cx="11152194" cy="3388784"/>
+              </a:xfrm>
+            </p:grpSpPr>
+            <p:pic>
+              <p:nvPicPr>
+                <p:cNvPr id="5" name="Picture 4">
+                  <a:extLst>
+                    <a:ext uri="{FF2B5EF4-FFF2-40B4-BE49-F238E27FC236}">
+                      <a16:creationId xmlns:a16="http://schemas.microsoft.com/office/drawing/2014/main" id="{975A3B9B-5B1C-B85B-EE42-BC01D09AA0A1}"/>
+                    </a:ext>
+                  </a:extLst>
+                </p:cNvPr>
+                <p:cNvPicPr>
+                  <a:picLocks noChangeAspect="1"/>
+                </p:cNvPicPr>
+                <p:nvPr/>
+              </p:nvPicPr>
+              <p:blipFill>
+                <a:blip r:embed="rId3"/>
+                <a:stretch>
+                  <a:fillRect/>
+                </a:stretch>
+              </p:blipFill>
+              <p:spPr>
+                <a:xfrm>
+                  <a:off x="420681" y="4968813"/>
+                  <a:ext cx="5332419" cy="1232647"/>
+                </a:xfrm>
+                <a:prstGeom prst="rect">
+                  <a:avLst/>
+                </a:prstGeom>
+              </p:spPr>
+            </p:pic>
+            <p:cxnSp>
+              <p:nvCxnSpPr>
+                <p:cNvPr id="7" name="Straight Connector 6">
+                  <a:extLst>
+                    <a:ext uri="{FF2B5EF4-FFF2-40B4-BE49-F238E27FC236}">
+                      <a16:creationId xmlns:a16="http://schemas.microsoft.com/office/drawing/2014/main" id="{2AE019F7-31D9-2ECA-1EC0-ED67B6F00907}"/>
+                    </a:ext>
+                  </a:extLst>
+                </p:cNvPr>
+                <p:cNvCxnSpPr>
+                  <a:cxnSpLocks/>
+                </p:cNvCxnSpPr>
+                <p:nvPr/>
+              </p:nvCxnSpPr>
+              <p:spPr>
+                <a:xfrm>
+                  <a:off x="5753100" y="5127937"/>
+                  <a:ext cx="760686" cy="0"/>
+                </a:xfrm>
+                <a:prstGeom prst="line">
+                  <a:avLst/>
+                </a:prstGeom>
+                <a:ln w="19050" cap="flat" cmpd="sng" algn="ctr">
+                  <a:solidFill>
+                    <a:schemeClr val="accent6"/>
+                  </a:solidFill>
+                  <a:prstDash val="dash"/>
+                  <a:round/>
+                  <a:headEnd type="none" w="med" len="med"/>
+                  <a:tailEnd type="none" w="med" len="med"/>
+                </a:ln>
+              </p:spPr>
+              <p:style>
+                <a:lnRef idx="0">
+                  <a:scrgbClr r="0" g="0" b="0"/>
+                </a:lnRef>
+                <a:fillRef idx="0">
+                  <a:scrgbClr r="0" g="0" b="0"/>
+                </a:fillRef>
+                <a:effectRef idx="0">
+                  <a:scrgbClr r="0" g="0" b="0"/>
+                </a:effectRef>
+                <a:fontRef idx="minor">
+                  <a:schemeClr val="tx1"/>
+                </a:fontRef>
+              </p:style>
+            </p:cxnSp>
+            <p:pic>
+              <p:nvPicPr>
+                <p:cNvPr id="11" name="Picture 10">
+                  <a:extLst>
+                    <a:ext uri="{FF2B5EF4-FFF2-40B4-BE49-F238E27FC236}">
+                      <a16:creationId xmlns:a16="http://schemas.microsoft.com/office/drawing/2014/main" id="{0755CA8A-BCB8-4C07-33BA-58B3B81371AE}"/>
+                    </a:ext>
+                  </a:extLst>
+                </p:cNvPr>
+                <p:cNvPicPr>
+                  <a:picLocks noChangeAspect="1"/>
+                </p:cNvPicPr>
+                <p:nvPr/>
+              </p:nvPicPr>
+              <p:blipFill>
+                <a:blip r:embed="rId4"/>
+                <a:stretch>
+                  <a:fillRect/>
+                </a:stretch>
+              </p:blipFill>
+              <p:spPr>
+                <a:xfrm>
+                  <a:off x="6513786" y="4968813"/>
+                  <a:ext cx="5059089" cy="1232647"/>
+                </a:xfrm>
+                <a:prstGeom prst="rect">
+                  <a:avLst/>
+                </a:prstGeom>
+              </p:spPr>
+            </p:pic>
+            <p:pic>
+              <p:nvPicPr>
+                <p:cNvPr id="20" name="Picture 19">
+                  <a:extLst>
+                    <a:ext uri="{FF2B5EF4-FFF2-40B4-BE49-F238E27FC236}">
+                      <a16:creationId xmlns:a16="http://schemas.microsoft.com/office/drawing/2014/main" id="{7C188E88-9A8C-1E2E-335E-100519B809DA}"/>
+                    </a:ext>
+                  </a:extLst>
+                </p:cNvPr>
+                <p:cNvPicPr>
+                  <a:picLocks noChangeAspect="1"/>
+                </p:cNvPicPr>
+                <p:nvPr/>
+              </p:nvPicPr>
+              <p:blipFill>
+                <a:blip r:embed="rId5"/>
+                <a:stretch>
+                  <a:fillRect/>
+                </a:stretch>
+              </p:blipFill>
+              <p:spPr>
+                <a:xfrm>
+                  <a:off x="420681" y="2812676"/>
+                  <a:ext cx="5332419" cy="1232647"/>
+                </a:xfrm>
+                <a:prstGeom prst="rect">
+                  <a:avLst/>
+                </a:prstGeom>
+              </p:spPr>
+            </p:pic>
+            <p:cxnSp>
+              <p:nvCxnSpPr>
+                <p:cNvPr id="25" name="Straight Connector 24">
+                  <a:extLst>
+                    <a:ext uri="{FF2B5EF4-FFF2-40B4-BE49-F238E27FC236}">
+                      <a16:creationId xmlns:a16="http://schemas.microsoft.com/office/drawing/2014/main" id="{1C3F964F-6451-A3F9-8865-D0E9C46D858D}"/>
+                    </a:ext>
+                  </a:extLst>
+                </p:cNvPr>
+                <p:cNvCxnSpPr>
+                  <a:cxnSpLocks/>
+                </p:cNvCxnSpPr>
+                <p:nvPr/>
+              </p:nvCxnSpPr>
+              <p:spPr>
+                <a:xfrm>
+                  <a:off x="5753100" y="2956237"/>
+                  <a:ext cx="760686" cy="0"/>
+                </a:xfrm>
+                <a:prstGeom prst="line">
+                  <a:avLst/>
+                </a:prstGeom>
+                <a:ln w="19050" cap="flat" cmpd="sng" algn="ctr">
+                  <a:solidFill>
+                    <a:srgbClr val="0000FF"/>
+                  </a:solidFill>
+                  <a:prstDash val="dash"/>
+                  <a:round/>
+                  <a:headEnd type="none" w="med" len="med"/>
+                  <a:tailEnd type="none" w="med" len="med"/>
+                </a:ln>
+              </p:spPr>
+              <p:style>
+                <a:lnRef idx="0">
+                  <a:scrgbClr r="0" g="0" b="0"/>
+                </a:lnRef>
+                <a:fillRef idx="0">
+                  <a:scrgbClr r="0" g="0" b="0"/>
+                </a:fillRef>
+                <a:effectRef idx="0">
+                  <a:scrgbClr r="0" g="0" b="0"/>
+                </a:effectRef>
+                <a:fontRef idx="minor">
+                  <a:schemeClr val="tx1"/>
+                </a:fontRef>
+              </p:style>
+            </p:cxnSp>
+          </p:grpSp>
+          <p:pic>
+            <p:nvPicPr>
+              <p:cNvPr id="23" name="Picture 22">
+                <a:extLst>
+                  <a:ext uri="{FF2B5EF4-FFF2-40B4-BE49-F238E27FC236}">
+                    <a16:creationId xmlns:a16="http://schemas.microsoft.com/office/drawing/2014/main" id="{0051B3AF-03CD-6C37-E271-2E63AEB6DBF9}"/>
+                  </a:ext>
+                </a:extLst>
+              </p:cNvPr>
+              <p:cNvPicPr>
+                <a:picLocks noChangeAspect="1"/>
+              </p:cNvPicPr>
+              <p:nvPr/>
+            </p:nvPicPr>
+            <p:blipFill>
+              <a:blip r:embed="rId6"/>
+              <a:stretch>
+                <a:fillRect/>
+              </a:stretch>
+            </p:blipFill>
+            <p:spPr>
+              <a:xfrm>
+                <a:off x="6513786" y="2812676"/>
+                <a:ext cx="5059089" cy="1232647"/>
+              </a:xfrm>
+              <a:prstGeom prst="rect">
+                <a:avLst/>
+              </a:prstGeom>
+            </p:spPr>
+          </p:pic>
+        </p:grpSp>
+        <p:sp>
+          <p:nvSpPr>
+            <p:cNvPr id="4" name="TextBox 3">
+              <a:extLst>
+                <a:ext uri="{FF2B5EF4-FFF2-40B4-BE49-F238E27FC236}">
+                  <a16:creationId xmlns:a16="http://schemas.microsoft.com/office/drawing/2014/main" id="{5DC00F5B-FED9-10F3-4F5B-1EDD755868D8}"/>
+                </a:ext>
+              </a:extLst>
+            </p:cNvPr>
+            <p:cNvSpPr txBox="1"/>
+            <p:nvPr/>
+          </p:nvSpPr>
+          <p:spPr>
+            <a:xfrm>
+              <a:off x="1735645" y="4404380"/>
+              <a:ext cx="2702131" cy="1222695"/>
+            </a:xfrm>
+            <a:prstGeom prst="rect">
+              <a:avLst/>
+            </a:prstGeom>
+            <a:noFill/>
+            <a:ln w="38100">
+              <a:solidFill>
+                <a:schemeClr val="bg1">
+                  <a:lumMod val="65000"/>
+                </a:schemeClr>
+              </a:solidFill>
+            </a:ln>
+          </p:spPr>
+          <p:txBody>
+            <a:bodyPr wrap="square" rtlCol="0">
+              <a:spAutoFit/>
+            </a:bodyPr>
+            <a:lstStyle/>
+            <a:p>
+              <a:endParaRPr lang="en-US" dirty="0"/>
+            </a:p>
+          </p:txBody>
+        </p:sp>
+        <p:sp>
+          <p:nvSpPr>
+            <p:cNvPr id="6" name="TextBox 5">
+              <a:extLst>
+                <a:ext uri="{FF2B5EF4-FFF2-40B4-BE49-F238E27FC236}">
+                  <a16:creationId xmlns:a16="http://schemas.microsoft.com/office/drawing/2014/main" id="{C780FA93-B02F-4424-B867-C31B7CCAE3A1}"/>
+                </a:ext>
+              </a:extLst>
+            </p:cNvPr>
+            <p:cNvSpPr txBox="1"/>
+            <p:nvPr/>
+          </p:nvSpPr>
+          <p:spPr>
+            <a:xfrm>
+              <a:off x="2012482" y="2229207"/>
+              <a:ext cx="3698673" cy="1222695"/>
+            </a:xfrm>
+            <a:prstGeom prst="rect">
+              <a:avLst/>
+            </a:prstGeom>
+            <a:noFill/>
+            <a:ln w="38100">
+              <a:solidFill>
+                <a:schemeClr val="accent6">
+                  <a:lumMod val="50000"/>
+                </a:schemeClr>
+              </a:solidFill>
+            </a:ln>
+          </p:spPr>
+          <p:txBody>
+            <a:bodyPr wrap="square" rtlCol="0">
+              <a:spAutoFit/>
+            </a:bodyPr>
+            <a:lstStyle/>
+            <a:p>
+              <a:endParaRPr lang="en-US" dirty="0"/>
+            </a:p>
+          </p:txBody>
+        </p:sp>
+        <p:sp>
+          <p:nvSpPr>
+            <p:cNvPr id="9" name="TextBox 8">
+              <a:extLst>
+                <a:ext uri="{FF2B5EF4-FFF2-40B4-BE49-F238E27FC236}">
+                  <a16:creationId xmlns:a16="http://schemas.microsoft.com/office/drawing/2014/main" id="{EAB9E6CB-6008-A4A2-2A47-9FCDF25D757B}"/>
+                </a:ext>
+              </a:extLst>
+            </p:cNvPr>
+            <p:cNvSpPr txBox="1"/>
+            <p:nvPr/>
+          </p:nvSpPr>
+          <p:spPr>
+            <a:xfrm>
+              <a:off x="6399925" y="4389886"/>
+              <a:ext cx="668140" cy="1222695"/>
+            </a:xfrm>
+            <a:prstGeom prst="rect">
+              <a:avLst/>
+            </a:prstGeom>
+            <a:noFill/>
+            <a:ln w="38100">
+              <a:solidFill>
+                <a:srgbClr val="7030A0"/>
+              </a:solidFill>
+            </a:ln>
+          </p:spPr>
+          <p:txBody>
+            <a:bodyPr wrap="square" rtlCol="0">
+              <a:spAutoFit/>
+            </a:bodyPr>
+            <a:lstStyle/>
+            <a:p>
+              <a:endParaRPr lang="en-US" dirty="0"/>
+            </a:p>
+          </p:txBody>
+        </p:sp>
+        <p:sp>
+          <p:nvSpPr>
+            <p:cNvPr id="10" name="TextBox 9">
+              <a:extLst>
+                <a:ext uri="{FF2B5EF4-FFF2-40B4-BE49-F238E27FC236}">
+                  <a16:creationId xmlns:a16="http://schemas.microsoft.com/office/drawing/2014/main" id="{D57B250E-7B83-1C4D-D66A-DB45FECEE2D9}"/>
+                </a:ext>
+              </a:extLst>
+            </p:cNvPr>
+            <p:cNvSpPr txBox="1"/>
+            <p:nvPr/>
+          </p:nvSpPr>
+          <p:spPr>
+            <a:xfrm>
+              <a:off x="4570125" y="4404380"/>
+              <a:ext cx="1212947" cy="1222695"/>
+            </a:xfrm>
+            <a:prstGeom prst="rect">
+              <a:avLst/>
+            </a:prstGeom>
+            <a:noFill/>
+            <a:ln w="38100">
+              <a:solidFill>
+                <a:srgbClr val="663300"/>
+              </a:solidFill>
+            </a:ln>
+          </p:spPr>
+          <p:txBody>
+            <a:bodyPr wrap="square" rtlCol="0">
+              <a:spAutoFit/>
+            </a:bodyPr>
+            <a:lstStyle/>
+            <a:p>
+              <a:endParaRPr lang="en-US" dirty="0"/>
+            </a:p>
+          </p:txBody>
+        </p:sp>
+        <p:sp>
+          <p:nvSpPr>
+            <p:cNvPr id="12" name="TextBox 11">
+              <a:extLst>
+                <a:ext uri="{FF2B5EF4-FFF2-40B4-BE49-F238E27FC236}">
+                  <a16:creationId xmlns:a16="http://schemas.microsoft.com/office/drawing/2014/main" id="{8300D34B-EF90-50CD-9F18-501ECAA34F84}"/>
+                </a:ext>
+              </a:extLst>
+            </p:cNvPr>
+            <p:cNvSpPr txBox="1"/>
+            <p:nvPr/>
+          </p:nvSpPr>
+          <p:spPr>
+            <a:xfrm>
+              <a:off x="6480847" y="2244582"/>
+              <a:ext cx="5050083" cy="1222695"/>
+            </a:xfrm>
+            <a:prstGeom prst="rect">
+              <a:avLst/>
+            </a:prstGeom>
+            <a:noFill/>
+            <a:ln w="38100">
+              <a:solidFill>
+                <a:schemeClr val="accent1"/>
+              </a:solidFill>
+            </a:ln>
+          </p:spPr>
+          <p:txBody>
+            <a:bodyPr wrap="square" rtlCol="0">
+              <a:spAutoFit/>
+            </a:bodyPr>
+            <a:lstStyle/>
+            <a:p>
+              <a:endParaRPr lang="en-US" dirty="0"/>
+            </a:p>
+          </p:txBody>
+        </p:sp>
+        <p:sp>
+          <p:nvSpPr>
+            <p:cNvPr id="13" name="TextBox 12">
+              <a:extLst>
+                <a:ext uri="{FF2B5EF4-FFF2-40B4-BE49-F238E27FC236}">
+                  <a16:creationId xmlns:a16="http://schemas.microsoft.com/office/drawing/2014/main" id="{C41C16CB-9C35-D7FB-A651-4B96F492D7DA}"/>
+                </a:ext>
+              </a:extLst>
+            </p:cNvPr>
+            <p:cNvSpPr txBox="1"/>
+            <p:nvPr/>
+          </p:nvSpPr>
+          <p:spPr>
+            <a:xfrm>
+              <a:off x="7160610" y="4415213"/>
+              <a:ext cx="1471662" cy="1222695"/>
+            </a:xfrm>
+            <a:prstGeom prst="rect">
+              <a:avLst/>
+            </a:prstGeom>
+            <a:noFill/>
+            <a:ln w="38100">
+              <a:solidFill>
+                <a:schemeClr val="accent2"/>
+              </a:solidFill>
+            </a:ln>
+          </p:spPr>
+          <p:txBody>
+            <a:bodyPr wrap="square" rtlCol="0">
+              <a:spAutoFit/>
+            </a:bodyPr>
+            <a:lstStyle/>
+            <a:p>
+              <a:endParaRPr lang="en-US" dirty="0"/>
+            </a:p>
+          </p:txBody>
+        </p:sp>
+        <p:sp>
+          <p:nvSpPr>
+            <p:cNvPr id="14" name="TextBox 13">
+              <a:extLst>
+                <a:ext uri="{FF2B5EF4-FFF2-40B4-BE49-F238E27FC236}">
+                  <a16:creationId xmlns:a16="http://schemas.microsoft.com/office/drawing/2014/main" id="{59BFCD23-6232-6596-FC61-A8E8A0B566E2}"/>
+                </a:ext>
+              </a:extLst>
+            </p:cNvPr>
+            <p:cNvSpPr txBox="1"/>
+            <p:nvPr/>
+          </p:nvSpPr>
+          <p:spPr>
+            <a:xfrm>
+              <a:off x="8734950" y="4399838"/>
+              <a:ext cx="2795980" cy="1222695"/>
+            </a:xfrm>
+            <a:prstGeom prst="rect">
+              <a:avLst/>
+            </a:prstGeom>
+            <a:noFill/>
+            <a:ln w="38100">
+              <a:solidFill>
+                <a:srgbClr val="C00000"/>
+              </a:solidFill>
+            </a:ln>
+          </p:spPr>
+          <p:txBody>
+            <a:bodyPr wrap="square" rtlCol="0">
+              <a:spAutoFit/>
+            </a:bodyPr>
+            <a:lstStyle/>
+            <a:p>
+              <a:endParaRPr lang="en-US" dirty="0"/>
+            </a:p>
+          </p:txBody>
+        </p:sp>
+      </p:grpSp>
+    </p:spTree>
+    <p:extLst>
+      <p:ext uri="{BB962C8B-B14F-4D97-AF65-F5344CB8AC3E}">
+        <p14:creationId xmlns:p14="http://schemas.microsoft.com/office/powerpoint/2010/main" val="3164976997"/>
+      </p:ext>
+    </p:extLst>
+  </p:cSld>
+  <p:clrMapOvr>
+    <a:masterClrMapping/>
+  </p:clrMapOvr>
+</p:sld>
+</file>
+
+<file path=ppt/slides/slide26.xml><?xml version="1.0" encoding="utf-8"?>
+<p:sld xmlns:a="http://schemas.openxmlformats.org/drawingml/2006/main" xmlns:r="http://schemas.openxmlformats.org/officeDocument/2006/relationships" xmlns:p="http://schemas.openxmlformats.org/presentationml/2006/main">
+  <p:cSld>
+    <p:spTree>
+      <p:nvGrpSpPr>
+        <p:cNvPr id="1" name=""/>
+        <p:cNvGrpSpPr/>
+        <p:nvPr/>
+      </p:nvGrpSpPr>
+      <p:grpSpPr>
+        <a:xfrm>
+          <a:off x="0" y="0"/>
+          <a:ext cx="0" cy="0"/>
+          <a:chOff x="0" y="0"/>
+          <a:chExt cx="0" cy="0"/>
+        </a:xfrm>
+      </p:grpSpPr>
+      <p:sp>
+        <p:nvSpPr>
+          <p:cNvPr id="2" name="TextBox 1">
+            <a:extLst>
+              <a:ext uri="{FF2B5EF4-FFF2-40B4-BE49-F238E27FC236}">
+                <a16:creationId xmlns:a16="http://schemas.microsoft.com/office/drawing/2014/main" id="{15726383-B407-319E-030C-10F657ACC3A3}"/>
+              </a:ext>
+            </a:extLst>
+          </p:cNvPr>
+          <p:cNvSpPr txBox="1"/>
+          <p:nvPr/>
+        </p:nvSpPr>
+        <p:spPr>
+          <a:xfrm>
+            <a:off x="0" y="323165"/>
+            <a:ext cx="12192000" cy="646331"/>
+          </a:xfrm>
+          <a:prstGeom prst="rect">
+            <a:avLst/>
+          </a:prstGeom>
+          <a:noFill/>
+        </p:spPr>
+        <p:txBody>
+          <a:bodyPr wrap="square" rtlCol="0">
+            <a:spAutoFit/>
+          </a:bodyPr>
+          <a:lstStyle/>
+          <a:p>
+            <a:pPr algn="ctr"/>
+            <a:r>
+              <a:rPr lang="en-US" sz="3600" i="1" dirty="0">
+                <a:solidFill>
+                  <a:srgbClr val="7030A0"/>
+                </a:solidFill>
+                <a:latin typeface="Calisto MT" panose="02040603050505030304" pitchFamily="18" charset="0"/>
+              </a:rPr>
+              <a:t>Further Considerations – Dimensional Model</a:t>
+            </a:r>
+          </a:p>
+        </p:txBody>
+      </p:sp>
+      <p:pic>
+        <p:nvPicPr>
+          <p:cNvPr id="2050" name="Picture 2" descr="FIRN Analytics: Timely Data Solutions &amp; Expert Consultancy">
+            <a:extLst>
+              <a:ext uri="{FF2B5EF4-FFF2-40B4-BE49-F238E27FC236}">
+                <a16:creationId xmlns:a16="http://schemas.microsoft.com/office/drawing/2014/main" id="{14A52F25-2DAE-5DA7-4039-D4DC6699D305}"/>
+              </a:ext>
+            </a:extLst>
+          </p:cNvPr>
+          <p:cNvPicPr>
+            <a:picLocks noChangeAspect="1" noChangeArrowheads="1"/>
+          </p:cNvPicPr>
+          <p:nvPr/>
+        </p:nvPicPr>
+        <p:blipFill>
+          <a:blip r:embed="rId2">
+            <a:extLst>
+              <a:ext uri="{28A0092B-C50C-407E-A947-70E740481C1C}">
+                <a14:useLocalDpi xmlns:a14="http://schemas.microsoft.com/office/drawing/2010/main" val="0"/>
+              </a:ext>
+            </a:extLst>
+          </a:blip>
+          <a:srcRect/>
+          <a:stretch>
+            <a:fillRect/>
+          </a:stretch>
+        </p:blipFill>
+        <p:spPr bwMode="auto">
+          <a:xfrm>
+            <a:off x="11182350" y="5848350"/>
+            <a:ext cx="1009650" cy="1009650"/>
+          </a:xfrm>
+          <a:prstGeom prst="rect">
+            <a:avLst/>
+          </a:prstGeom>
+          <a:noFill/>
+          <a:extLst>
+            <a:ext uri="{909E8E84-426E-40DD-AFC4-6F175D3DCCD1}">
+              <a14:hiddenFill xmlns:a14="http://schemas.microsoft.com/office/drawing/2010/main">
+                <a:solidFill>
+                  <a:srgbClr val="FFFFFF"/>
+                </a:solidFill>
+              </a14:hiddenFill>
+            </a:ext>
+          </a:extLst>
+        </p:spPr>
+      </p:pic>
+      <p:grpSp>
+        <p:nvGrpSpPr>
+          <p:cNvPr id="10" name="Group 9">
+            <a:extLst>
+              <a:ext uri="{FF2B5EF4-FFF2-40B4-BE49-F238E27FC236}">
+                <a16:creationId xmlns:a16="http://schemas.microsoft.com/office/drawing/2014/main" id="{D7A8C770-7D2C-36D5-9A52-3452C7D9C852}"/>
+              </a:ext>
+            </a:extLst>
+          </p:cNvPr>
+          <p:cNvGrpSpPr/>
+          <p:nvPr/>
+        </p:nvGrpSpPr>
+        <p:grpSpPr>
+          <a:xfrm>
+            <a:off x="2117948" y="1352465"/>
+            <a:ext cx="7956104" cy="4642533"/>
+            <a:chOff x="2413000" y="966571"/>
+            <a:chExt cx="7956104" cy="4642533"/>
+          </a:xfrm>
+        </p:grpSpPr>
+        <p:sp>
+          <p:nvSpPr>
+            <p:cNvPr id="5" name="Rectangle 4">
+              <a:extLst>
+                <a:ext uri="{FF2B5EF4-FFF2-40B4-BE49-F238E27FC236}">
+                  <a16:creationId xmlns:a16="http://schemas.microsoft.com/office/drawing/2014/main" id="{35664653-C676-EE50-807F-34A2C15526C9}"/>
+                </a:ext>
+              </a:extLst>
+            </p:cNvPr>
+            <p:cNvSpPr/>
+            <p:nvPr/>
+          </p:nvSpPr>
+          <p:spPr>
+            <a:xfrm>
+              <a:off x="5240867" y="2794000"/>
+              <a:ext cx="2108200" cy="990600"/>
+            </a:xfrm>
+            <a:prstGeom prst="rect">
+              <a:avLst/>
+            </a:prstGeom>
+          </p:spPr>
+          <p:style>
+            <a:lnRef idx="2">
+              <a:schemeClr val="accent6">
+                <a:shade val="15000"/>
+              </a:schemeClr>
+            </a:lnRef>
+            <a:fillRef idx="1">
+              <a:schemeClr val="accent6"/>
+            </a:fillRef>
+            <a:effectRef idx="0">
+              <a:schemeClr val="accent6"/>
+            </a:effectRef>
+            <a:fontRef idx="minor">
+              <a:schemeClr val="lt1"/>
+            </a:fontRef>
+          </p:style>
+          <p:txBody>
+            <a:bodyPr rtlCol="0" anchor="ctr"/>
+            <a:lstStyle/>
+            <a:p>
+              <a:pPr algn="ctr"/>
+              <a:r>
+                <a:rPr lang="en-US" b="1" i="1" dirty="0"/>
+                <a:t>FACT_TRIPS</a:t>
+              </a:r>
+            </a:p>
+          </p:txBody>
+        </p:sp>
+        <p:sp>
+          <p:nvSpPr>
+            <p:cNvPr id="7" name="Rectangle 6">
+              <a:extLst>
+                <a:ext uri="{FF2B5EF4-FFF2-40B4-BE49-F238E27FC236}">
+                  <a16:creationId xmlns:a16="http://schemas.microsoft.com/office/drawing/2014/main" id="{C6AA597F-A6F2-F002-BBD3-00B1D5EE4393}"/>
+                </a:ext>
+              </a:extLst>
+            </p:cNvPr>
+            <p:cNvSpPr/>
+            <p:nvPr/>
+          </p:nvSpPr>
+          <p:spPr>
+            <a:xfrm>
+              <a:off x="2413000" y="2794000"/>
+              <a:ext cx="2108200" cy="990600"/>
+            </a:xfrm>
+            <a:prstGeom prst="rect">
+              <a:avLst/>
+            </a:prstGeom>
+            <a:solidFill>
+              <a:schemeClr val="accent1"/>
+            </a:solidFill>
+          </p:spPr>
+          <p:style>
+            <a:lnRef idx="2">
+              <a:schemeClr val="accent1">
+                <a:shade val="15000"/>
+              </a:schemeClr>
+            </a:lnRef>
+            <a:fillRef idx="1">
+              <a:schemeClr val="accent1"/>
+            </a:fillRef>
+            <a:effectRef idx="0">
+              <a:schemeClr val="accent1"/>
+            </a:effectRef>
+            <a:fontRef idx="minor">
+              <a:schemeClr val="lt1"/>
+            </a:fontRef>
+          </p:style>
+          <p:txBody>
+            <a:bodyPr rtlCol="0" anchor="ctr"/>
+            <a:lstStyle/>
+            <a:p>
+              <a:pPr algn="ctr"/>
+              <a:r>
+                <a:rPr lang="en-US" b="1" dirty="0"/>
+                <a:t>DIM_WEATHER</a:t>
+              </a:r>
+            </a:p>
+          </p:txBody>
+        </p:sp>
+        <p:cxnSp>
+          <p:nvCxnSpPr>
+            <p:cNvPr id="9" name="Straight Connector 8">
+              <a:extLst>
+                <a:ext uri="{FF2B5EF4-FFF2-40B4-BE49-F238E27FC236}">
+                  <a16:creationId xmlns:a16="http://schemas.microsoft.com/office/drawing/2014/main" id="{C5AEC542-D5DF-35B4-19AB-26EF6F0C68F4}"/>
+                </a:ext>
+              </a:extLst>
+            </p:cNvPr>
+            <p:cNvCxnSpPr>
+              <a:cxnSpLocks/>
+              <a:stCxn id="7" idx="3"/>
+              <a:endCxn id="5" idx="1"/>
+            </p:cNvCxnSpPr>
+            <p:nvPr/>
+          </p:nvCxnSpPr>
+          <p:spPr>
+            <a:xfrm>
+              <a:off x="4521200" y="3289300"/>
+              <a:ext cx="719667" cy="0"/>
+            </a:xfrm>
+            <a:prstGeom prst="line">
+              <a:avLst/>
+            </a:prstGeom>
+          </p:spPr>
+          <p:style>
+            <a:lnRef idx="3">
+              <a:schemeClr val="dk1"/>
+            </a:lnRef>
+            <a:fillRef idx="0">
+              <a:schemeClr val="dk1"/>
+            </a:fillRef>
+            <a:effectRef idx="2">
+              <a:schemeClr val="dk1"/>
+            </a:effectRef>
+            <a:fontRef idx="minor">
+              <a:schemeClr val="tx1"/>
+            </a:fontRef>
+          </p:style>
+        </p:cxnSp>
+        <p:sp>
+          <p:nvSpPr>
+            <p:cNvPr id="11" name="Rectangle 10">
+              <a:extLst>
+                <a:ext uri="{FF2B5EF4-FFF2-40B4-BE49-F238E27FC236}">
+                  <a16:creationId xmlns:a16="http://schemas.microsoft.com/office/drawing/2014/main" id="{4C61495A-D653-79C3-69DA-D858C3ACC305}"/>
+                </a:ext>
+              </a:extLst>
+            </p:cNvPr>
+            <p:cNvSpPr/>
+            <p:nvPr/>
+          </p:nvSpPr>
+          <p:spPr>
+            <a:xfrm>
+              <a:off x="5240867" y="4618504"/>
+              <a:ext cx="2108200" cy="990600"/>
+            </a:xfrm>
+            <a:prstGeom prst="rect">
+              <a:avLst/>
+            </a:prstGeom>
+            <a:solidFill>
+              <a:schemeClr val="bg1">
+                <a:lumMod val="65000"/>
+              </a:schemeClr>
+            </a:solidFill>
+          </p:spPr>
+          <p:style>
+            <a:lnRef idx="2">
+              <a:schemeClr val="accent1">
+                <a:shade val="15000"/>
+              </a:schemeClr>
+            </a:lnRef>
+            <a:fillRef idx="1">
+              <a:schemeClr val="accent1"/>
+            </a:fillRef>
+            <a:effectRef idx="0">
+              <a:schemeClr val="accent1"/>
+            </a:effectRef>
+            <a:fontRef idx="minor">
+              <a:schemeClr val="lt1"/>
+            </a:fontRef>
+          </p:style>
+          <p:txBody>
+            <a:bodyPr rtlCol="0" anchor="ctr"/>
+            <a:lstStyle/>
+            <a:p>
+              <a:pPr algn="ctr"/>
+              <a:r>
+                <a:rPr lang="en-US" b="1" dirty="0"/>
+                <a:t>DIM_DATE</a:t>
+              </a:r>
+            </a:p>
+          </p:txBody>
+        </p:sp>
+        <p:cxnSp>
+          <p:nvCxnSpPr>
+            <p:cNvPr id="12" name="Straight Connector 11">
+              <a:extLst>
+                <a:ext uri="{FF2B5EF4-FFF2-40B4-BE49-F238E27FC236}">
+                  <a16:creationId xmlns:a16="http://schemas.microsoft.com/office/drawing/2014/main" id="{36084D4E-4F46-29E6-0C61-C215809B80F5}"/>
+                </a:ext>
+              </a:extLst>
+            </p:cNvPr>
+            <p:cNvCxnSpPr>
+              <a:cxnSpLocks/>
+              <a:stCxn id="11" idx="0"/>
+              <a:endCxn id="5" idx="2"/>
+            </p:cNvCxnSpPr>
+            <p:nvPr/>
+          </p:nvCxnSpPr>
+          <p:spPr>
+            <a:xfrm flipV="1">
+              <a:off x="6294967" y="3784600"/>
+              <a:ext cx="0" cy="833904"/>
+            </a:xfrm>
+            <a:prstGeom prst="line">
+              <a:avLst/>
+            </a:prstGeom>
+          </p:spPr>
+          <p:style>
+            <a:lnRef idx="3">
+              <a:schemeClr val="dk1"/>
+            </a:lnRef>
+            <a:fillRef idx="0">
+              <a:schemeClr val="dk1"/>
+            </a:fillRef>
+            <a:effectRef idx="2">
+              <a:schemeClr val="dk1"/>
+            </a:effectRef>
+            <a:fontRef idx="minor">
+              <a:schemeClr val="tx1"/>
+            </a:fontRef>
+          </p:style>
+        </p:cxnSp>
+        <p:sp>
+          <p:nvSpPr>
+            <p:cNvPr id="19" name="Rectangle 18">
+              <a:extLst>
+                <a:ext uri="{FF2B5EF4-FFF2-40B4-BE49-F238E27FC236}">
+                  <a16:creationId xmlns:a16="http://schemas.microsoft.com/office/drawing/2014/main" id="{CEE30633-F905-FD6F-82E1-FE888356CA11}"/>
+                </a:ext>
+              </a:extLst>
+            </p:cNvPr>
+            <p:cNvSpPr/>
+            <p:nvPr/>
+          </p:nvSpPr>
+          <p:spPr>
+            <a:xfrm>
+              <a:off x="8260904" y="2794000"/>
+              <a:ext cx="2108200" cy="990600"/>
+            </a:xfrm>
+            <a:prstGeom prst="rect">
+              <a:avLst/>
+            </a:prstGeom>
+            <a:solidFill>
+              <a:srgbClr val="C00000"/>
+            </a:solidFill>
+          </p:spPr>
+          <p:style>
+            <a:lnRef idx="2">
+              <a:schemeClr val="accent1">
+                <a:shade val="15000"/>
+              </a:schemeClr>
+            </a:lnRef>
+            <a:fillRef idx="1">
+              <a:schemeClr val="accent1"/>
+            </a:fillRef>
+            <a:effectRef idx="0">
+              <a:schemeClr val="accent1"/>
+            </a:effectRef>
+            <a:fontRef idx="minor">
+              <a:schemeClr val="lt1"/>
+            </a:fontRef>
+          </p:style>
+          <p:txBody>
+            <a:bodyPr rtlCol="0" anchor="ctr"/>
+            <a:lstStyle/>
+            <a:p>
+              <a:pPr algn="ctr"/>
+              <a:r>
+                <a:rPr lang="en-US" b="1" dirty="0"/>
+                <a:t>DIM_USERS</a:t>
+              </a:r>
+            </a:p>
+          </p:txBody>
+        </p:sp>
+        <p:cxnSp>
+          <p:nvCxnSpPr>
+            <p:cNvPr id="20" name="Straight Connector 19">
+              <a:extLst>
+                <a:ext uri="{FF2B5EF4-FFF2-40B4-BE49-F238E27FC236}">
+                  <a16:creationId xmlns:a16="http://schemas.microsoft.com/office/drawing/2014/main" id="{17CA4AB2-7FF5-4660-B92A-D46FC0B4124C}"/>
+                </a:ext>
+              </a:extLst>
+            </p:cNvPr>
+            <p:cNvCxnSpPr>
+              <a:cxnSpLocks/>
+              <a:stCxn id="19" idx="1"/>
+              <a:endCxn id="5" idx="3"/>
+            </p:cNvCxnSpPr>
+            <p:nvPr/>
+          </p:nvCxnSpPr>
+          <p:spPr>
+            <a:xfrm flipH="1">
+              <a:off x="7349067" y="3289300"/>
+              <a:ext cx="911837" cy="0"/>
+            </a:xfrm>
+            <a:prstGeom prst="line">
+              <a:avLst/>
+            </a:prstGeom>
+          </p:spPr>
+          <p:style>
+            <a:lnRef idx="3">
+              <a:schemeClr val="dk1"/>
+            </a:lnRef>
+            <a:fillRef idx="0">
+              <a:schemeClr val="dk1"/>
+            </a:fillRef>
+            <a:effectRef idx="2">
+              <a:schemeClr val="dk1"/>
+            </a:effectRef>
+            <a:fontRef idx="minor">
+              <a:schemeClr val="tx1"/>
+            </a:fontRef>
+          </p:style>
+        </p:cxnSp>
+        <p:sp>
+          <p:nvSpPr>
+            <p:cNvPr id="24" name="Rectangle 23">
+              <a:extLst>
+                <a:ext uri="{FF2B5EF4-FFF2-40B4-BE49-F238E27FC236}">
+                  <a16:creationId xmlns:a16="http://schemas.microsoft.com/office/drawing/2014/main" id="{246C924B-DADC-17C1-D6B1-725F9C3168E2}"/>
+                </a:ext>
+              </a:extLst>
+            </p:cNvPr>
+            <p:cNvSpPr/>
+            <p:nvPr/>
+          </p:nvSpPr>
+          <p:spPr>
+            <a:xfrm>
+              <a:off x="5240867" y="969497"/>
+              <a:ext cx="2108200" cy="990600"/>
+            </a:xfrm>
+            <a:prstGeom prst="rect">
+              <a:avLst/>
+            </a:prstGeom>
+            <a:solidFill>
+              <a:srgbClr val="663300"/>
+            </a:solidFill>
+          </p:spPr>
+          <p:style>
+            <a:lnRef idx="2">
+              <a:schemeClr val="accent1">
+                <a:shade val="15000"/>
+              </a:schemeClr>
+            </a:lnRef>
+            <a:fillRef idx="1">
+              <a:schemeClr val="accent1"/>
+            </a:fillRef>
+            <a:effectRef idx="0">
+              <a:schemeClr val="accent1"/>
+            </a:effectRef>
+            <a:fontRef idx="minor">
+              <a:schemeClr val="lt1"/>
+            </a:fontRef>
+          </p:style>
+          <p:txBody>
+            <a:bodyPr rtlCol="0" anchor="ctr"/>
+            <a:lstStyle/>
+            <a:p>
+              <a:pPr algn="ctr"/>
+              <a:r>
+                <a:rPr lang="en-US" b="1" dirty="0"/>
+                <a:t>DIM_STATIONS</a:t>
+              </a:r>
+            </a:p>
+          </p:txBody>
+        </p:sp>
+        <p:cxnSp>
+          <p:nvCxnSpPr>
+            <p:cNvPr id="25" name="Straight Connector 24">
+              <a:extLst>
+                <a:ext uri="{FF2B5EF4-FFF2-40B4-BE49-F238E27FC236}">
+                  <a16:creationId xmlns:a16="http://schemas.microsoft.com/office/drawing/2014/main" id="{8078C34A-4BED-B5DD-0646-C926A49645ED}"/>
+                </a:ext>
+              </a:extLst>
+            </p:cNvPr>
+            <p:cNvCxnSpPr>
+              <a:cxnSpLocks/>
+              <a:stCxn id="24" idx="2"/>
+              <a:endCxn id="5" idx="0"/>
+            </p:cNvCxnSpPr>
+            <p:nvPr/>
+          </p:nvCxnSpPr>
+          <p:spPr>
+            <a:xfrm>
+              <a:off x="6294967" y="1960097"/>
+              <a:ext cx="0" cy="833903"/>
+            </a:xfrm>
+            <a:prstGeom prst="line">
+              <a:avLst/>
+            </a:prstGeom>
+          </p:spPr>
+          <p:style>
+            <a:lnRef idx="3">
+              <a:schemeClr val="dk1"/>
+            </a:lnRef>
+            <a:fillRef idx="0">
+              <a:schemeClr val="dk1"/>
+            </a:fillRef>
+            <a:effectRef idx="2">
+              <a:schemeClr val="dk1"/>
+            </a:effectRef>
+            <a:fontRef idx="minor">
+              <a:schemeClr val="tx1"/>
+            </a:fontRef>
+          </p:style>
+        </p:cxnSp>
+        <p:sp>
+          <p:nvSpPr>
+            <p:cNvPr id="29" name="Rectangle 28">
+              <a:extLst>
+                <a:ext uri="{FF2B5EF4-FFF2-40B4-BE49-F238E27FC236}">
+                  <a16:creationId xmlns:a16="http://schemas.microsoft.com/office/drawing/2014/main" id="{093CFCBC-1AEA-6111-BC8A-10AC11302B97}"/>
+                </a:ext>
+              </a:extLst>
+            </p:cNvPr>
+            <p:cNvSpPr/>
+            <p:nvPr/>
+          </p:nvSpPr>
+          <p:spPr>
+            <a:xfrm>
+              <a:off x="2413000" y="969497"/>
+              <a:ext cx="2108200" cy="990600"/>
+            </a:xfrm>
+            <a:prstGeom prst="rect">
+              <a:avLst/>
+            </a:prstGeom>
+            <a:solidFill>
+              <a:schemeClr val="accent6">
+                <a:lumMod val="50000"/>
+              </a:schemeClr>
+            </a:solidFill>
+          </p:spPr>
+          <p:style>
+            <a:lnRef idx="2">
+              <a:schemeClr val="accent1">
+                <a:shade val="15000"/>
+              </a:schemeClr>
+            </a:lnRef>
+            <a:fillRef idx="1">
+              <a:schemeClr val="accent1"/>
+            </a:fillRef>
+            <a:effectRef idx="0">
+              <a:schemeClr val="accent1"/>
+            </a:effectRef>
+            <a:fontRef idx="minor">
+              <a:schemeClr val="lt1"/>
+            </a:fontRef>
+          </p:style>
+          <p:txBody>
+            <a:bodyPr rtlCol="0" anchor="ctr"/>
+            <a:lstStyle/>
+            <a:p>
+              <a:pPr algn="ctr"/>
+              <a:r>
+                <a:rPr lang="en-US" b="1" dirty="0"/>
+                <a:t>DIM_GEOGRAPHY</a:t>
+              </a:r>
+            </a:p>
+          </p:txBody>
+        </p:sp>
+        <p:sp>
+          <p:nvSpPr>
+            <p:cNvPr id="30" name="Rectangle 29">
+              <a:extLst>
+                <a:ext uri="{FF2B5EF4-FFF2-40B4-BE49-F238E27FC236}">
+                  <a16:creationId xmlns:a16="http://schemas.microsoft.com/office/drawing/2014/main" id="{41E26045-45AC-CE92-3783-0C3E0E7F6AF0}"/>
+                </a:ext>
+              </a:extLst>
+            </p:cNvPr>
+            <p:cNvSpPr/>
+            <p:nvPr/>
+          </p:nvSpPr>
+          <p:spPr>
+            <a:xfrm>
+              <a:off x="8185403" y="966571"/>
+              <a:ext cx="2108200" cy="990600"/>
+            </a:xfrm>
+            <a:prstGeom prst="rect">
+              <a:avLst/>
+            </a:prstGeom>
+            <a:solidFill>
+              <a:schemeClr val="accent2"/>
+            </a:solidFill>
+          </p:spPr>
+          <p:style>
+            <a:lnRef idx="2">
+              <a:schemeClr val="accent1">
+                <a:shade val="15000"/>
+              </a:schemeClr>
+            </a:lnRef>
+            <a:fillRef idx="1">
+              <a:schemeClr val="accent1"/>
+            </a:fillRef>
+            <a:effectRef idx="0">
+              <a:schemeClr val="accent1"/>
+            </a:effectRef>
+            <a:fontRef idx="minor">
+              <a:schemeClr val="lt1"/>
+            </a:fontRef>
+          </p:style>
+          <p:txBody>
+            <a:bodyPr rtlCol="0" anchor="ctr"/>
+            <a:lstStyle/>
+            <a:p>
+              <a:pPr algn="ctr"/>
+              <a:r>
+                <a:rPr lang="en-US" b="1" dirty="0"/>
+                <a:t>DIM_MEMBERSHIP</a:t>
+              </a:r>
+              <a:endParaRPr lang="en-US" i="1" dirty="0"/>
+            </a:p>
+          </p:txBody>
+        </p:sp>
+        <p:cxnSp>
+          <p:nvCxnSpPr>
+            <p:cNvPr id="31" name="Straight Connector 30">
+              <a:extLst>
+                <a:ext uri="{FF2B5EF4-FFF2-40B4-BE49-F238E27FC236}">
+                  <a16:creationId xmlns:a16="http://schemas.microsoft.com/office/drawing/2014/main" id="{42CA042A-1265-CC01-B9EC-BE0FC4DF4222}"/>
+                </a:ext>
+              </a:extLst>
+            </p:cNvPr>
+            <p:cNvCxnSpPr>
+              <a:cxnSpLocks/>
+              <a:stCxn id="29" idx="2"/>
+              <a:endCxn id="5" idx="0"/>
+            </p:cNvCxnSpPr>
+            <p:nvPr/>
+          </p:nvCxnSpPr>
+          <p:spPr>
+            <a:xfrm>
+              <a:off x="3467100" y="1960097"/>
+              <a:ext cx="2827867" cy="833903"/>
+            </a:xfrm>
+            <a:prstGeom prst="line">
+              <a:avLst/>
+            </a:prstGeom>
+          </p:spPr>
+          <p:style>
+            <a:lnRef idx="3">
+              <a:schemeClr val="dk1"/>
+            </a:lnRef>
+            <a:fillRef idx="0">
+              <a:schemeClr val="dk1"/>
+            </a:fillRef>
+            <a:effectRef idx="2">
+              <a:schemeClr val="dk1"/>
+            </a:effectRef>
+            <a:fontRef idx="minor">
+              <a:schemeClr val="tx1"/>
+            </a:fontRef>
+          </p:style>
+        </p:cxnSp>
+        <p:cxnSp>
+          <p:nvCxnSpPr>
+            <p:cNvPr id="35" name="Straight Connector 34">
+              <a:extLst>
+                <a:ext uri="{FF2B5EF4-FFF2-40B4-BE49-F238E27FC236}">
+                  <a16:creationId xmlns:a16="http://schemas.microsoft.com/office/drawing/2014/main" id="{85665A26-B8D7-D43E-4BC8-35E3AD3ECF81}"/>
+                </a:ext>
+              </a:extLst>
+            </p:cNvPr>
+            <p:cNvCxnSpPr>
+              <a:cxnSpLocks/>
+              <a:stCxn id="39" idx="0"/>
+              <a:endCxn id="5" idx="2"/>
+            </p:cNvCxnSpPr>
+            <p:nvPr/>
+          </p:nvCxnSpPr>
+          <p:spPr>
+            <a:xfrm flipH="1" flipV="1">
+              <a:off x="6294967" y="3784600"/>
+              <a:ext cx="3020037" cy="833904"/>
+            </a:xfrm>
+            <a:prstGeom prst="line">
+              <a:avLst/>
+            </a:prstGeom>
+          </p:spPr>
+          <p:style>
+            <a:lnRef idx="3">
+              <a:schemeClr val="dk1"/>
+            </a:lnRef>
+            <a:fillRef idx="0">
+              <a:schemeClr val="dk1"/>
+            </a:fillRef>
+            <a:effectRef idx="2">
+              <a:schemeClr val="dk1"/>
+            </a:effectRef>
+            <a:fontRef idx="minor">
+              <a:schemeClr val="tx1"/>
+            </a:fontRef>
+          </p:style>
+        </p:cxnSp>
+        <p:sp>
+          <p:nvSpPr>
+            <p:cNvPr id="39" name="Rectangle 38">
+              <a:extLst>
+                <a:ext uri="{FF2B5EF4-FFF2-40B4-BE49-F238E27FC236}">
+                  <a16:creationId xmlns:a16="http://schemas.microsoft.com/office/drawing/2014/main" id="{04FCFBC0-FEF0-1663-49C8-A629CDEC3CD6}"/>
+                </a:ext>
+              </a:extLst>
+            </p:cNvPr>
+            <p:cNvSpPr/>
+            <p:nvPr/>
+          </p:nvSpPr>
+          <p:spPr>
+            <a:xfrm>
+              <a:off x="8260904" y="4618504"/>
+              <a:ext cx="2108200" cy="990600"/>
+            </a:xfrm>
+            <a:prstGeom prst="rect">
+              <a:avLst/>
+            </a:prstGeom>
+            <a:solidFill>
+              <a:srgbClr val="7030A0"/>
+            </a:solidFill>
+          </p:spPr>
+          <p:style>
+            <a:lnRef idx="2">
+              <a:schemeClr val="accent1">
+                <a:shade val="15000"/>
+              </a:schemeClr>
+            </a:lnRef>
+            <a:fillRef idx="1">
+              <a:schemeClr val="accent1"/>
+            </a:fillRef>
+            <a:effectRef idx="0">
+              <a:schemeClr val="accent1"/>
+            </a:effectRef>
+            <a:fontRef idx="minor">
+              <a:schemeClr val="lt1"/>
+            </a:fontRef>
+          </p:style>
+          <p:txBody>
+            <a:bodyPr rtlCol="0" anchor="ctr"/>
+            <a:lstStyle/>
+            <a:p>
+              <a:pPr algn="ctr"/>
+              <a:r>
+                <a:rPr lang="en-US" b="1" dirty="0"/>
+                <a:t>DIM_BIKES</a:t>
+              </a:r>
+            </a:p>
+          </p:txBody>
+        </p:sp>
+        <p:cxnSp>
+          <p:nvCxnSpPr>
+            <p:cNvPr id="48" name="Straight Connector 47">
+              <a:extLst>
+                <a:ext uri="{FF2B5EF4-FFF2-40B4-BE49-F238E27FC236}">
+                  <a16:creationId xmlns:a16="http://schemas.microsoft.com/office/drawing/2014/main" id="{D50E274C-66D1-8315-4399-BF195FE59CDE}"/>
+                </a:ext>
+              </a:extLst>
+            </p:cNvPr>
+            <p:cNvCxnSpPr>
+              <a:cxnSpLocks/>
+              <a:stCxn id="30" idx="2"/>
+              <a:endCxn id="5" idx="0"/>
+            </p:cNvCxnSpPr>
+            <p:nvPr/>
+          </p:nvCxnSpPr>
+          <p:spPr>
+            <a:xfrm flipH="1">
+              <a:off x="6294967" y="1957171"/>
+              <a:ext cx="2944536" cy="836829"/>
+            </a:xfrm>
+            <a:prstGeom prst="line">
+              <a:avLst/>
+            </a:prstGeom>
+          </p:spPr>
+          <p:style>
+            <a:lnRef idx="3">
+              <a:schemeClr val="dk1"/>
+            </a:lnRef>
+            <a:fillRef idx="0">
+              <a:schemeClr val="dk1"/>
+            </a:fillRef>
+            <a:effectRef idx="2">
+              <a:schemeClr val="dk1"/>
+            </a:effectRef>
+            <a:fontRef idx="minor">
+              <a:schemeClr val="tx1"/>
+            </a:fontRef>
+          </p:style>
+        </p:cxnSp>
+      </p:grpSp>
+    </p:spTree>
+    <p:extLst>
+      <p:ext uri="{BB962C8B-B14F-4D97-AF65-F5344CB8AC3E}">
+        <p14:creationId xmlns:p14="http://schemas.microsoft.com/office/powerpoint/2010/main" val="3741086770"/>
+      </p:ext>
+    </p:extLst>
+  </p:cSld>
+  <p:clrMapOvr>
+    <a:masterClrMapping/>
+  </p:clrMapOvr>
+</p:sld>
+</file>
+
+<file path=ppt/slides/slide27.xml><?xml version="1.0" encoding="utf-8"?>
+<p:sld xmlns:a="http://schemas.openxmlformats.org/drawingml/2006/main" xmlns:r="http://schemas.openxmlformats.org/officeDocument/2006/relationships" xmlns:p="http://schemas.openxmlformats.org/presentationml/2006/main">
+  <p:cSld>
+    <p:spTree>
+      <p:nvGrpSpPr>
+        <p:cNvPr id="1" name=""/>
+        <p:cNvGrpSpPr/>
+        <p:nvPr/>
+      </p:nvGrpSpPr>
+      <p:grpSpPr>
+        <a:xfrm>
+          <a:off x="0" y="0"/>
+          <a:ext cx="0" cy="0"/>
+          <a:chOff x="0" y="0"/>
+          <a:chExt cx="0" cy="0"/>
+        </a:xfrm>
+      </p:grpSpPr>
+      <p:sp>
+        <p:nvSpPr>
+          <p:cNvPr id="2" name="TextBox 1">
+            <a:extLst>
+              <a:ext uri="{FF2B5EF4-FFF2-40B4-BE49-F238E27FC236}">
+                <a16:creationId xmlns:a16="http://schemas.microsoft.com/office/drawing/2014/main" id="{15726383-B407-319E-030C-10F657ACC3A3}"/>
+              </a:ext>
+            </a:extLst>
+          </p:cNvPr>
+          <p:cNvSpPr txBox="1"/>
+          <p:nvPr/>
+        </p:nvSpPr>
+        <p:spPr>
+          <a:xfrm>
+            <a:off x="0" y="323165"/>
+            <a:ext cx="12192000" cy="646331"/>
+          </a:xfrm>
+          <a:prstGeom prst="rect">
+            <a:avLst/>
+          </a:prstGeom>
+          <a:noFill/>
+        </p:spPr>
+        <p:txBody>
+          <a:bodyPr wrap="square" rtlCol="0">
+            <a:spAutoFit/>
+          </a:bodyPr>
+          <a:lstStyle/>
+          <a:p>
+            <a:pPr algn="ctr"/>
+            <a:r>
+              <a:rPr lang="en-US" sz="3600" i="1" dirty="0">
+                <a:solidFill>
+                  <a:srgbClr val="7030A0"/>
+                </a:solidFill>
+                <a:latin typeface="Calisto MT" panose="02040603050505030304" pitchFamily="18" charset="0"/>
+              </a:rPr>
+              <a:t>Further Considerations – Physical Design</a:t>
+            </a:r>
+          </a:p>
+        </p:txBody>
+      </p:sp>
+      <p:grpSp>
+        <p:nvGrpSpPr>
+          <p:cNvPr id="6" name="Group 5">
+            <a:extLst>
+              <a:ext uri="{FF2B5EF4-FFF2-40B4-BE49-F238E27FC236}">
+                <a16:creationId xmlns:a16="http://schemas.microsoft.com/office/drawing/2014/main" id="{A1E19734-D7D8-9E28-7AA8-9A6664454463}"/>
+              </a:ext>
+            </a:extLst>
+          </p:cNvPr>
+          <p:cNvGrpSpPr/>
+          <p:nvPr/>
+        </p:nvGrpSpPr>
+        <p:grpSpPr>
+          <a:xfrm>
+            <a:off x="1131814" y="1447610"/>
+            <a:ext cx="9928371" cy="4423009"/>
+            <a:chOff x="556644" y="1930166"/>
+            <a:chExt cx="9928371" cy="4423009"/>
+          </a:xfrm>
+        </p:grpSpPr>
+        <p:sp>
+          <p:nvSpPr>
+            <p:cNvPr id="3" name="TextBox 2">
+              <a:extLst>
+                <a:ext uri="{FF2B5EF4-FFF2-40B4-BE49-F238E27FC236}">
+                  <a16:creationId xmlns:a16="http://schemas.microsoft.com/office/drawing/2014/main" id="{E9958844-E449-56FA-DB19-C09BE52AE9DD}"/>
+                </a:ext>
+              </a:extLst>
+            </p:cNvPr>
+            <p:cNvSpPr txBox="1"/>
+            <p:nvPr/>
+          </p:nvSpPr>
+          <p:spPr>
+            <a:xfrm>
+              <a:off x="556644" y="3767852"/>
+              <a:ext cx="4026716" cy="923330"/>
+            </a:xfrm>
+            <a:prstGeom prst="rect">
+              <a:avLst/>
+            </a:prstGeom>
+            <a:noFill/>
+          </p:spPr>
+          <p:txBody>
+            <a:bodyPr wrap="square" rtlCol="0">
+              <a:spAutoFit/>
+            </a:bodyPr>
+            <a:lstStyle/>
+            <a:p>
+              <a:pPr marL="285750" indent="-285750">
+                <a:buFont typeface="Wingdings" panose="05000000000000000000" pitchFamily="2" charset="2"/>
+                <a:buChar char="v"/>
+              </a:pPr>
+              <a:r>
+                <a:rPr lang="en-US" dirty="0">
+                  <a:solidFill>
+                    <a:schemeClr val="accent1"/>
+                  </a:solidFill>
+                </a:rPr>
+                <a:t>Operational Source System</a:t>
+              </a:r>
+            </a:p>
+            <a:p>
+              <a:pPr marL="742950" lvl="1" indent="-285750">
+                <a:buFont typeface="Wingdings" panose="05000000000000000000" pitchFamily="2" charset="2"/>
+                <a:buChar char="Ø"/>
+              </a:pPr>
+              <a:r>
+                <a:rPr lang="en-US" dirty="0"/>
+                <a:t>Defining an </a:t>
+              </a:r>
+              <a:r>
+                <a:rPr lang="en-US" b="1" u="sng" dirty="0"/>
+                <a:t>Indexing</a:t>
+              </a:r>
+              <a:r>
+                <a:rPr lang="en-US" dirty="0"/>
+                <a:t> Strategy</a:t>
+              </a:r>
+            </a:p>
+            <a:p>
+              <a:pPr marL="742950" lvl="1" indent="-285750">
+                <a:buFont typeface="Wingdings" panose="05000000000000000000" pitchFamily="2" charset="2"/>
+                <a:buChar char="Ø"/>
+              </a:pPr>
+              <a:endParaRPr lang="en-US" dirty="0"/>
+            </a:p>
+          </p:txBody>
+        </p:sp>
+        <p:pic>
+          <p:nvPicPr>
+            <p:cNvPr id="1026" name="Picture 2" descr="Data lake - Free electronics icons">
+              <a:extLst>
+                <a:ext uri="{FF2B5EF4-FFF2-40B4-BE49-F238E27FC236}">
+                  <a16:creationId xmlns:a16="http://schemas.microsoft.com/office/drawing/2014/main" id="{1823DB07-6F8A-0543-F59A-18DD2242CD8D}"/>
+                </a:ext>
+              </a:extLst>
+            </p:cNvPr>
+            <p:cNvPicPr>
+              <a:picLocks noChangeAspect="1" noChangeArrowheads="1"/>
+            </p:cNvPicPr>
+            <p:nvPr/>
+          </p:nvPicPr>
+          <p:blipFill>
+            <a:blip r:embed="rId2">
+              <a:extLst>
+                <a:ext uri="{28A0092B-C50C-407E-A947-70E740481C1C}">
+                  <a14:useLocalDpi xmlns:a14="http://schemas.microsoft.com/office/drawing/2010/main" val="0"/>
+                </a:ext>
+              </a:extLst>
+            </a:blip>
+            <a:srcRect/>
+            <a:stretch>
+              <a:fillRect/>
+            </a:stretch>
+          </p:blipFill>
+          <p:spPr bwMode="auto">
+            <a:xfrm>
+              <a:off x="1859909" y="1930166"/>
+              <a:ext cx="1420187" cy="1420187"/>
+            </a:xfrm>
+            <a:prstGeom prst="rect">
+              <a:avLst/>
+            </a:prstGeom>
+            <a:noFill/>
+            <a:extLst>
+              <a:ext uri="{909E8E84-426E-40DD-AFC4-6F175D3DCCD1}">
+                <a14:hiddenFill xmlns:a14="http://schemas.microsoft.com/office/drawing/2010/main">
+                  <a:solidFill>
+                    <a:srgbClr val="FFFFFF"/>
+                  </a:solidFill>
+                </a14:hiddenFill>
+              </a:ext>
+            </a:extLst>
+          </p:spPr>
+        </p:pic>
+        <p:pic>
+          <p:nvPicPr>
+            <p:cNvPr id="1028" name="Picture 4" descr="Data warehouse - Free computer icons">
+              <a:extLst>
+                <a:ext uri="{FF2B5EF4-FFF2-40B4-BE49-F238E27FC236}">
+                  <a16:creationId xmlns:a16="http://schemas.microsoft.com/office/drawing/2014/main" id="{CDC5B9F7-E0E5-BB92-0DF4-61EDF2642170}"/>
+                </a:ext>
+              </a:extLst>
+            </p:cNvPr>
+            <p:cNvPicPr>
+              <a:picLocks noChangeAspect="1" noChangeArrowheads="1"/>
+            </p:cNvPicPr>
+            <p:nvPr/>
+          </p:nvPicPr>
+          <p:blipFill>
+            <a:blip r:embed="rId3">
+              <a:extLst>
+                <a:ext uri="{28A0092B-C50C-407E-A947-70E740481C1C}">
+                  <a14:useLocalDpi xmlns:a14="http://schemas.microsoft.com/office/drawing/2010/main" val="0"/>
+                </a:ext>
+              </a:extLst>
+            </a:blip>
+            <a:srcRect/>
+            <a:stretch>
+              <a:fillRect/>
+            </a:stretch>
+          </p:blipFill>
+          <p:spPr bwMode="auto">
+            <a:xfrm>
+              <a:off x="7321142" y="1930166"/>
+              <a:ext cx="1420187" cy="1420187"/>
+            </a:xfrm>
+            <a:prstGeom prst="rect">
+              <a:avLst/>
+            </a:prstGeom>
+            <a:noFill/>
+            <a:extLst>
+              <a:ext uri="{909E8E84-426E-40DD-AFC4-6F175D3DCCD1}">
+                <a14:hiddenFill xmlns:a14="http://schemas.microsoft.com/office/drawing/2010/main">
+                  <a:solidFill>
+                    <a:srgbClr val="FFFFFF"/>
+                  </a:solidFill>
+                </a14:hiddenFill>
+              </a:ext>
+            </a:extLst>
+          </p:spPr>
+        </p:pic>
+        <p:sp>
+          <p:nvSpPr>
+            <p:cNvPr id="4" name="TextBox 3">
+              <a:extLst>
+                <a:ext uri="{FF2B5EF4-FFF2-40B4-BE49-F238E27FC236}">
+                  <a16:creationId xmlns:a16="http://schemas.microsoft.com/office/drawing/2014/main" id="{9169C8AD-2C2C-7B4D-6574-B4E14AFA31CE}"/>
+                </a:ext>
+              </a:extLst>
+            </p:cNvPr>
+            <p:cNvSpPr txBox="1"/>
+            <p:nvPr/>
+          </p:nvSpPr>
+          <p:spPr>
+            <a:xfrm>
+              <a:off x="5577455" y="3767852"/>
+              <a:ext cx="4907560" cy="2585323"/>
+            </a:xfrm>
+            <a:prstGeom prst="rect">
+              <a:avLst/>
+            </a:prstGeom>
+            <a:noFill/>
+          </p:spPr>
+          <p:txBody>
+            <a:bodyPr wrap="square" rtlCol="0">
+              <a:spAutoFit/>
+            </a:bodyPr>
+            <a:lstStyle/>
+            <a:p>
+              <a:pPr marL="285750" indent="-285750">
+                <a:buFont typeface="Wingdings" panose="05000000000000000000" pitchFamily="2" charset="2"/>
+                <a:buChar char="v"/>
+              </a:pPr>
+              <a:r>
+                <a:rPr lang="en-US" dirty="0">
+                  <a:solidFill>
+                    <a:srgbClr val="7030A0"/>
+                  </a:solidFill>
+                </a:rPr>
+                <a:t>DW/BI System</a:t>
+              </a:r>
+            </a:p>
+            <a:p>
+              <a:pPr marL="742950" lvl="1" indent="-285750">
+                <a:buFont typeface="Arial" panose="020B0604020202020204" pitchFamily="34" charset="0"/>
+                <a:buChar char="•"/>
+              </a:pPr>
+              <a:r>
+                <a:rPr lang="en-US" dirty="0"/>
+                <a:t>Defining a </a:t>
+              </a:r>
+              <a:r>
+                <a:rPr lang="en-US" b="1" u="sng" dirty="0"/>
+                <a:t>Partitioning</a:t>
+              </a:r>
+              <a:r>
+                <a:rPr lang="en-US" dirty="0"/>
+                <a:t> strategy</a:t>
+              </a:r>
+            </a:p>
+            <a:p>
+              <a:pPr marL="1200150" lvl="2" indent="-285750">
+                <a:buFont typeface="Wingdings" panose="05000000000000000000" pitchFamily="2" charset="2"/>
+                <a:buChar char="Ø"/>
+              </a:pPr>
+              <a:r>
+                <a:rPr lang="en-US" dirty="0"/>
+                <a:t>Select an appropriate Partition Key</a:t>
+              </a:r>
+            </a:p>
+            <a:p>
+              <a:pPr marL="1657350" lvl="3" indent="-285750">
+                <a:buFont typeface="Wingdings" panose="05000000000000000000" pitchFamily="2" charset="2"/>
+                <a:buChar char="Ø"/>
+              </a:pPr>
+              <a:r>
+                <a:rPr lang="en-US" dirty="0"/>
+                <a:t>E.g., Day</a:t>
+              </a:r>
+            </a:p>
+            <a:p>
+              <a:pPr marL="1200150" lvl="2" indent="-285750">
+                <a:buFont typeface="Wingdings" panose="05000000000000000000" pitchFamily="2" charset="2"/>
+                <a:buChar char="Ø"/>
+              </a:pPr>
+              <a:r>
+                <a:rPr lang="en-US" dirty="0"/>
+                <a:t>Avoid Data Skew/Hot Partitions</a:t>
+              </a:r>
+            </a:p>
+            <a:p>
+              <a:pPr marL="285750" indent="-285750">
+                <a:buFont typeface="Wingdings" panose="05000000000000000000" pitchFamily="2" charset="2"/>
+                <a:buChar char="Ø"/>
+              </a:pPr>
+              <a:endParaRPr lang="en-US" dirty="0"/>
+            </a:p>
+            <a:p>
+              <a:pPr marL="742950" lvl="1" indent="-285750">
+                <a:buFont typeface="Arial" panose="020B0604020202020204" pitchFamily="34" charset="0"/>
+                <a:buChar char="•"/>
+              </a:pPr>
+              <a:r>
+                <a:rPr lang="en-US" dirty="0"/>
+                <a:t>Defining a </a:t>
+              </a:r>
+              <a:r>
+                <a:rPr lang="en-US" b="1" u="sng" dirty="0"/>
+                <a:t>Clustering</a:t>
+              </a:r>
+              <a:r>
+                <a:rPr lang="en-US" dirty="0"/>
+                <a:t> strategy</a:t>
+              </a:r>
+            </a:p>
+            <a:p>
+              <a:pPr marL="1200150" lvl="2" indent="-285750">
+                <a:buFont typeface="Wingdings" panose="05000000000000000000" pitchFamily="2" charset="2"/>
+                <a:buChar char="Ø"/>
+              </a:pPr>
+              <a:r>
+                <a:rPr lang="en-US" dirty="0"/>
+                <a:t>Select an appropriate Clustering Field</a:t>
+              </a:r>
+            </a:p>
+            <a:p>
+              <a:pPr marL="1657350" lvl="3" indent="-285750">
+                <a:buFont typeface="Wingdings" panose="05000000000000000000" pitchFamily="2" charset="2"/>
+                <a:buChar char="Ø"/>
+              </a:pPr>
+              <a:r>
+                <a:rPr lang="en-US" dirty="0"/>
+                <a:t>E.g., City</a:t>
+              </a:r>
+            </a:p>
+          </p:txBody>
+        </p:sp>
+      </p:grpSp>
+      <p:pic>
+        <p:nvPicPr>
+          <p:cNvPr id="8" name="Picture 2" descr="FIRN Analytics: Timely Data Solutions &amp; Expert Consultancy">
+            <a:extLst>
+              <a:ext uri="{FF2B5EF4-FFF2-40B4-BE49-F238E27FC236}">
+                <a16:creationId xmlns:a16="http://schemas.microsoft.com/office/drawing/2014/main" id="{CF2D5A06-4F9E-FBAC-9608-9B81BE7C99DE}"/>
+              </a:ext>
+            </a:extLst>
+          </p:cNvPr>
+          <p:cNvPicPr>
+            <a:picLocks noChangeAspect="1" noChangeArrowheads="1"/>
+          </p:cNvPicPr>
+          <p:nvPr/>
+        </p:nvPicPr>
+        <p:blipFill>
+          <a:blip r:embed="rId4">
+            <a:extLst>
+              <a:ext uri="{28A0092B-C50C-407E-A947-70E740481C1C}">
+                <a14:useLocalDpi xmlns:a14="http://schemas.microsoft.com/office/drawing/2010/main" val="0"/>
+              </a:ext>
+            </a:extLst>
+          </a:blip>
+          <a:srcRect/>
+          <a:stretch>
+            <a:fillRect/>
+          </a:stretch>
+        </p:blipFill>
+        <p:spPr bwMode="auto">
+          <a:xfrm>
+            <a:off x="11182350" y="5848350"/>
+            <a:ext cx="1009650" cy="1009650"/>
+          </a:xfrm>
+          <a:prstGeom prst="rect">
+            <a:avLst/>
+          </a:prstGeom>
+          <a:noFill/>
+          <a:extLst>
+            <a:ext uri="{909E8E84-426E-40DD-AFC4-6F175D3DCCD1}">
+              <a14:hiddenFill xmlns:a14="http://schemas.microsoft.com/office/drawing/2010/main">
+                <a:solidFill>
+                  <a:srgbClr val="FFFFFF"/>
+                </a:solidFill>
+              </a14:hiddenFill>
+            </a:ext>
+          </a:extLst>
+        </p:spPr>
+      </p:pic>
+    </p:spTree>
+    <p:extLst>
+      <p:ext uri="{BB962C8B-B14F-4D97-AF65-F5344CB8AC3E}">
+        <p14:creationId xmlns:p14="http://schemas.microsoft.com/office/powerpoint/2010/main" val="1030075189"/>
+      </p:ext>
+    </p:extLst>
+  </p:cSld>
+  <p:clrMapOvr>
+    <a:masterClrMapping/>
+  </p:clrMapOvr>
+</p:sld>
+</file>
+
 <file path=ppt/slides/slide3.xml><?xml version="1.0" encoding="utf-8"?>
+<p:sld xmlns:a="http://schemas.openxmlformats.org/drawingml/2006/main" xmlns:r="http://schemas.openxmlformats.org/officeDocument/2006/relationships" xmlns:p="http://schemas.openxmlformats.org/presentationml/2006/main">
+  <p:cSld>
+    <p:spTree>
+      <p:nvGrpSpPr>
+        <p:cNvPr id="1" name=""/>
+        <p:cNvGrpSpPr/>
+        <p:nvPr/>
+      </p:nvGrpSpPr>
+      <p:grpSpPr>
+        <a:xfrm>
+          <a:off x="0" y="0"/>
+          <a:ext cx="0" cy="0"/>
+          <a:chOff x="0" y="0"/>
+          <a:chExt cx="0" cy="0"/>
+        </a:xfrm>
+      </p:grpSpPr>
+      <p:sp>
+        <p:nvSpPr>
+          <p:cNvPr id="2" name="TextBox 1">
+            <a:extLst>
+              <a:ext uri="{FF2B5EF4-FFF2-40B4-BE49-F238E27FC236}">
+                <a16:creationId xmlns:a16="http://schemas.microsoft.com/office/drawing/2014/main" id="{15726383-B407-319E-030C-10F657ACC3A3}"/>
+              </a:ext>
+            </a:extLst>
+          </p:cNvPr>
+          <p:cNvSpPr txBox="1"/>
+          <p:nvPr/>
+        </p:nvSpPr>
+        <p:spPr>
+          <a:xfrm>
+            <a:off x="0" y="323165"/>
+            <a:ext cx="12192000" cy="646331"/>
+          </a:xfrm>
+          <a:prstGeom prst="rect">
+            <a:avLst/>
+          </a:prstGeom>
+          <a:noFill/>
+        </p:spPr>
+        <p:txBody>
+          <a:bodyPr wrap="square" rtlCol="0">
+            <a:spAutoFit/>
+          </a:bodyPr>
+          <a:lstStyle/>
+          <a:p>
+            <a:pPr algn="ctr"/>
+            <a:r>
+              <a:rPr lang="en-US" sz="3600" i="1" dirty="0">
+                <a:solidFill>
+                  <a:srgbClr val="7030A0"/>
+                </a:solidFill>
+                <a:latin typeface="Calisto MT" panose="02040603050505030304" pitchFamily="18" charset="0"/>
+              </a:rPr>
+              <a:t>Business Requirements Definition</a:t>
+            </a:r>
+          </a:p>
+        </p:txBody>
+      </p:sp>
+      <p:pic>
+        <p:nvPicPr>
+          <p:cNvPr id="2050" name="Picture 2" descr="FIRN Analytics: Timely Data Solutions &amp; Expert Consultancy">
+            <a:extLst>
+              <a:ext uri="{FF2B5EF4-FFF2-40B4-BE49-F238E27FC236}">
+                <a16:creationId xmlns:a16="http://schemas.microsoft.com/office/drawing/2014/main" id="{14A52F25-2DAE-5DA7-4039-D4DC6699D305}"/>
+              </a:ext>
+            </a:extLst>
+          </p:cNvPr>
+          <p:cNvPicPr>
+            <a:picLocks noChangeAspect="1" noChangeArrowheads="1"/>
+          </p:cNvPicPr>
+          <p:nvPr/>
+        </p:nvPicPr>
+        <p:blipFill>
+          <a:blip r:embed="rId2">
+            <a:extLst>
+              <a:ext uri="{28A0092B-C50C-407E-A947-70E740481C1C}">
+                <a14:useLocalDpi xmlns:a14="http://schemas.microsoft.com/office/drawing/2010/main" val="0"/>
+              </a:ext>
+            </a:extLst>
+          </a:blip>
+          <a:srcRect/>
+          <a:stretch>
+            <a:fillRect/>
+          </a:stretch>
+        </p:blipFill>
+        <p:spPr bwMode="auto">
+          <a:xfrm>
+            <a:off x="11182350" y="5848350"/>
+            <a:ext cx="1009650" cy="1009650"/>
+          </a:xfrm>
+          <a:prstGeom prst="rect">
+            <a:avLst/>
+          </a:prstGeom>
+          <a:noFill/>
+          <a:extLst>
+            <a:ext uri="{909E8E84-426E-40DD-AFC4-6F175D3DCCD1}">
+              <a14:hiddenFill xmlns:a14="http://schemas.microsoft.com/office/drawing/2010/main">
+                <a:solidFill>
+                  <a:srgbClr val="FFFFFF"/>
+                </a:solidFill>
+              </a14:hiddenFill>
+            </a:ext>
+          </a:extLst>
+        </p:spPr>
+      </p:pic>
+      <p:grpSp>
+        <p:nvGrpSpPr>
+          <p:cNvPr id="8" name="Group 7">
+            <a:extLst>
+              <a:ext uri="{FF2B5EF4-FFF2-40B4-BE49-F238E27FC236}">
+                <a16:creationId xmlns:a16="http://schemas.microsoft.com/office/drawing/2014/main" id="{AC40E9C4-C06E-D8A3-AADA-DF53598EB866}"/>
+              </a:ext>
+            </a:extLst>
+          </p:cNvPr>
+          <p:cNvGrpSpPr/>
+          <p:nvPr/>
+        </p:nvGrpSpPr>
+        <p:grpSpPr>
+          <a:xfrm>
+            <a:off x="2751666" y="1678659"/>
+            <a:ext cx="6608167" cy="3389123"/>
+            <a:chOff x="2751666" y="1678659"/>
+            <a:chExt cx="6608167" cy="3389123"/>
+          </a:xfrm>
+        </p:grpSpPr>
+        <p:pic>
+          <p:nvPicPr>
+            <p:cNvPr id="5" name="Picture 4">
+              <a:extLst>
+                <a:ext uri="{FF2B5EF4-FFF2-40B4-BE49-F238E27FC236}">
+                  <a16:creationId xmlns:a16="http://schemas.microsoft.com/office/drawing/2014/main" id="{F223CCC0-1664-72B9-1170-0B4D430ABE91}"/>
+                </a:ext>
+              </a:extLst>
+            </p:cNvPr>
+            <p:cNvPicPr>
+              <a:picLocks noChangeAspect="1"/>
+            </p:cNvPicPr>
+            <p:nvPr/>
+          </p:nvPicPr>
+          <p:blipFill>
+            <a:blip r:embed="rId3"/>
+            <a:stretch>
+              <a:fillRect/>
+            </a:stretch>
+          </p:blipFill>
+          <p:spPr>
+            <a:xfrm>
+              <a:off x="2832167" y="1790217"/>
+              <a:ext cx="6527666" cy="3277565"/>
+            </a:xfrm>
+            <a:prstGeom prst="rect">
+              <a:avLst/>
+            </a:prstGeom>
+          </p:spPr>
+        </p:pic>
+        <p:sp>
+          <p:nvSpPr>
+            <p:cNvPr id="7" name="TextBox 6">
+              <a:extLst>
+                <a:ext uri="{FF2B5EF4-FFF2-40B4-BE49-F238E27FC236}">
+                  <a16:creationId xmlns:a16="http://schemas.microsoft.com/office/drawing/2014/main" id="{DFF79EFA-CA38-582E-F01A-8D06F5981F3B}"/>
+                </a:ext>
+              </a:extLst>
+            </p:cNvPr>
+            <p:cNvSpPr txBox="1"/>
+            <p:nvPr/>
+          </p:nvSpPr>
+          <p:spPr>
+            <a:xfrm>
+              <a:off x="2751666" y="1678659"/>
+              <a:ext cx="1303869" cy="3299742"/>
+            </a:xfrm>
+            <a:prstGeom prst="rect">
+              <a:avLst/>
+            </a:prstGeom>
+            <a:noFill/>
+            <a:ln w="38100">
+              <a:solidFill>
+                <a:srgbClr val="7030A0"/>
+              </a:solidFill>
+            </a:ln>
+          </p:spPr>
+          <p:txBody>
+            <a:bodyPr wrap="square" rtlCol="0">
+              <a:spAutoFit/>
+            </a:bodyPr>
+            <a:lstStyle/>
+            <a:p>
+              <a:endParaRPr lang="en-US" dirty="0"/>
+            </a:p>
+          </p:txBody>
+        </p:sp>
+      </p:grpSp>
+    </p:spTree>
+    <p:extLst>
+      <p:ext uri="{BB962C8B-B14F-4D97-AF65-F5344CB8AC3E}">
+        <p14:creationId xmlns:p14="http://schemas.microsoft.com/office/powerpoint/2010/main" val="2085280596"/>
+      </p:ext>
+    </p:extLst>
+  </p:cSld>
+  <p:clrMapOvr>
+    <a:masterClrMapping/>
+  </p:clrMapOvr>
+</p:sld>
+</file>
+
+<file path=ppt/slides/slide4.xml><?xml version="1.0" encoding="utf-8"?>
 <p:sld xmlns:a="http://schemas.openxmlformats.org/drawingml/2006/main" xmlns:r="http://schemas.openxmlformats.org/officeDocument/2006/relationships" xmlns:p="http://schemas.openxmlformats.org/presentationml/2006/main">
   <p:cSld>
     <p:spTree>
@@ -11226,7 +13858,7 @@
 </p:sld>
 </file>
 
-<file path=ppt/slides/slide4.xml><?xml version="1.0" encoding="utf-8"?>
+<file path=ppt/slides/slide5.xml><?xml version="1.0" encoding="utf-8"?>
 <p:sld xmlns:a="http://schemas.openxmlformats.org/drawingml/2006/main" xmlns:r="http://schemas.openxmlformats.org/officeDocument/2006/relationships" xmlns:p="http://schemas.openxmlformats.org/presentationml/2006/main">
   <p:cSld>
     <p:spTree>
@@ -11739,7 +14371,7 @@
 </p:sld>
 </file>
 
-<file path=ppt/slides/slide5.xml><?xml version="1.0" encoding="utf-8"?>
+<file path=ppt/slides/slide6.xml><?xml version="1.0" encoding="utf-8"?>
 <p:sld xmlns:a="http://schemas.openxmlformats.org/drawingml/2006/main" xmlns:r="http://schemas.openxmlformats.org/officeDocument/2006/relationships" xmlns:p="http://schemas.openxmlformats.org/presentationml/2006/main">
   <p:cSld>
     <p:spTree>
@@ -11945,7 +14577,7 @@
 </p:sld>
 </file>
 
-<file path=ppt/slides/slide6.xml><?xml version="1.0" encoding="utf-8"?>
+<file path=ppt/slides/slide7.xml><?xml version="1.0" encoding="utf-8"?>
 <p:sld xmlns:a="http://schemas.openxmlformats.org/drawingml/2006/main" xmlns:r="http://schemas.openxmlformats.org/officeDocument/2006/relationships" xmlns:p="http://schemas.openxmlformats.org/presentationml/2006/main">
   <p:cSld>
     <p:spTree>
@@ -12743,7 +15375,7 @@
 </p:sld>
 </file>
 
-<file path=ppt/slides/slide7.xml><?xml version="1.0" encoding="utf-8"?>
+<file path=ppt/slides/slide8.xml><?xml version="1.0" encoding="utf-8"?>
 <p:sld xmlns:a="http://schemas.openxmlformats.org/drawingml/2006/main" xmlns:r="http://schemas.openxmlformats.org/officeDocument/2006/relationships" xmlns:p="http://schemas.openxmlformats.org/presentationml/2006/main">
   <p:cSld>
     <p:spTree>
@@ -12949,7 +15581,7 @@
 </p:sld>
 </file>
 
-<file path=ppt/slides/slide8.xml><?xml version="1.0" encoding="utf-8"?>
+<file path=ppt/slides/slide9.xml><?xml version="1.0" encoding="utf-8"?>
 <p:sld xmlns:a="http://schemas.openxmlformats.org/drawingml/2006/main" xmlns:r="http://schemas.openxmlformats.org/officeDocument/2006/relationships" xmlns:p="http://schemas.openxmlformats.org/presentationml/2006/main">
   <p:cSld>
     <p:spTree>
@@ -13915,568 +16547,6 @@
     <p:extLst>
       <p:ext uri="{BB962C8B-B14F-4D97-AF65-F5344CB8AC3E}">
         <p14:creationId xmlns:p14="http://schemas.microsoft.com/office/powerpoint/2010/main" val="3005230554"/>
-      </p:ext>
-    </p:extLst>
-  </p:cSld>
-  <p:clrMapOvr>
-    <a:masterClrMapping/>
-  </p:clrMapOvr>
-</p:sld>
-</file>
-
-<file path=ppt/slides/slide9.xml><?xml version="1.0" encoding="utf-8"?>
-<p:sld xmlns:a="http://schemas.openxmlformats.org/drawingml/2006/main" xmlns:r="http://schemas.openxmlformats.org/officeDocument/2006/relationships" xmlns:p="http://schemas.openxmlformats.org/presentationml/2006/main">
-  <p:cSld>
-    <p:spTree>
-      <p:nvGrpSpPr>
-        <p:cNvPr id="1" name=""/>
-        <p:cNvGrpSpPr/>
-        <p:nvPr/>
-      </p:nvGrpSpPr>
-      <p:grpSpPr>
-        <a:xfrm>
-          <a:off x="0" y="0"/>
-          <a:ext cx="0" cy="0"/>
-          <a:chOff x="0" y="0"/>
-          <a:chExt cx="0" cy="0"/>
-        </a:xfrm>
-      </p:grpSpPr>
-      <p:sp>
-        <p:nvSpPr>
-          <p:cNvPr id="2" name="TextBox 1">
-            <a:extLst>
-              <a:ext uri="{FF2B5EF4-FFF2-40B4-BE49-F238E27FC236}">
-                <a16:creationId xmlns:a16="http://schemas.microsoft.com/office/drawing/2014/main" id="{15726383-B407-319E-030C-10F657ACC3A3}"/>
-              </a:ext>
-            </a:extLst>
-          </p:cNvPr>
-          <p:cNvSpPr txBox="1"/>
-          <p:nvPr/>
-        </p:nvSpPr>
-        <p:spPr>
-          <a:xfrm>
-            <a:off x="0" y="323165"/>
-            <a:ext cx="12192000" cy="646331"/>
-          </a:xfrm>
-          <a:prstGeom prst="rect">
-            <a:avLst/>
-          </a:prstGeom>
-          <a:noFill/>
-        </p:spPr>
-        <p:txBody>
-          <a:bodyPr wrap="square" rtlCol="0">
-            <a:spAutoFit/>
-          </a:bodyPr>
-          <a:lstStyle/>
-          <a:p>
-            <a:pPr algn="ctr"/>
-            <a:r>
-              <a:rPr lang="en-US" sz="3600" i="1" dirty="0">
-                <a:solidFill>
-                  <a:srgbClr val="7030A0"/>
-                </a:solidFill>
-                <a:latin typeface="Calisto MT" panose="02040603050505030304" pitchFamily="18" charset="0"/>
-              </a:rPr>
-              <a:t>Dbt Cloud – Connect to Snowflake via Partner Connect</a:t>
-            </a:r>
-          </a:p>
-        </p:txBody>
-      </p:sp>
-      <p:grpSp>
-        <p:nvGrpSpPr>
-          <p:cNvPr id="28" name="Group 27">
-            <a:extLst>
-              <a:ext uri="{FF2B5EF4-FFF2-40B4-BE49-F238E27FC236}">
-                <a16:creationId xmlns:a16="http://schemas.microsoft.com/office/drawing/2014/main" id="{A804D14B-5C44-4BD6-B1F0-9292D7F7B520}"/>
-              </a:ext>
-            </a:extLst>
-          </p:cNvPr>
-          <p:cNvGrpSpPr/>
-          <p:nvPr/>
-        </p:nvGrpSpPr>
-        <p:grpSpPr>
-          <a:xfrm>
-            <a:off x="404812" y="1431037"/>
-            <a:ext cx="11382375" cy="4327255"/>
-            <a:chOff x="0" y="1659637"/>
-            <a:chExt cx="11382375" cy="4327255"/>
-          </a:xfrm>
-        </p:grpSpPr>
-        <p:grpSp>
-          <p:nvGrpSpPr>
-            <p:cNvPr id="21" name="Group 20">
-              <a:extLst>
-                <a:ext uri="{FF2B5EF4-FFF2-40B4-BE49-F238E27FC236}">
-                  <a16:creationId xmlns:a16="http://schemas.microsoft.com/office/drawing/2014/main" id="{4B45B0D1-99CF-86C4-71B8-FDF85EFDD0BF}"/>
-                </a:ext>
-              </a:extLst>
-            </p:cNvPr>
-            <p:cNvGrpSpPr/>
-            <p:nvPr/>
-          </p:nvGrpSpPr>
-          <p:grpSpPr>
-            <a:xfrm>
-              <a:off x="0" y="1659637"/>
-              <a:ext cx="11382375" cy="4327255"/>
-              <a:chOff x="0" y="1659637"/>
-              <a:chExt cx="11382375" cy="4327255"/>
-            </a:xfrm>
-          </p:grpSpPr>
-          <p:pic>
-            <p:nvPicPr>
-              <p:cNvPr id="1026" name="Picture 2" descr="Snowflake Partner Connect Box">
-                <a:extLst>
-                  <a:ext uri="{FF2B5EF4-FFF2-40B4-BE49-F238E27FC236}">
-                    <a16:creationId xmlns:a16="http://schemas.microsoft.com/office/drawing/2014/main" id="{15FFF6E1-5538-115A-23B0-F6D96A68F38D}"/>
-                  </a:ext>
-                </a:extLst>
-              </p:cNvPr>
-              <p:cNvPicPr>
-                <a:picLocks noChangeAspect="1" noChangeArrowheads="1"/>
-              </p:cNvPicPr>
-              <p:nvPr/>
-            </p:nvPicPr>
-            <p:blipFill>
-              <a:blip r:embed="rId2">
-                <a:extLst>
-                  <a:ext uri="{28A0092B-C50C-407E-A947-70E740481C1C}">
-                    <a14:useLocalDpi xmlns:a14="http://schemas.microsoft.com/office/drawing/2010/main" val="0"/>
-                  </a:ext>
-                </a:extLst>
-              </a:blip>
-              <a:srcRect/>
-              <a:stretch>
-                <a:fillRect/>
-              </a:stretch>
-            </p:blipFill>
-            <p:spPr bwMode="auto">
-              <a:xfrm>
-                <a:off x="0" y="2419349"/>
-                <a:ext cx="3446941" cy="3038475"/>
-              </a:xfrm>
-              <a:prstGeom prst="rect">
-                <a:avLst/>
-              </a:prstGeom>
-              <a:noFill/>
-              <a:extLst>
-                <a:ext uri="{909E8E84-426E-40DD-AFC4-6F175D3DCCD1}">
-                  <a14:hiddenFill xmlns:a14="http://schemas.microsoft.com/office/drawing/2010/main">
-                    <a:solidFill>
-                      <a:srgbClr val="FFFFFF"/>
-                    </a:solidFill>
-                  </a14:hiddenFill>
-                </a:ext>
-              </a:extLst>
-            </p:spPr>
-          </p:pic>
-          <p:pic>
-            <p:nvPicPr>
-              <p:cNvPr id="1030" name="Picture 6" descr="Snowflake New UI - Connection Box">
-                <a:extLst>
-                  <a:ext uri="{FF2B5EF4-FFF2-40B4-BE49-F238E27FC236}">
-                    <a16:creationId xmlns:a16="http://schemas.microsoft.com/office/drawing/2014/main" id="{66723F01-75B2-E582-6649-ABB958F404C6}"/>
-                  </a:ext>
-                </a:extLst>
-              </p:cNvPr>
-              <p:cNvPicPr>
-                <a:picLocks noChangeAspect="1" noChangeArrowheads="1"/>
-              </p:cNvPicPr>
-              <p:nvPr/>
-            </p:nvPicPr>
-            <p:blipFill>
-              <a:blip r:embed="rId3">
-                <a:extLst>
-                  <a:ext uri="{28A0092B-C50C-407E-A947-70E740481C1C}">
-                    <a14:useLocalDpi xmlns:a14="http://schemas.microsoft.com/office/drawing/2010/main" val="0"/>
-                  </a:ext>
-                </a:extLst>
-              </a:blip>
-              <a:srcRect/>
-              <a:stretch>
-                <a:fillRect/>
-              </a:stretch>
-            </p:blipFill>
-            <p:spPr bwMode="auto">
-              <a:xfrm>
-                <a:off x="4278462" y="2105026"/>
-                <a:ext cx="3113660" cy="3667124"/>
-              </a:xfrm>
-              <a:prstGeom prst="rect">
-                <a:avLst/>
-              </a:prstGeom>
-              <a:noFill/>
-              <a:extLst>
-                <a:ext uri="{909E8E84-426E-40DD-AFC4-6F175D3DCCD1}">
-                  <a14:hiddenFill xmlns:a14="http://schemas.microsoft.com/office/drawing/2010/main">
-                    <a:solidFill>
-                      <a:srgbClr val="FFFFFF"/>
-                    </a:solidFill>
-                  </a14:hiddenFill>
-                </a:ext>
-              </a:extLst>
-            </p:spPr>
-          </p:pic>
-          <p:grpSp>
-            <p:nvGrpSpPr>
-              <p:cNvPr id="17" name="Group 16">
-                <a:extLst>
-                  <a:ext uri="{FF2B5EF4-FFF2-40B4-BE49-F238E27FC236}">
-                    <a16:creationId xmlns:a16="http://schemas.microsoft.com/office/drawing/2014/main" id="{B1A400E6-3BE8-AD15-A44F-FBC400C79111}"/>
-                  </a:ext>
-                </a:extLst>
-              </p:cNvPr>
-              <p:cNvGrpSpPr/>
-              <p:nvPr/>
-            </p:nvGrpSpPr>
-            <p:grpSpPr>
-              <a:xfrm>
-                <a:off x="8425013" y="2205037"/>
-                <a:ext cx="2957362" cy="3781855"/>
-                <a:chOff x="8425013" y="1557337"/>
-                <a:chExt cx="2957362" cy="3781855"/>
-              </a:xfrm>
-            </p:grpSpPr>
-            <p:pic>
-              <p:nvPicPr>
-                <p:cNvPr id="4" name="Picture 3">
-                  <a:extLst>
-                    <a:ext uri="{FF2B5EF4-FFF2-40B4-BE49-F238E27FC236}">
-                      <a16:creationId xmlns:a16="http://schemas.microsoft.com/office/drawing/2014/main" id="{7372E2F3-A85C-CAEE-F762-194295DCD4D5}"/>
-                    </a:ext>
-                  </a:extLst>
-                </p:cNvPr>
-                <p:cNvPicPr>
-                  <a:picLocks noChangeAspect="1"/>
-                </p:cNvPicPr>
-                <p:nvPr/>
-              </p:nvPicPr>
-              <p:blipFill>
-                <a:blip r:embed="rId4"/>
-                <a:srcRect r="66002"/>
-                <a:stretch/>
-              </p:blipFill>
-              <p:spPr>
-                <a:xfrm>
-                  <a:off x="8425014" y="3852863"/>
-                  <a:ext cx="2407218" cy="1486329"/>
-                </a:xfrm>
-                <a:prstGeom prst="rect">
-                  <a:avLst/>
-                </a:prstGeom>
-              </p:spPr>
-            </p:pic>
-            <p:pic>
-              <p:nvPicPr>
-                <p:cNvPr id="9" name="Picture 8">
-                  <a:extLst>
-                    <a:ext uri="{FF2B5EF4-FFF2-40B4-BE49-F238E27FC236}">
-                      <a16:creationId xmlns:a16="http://schemas.microsoft.com/office/drawing/2014/main" id="{F08D0736-E2E2-28B6-C09D-DC3003FC5B82}"/>
-                    </a:ext>
-                  </a:extLst>
-                </p:cNvPr>
-                <p:cNvPicPr>
-                  <a:picLocks noChangeAspect="1"/>
-                </p:cNvPicPr>
-                <p:nvPr/>
-              </p:nvPicPr>
-              <p:blipFill>
-                <a:blip r:embed="rId5"/>
-                <a:srcRect l="-1" t="69885" r="54876"/>
-                <a:stretch/>
-              </p:blipFill>
-              <p:spPr>
-                <a:xfrm>
-                  <a:off x="8425013" y="2705100"/>
-                  <a:ext cx="2957362" cy="1009795"/>
-                </a:xfrm>
-                <a:prstGeom prst="rect">
-                  <a:avLst/>
-                </a:prstGeom>
-              </p:spPr>
-            </p:pic>
-            <p:pic>
-              <p:nvPicPr>
-                <p:cNvPr id="14" name="Picture 13">
-                  <a:extLst>
-                    <a:ext uri="{FF2B5EF4-FFF2-40B4-BE49-F238E27FC236}">
-                      <a16:creationId xmlns:a16="http://schemas.microsoft.com/office/drawing/2014/main" id="{4C0CA0B4-E251-3639-3306-9DB0199F1E2C}"/>
-                    </a:ext>
-                  </a:extLst>
-                </p:cNvPr>
-                <p:cNvPicPr>
-                  <a:picLocks noChangeAspect="1"/>
-                </p:cNvPicPr>
-                <p:nvPr/>
-              </p:nvPicPr>
-              <p:blipFill>
-                <a:blip r:embed="rId5"/>
-                <a:srcRect r="60286" b="65770"/>
-                <a:stretch/>
-              </p:blipFill>
-              <p:spPr>
-                <a:xfrm>
-                  <a:off x="8425014" y="1557337"/>
-                  <a:ext cx="2407218" cy="1147763"/>
-                </a:xfrm>
-                <a:prstGeom prst="rect">
-                  <a:avLst/>
-                </a:prstGeom>
-              </p:spPr>
-            </p:pic>
-          </p:grpSp>
-          <p:sp>
-            <p:nvSpPr>
-              <p:cNvPr id="18" name="TextBox 17">
-                <a:extLst>
-                  <a:ext uri="{FF2B5EF4-FFF2-40B4-BE49-F238E27FC236}">
-                    <a16:creationId xmlns:a16="http://schemas.microsoft.com/office/drawing/2014/main" id="{F7A1BBAA-12B2-57C9-EA76-77C5962B09E0}"/>
-                  </a:ext>
-                </a:extLst>
-              </p:cNvPr>
-              <p:cNvSpPr txBox="1"/>
-              <p:nvPr/>
-            </p:nvSpPr>
-            <p:spPr>
-              <a:xfrm>
-                <a:off x="1318658" y="1659637"/>
-                <a:ext cx="809624" cy="369332"/>
-              </a:xfrm>
-              <a:prstGeom prst="rect">
-                <a:avLst/>
-              </a:prstGeom>
-              <a:noFill/>
-            </p:spPr>
-            <p:txBody>
-              <a:bodyPr wrap="square" rtlCol="0">
-                <a:spAutoFit/>
-              </a:bodyPr>
-              <a:lstStyle/>
-              <a:p>
-                <a:r>
-                  <a:rPr lang="en-US" dirty="0">
-                    <a:solidFill>
-                      <a:srgbClr val="00B0F0"/>
-                    </a:solidFill>
-                  </a:rPr>
-                  <a:t>Step 1</a:t>
-                </a:r>
-              </a:p>
-            </p:txBody>
-          </p:sp>
-          <p:sp>
-            <p:nvSpPr>
-              <p:cNvPr id="19" name="TextBox 18">
-                <a:extLst>
-                  <a:ext uri="{FF2B5EF4-FFF2-40B4-BE49-F238E27FC236}">
-                    <a16:creationId xmlns:a16="http://schemas.microsoft.com/office/drawing/2014/main" id="{F7DFB7E8-CEE0-0CFE-A298-2F02B083BDA8}"/>
-                  </a:ext>
-                </a:extLst>
-              </p:cNvPr>
-              <p:cNvSpPr txBox="1"/>
-              <p:nvPr/>
-            </p:nvSpPr>
-            <p:spPr>
-              <a:xfrm>
-                <a:off x="5430480" y="1659637"/>
-                <a:ext cx="809624" cy="369332"/>
-              </a:xfrm>
-              <a:prstGeom prst="rect">
-                <a:avLst/>
-              </a:prstGeom>
-              <a:noFill/>
-            </p:spPr>
-            <p:txBody>
-              <a:bodyPr wrap="square" rtlCol="0">
-                <a:spAutoFit/>
-              </a:bodyPr>
-              <a:lstStyle/>
-              <a:p>
-                <a:r>
-                  <a:rPr lang="en-US" dirty="0">
-                    <a:solidFill>
-                      <a:srgbClr val="00B0F0"/>
-                    </a:solidFill>
-                  </a:rPr>
-                  <a:t>Step 2</a:t>
-                </a:r>
-              </a:p>
-            </p:txBody>
-          </p:sp>
-          <p:sp>
-            <p:nvSpPr>
-              <p:cNvPr id="20" name="TextBox 19">
-                <a:extLst>
-                  <a:ext uri="{FF2B5EF4-FFF2-40B4-BE49-F238E27FC236}">
-                    <a16:creationId xmlns:a16="http://schemas.microsoft.com/office/drawing/2014/main" id="{7AC52878-3692-FB2A-1322-BEE5B3070048}"/>
-                  </a:ext>
-                </a:extLst>
-              </p:cNvPr>
-              <p:cNvSpPr txBox="1"/>
-              <p:nvPr/>
-            </p:nvSpPr>
-            <p:spPr>
-              <a:xfrm>
-                <a:off x="9326205" y="1659637"/>
-                <a:ext cx="809624" cy="369332"/>
-              </a:xfrm>
-              <a:prstGeom prst="rect">
-                <a:avLst/>
-              </a:prstGeom>
-              <a:noFill/>
-            </p:spPr>
-            <p:txBody>
-              <a:bodyPr wrap="square" rtlCol="0">
-                <a:spAutoFit/>
-              </a:bodyPr>
-              <a:lstStyle/>
-              <a:p>
-                <a:r>
-                  <a:rPr lang="en-US" dirty="0">
-                    <a:solidFill>
-                      <a:schemeClr val="accent2"/>
-                    </a:solidFill>
-                  </a:rPr>
-                  <a:t>Step 3</a:t>
-                </a:r>
-              </a:p>
-            </p:txBody>
-          </p:sp>
-        </p:grpSp>
-        <p:cxnSp>
-          <p:nvCxnSpPr>
-            <p:cNvPr id="23" name="Straight Arrow Connector 22">
-              <a:extLst>
-                <a:ext uri="{FF2B5EF4-FFF2-40B4-BE49-F238E27FC236}">
-                  <a16:creationId xmlns:a16="http://schemas.microsoft.com/office/drawing/2014/main" id="{3A61F3D3-DD3F-9229-6E88-2475FFA937B2}"/>
-                </a:ext>
-              </a:extLst>
-            </p:cNvPr>
-            <p:cNvCxnSpPr>
-              <a:stCxn id="1026" idx="3"/>
-              <a:endCxn id="1030" idx="1"/>
-            </p:cNvCxnSpPr>
-            <p:nvPr/>
-          </p:nvCxnSpPr>
-          <p:spPr>
-            <a:xfrm>
-              <a:off x="3446941" y="3938587"/>
-              <a:ext cx="831521" cy="1"/>
-            </a:xfrm>
-            <a:prstGeom prst="straightConnector1">
-              <a:avLst/>
-            </a:prstGeom>
-            <a:ln w="38100">
-              <a:tailEnd type="triangle"/>
-            </a:ln>
-          </p:spPr>
-          <p:style>
-            <a:lnRef idx="3">
-              <a:schemeClr val="dk1"/>
-            </a:lnRef>
-            <a:fillRef idx="0">
-              <a:schemeClr val="dk1"/>
-            </a:fillRef>
-            <a:effectRef idx="2">
-              <a:schemeClr val="dk1"/>
-            </a:effectRef>
-            <a:fontRef idx="minor">
-              <a:schemeClr val="tx1"/>
-            </a:fontRef>
-          </p:style>
-        </p:cxnSp>
-        <p:cxnSp>
-          <p:nvCxnSpPr>
-            <p:cNvPr id="25" name="Straight Arrow Connector 24">
-              <a:extLst>
-                <a:ext uri="{FF2B5EF4-FFF2-40B4-BE49-F238E27FC236}">
-                  <a16:creationId xmlns:a16="http://schemas.microsoft.com/office/drawing/2014/main" id="{CF0D9792-C16B-5821-6F1B-B480FB1B977C}"/>
-                </a:ext>
-              </a:extLst>
-            </p:cNvPr>
-            <p:cNvCxnSpPr>
-              <a:cxnSpLocks/>
-            </p:cNvCxnSpPr>
-            <p:nvPr/>
-          </p:nvCxnSpPr>
-          <p:spPr>
-            <a:xfrm>
-              <a:off x="7593491" y="3938586"/>
-              <a:ext cx="831521" cy="1"/>
-            </a:xfrm>
-            <a:prstGeom prst="straightConnector1">
-              <a:avLst/>
-            </a:prstGeom>
-            <a:ln w="38100">
-              <a:tailEnd type="triangle"/>
-            </a:ln>
-          </p:spPr>
-          <p:style>
-            <a:lnRef idx="3">
-              <a:schemeClr val="dk1"/>
-            </a:lnRef>
-            <a:fillRef idx="0">
-              <a:schemeClr val="dk1"/>
-            </a:fillRef>
-            <a:effectRef idx="2">
-              <a:schemeClr val="dk1"/>
-            </a:effectRef>
-            <a:fontRef idx="minor">
-              <a:schemeClr val="tx1"/>
-            </a:fontRef>
-          </p:style>
-        </p:cxnSp>
-      </p:grpSp>
-      <p:pic>
-        <p:nvPicPr>
-          <p:cNvPr id="30" name="Picture 2" descr="FIRN Analytics: Timely Data Solutions &amp; Expert Consultancy">
-            <a:extLst>
-              <a:ext uri="{FF2B5EF4-FFF2-40B4-BE49-F238E27FC236}">
-                <a16:creationId xmlns:a16="http://schemas.microsoft.com/office/drawing/2014/main" id="{EC4E0CB6-A9A1-AA93-273B-B557BE6509DC}"/>
-              </a:ext>
-            </a:extLst>
-          </p:cNvPr>
-          <p:cNvPicPr>
-            <a:picLocks noChangeAspect="1" noChangeArrowheads="1"/>
-          </p:cNvPicPr>
-          <p:nvPr/>
-        </p:nvPicPr>
-        <p:blipFill>
-          <a:blip r:embed="rId6">
-            <a:extLst>
-              <a:ext uri="{28A0092B-C50C-407E-A947-70E740481C1C}">
-                <a14:useLocalDpi xmlns:a14="http://schemas.microsoft.com/office/drawing/2010/main" val="0"/>
-              </a:ext>
-            </a:extLst>
-          </a:blip>
-          <a:srcRect/>
-          <a:stretch>
-            <a:fillRect/>
-          </a:stretch>
-        </p:blipFill>
-        <p:spPr bwMode="auto">
-          <a:xfrm>
-            <a:off x="11182350" y="5848350"/>
-            <a:ext cx="1009650" cy="1009650"/>
-          </a:xfrm>
-          <a:prstGeom prst="rect">
-            <a:avLst/>
-          </a:prstGeom>
-          <a:noFill/>
-          <a:extLst>
-            <a:ext uri="{909E8E84-426E-40DD-AFC4-6F175D3DCCD1}">
-              <a14:hiddenFill xmlns:a14="http://schemas.microsoft.com/office/drawing/2010/main">
-                <a:solidFill>
-                  <a:srgbClr val="FFFFFF"/>
-                </a:solidFill>
-              </a14:hiddenFill>
-            </a:ext>
-          </a:extLst>
-        </p:spPr>
-      </p:pic>
-    </p:spTree>
-    <p:extLst>
-      <p:ext uri="{BB962C8B-B14F-4D97-AF65-F5344CB8AC3E}">
-        <p14:creationId xmlns:p14="http://schemas.microsoft.com/office/powerpoint/2010/main" val="1547502742"/>
       </p:ext>
     </p:extLst>
   </p:cSld>
